--- a/slides/00_installation_introduction.pptx
+++ b/slides/00_installation_introduction.pptx
@@ -967,7 +967,7 @@
       </p:grpSpPr>
       <p:sp>
         <p:nvSpPr>
-          <p:cNvPr id="138" name="Google Shape;138;p8:notes"/>
+          <p:cNvPr id="138" name="Google Shape;138;p10:notes"/>
           <p:cNvSpPr/>
           <p:nvPr>
             <p:ph idx="2" type="sldImg"/>
@@ -1012,7 +1012,7 @@
       </p:sp>
       <p:sp>
         <p:nvSpPr>
-          <p:cNvPr id="139" name="Google Shape;139;p8:notes"/>
+          <p:cNvPr id="139" name="Google Shape;139;p10:notes"/>
           <p:cNvSpPr txBox="1"/>
           <p:nvPr>
             <p:ph idx="1" type="body"/>
@@ -1084,7 +1084,7 @@
       </p:grpSpPr>
       <p:sp>
         <p:nvSpPr>
-          <p:cNvPr id="144" name="Google Shape;144;p9:notes"/>
+          <p:cNvPr id="144" name="Google Shape;144;p11:notes"/>
           <p:cNvSpPr/>
           <p:nvPr>
             <p:ph idx="2" type="sldImg"/>
@@ -1129,7 +1129,7 @@
       </p:sp>
       <p:sp>
         <p:nvSpPr>
-          <p:cNvPr id="145" name="Google Shape;145;p9:notes"/>
+          <p:cNvPr id="145" name="Google Shape;145;p11:notes"/>
           <p:cNvSpPr txBox="1"/>
           <p:nvPr>
             <p:ph idx="1" type="body"/>
@@ -1786,205 +1786,7 @@
       </p:grpSpPr>
       <p:sp>
         <p:nvSpPr>
-          <p:cNvPr id="117" name="Google Shape;117;gf9d0aa8325_0_0:notes"/>
-          <p:cNvSpPr/>
-          <p:nvPr>
-            <p:ph idx="2" type="sldImg"/>
-          </p:nvPr>
-        </p:nvSpPr>
-        <p:spPr>
-          <a:xfrm>
-            <a:off x="381300" y="685800"/>
-            <a:ext cx="6096000" cy="3429000"/>
-          </a:xfrm>
-          <a:custGeom>
-            <a:rect b="b" l="l" r="r" t="t"/>
-            <a:pathLst>
-              <a:path extrusionOk="0" h="120000" w="120000">
-                <a:moveTo>
-                  <a:pt x="0" y="0"/>
-                </a:moveTo>
-                <a:lnTo>
-                  <a:pt x="120000" y="0"/>
-                </a:lnTo>
-                <a:lnTo>
-                  <a:pt x="120000" y="120000"/>
-                </a:lnTo>
-                <a:lnTo>
-                  <a:pt x="0" y="120000"/>
-                </a:lnTo>
-                <a:close/>
-              </a:path>
-            </a:pathLst>
-          </a:custGeom>
-        </p:spPr>
-      </p:sp>
-      <p:sp>
-        <p:nvSpPr>
-          <p:cNvPr id="118" name="Google Shape;118;gf9d0aa8325_0_0:notes"/>
-          <p:cNvSpPr txBox="1"/>
-          <p:nvPr>
-            <p:ph idx="1" type="body"/>
-          </p:nvPr>
-        </p:nvSpPr>
-        <p:spPr>
-          <a:xfrm>
-            <a:off x="685800" y="4343400"/>
-            <a:ext cx="5486400" cy="4114800"/>
-          </a:xfrm>
-          <a:prstGeom prst="rect">
-            <a:avLst/>
-          </a:prstGeom>
-        </p:spPr>
-        <p:txBody>
-          <a:bodyPr anchorCtr="0" anchor="t" bIns="91425" lIns="91425" spcFirstLastPara="1" rIns="91425" wrap="square" tIns="91425">
-            <a:noAutofit/>
-          </a:bodyPr>
-          <a:lstStyle/>
-          <a:p>
-            <a:pPr indent="0" lvl="0" marL="0" rtl="0" algn="l">
-              <a:spcBef>
-                <a:spcPts val="0"/>
-              </a:spcBef>
-              <a:spcAft>
-                <a:spcPts val="0"/>
-              </a:spcAft>
-              <a:buNone/>
-            </a:pPr>
-            <a:r>
-              <a:t/>
-            </a:r>
-            <a:endParaRPr/>
-          </a:p>
-        </p:txBody>
-      </p:sp>
-    </p:spTree>
-  </p:cSld>
-  <p:clrMapOvr>
-    <a:masterClrMapping/>
-  </p:clrMapOvr>
-</p:notes>
-</file>
-
-<file path=ppt/notesSlides/notesSlide8.xml><?xml version="1.0" encoding="utf-8"?>
-<p:notes xmlns:a="http://schemas.openxmlformats.org/drawingml/2006/main" xmlns:r="http://schemas.openxmlformats.org/officeDocument/2006/relationships" xmlns:mc="http://schemas.openxmlformats.org/markup-compatibility/2006" xmlns:mv="urn:schemas-microsoft-com:mac:vml" xmlns:p="http://schemas.openxmlformats.org/presentationml/2006/main" xmlns:c="http://schemas.openxmlformats.org/drawingml/2006/chart" xmlns:dgm="http://schemas.openxmlformats.org/drawingml/2006/diagram" xmlns:o="urn:schemas-microsoft-com:office:office" xmlns:v="urn:schemas-microsoft-com:vml" xmlns:pvml="urn:schemas-microsoft-com:office:powerpoint" xmlns:com="http://schemas.openxmlformats.org/drawingml/2006/compatibility" xmlns:p14="http://schemas.microsoft.com/office/powerpoint/2010/main" xmlns:p15="http://schemas.microsoft.com/office/powerpoint/2012/main" xmlns:ahyp="http://schemas.microsoft.com/office/drawing/2018/hyperlinkcolor" showMasterPhAnim="0" showMasterSp="0">
-  <p:cSld>
-    <p:spTree>
-      <p:nvGrpSpPr>
-        <p:cNvPr id="124" name="Shape 124"/>
-        <p:cNvGrpSpPr/>
-        <p:nvPr/>
-      </p:nvGrpSpPr>
-      <p:grpSpPr>
-        <a:xfrm>
-          <a:off x="0" y="0"/>
-          <a:ext cx="0" cy="0"/>
-          <a:chOff x="0" y="0"/>
-          <a:chExt cx="0" cy="0"/>
-        </a:xfrm>
-      </p:grpSpPr>
-      <p:sp>
-        <p:nvSpPr>
-          <p:cNvPr id="125" name="Google Shape;125;gf9e5758b1c_0_0:notes"/>
-          <p:cNvSpPr/>
-          <p:nvPr>
-            <p:ph idx="2" type="sldImg"/>
-          </p:nvPr>
-        </p:nvSpPr>
-        <p:spPr>
-          <a:xfrm>
-            <a:off x="381300" y="685800"/>
-            <a:ext cx="6096000" cy="3429000"/>
-          </a:xfrm>
-          <a:custGeom>
-            <a:rect b="b" l="l" r="r" t="t"/>
-            <a:pathLst>
-              <a:path extrusionOk="0" h="120000" w="120000">
-                <a:moveTo>
-                  <a:pt x="0" y="0"/>
-                </a:moveTo>
-                <a:lnTo>
-                  <a:pt x="120000" y="0"/>
-                </a:lnTo>
-                <a:lnTo>
-                  <a:pt x="120000" y="120000"/>
-                </a:lnTo>
-                <a:lnTo>
-                  <a:pt x="0" y="120000"/>
-                </a:lnTo>
-                <a:close/>
-              </a:path>
-            </a:pathLst>
-          </a:custGeom>
-        </p:spPr>
-      </p:sp>
-      <p:sp>
-        <p:nvSpPr>
-          <p:cNvPr id="126" name="Google Shape;126;gf9e5758b1c_0_0:notes"/>
-          <p:cNvSpPr txBox="1"/>
-          <p:nvPr>
-            <p:ph idx="1" type="body"/>
-          </p:nvPr>
-        </p:nvSpPr>
-        <p:spPr>
-          <a:xfrm>
-            <a:off x="685800" y="4343400"/>
-            <a:ext cx="5486400" cy="4114800"/>
-          </a:xfrm>
-          <a:prstGeom prst="rect">
-            <a:avLst/>
-          </a:prstGeom>
-        </p:spPr>
-        <p:txBody>
-          <a:bodyPr anchorCtr="0" anchor="t" bIns="91425" lIns="91425" spcFirstLastPara="1" rIns="91425" wrap="square" tIns="91425">
-            <a:noAutofit/>
-          </a:bodyPr>
-          <a:lstStyle/>
-          <a:p>
-            <a:pPr indent="0" lvl="0" marL="0" rtl="0" algn="l">
-              <a:spcBef>
-                <a:spcPts val="0"/>
-              </a:spcBef>
-              <a:spcAft>
-                <a:spcPts val="0"/>
-              </a:spcAft>
-              <a:buNone/>
-            </a:pPr>
-            <a:r>
-              <a:t/>
-            </a:r>
-            <a:endParaRPr/>
-          </a:p>
-        </p:txBody>
-      </p:sp>
-    </p:spTree>
-  </p:cSld>
-  <p:clrMapOvr>
-    <a:masterClrMapping/>
-  </p:clrMapOvr>
-</p:notes>
-</file>
-
-<file path=ppt/notesSlides/notesSlide9.xml><?xml version="1.0" encoding="utf-8"?>
-<p:notes xmlns:a="http://schemas.openxmlformats.org/drawingml/2006/main" xmlns:r="http://schemas.openxmlformats.org/officeDocument/2006/relationships" xmlns:mc="http://schemas.openxmlformats.org/markup-compatibility/2006" xmlns:mv="urn:schemas-microsoft-com:mac:vml" xmlns:p="http://schemas.openxmlformats.org/presentationml/2006/main" xmlns:c="http://schemas.openxmlformats.org/drawingml/2006/chart" xmlns:dgm="http://schemas.openxmlformats.org/drawingml/2006/diagram" xmlns:o="urn:schemas-microsoft-com:office:office" xmlns:v="urn:schemas-microsoft-com:vml" xmlns:pvml="urn:schemas-microsoft-com:office:powerpoint" xmlns:com="http://schemas.openxmlformats.org/drawingml/2006/compatibility" xmlns:p14="http://schemas.microsoft.com/office/powerpoint/2010/main" xmlns:p15="http://schemas.microsoft.com/office/powerpoint/2012/main" xmlns:ahyp="http://schemas.microsoft.com/office/drawing/2018/hyperlinkcolor" showMasterPhAnim="0" showMasterSp="0">
-  <p:cSld>
-    <p:spTree>
-      <p:nvGrpSpPr>
-        <p:cNvPr id="130" name="Shape 130"/>
-        <p:cNvGrpSpPr/>
-        <p:nvPr/>
-      </p:nvGrpSpPr>
-      <p:grpSpPr>
-        <a:xfrm>
-          <a:off x="0" y="0"/>
-          <a:ext cx="0" cy="0"/>
-          <a:chOff x="0" y="0"/>
-          <a:chExt cx="0" cy="0"/>
-        </a:xfrm>
-      </p:grpSpPr>
-      <p:sp>
-        <p:nvSpPr>
-          <p:cNvPr id="131" name="Google Shape;131;p7:notes"/>
+          <p:cNvPr id="117" name="Google Shape;117;p7:notes"/>
           <p:cNvSpPr/>
           <p:nvPr>
             <p:ph idx="2" type="sldImg"/>
@@ -2029,7 +1831,241 @@
       </p:sp>
       <p:sp>
         <p:nvSpPr>
-          <p:cNvPr id="132" name="Google Shape;132;p7:notes"/>
+          <p:cNvPr id="118" name="Google Shape;118;p7:notes"/>
+          <p:cNvSpPr txBox="1"/>
+          <p:nvPr>
+            <p:ph idx="1" type="body"/>
+          </p:nvPr>
+        </p:nvSpPr>
+        <p:spPr>
+          <a:xfrm>
+            <a:off x="685800" y="4343400"/>
+            <a:ext cx="5486400" cy="4114800"/>
+          </a:xfrm>
+          <a:prstGeom prst="rect">
+            <a:avLst/>
+          </a:prstGeom>
+          <a:noFill/>
+          <a:ln>
+            <a:noFill/>
+          </a:ln>
+        </p:spPr>
+        <p:txBody>
+          <a:bodyPr anchorCtr="0" anchor="t" bIns="91425" lIns="91425" spcFirstLastPara="1" rIns="91425" wrap="square" tIns="91425">
+            <a:noAutofit/>
+          </a:bodyPr>
+          <a:lstStyle/>
+          <a:p>
+            <a:pPr indent="0" lvl="0" marL="0" rtl="0" algn="l">
+              <a:lnSpc>
+                <a:spcPct val="100000"/>
+              </a:lnSpc>
+              <a:spcBef>
+                <a:spcPts val="0"/>
+              </a:spcBef>
+              <a:spcAft>
+                <a:spcPts val="0"/>
+              </a:spcAft>
+              <a:buSzPts val="1100"/>
+              <a:buNone/>
+            </a:pPr>
+            <a:r>
+              <a:t/>
+            </a:r>
+            <a:endParaRPr/>
+          </a:p>
+        </p:txBody>
+      </p:sp>
+    </p:spTree>
+  </p:cSld>
+  <p:clrMapOvr>
+    <a:masterClrMapping/>
+  </p:clrMapOvr>
+</p:notes>
+</file>
+
+<file path=ppt/notesSlides/notesSlide8.xml><?xml version="1.0" encoding="utf-8"?>
+<p:notes xmlns:a="http://schemas.openxmlformats.org/drawingml/2006/main" xmlns:r="http://schemas.openxmlformats.org/officeDocument/2006/relationships" xmlns:mc="http://schemas.openxmlformats.org/markup-compatibility/2006" xmlns:mv="urn:schemas-microsoft-com:mac:vml" xmlns:p="http://schemas.openxmlformats.org/presentationml/2006/main" xmlns:c="http://schemas.openxmlformats.org/drawingml/2006/chart" xmlns:dgm="http://schemas.openxmlformats.org/drawingml/2006/diagram" xmlns:o="urn:schemas-microsoft-com:office:office" xmlns:v="urn:schemas-microsoft-com:vml" xmlns:pvml="urn:schemas-microsoft-com:office:powerpoint" xmlns:com="http://schemas.openxmlformats.org/drawingml/2006/compatibility" xmlns:p14="http://schemas.microsoft.com/office/powerpoint/2010/main" xmlns:p15="http://schemas.microsoft.com/office/powerpoint/2012/main" xmlns:ahyp="http://schemas.microsoft.com/office/drawing/2018/hyperlinkcolor" showMasterPhAnim="0" showMasterSp="0">
+  <p:cSld>
+    <p:spTree>
+      <p:nvGrpSpPr>
+        <p:cNvPr id="124" name="Shape 124"/>
+        <p:cNvGrpSpPr/>
+        <p:nvPr/>
+      </p:nvGrpSpPr>
+      <p:grpSpPr>
+        <a:xfrm>
+          <a:off x="0" y="0"/>
+          <a:ext cx="0" cy="0"/>
+          <a:chOff x="0" y="0"/>
+          <a:chExt cx="0" cy="0"/>
+        </a:xfrm>
+      </p:grpSpPr>
+      <p:sp>
+        <p:nvSpPr>
+          <p:cNvPr id="125" name="Google Shape;125;p8:notes"/>
+          <p:cNvSpPr/>
+          <p:nvPr>
+            <p:ph idx="2" type="sldImg"/>
+          </p:nvPr>
+        </p:nvSpPr>
+        <p:spPr>
+          <a:xfrm>
+            <a:off x="381300" y="685800"/>
+            <a:ext cx="6096000" cy="3429000"/>
+          </a:xfrm>
+          <a:custGeom>
+            <a:rect b="b" l="l" r="r" t="t"/>
+            <a:pathLst>
+              <a:path extrusionOk="0" h="120000" w="120000">
+                <a:moveTo>
+                  <a:pt x="0" y="0"/>
+                </a:moveTo>
+                <a:lnTo>
+                  <a:pt x="120000" y="0"/>
+                </a:lnTo>
+                <a:lnTo>
+                  <a:pt x="120000" y="120000"/>
+                </a:lnTo>
+                <a:lnTo>
+                  <a:pt x="0" y="120000"/>
+                </a:lnTo>
+                <a:close/>
+              </a:path>
+            </a:pathLst>
+          </a:custGeom>
+          <a:noFill/>
+          <a:ln cap="flat" cmpd="sng" w="9525">
+            <a:solidFill>
+              <a:srgbClr val="000000"/>
+            </a:solidFill>
+            <a:prstDash val="solid"/>
+            <a:round/>
+            <a:headEnd len="sm" w="sm" type="none"/>
+            <a:tailEnd len="sm" w="sm" type="none"/>
+          </a:ln>
+        </p:spPr>
+      </p:sp>
+      <p:sp>
+        <p:nvSpPr>
+          <p:cNvPr id="126" name="Google Shape;126;p8:notes"/>
+          <p:cNvSpPr txBox="1"/>
+          <p:nvPr>
+            <p:ph idx="1" type="body"/>
+          </p:nvPr>
+        </p:nvSpPr>
+        <p:spPr>
+          <a:xfrm>
+            <a:off x="685800" y="4343400"/>
+            <a:ext cx="5486400" cy="4114800"/>
+          </a:xfrm>
+          <a:prstGeom prst="rect">
+            <a:avLst/>
+          </a:prstGeom>
+          <a:noFill/>
+          <a:ln>
+            <a:noFill/>
+          </a:ln>
+        </p:spPr>
+        <p:txBody>
+          <a:bodyPr anchorCtr="0" anchor="t" bIns="91425" lIns="91425" spcFirstLastPara="1" rIns="91425" wrap="square" tIns="91425">
+            <a:noAutofit/>
+          </a:bodyPr>
+          <a:lstStyle/>
+          <a:p>
+            <a:pPr indent="0" lvl="0" marL="0" rtl="0" algn="l">
+              <a:lnSpc>
+                <a:spcPct val="100000"/>
+              </a:lnSpc>
+              <a:spcBef>
+                <a:spcPts val="0"/>
+              </a:spcBef>
+              <a:spcAft>
+                <a:spcPts val="0"/>
+              </a:spcAft>
+              <a:buSzPts val="1100"/>
+              <a:buNone/>
+            </a:pPr>
+            <a:r>
+              <a:t/>
+            </a:r>
+            <a:endParaRPr/>
+          </a:p>
+        </p:txBody>
+      </p:sp>
+    </p:spTree>
+  </p:cSld>
+  <p:clrMapOvr>
+    <a:masterClrMapping/>
+  </p:clrMapOvr>
+</p:notes>
+</file>
+
+<file path=ppt/notesSlides/notesSlide9.xml><?xml version="1.0" encoding="utf-8"?>
+<p:notes xmlns:a="http://schemas.openxmlformats.org/drawingml/2006/main" xmlns:r="http://schemas.openxmlformats.org/officeDocument/2006/relationships" xmlns:mc="http://schemas.openxmlformats.org/markup-compatibility/2006" xmlns:mv="urn:schemas-microsoft-com:mac:vml" xmlns:p="http://schemas.openxmlformats.org/presentationml/2006/main" xmlns:c="http://schemas.openxmlformats.org/drawingml/2006/chart" xmlns:dgm="http://schemas.openxmlformats.org/drawingml/2006/diagram" xmlns:o="urn:schemas-microsoft-com:office:office" xmlns:v="urn:schemas-microsoft-com:vml" xmlns:pvml="urn:schemas-microsoft-com:office:powerpoint" xmlns:com="http://schemas.openxmlformats.org/drawingml/2006/compatibility" xmlns:p14="http://schemas.microsoft.com/office/powerpoint/2010/main" xmlns:p15="http://schemas.microsoft.com/office/powerpoint/2012/main" xmlns:ahyp="http://schemas.microsoft.com/office/drawing/2018/hyperlinkcolor" showMasterPhAnim="0" showMasterSp="0">
+  <p:cSld>
+    <p:spTree>
+      <p:nvGrpSpPr>
+        <p:cNvPr id="130" name="Shape 130"/>
+        <p:cNvGrpSpPr/>
+        <p:nvPr/>
+      </p:nvGrpSpPr>
+      <p:grpSpPr>
+        <a:xfrm>
+          <a:off x="0" y="0"/>
+          <a:ext cx="0" cy="0"/>
+          <a:chOff x="0" y="0"/>
+          <a:chExt cx="0" cy="0"/>
+        </a:xfrm>
+      </p:grpSpPr>
+      <p:sp>
+        <p:nvSpPr>
+          <p:cNvPr id="131" name="Google Shape;131;p9:notes"/>
+          <p:cNvSpPr/>
+          <p:nvPr>
+            <p:ph idx="2" type="sldImg"/>
+          </p:nvPr>
+        </p:nvSpPr>
+        <p:spPr>
+          <a:xfrm>
+            <a:off x="381300" y="685800"/>
+            <a:ext cx="6096000" cy="3429000"/>
+          </a:xfrm>
+          <a:custGeom>
+            <a:rect b="b" l="l" r="r" t="t"/>
+            <a:pathLst>
+              <a:path extrusionOk="0" h="120000" w="120000">
+                <a:moveTo>
+                  <a:pt x="0" y="0"/>
+                </a:moveTo>
+                <a:lnTo>
+                  <a:pt x="120000" y="0"/>
+                </a:lnTo>
+                <a:lnTo>
+                  <a:pt x="120000" y="120000"/>
+                </a:lnTo>
+                <a:lnTo>
+                  <a:pt x="0" y="120000"/>
+                </a:lnTo>
+                <a:close/>
+              </a:path>
+            </a:pathLst>
+          </a:custGeom>
+          <a:noFill/>
+          <a:ln cap="flat" cmpd="sng" w="9525">
+            <a:solidFill>
+              <a:srgbClr val="000000"/>
+            </a:solidFill>
+            <a:prstDash val="solid"/>
+            <a:round/>
+            <a:headEnd len="sm" w="sm" type="none"/>
+            <a:tailEnd len="sm" w="sm" type="none"/>
+          </a:ln>
+        </p:spPr>
+      </p:sp>
+      <p:sp>
+        <p:nvSpPr>
+          <p:cNvPr id="132" name="Google Shape;132;p9:notes"/>
           <p:cNvSpPr txBox="1"/>
           <p:nvPr>
             <p:ph idx="1" type="body"/>
@@ -9917,6 +9953,9 @@
           <a:lstStyle/>
           <a:p>
             <a:pPr indent="0" lvl="0" marL="0" rtl="0" algn="l">
+              <a:lnSpc>
+                <a:spcPct val="100000"/>
+              </a:lnSpc>
               <a:spcBef>
                 <a:spcPts val="0"/>
               </a:spcBef>
@@ -10670,7 +10709,7 @@
             </a:pPr>
             <a:r>
               <a:rPr lang="de"/>
-              <a:t>Zwei grundsätzliche Konzepte von Java</a:t>
+              <a:t>Sprachkonzepte von Java</a:t>
             </a:r>
             <a:endParaRPr/>
           </a:p>
@@ -11919,6 +11958,10 @@
           <a:prstGeom prst="rect">
             <a:avLst/>
           </a:prstGeom>
+          <a:noFill/>
+          <a:ln>
+            <a:noFill/>
+          </a:ln>
         </p:spPr>
         <p:txBody>
           <a:bodyPr anchorCtr="0" anchor="b" bIns="0" lIns="0" spcFirstLastPara="1" rIns="0" wrap="square" tIns="0">
@@ -11927,12 +11970,16 @@
           <a:lstStyle/>
           <a:p>
             <a:pPr indent="0" lvl="0" marL="0" rtl="0" algn="l">
-              <a:spcBef>
-                <a:spcPts val="0"/>
-              </a:spcBef>
-              <a:spcAft>
-                <a:spcPts val="0"/>
-              </a:spcAft>
+              <a:lnSpc>
+                <a:spcPct val="100000"/>
+              </a:lnSpc>
+              <a:spcBef>
+                <a:spcPts val="0"/>
+              </a:spcBef>
+              <a:spcAft>
+                <a:spcPts val="0"/>
+              </a:spcAft>
+              <a:buSzPts val="1400"/>
               <a:buNone/>
             </a:pPr>
             <a:r>
@@ -11959,6 +12006,10 @@
           <a:prstGeom prst="rect">
             <a:avLst/>
           </a:prstGeom>
+          <a:noFill/>
+          <a:ln>
+            <a:noFill/>
+          </a:ln>
         </p:spPr>
         <p:txBody>
           <a:bodyPr anchorCtr="0" anchor="t" bIns="0" lIns="0" spcFirstLastPara="1" rIns="0" wrap="square" tIns="0">
@@ -11967,12 +12018,16 @@
           <a:lstStyle/>
           <a:p>
             <a:pPr indent="0" lvl="0" marL="0" rtl="0" algn="l">
+              <a:lnSpc>
+                <a:spcPct val="100000"/>
+              </a:lnSpc>
               <a:spcBef>
                 <a:spcPts val="320"/>
               </a:spcBef>
               <a:spcAft>
                 <a:spcPts val="0"/>
               </a:spcAft>
+              <a:buSzPts val="1400"/>
               <a:buNone/>
             </a:pPr>
             <a:r>
@@ -11983,12 +12038,16 @@
           </a:p>
           <a:p>
             <a:pPr indent="0" lvl="0" marL="0" rtl="0" algn="l">
+              <a:lnSpc>
+                <a:spcPct val="100000"/>
+              </a:lnSpc>
               <a:spcBef>
                 <a:spcPts val="320"/>
               </a:spcBef>
               <a:spcAft>
                 <a:spcPts val="0"/>
               </a:spcAft>
+              <a:buSzPts val="1400"/>
               <a:buNone/>
             </a:pPr>
             <a:r>
@@ -11999,6 +12058,9 @@
           </a:p>
           <a:p>
             <a:pPr indent="-317500" lvl="0" marL="457200" rtl="0" algn="l">
+              <a:lnSpc>
+                <a:spcPct val="100000"/>
+              </a:lnSpc>
               <a:spcBef>
                 <a:spcPts val="320"/>
               </a:spcBef>
@@ -12016,6 +12078,9 @@
           </a:p>
           <a:p>
             <a:pPr indent="-342900" lvl="1" marL="914400" rtl="0" algn="l">
+              <a:lnSpc>
+                <a:spcPct val="100000"/>
+              </a:lnSpc>
               <a:spcBef>
                 <a:spcPts val="0"/>
               </a:spcBef>
@@ -12033,6 +12098,9 @@
           </a:p>
           <a:p>
             <a:pPr indent="-342900" lvl="1" marL="914400" rtl="0" algn="l">
+              <a:lnSpc>
+                <a:spcPct val="100000"/>
+              </a:lnSpc>
               <a:spcBef>
                 <a:spcPts val="0"/>
               </a:spcBef>
@@ -12050,6 +12118,9 @@
           </a:p>
           <a:p>
             <a:pPr indent="-317500" lvl="0" marL="457200" rtl="0" algn="l">
+              <a:lnSpc>
+                <a:spcPct val="100000"/>
+              </a:lnSpc>
               <a:spcBef>
                 <a:spcPts val="0"/>
               </a:spcBef>
@@ -12092,31 +12163,50 @@
           </a:bodyPr>
           <a:lstStyle/>
           <a:p>
-            <a:pPr indent="0" lvl="0" marL="0" rtl="0" algn="l">
+            <a:pPr indent="0" lvl="0" marL="0" marR="0" rtl="0" algn="l">
+              <a:lnSpc>
+                <a:spcPct val="100000"/>
+              </a:lnSpc>
               <a:spcBef>
                 <a:spcPts val="320"/>
               </a:spcBef>
               <a:spcAft>
                 <a:spcPts val="0"/>
               </a:spcAft>
+              <a:buClr>
+                <a:srgbClr val="000000"/>
+              </a:buClr>
+              <a:buSzPts val="1600"/>
+              <a:buFont typeface="Arial"/>
               <a:buNone/>
             </a:pPr>
             <a:r>
-              <a:rPr lang="de" sz="1600">
+              <a:rPr b="0" i="0" lang="de" sz="1600" u="none" cap="none" strike="noStrike">
                 <a:solidFill>
                   <a:schemeClr val="dk1"/>
                 </a:solidFill>
+                <a:latin typeface="Arial"/>
+                <a:ea typeface="Arial"/>
+                <a:cs typeface="Arial"/>
+                <a:sym typeface="Arial"/>
               </a:rPr>
               <a:t>Gute IDEs (für später):</a:t>
             </a:r>
-            <a:endParaRPr sz="1600">
+            <a:endParaRPr b="0" i="0" sz="1600" u="none" cap="none" strike="noStrike">
               <a:solidFill>
                 <a:schemeClr val="dk1"/>
               </a:solidFill>
+              <a:latin typeface="Arial"/>
+              <a:ea typeface="Arial"/>
+              <a:cs typeface="Arial"/>
+              <a:sym typeface="Arial"/>
             </a:endParaRPr>
           </a:p>
           <a:p>
-            <a:pPr indent="-330200" lvl="0" marL="457200" rtl="0" algn="l">
+            <a:pPr indent="-330200" lvl="0" marL="457200" marR="0" rtl="0" algn="l">
+              <a:lnSpc>
+                <a:spcPct val="100000"/>
+              </a:lnSpc>
               <a:spcBef>
                 <a:spcPts val="320"/>
               </a:spcBef>
@@ -12127,24 +12217,36 @@
                 <a:schemeClr val="dk1"/>
               </a:buClr>
               <a:buSzPts val="1600"/>
+              <a:buFont typeface="Arial"/>
               <a:buChar char="●"/>
             </a:pPr>
             <a:r>
-              <a:rPr lang="de" sz="1600">
+              <a:rPr b="0" i="0" lang="de" sz="1600" u="none" cap="none" strike="noStrike">
                 <a:solidFill>
                   <a:schemeClr val="dk1"/>
                 </a:solidFill>
+                <a:latin typeface="Arial"/>
+                <a:ea typeface="Arial"/>
+                <a:cs typeface="Arial"/>
+                <a:sym typeface="Arial"/>
               </a:rPr>
               <a:t>Eclipse</a:t>
             </a:r>
-            <a:endParaRPr sz="1600">
+            <a:endParaRPr b="0" i="0" sz="1600" u="none" cap="none" strike="noStrike">
               <a:solidFill>
                 <a:schemeClr val="dk1"/>
               </a:solidFill>
+              <a:latin typeface="Arial"/>
+              <a:ea typeface="Arial"/>
+              <a:cs typeface="Arial"/>
+              <a:sym typeface="Arial"/>
             </a:endParaRPr>
           </a:p>
           <a:p>
-            <a:pPr indent="-330200" lvl="0" marL="457200" rtl="0" algn="l">
+            <a:pPr indent="-330200" lvl="0" marL="457200" marR="0" rtl="0" algn="l">
+              <a:lnSpc>
+                <a:spcPct val="100000"/>
+              </a:lnSpc>
               <a:spcBef>
                 <a:spcPts val="0"/>
               </a:spcBef>
@@ -12155,24 +12257,36 @@
                 <a:schemeClr val="dk1"/>
               </a:buClr>
               <a:buSzPts val="1600"/>
+              <a:buFont typeface="Arial"/>
               <a:buChar char="●"/>
             </a:pPr>
             <a:r>
-              <a:rPr lang="de" sz="1600">
+              <a:rPr b="0" i="0" lang="de" sz="1600" u="none" cap="none" strike="noStrike">
                 <a:solidFill>
                   <a:schemeClr val="dk1"/>
                 </a:solidFill>
+                <a:latin typeface="Arial"/>
+                <a:ea typeface="Arial"/>
+                <a:cs typeface="Arial"/>
+                <a:sym typeface="Arial"/>
               </a:rPr>
               <a:t>VS Code</a:t>
             </a:r>
-            <a:endParaRPr sz="1600">
+            <a:endParaRPr b="0" i="0" sz="1600" u="none" cap="none" strike="noStrike">
               <a:solidFill>
                 <a:schemeClr val="dk1"/>
               </a:solidFill>
+              <a:latin typeface="Arial"/>
+              <a:ea typeface="Arial"/>
+              <a:cs typeface="Arial"/>
+              <a:sym typeface="Arial"/>
             </a:endParaRPr>
           </a:p>
           <a:p>
-            <a:pPr indent="-330200" lvl="0" marL="457200" rtl="0" algn="l">
+            <a:pPr indent="-330200" lvl="0" marL="457200" marR="0" rtl="0" algn="l">
+              <a:lnSpc>
+                <a:spcPct val="100000"/>
+              </a:lnSpc>
               <a:spcBef>
                 <a:spcPts val="0"/>
               </a:spcBef>
@@ -12183,39 +12297,60 @@
                 <a:schemeClr val="dk1"/>
               </a:buClr>
               <a:buSzPts val="1600"/>
+              <a:buFont typeface="Arial"/>
               <a:buChar char="●"/>
             </a:pPr>
             <a:r>
-              <a:rPr lang="de" sz="1600">
+              <a:rPr b="0" i="0" lang="de" sz="1600" u="none" cap="none" strike="noStrike">
                 <a:solidFill>
                   <a:schemeClr val="dk1"/>
                 </a:solidFill>
+                <a:latin typeface="Arial"/>
+                <a:ea typeface="Arial"/>
+                <a:cs typeface="Arial"/>
+                <a:sym typeface="Arial"/>
               </a:rPr>
               <a:t>IntelliJ IDEA (Community Edition / Education Edition)</a:t>
             </a:r>
-            <a:endParaRPr sz="1600">
+            <a:endParaRPr b="0" i="0" sz="1600" u="none" cap="none" strike="noStrike">
               <a:solidFill>
                 <a:schemeClr val="dk1"/>
               </a:solidFill>
+              <a:latin typeface="Arial"/>
+              <a:ea typeface="Arial"/>
+              <a:cs typeface="Arial"/>
+              <a:sym typeface="Arial"/>
             </a:endParaRPr>
           </a:p>
           <a:p>
-            <a:pPr indent="0" lvl="0" marL="457200" rtl="0" algn="l">
+            <a:pPr indent="0" lvl="0" marL="457200" marR="0" rtl="0" algn="l">
+              <a:lnSpc>
+                <a:spcPct val="100000"/>
+              </a:lnSpc>
               <a:spcBef>
                 <a:spcPts val="320"/>
               </a:spcBef>
               <a:spcAft>
                 <a:spcPts val="0"/>
               </a:spcAft>
+              <a:buClr>
+                <a:srgbClr val="000000"/>
+              </a:buClr>
+              <a:buSzPts val="1600"/>
+              <a:buFont typeface="Arial"/>
               <a:buNone/>
             </a:pPr>
             <a:r>
               <a:t/>
             </a:r>
-            <a:endParaRPr sz="1600">
+            <a:endParaRPr b="0" i="0" sz="1600" u="none" cap="none" strike="noStrike">
               <a:solidFill>
                 <a:schemeClr val="dk1"/>
               </a:solidFill>
+              <a:latin typeface="Arial"/>
+              <a:ea typeface="Arial"/>
+              <a:cs typeface="Arial"/>
+              <a:sym typeface="Arial"/>
             </a:endParaRPr>
           </a:p>
         </p:txBody>
@@ -12245,31 +12380,50 @@
           </a:bodyPr>
           <a:lstStyle/>
           <a:p>
-            <a:pPr indent="0" lvl="0" marL="0" rtl="0" algn="l">
+            <a:pPr indent="0" lvl="0" marL="0" marR="0" rtl="0" algn="l">
+              <a:lnSpc>
+                <a:spcPct val="100000"/>
+              </a:lnSpc>
               <a:spcBef>
                 <a:spcPts val="320"/>
               </a:spcBef>
               <a:spcAft>
                 <a:spcPts val="0"/>
               </a:spcAft>
+              <a:buClr>
+                <a:srgbClr val="000000"/>
+              </a:buClr>
+              <a:buSzPts val="1600"/>
+              <a:buFont typeface="Arial"/>
               <a:buNone/>
             </a:pPr>
             <a:r>
-              <a:rPr lang="de" sz="1600">
+              <a:rPr b="0" i="0" lang="de" sz="1600" u="none" cap="none" strike="noStrike">
                 <a:solidFill>
                   <a:schemeClr val="dk1"/>
                 </a:solidFill>
+                <a:latin typeface="Arial"/>
+                <a:ea typeface="Arial"/>
+                <a:cs typeface="Arial"/>
+                <a:sym typeface="Arial"/>
               </a:rPr>
               <a:t>Gute Texteditoren für den Anfang:</a:t>
             </a:r>
-            <a:endParaRPr sz="1600">
+            <a:endParaRPr b="0" i="0" sz="1600" u="none" cap="none" strike="noStrike">
               <a:solidFill>
                 <a:schemeClr val="dk1"/>
               </a:solidFill>
+              <a:latin typeface="Arial"/>
+              <a:ea typeface="Arial"/>
+              <a:cs typeface="Arial"/>
+              <a:sym typeface="Arial"/>
             </a:endParaRPr>
           </a:p>
           <a:p>
-            <a:pPr indent="-317500" lvl="0" marL="457200" rtl="0" algn="l">
+            <a:pPr indent="-317500" lvl="0" marL="457200" marR="0" rtl="0" algn="l">
+              <a:lnSpc>
+                <a:spcPct val="100000"/>
+              </a:lnSpc>
               <a:spcBef>
                 <a:spcPts val="320"/>
               </a:spcBef>
@@ -12280,24 +12434,36 @@
                 <a:schemeClr val="dk1"/>
               </a:buClr>
               <a:buSzPts val="1400"/>
+              <a:buFont typeface="Arial"/>
               <a:buChar char="●"/>
             </a:pPr>
             <a:r>
-              <a:rPr lang="de" sz="1600">
+              <a:rPr b="0" i="0" lang="de" sz="1600" u="none" cap="none" strike="noStrike">
                 <a:solidFill>
                   <a:schemeClr val="dk1"/>
                 </a:solidFill>
+                <a:latin typeface="Arial"/>
+                <a:ea typeface="Arial"/>
+                <a:cs typeface="Arial"/>
+                <a:sym typeface="Arial"/>
               </a:rPr>
               <a:t>Sublime Text</a:t>
             </a:r>
-            <a:endParaRPr sz="1600">
+            <a:endParaRPr b="0" i="0" sz="1600" u="none" cap="none" strike="noStrike">
               <a:solidFill>
                 <a:schemeClr val="dk1"/>
               </a:solidFill>
+              <a:latin typeface="Arial"/>
+              <a:ea typeface="Arial"/>
+              <a:cs typeface="Arial"/>
+              <a:sym typeface="Arial"/>
             </a:endParaRPr>
           </a:p>
           <a:p>
-            <a:pPr indent="-317500" lvl="0" marL="457200" rtl="0" algn="l">
+            <a:pPr indent="-317500" lvl="0" marL="457200" marR="0" rtl="0" algn="l">
+              <a:lnSpc>
+                <a:spcPct val="100000"/>
+              </a:lnSpc>
               <a:spcBef>
                 <a:spcPts val="0"/>
               </a:spcBef>
@@ -12308,24 +12474,36 @@
                 <a:schemeClr val="dk1"/>
               </a:buClr>
               <a:buSzPts val="1400"/>
+              <a:buFont typeface="Arial"/>
               <a:buChar char="●"/>
             </a:pPr>
             <a:r>
-              <a:rPr lang="de" sz="1600">
+              <a:rPr b="0" i="0" lang="de" sz="1600" u="none" cap="none" strike="noStrike">
                 <a:solidFill>
                   <a:schemeClr val="dk1"/>
                 </a:solidFill>
+                <a:latin typeface="Arial"/>
+                <a:ea typeface="Arial"/>
+                <a:cs typeface="Arial"/>
+                <a:sym typeface="Arial"/>
               </a:rPr>
               <a:t>Atom</a:t>
             </a:r>
-            <a:endParaRPr sz="1600">
+            <a:endParaRPr b="0" i="0" sz="1600" u="none" cap="none" strike="noStrike">
               <a:solidFill>
                 <a:schemeClr val="dk1"/>
               </a:solidFill>
+              <a:latin typeface="Arial"/>
+              <a:ea typeface="Arial"/>
+              <a:cs typeface="Arial"/>
+              <a:sym typeface="Arial"/>
             </a:endParaRPr>
           </a:p>
           <a:p>
-            <a:pPr indent="-317500" lvl="0" marL="457200" rtl="0" algn="l">
+            <a:pPr indent="-317500" lvl="0" marL="457200" marR="0" rtl="0" algn="l">
+              <a:lnSpc>
+                <a:spcPct val="100000"/>
+              </a:lnSpc>
               <a:spcBef>
                 <a:spcPts val="0"/>
               </a:spcBef>
@@ -12336,24 +12514,36 @@
                 <a:schemeClr val="dk1"/>
               </a:buClr>
               <a:buSzPts val="1400"/>
+              <a:buFont typeface="Arial"/>
               <a:buChar char="●"/>
             </a:pPr>
             <a:r>
-              <a:rPr lang="de" sz="1600">
+              <a:rPr b="0" i="0" lang="de" sz="1600" u="none" cap="none" strike="noStrike">
                 <a:solidFill>
                   <a:schemeClr val="dk1"/>
                 </a:solidFill>
+                <a:latin typeface="Arial"/>
+                <a:ea typeface="Arial"/>
+                <a:cs typeface="Arial"/>
+                <a:sym typeface="Arial"/>
               </a:rPr>
               <a:t>Notepad++</a:t>
             </a:r>
-            <a:endParaRPr sz="1600">
+            <a:endParaRPr b="0" i="0" sz="1600" u="none" cap="none" strike="noStrike">
               <a:solidFill>
                 <a:schemeClr val="dk1"/>
               </a:solidFill>
+              <a:latin typeface="Arial"/>
+              <a:ea typeface="Arial"/>
+              <a:cs typeface="Arial"/>
+              <a:sym typeface="Arial"/>
             </a:endParaRPr>
           </a:p>
           <a:p>
-            <a:pPr indent="-317500" lvl="0" marL="457200" rtl="0" algn="l">
+            <a:pPr indent="-317500" lvl="0" marL="457200" marR="0" rtl="0" algn="l">
+              <a:lnSpc>
+                <a:spcPct val="100000"/>
+              </a:lnSpc>
               <a:spcBef>
                 <a:spcPts val="0"/>
               </a:spcBef>
@@ -12364,24 +12554,36 @@
                 <a:schemeClr val="dk1"/>
               </a:buClr>
               <a:buSzPts val="1400"/>
+              <a:buFont typeface="Arial"/>
               <a:buChar char="●"/>
             </a:pPr>
             <a:r>
-              <a:rPr lang="de" sz="1600">
+              <a:rPr b="0" i="0" lang="de" sz="1600" u="none" cap="none" strike="noStrike">
                 <a:solidFill>
                   <a:schemeClr val="dk1"/>
                 </a:solidFill>
+                <a:latin typeface="Arial"/>
+                <a:ea typeface="Arial"/>
+                <a:cs typeface="Arial"/>
+                <a:sym typeface="Arial"/>
               </a:rPr>
               <a:t>gedit (Linux)</a:t>
             </a:r>
-            <a:endParaRPr sz="1600">
+            <a:endParaRPr b="0" i="0" sz="1600" u="none" cap="none" strike="noStrike">
               <a:solidFill>
                 <a:schemeClr val="dk1"/>
               </a:solidFill>
+              <a:latin typeface="Arial"/>
+              <a:ea typeface="Arial"/>
+              <a:cs typeface="Arial"/>
+              <a:sym typeface="Arial"/>
             </a:endParaRPr>
           </a:p>
           <a:p>
-            <a:pPr indent="-317500" lvl="0" marL="457200" rtl="0" algn="l">
+            <a:pPr indent="-317500" lvl="0" marL="457200" marR="0" rtl="0" algn="l">
+              <a:lnSpc>
+                <a:spcPct val="100000"/>
+              </a:lnSpc>
               <a:spcBef>
                 <a:spcPts val="0"/>
               </a:spcBef>
@@ -12392,58 +12594,91 @@
                 <a:schemeClr val="dk1"/>
               </a:buClr>
               <a:buSzPts val="1400"/>
+              <a:buFont typeface="Arial"/>
               <a:buChar char="●"/>
             </a:pPr>
             <a:r>
-              <a:rPr lang="de" sz="1600">
+              <a:rPr b="0" i="0" lang="de" sz="1600" u="none" cap="none" strike="noStrike">
                 <a:solidFill>
                   <a:schemeClr val="dk1"/>
                 </a:solidFill>
+                <a:latin typeface="Arial"/>
+                <a:ea typeface="Arial"/>
+                <a:cs typeface="Arial"/>
+                <a:sym typeface="Arial"/>
               </a:rPr>
               <a:t>Editor (Windows)</a:t>
             </a:r>
-            <a:endParaRPr sz="1600">
+            <a:endParaRPr b="0" i="0" sz="1600" u="none" cap="none" strike="noStrike">
               <a:solidFill>
                 <a:schemeClr val="dk1"/>
               </a:solidFill>
+              <a:latin typeface="Arial"/>
+              <a:ea typeface="Arial"/>
+              <a:cs typeface="Arial"/>
+              <a:sym typeface="Arial"/>
             </a:endParaRPr>
           </a:p>
           <a:p>
-            <a:pPr indent="0" lvl="0" marL="457200" rtl="0" algn="l">
+            <a:pPr indent="0" lvl="0" marL="457200" marR="0" rtl="0" algn="l">
+              <a:lnSpc>
+                <a:spcPct val="100000"/>
+              </a:lnSpc>
               <a:spcBef>
                 <a:spcPts val="320"/>
               </a:spcBef>
               <a:spcAft>
                 <a:spcPts val="0"/>
               </a:spcAft>
+              <a:buClr>
+                <a:srgbClr val="000000"/>
+              </a:buClr>
+              <a:buSzPts val="1600"/>
+              <a:buFont typeface="Arial"/>
               <a:buNone/>
             </a:pPr>
             <a:r>
               <a:t/>
             </a:r>
-            <a:endParaRPr sz="1600">
+            <a:endParaRPr b="0" i="0" sz="1600" u="none" cap="none" strike="noStrike">
               <a:solidFill>
                 <a:schemeClr val="dk1"/>
               </a:solidFill>
+              <a:latin typeface="Arial"/>
+              <a:ea typeface="Arial"/>
+              <a:cs typeface="Arial"/>
+              <a:sym typeface="Arial"/>
             </a:endParaRPr>
           </a:p>
           <a:p>
-            <a:pPr indent="0" lvl="0" marL="0" rtl="0" algn="l">
+            <a:pPr indent="0" lvl="0" marL="0" marR="0" rtl="0" algn="l">
+              <a:lnSpc>
+                <a:spcPct val="100000"/>
+              </a:lnSpc>
               <a:spcBef>
                 <a:spcPts val="320"/>
               </a:spcBef>
               <a:spcAft>
                 <a:spcPts val="0"/>
               </a:spcAft>
+              <a:buClr>
+                <a:srgbClr val="000000"/>
+              </a:buClr>
+              <a:buSzPts val="1600"/>
+              <a:buFont typeface="Arial"/>
               <a:buNone/>
             </a:pPr>
             <a:r>
               <a:t/>
             </a:r>
-            <a:endParaRPr sz="1600">
+            <a:endParaRPr b="0" i="0" sz="1600" u="none" cap="none" strike="noStrike">
               <a:solidFill>
                 <a:schemeClr val="dk1"/>
               </a:solidFill>
+              <a:latin typeface="Arial"/>
+              <a:ea typeface="Arial"/>
+              <a:cs typeface="Arial"/>
+              <a:sym typeface="Arial"/>
             </a:endParaRPr>
           </a:p>
         </p:txBody>
@@ -12489,6 +12724,10 @@
           <a:prstGeom prst="rect">
             <a:avLst/>
           </a:prstGeom>
+          <a:noFill/>
+          <a:ln>
+            <a:noFill/>
+          </a:ln>
         </p:spPr>
         <p:txBody>
           <a:bodyPr anchorCtr="0" anchor="b" bIns="0" lIns="0" spcFirstLastPara="1" rIns="0" wrap="square" tIns="0">
@@ -12497,17 +12736,21 @@
           <a:lstStyle/>
           <a:p>
             <a:pPr indent="0" lvl="0" marL="0" rtl="0" algn="l">
-              <a:spcBef>
-                <a:spcPts val="0"/>
-              </a:spcBef>
-              <a:spcAft>
-                <a:spcPts val="0"/>
-              </a:spcAft>
+              <a:lnSpc>
+                <a:spcPct val="100000"/>
+              </a:lnSpc>
+              <a:spcBef>
+                <a:spcPts val="0"/>
+              </a:spcBef>
+              <a:spcAft>
+                <a:spcPts val="0"/>
+              </a:spcAft>
+              <a:buSzPts val="1400"/>
               <a:buNone/>
             </a:pPr>
             <a:r>
               <a:rPr lang="de"/>
-              <a:t>2.1. Zwei grundsätzliche Konzepte von Java</a:t>
+              <a:t>2.1. Sprachkonzepte von Java</a:t>
             </a:r>
             <a:endParaRPr/>
           </a:p>
@@ -12529,6 +12772,10 @@
           <a:prstGeom prst="rect">
             <a:avLst/>
           </a:prstGeom>
+          <a:noFill/>
+          <a:ln>
+            <a:noFill/>
+          </a:ln>
         </p:spPr>
         <p:txBody>
           <a:bodyPr anchorCtr="0" anchor="t" bIns="0" lIns="0" spcFirstLastPara="1" rIns="0" wrap="square" tIns="0">
@@ -12537,6 +12784,9 @@
           <a:lstStyle/>
           <a:p>
             <a:pPr indent="-317500" lvl="0" marL="457200" rtl="0" algn="l">
+              <a:lnSpc>
+                <a:spcPct val="100000"/>
+              </a:lnSpc>
               <a:spcBef>
                 <a:spcPts val="320"/>
               </a:spcBef>
@@ -12548,12 +12798,15 @@
             </a:pPr>
             <a:r>
               <a:rPr b="1" lang="de"/>
-              <a:t>Objektorientierung</a:t>
+              <a:t>Objektorientiert</a:t>
             </a:r>
             <a:endParaRPr b="1"/>
           </a:p>
           <a:p>
             <a:pPr indent="-342900" lvl="1" marL="914400" rtl="0" algn="l">
+              <a:lnSpc>
+                <a:spcPct val="100000"/>
+              </a:lnSpc>
               <a:spcBef>
                 <a:spcPts val="0"/>
               </a:spcBef>
@@ -12571,6 +12824,9 @@
           </a:p>
           <a:p>
             <a:pPr indent="-342900" lvl="1" marL="914400" rtl="0" algn="l">
+              <a:lnSpc>
+                <a:spcPct val="100000"/>
+              </a:lnSpc>
               <a:spcBef>
                 <a:spcPts val="0"/>
               </a:spcBef>
@@ -12592,6 +12848,9 @@
           </a:p>
           <a:p>
             <a:pPr indent="-342900" lvl="1" marL="914400" rtl="0" algn="l">
+              <a:lnSpc>
+                <a:spcPct val="100000"/>
+              </a:lnSpc>
               <a:spcBef>
                 <a:spcPts val="0"/>
               </a:spcBef>
@@ -12609,6 +12868,9 @@
           </a:p>
           <a:p>
             <a:pPr indent="-342900" lvl="1" marL="914400" rtl="0" algn="l">
+              <a:lnSpc>
+                <a:spcPct val="100000"/>
+              </a:lnSpc>
               <a:spcBef>
                 <a:spcPts val="0"/>
               </a:spcBef>
@@ -12620,12 +12882,35 @@
             </a:pPr>
             <a:r>
               <a:rPr lang="de"/>
-              <a:t>Eine Instanz einer Klasse nennt sich Objekt.</a:t>
+              <a:t>Eine Instanz einer Klasse nennt sich Objekt </a:t>
+            </a:r>
+            <a:endParaRPr/>
+          </a:p>
+          <a:p>
+            <a:pPr indent="-342900" lvl="2" marL="1371600" rtl="0" algn="l">
+              <a:lnSpc>
+                <a:spcPct val="100000"/>
+              </a:lnSpc>
+              <a:spcBef>
+                <a:spcPts val="0"/>
+              </a:spcBef>
+              <a:spcAft>
+                <a:spcPts val="0"/>
+              </a:spcAft>
+              <a:buSzPts val="1800"/>
+              <a:buChar char="■"/>
+            </a:pPr>
+            <a:r>
+              <a:rPr lang="de"/>
+              <a:t>Klasse: Person, Objekt/Instanz: Die Person David Gemen</a:t>
             </a:r>
             <a:endParaRPr/>
           </a:p>
           <a:p>
             <a:pPr indent="-342900" lvl="1" marL="914400" rtl="0" algn="l">
+              <a:lnSpc>
+                <a:spcPct val="100000"/>
+              </a:lnSpc>
               <a:spcBef>
                 <a:spcPts val="0"/>
               </a:spcBef>
@@ -12643,12 +12928,16 @@
           </a:p>
           <a:p>
             <a:pPr indent="0" lvl="0" marL="914400" rtl="0" algn="l">
+              <a:lnSpc>
+                <a:spcPct val="100000"/>
+              </a:lnSpc>
               <a:spcBef>
                 <a:spcPts val="320"/>
               </a:spcBef>
               <a:spcAft>
                 <a:spcPts val="0"/>
               </a:spcAft>
+              <a:buSzPts val="1400"/>
               <a:buNone/>
             </a:pPr>
             <a:r>
@@ -12658,6 +12947,9 @@
           </a:p>
           <a:p>
             <a:pPr indent="-317500" lvl="0" marL="457200" rtl="0" algn="l">
+              <a:lnSpc>
+                <a:spcPct val="100000"/>
+              </a:lnSpc>
               <a:spcBef>
                 <a:spcPts val="320"/>
               </a:spcBef>
@@ -12675,6 +12967,9 @@
           </a:p>
           <a:p>
             <a:pPr indent="-342900" lvl="1" marL="914400" rtl="0" algn="l">
+              <a:lnSpc>
+                <a:spcPct val="100000"/>
+              </a:lnSpc>
               <a:spcBef>
                 <a:spcPts val="0"/>
               </a:spcBef>
@@ -12708,12 +13003,16 @@
           </a:p>
           <a:p>
             <a:pPr indent="0" lvl="0" marL="914400" rtl="0" algn="l">
+              <a:lnSpc>
+                <a:spcPct val="100000"/>
+              </a:lnSpc>
               <a:spcBef>
                 <a:spcPts val="320"/>
               </a:spcBef>
               <a:spcAft>
                 <a:spcPts val="0"/>
               </a:spcAft>
+              <a:buSzPts val="1400"/>
               <a:buNone/>
             </a:pPr>
             <a:r>
@@ -12838,7 +13137,23 @@
             </a:pPr>
             <a:r>
               <a:rPr lang="de"/>
-              <a:t>Die meisten Programmiersprachen sind entweder kompiliert (Umwandlung des Programmcodes in Maschinencode) oder interpretiert (Direkte Ausführung des Programmcodes). Java hat beides: Kompilierung und Interpretation. </a:t>
+              <a:t>Die meisten Programmiersprachen sind entweder </a:t>
+            </a:r>
+            <a:r>
+              <a:rPr b="1" lang="de"/>
+              <a:t>kompiliert</a:t>
+            </a:r>
+            <a:r>
+              <a:rPr lang="de"/>
+              <a:t> (Umwandlung des Programmcodes in Maschinencode, der dann ausgeführt wird) oder </a:t>
+            </a:r>
+            <a:r>
+              <a:rPr b="1" lang="de"/>
+              <a:t>interpretiert</a:t>
+            </a:r>
+            <a:r>
+              <a:rPr lang="de"/>
+              <a:t> (Direkte Ausführung des Programmcodes). Java hat beides: Kompilierung und Interpretation. </a:t>
             </a:r>
             <a:endParaRPr/>
           </a:p>

--- a/slides/00_installation_introduction.pptx
+++ b/slides/00_installation_introduction.pptx
@@ -19,6 +19,7 @@
     <p:sldId id="264" r:id="rId14"/>
     <p:sldId id="265" r:id="rId15"/>
     <p:sldId id="266" r:id="rId16"/>
+    <p:sldId id="267" r:id="rId17"/>
   </p:sldIdLst>
   <p:sldSz cy="5143500" cx="9144000"/>
   <p:notesSz cx="6858000" cy="9144000"/>
@@ -953,7 +954,7 @@
   <p:cSld>
     <p:spTree>
       <p:nvGrpSpPr>
-        <p:cNvPr id="137" name="Shape 137"/>
+        <p:cNvPr id="136" name="Shape 136"/>
         <p:cNvGrpSpPr/>
         <p:nvPr/>
       </p:nvGrpSpPr>
@@ -967,7 +968,7 @@
       </p:grpSpPr>
       <p:sp>
         <p:nvSpPr>
-          <p:cNvPr id="138" name="Google Shape;138;p10:notes"/>
+          <p:cNvPr id="137" name="Google Shape;137;p9:notes"/>
           <p:cNvSpPr/>
           <p:nvPr>
             <p:ph idx="2" type="sldImg"/>
@@ -1012,7 +1013,7 @@
       </p:sp>
       <p:sp>
         <p:nvSpPr>
-          <p:cNvPr id="139" name="Google Shape;139;p10:notes"/>
+          <p:cNvPr id="138" name="Google Shape;138;p9:notes"/>
           <p:cNvSpPr txBox="1"/>
           <p:nvPr>
             <p:ph idx="1" type="body"/>
@@ -1084,7 +1085,7 @@
       </p:grpSpPr>
       <p:sp>
         <p:nvSpPr>
-          <p:cNvPr id="144" name="Google Shape;144;p11:notes"/>
+          <p:cNvPr id="144" name="Google Shape;144;p10:notes"/>
           <p:cNvSpPr/>
           <p:nvPr>
             <p:ph idx="2" type="sldImg"/>
@@ -1129,7 +1130,7 @@
       </p:sp>
       <p:sp>
         <p:nvSpPr>
-          <p:cNvPr id="145" name="Google Shape;145;p11:notes"/>
+          <p:cNvPr id="145" name="Google Shape;145;p10:notes"/>
           <p:cNvSpPr txBox="1"/>
           <p:nvPr>
             <p:ph idx="1" type="body"/>
@@ -1182,12 +1183,12 @@
 </p:notes>
 </file>
 
-<file path=ppt/notesSlides/notesSlide2.xml><?xml version="1.0" encoding="utf-8"?>
+<file path=ppt/notesSlides/notesSlide12.xml><?xml version="1.0" encoding="utf-8"?>
 <p:notes xmlns:a="http://schemas.openxmlformats.org/drawingml/2006/main" xmlns:r="http://schemas.openxmlformats.org/officeDocument/2006/relationships" xmlns:mc="http://schemas.openxmlformats.org/markup-compatibility/2006" xmlns:mv="urn:schemas-microsoft-com:mac:vml" xmlns:p="http://schemas.openxmlformats.org/presentationml/2006/main" xmlns:c="http://schemas.openxmlformats.org/drawingml/2006/chart" xmlns:dgm="http://schemas.openxmlformats.org/drawingml/2006/diagram" xmlns:o="urn:schemas-microsoft-com:office:office" xmlns:v="urn:schemas-microsoft-com:vml" xmlns:pvml="urn:schemas-microsoft-com:office:powerpoint" xmlns:com="http://schemas.openxmlformats.org/drawingml/2006/compatibility" xmlns:p14="http://schemas.microsoft.com/office/powerpoint/2010/main" xmlns:p15="http://schemas.microsoft.com/office/powerpoint/2012/main" xmlns:ahyp="http://schemas.microsoft.com/office/drawing/2018/hyperlinkcolor" showMasterPhAnim="0" showMasterSp="0">
   <p:cSld>
     <p:spTree>
       <p:nvGrpSpPr>
-        <p:cNvPr id="86" name="Shape 86"/>
+        <p:cNvPr id="149" name="Shape 149"/>
         <p:cNvGrpSpPr/>
         <p:nvPr/>
       </p:nvGrpSpPr>
@@ -1201,7 +1202,7 @@
       </p:grpSpPr>
       <p:sp>
         <p:nvSpPr>
-          <p:cNvPr id="87" name="Google Shape;87;p2:notes"/>
+          <p:cNvPr id="150" name="Google Shape;150;p11:notes"/>
           <p:cNvSpPr/>
           <p:nvPr>
             <p:ph idx="2" type="sldImg"/>
@@ -1246,7 +1247,7 @@
       </p:sp>
       <p:sp>
         <p:nvSpPr>
-          <p:cNvPr id="88" name="Google Shape;88;p2:notes"/>
+          <p:cNvPr id="151" name="Google Shape;151;p11:notes"/>
           <p:cNvSpPr txBox="1"/>
           <p:nvPr>
             <p:ph idx="1" type="body"/>
@@ -1282,6 +1283,105 @@
                 <a:spcPts val="0"/>
               </a:spcAft>
               <a:buSzPts val="1100"/>
+              <a:buNone/>
+            </a:pPr>
+            <a:r>
+              <a:t/>
+            </a:r>
+            <a:endParaRPr/>
+          </a:p>
+        </p:txBody>
+      </p:sp>
+    </p:spTree>
+  </p:cSld>
+  <p:clrMapOvr>
+    <a:masterClrMapping/>
+  </p:clrMapOvr>
+</p:notes>
+</file>
+
+<file path=ppt/notesSlides/notesSlide2.xml><?xml version="1.0" encoding="utf-8"?>
+<p:notes xmlns:a="http://schemas.openxmlformats.org/drawingml/2006/main" xmlns:r="http://schemas.openxmlformats.org/officeDocument/2006/relationships" xmlns:mc="http://schemas.openxmlformats.org/markup-compatibility/2006" xmlns:mv="urn:schemas-microsoft-com:mac:vml" xmlns:p="http://schemas.openxmlformats.org/presentationml/2006/main" xmlns:c="http://schemas.openxmlformats.org/drawingml/2006/chart" xmlns:dgm="http://schemas.openxmlformats.org/drawingml/2006/diagram" xmlns:o="urn:schemas-microsoft-com:office:office" xmlns:v="urn:schemas-microsoft-com:vml" xmlns:pvml="urn:schemas-microsoft-com:office:powerpoint" xmlns:com="http://schemas.openxmlformats.org/drawingml/2006/compatibility" xmlns:p14="http://schemas.microsoft.com/office/powerpoint/2010/main" xmlns:p15="http://schemas.microsoft.com/office/powerpoint/2012/main" xmlns:ahyp="http://schemas.microsoft.com/office/drawing/2018/hyperlinkcolor" showMasterPhAnim="0" showMasterSp="0">
+  <p:cSld>
+    <p:spTree>
+      <p:nvGrpSpPr>
+        <p:cNvPr id="86" name="Shape 86"/>
+        <p:cNvGrpSpPr/>
+        <p:nvPr/>
+      </p:nvGrpSpPr>
+      <p:grpSpPr>
+        <a:xfrm>
+          <a:off x="0" y="0"/>
+          <a:ext cx="0" cy="0"/>
+          <a:chOff x="0" y="0"/>
+          <a:chExt cx="0" cy="0"/>
+        </a:xfrm>
+      </p:grpSpPr>
+      <p:sp>
+        <p:nvSpPr>
+          <p:cNvPr id="87" name="Google Shape;87;gf652c19c62_0_0:notes"/>
+          <p:cNvSpPr/>
+          <p:nvPr>
+            <p:ph idx="2" type="sldImg"/>
+          </p:nvPr>
+        </p:nvSpPr>
+        <p:spPr>
+          <a:xfrm>
+            <a:off x="381300" y="685800"/>
+            <a:ext cx="6096000" cy="3429000"/>
+          </a:xfrm>
+          <a:custGeom>
+            <a:rect b="b" l="l" r="r" t="t"/>
+            <a:pathLst>
+              <a:path extrusionOk="0" h="120000" w="120000">
+                <a:moveTo>
+                  <a:pt x="0" y="0"/>
+                </a:moveTo>
+                <a:lnTo>
+                  <a:pt x="120000" y="0"/>
+                </a:lnTo>
+                <a:lnTo>
+                  <a:pt x="120000" y="120000"/>
+                </a:lnTo>
+                <a:lnTo>
+                  <a:pt x="0" y="120000"/>
+                </a:lnTo>
+                <a:close/>
+              </a:path>
+            </a:pathLst>
+          </a:custGeom>
+        </p:spPr>
+      </p:sp>
+      <p:sp>
+        <p:nvSpPr>
+          <p:cNvPr id="88" name="Google Shape;88;gf652c19c62_0_0:notes"/>
+          <p:cNvSpPr txBox="1"/>
+          <p:nvPr>
+            <p:ph idx="1" type="body"/>
+          </p:nvPr>
+        </p:nvSpPr>
+        <p:spPr>
+          <a:xfrm>
+            <a:off x="685800" y="4343400"/>
+            <a:ext cx="5486400" cy="4114800"/>
+          </a:xfrm>
+          <a:prstGeom prst="rect">
+            <a:avLst/>
+          </a:prstGeom>
+        </p:spPr>
+        <p:txBody>
+          <a:bodyPr anchorCtr="0" anchor="t" bIns="91425" lIns="91425" spcFirstLastPara="1" rIns="91425" wrap="square" tIns="91425">
+            <a:noAutofit/>
+          </a:bodyPr>
+          <a:lstStyle/>
+          <a:p>
+            <a:pPr indent="0" lvl="0" marL="0" rtl="0" algn="l">
+              <a:spcBef>
+                <a:spcPts val="0"/>
+              </a:spcBef>
+              <a:spcAft>
+                <a:spcPts val="0"/>
+              </a:spcAft>
               <a:buNone/>
             </a:pPr>
             <a:r>
@@ -1318,7 +1418,7 @@
       </p:grpSpPr>
       <p:sp>
         <p:nvSpPr>
-          <p:cNvPr id="93" name="Google Shape;93;p3:notes"/>
+          <p:cNvPr id="93" name="Google Shape;93;p2:notes"/>
           <p:cNvSpPr/>
           <p:nvPr>
             <p:ph idx="2" type="sldImg"/>
@@ -1363,7 +1463,7 @@
       </p:sp>
       <p:sp>
         <p:nvSpPr>
-          <p:cNvPr id="94" name="Google Shape;94;p3:notes"/>
+          <p:cNvPr id="94" name="Google Shape;94;p2:notes"/>
           <p:cNvSpPr txBox="1"/>
           <p:nvPr>
             <p:ph idx="1" type="body"/>
@@ -1435,7 +1535,7 @@
       </p:grpSpPr>
       <p:sp>
         <p:nvSpPr>
-          <p:cNvPr id="99" name="Google Shape;99;p4:notes"/>
+          <p:cNvPr id="99" name="Google Shape;99;p3:notes"/>
           <p:cNvSpPr/>
           <p:nvPr>
             <p:ph idx="2" type="sldImg"/>
@@ -1480,7 +1580,7 @@
       </p:sp>
       <p:sp>
         <p:nvSpPr>
-          <p:cNvPr id="100" name="Google Shape;100;p4:notes"/>
+          <p:cNvPr id="100" name="Google Shape;100;p3:notes"/>
           <p:cNvSpPr txBox="1"/>
           <p:nvPr>
             <p:ph idx="1" type="body"/>
@@ -1552,7 +1652,7 @@
       </p:grpSpPr>
       <p:sp>
         <p:nvSpPr>
-          <p:cNvPr id="105" name="Google Shape;105;p5:notes"/>
+          <p:cNvPr id="105" name="Google Shape;105;p4:notes"/>
           <p:cNvSpPr/>
           <p:nvPr>
             <p:ph idx="2" type="sldImg"/>
@@ -1597,7 +1697,7 @@
       </p:sp>
       <p:sp>
         <p:nvSpPr>
-          <p:cNvPr id="106" name="Google Shape;106;p5:notes"/>
+          <p:cNvPr id="106" name="Google Shape;106;p4:notes"/>
           <p:cNvSpPr txBox="1"/>
           <p:nvPr>
             <p:ph idx="1" type="body"/>
@@ -1669,7 +1769,7 @@
       </p:grpSpPr>
       <p:sp>
         <p:nvSpPr>
-          <p:cNvPr id="111" name="Google Shape;111;p6:notes"/>
+          <p:cNvPr id="111" name="Google Shape;111;p5:notes"/>
           <p:cNvSpPr/>
           <p:nvPr>
             <p:ph idx="2" type="sldImg"/>
@@ -1714,7 +1814,7 @@
       </p:sp>
       <p:sp>
         <p:nvSpPr>
-          <p:cNvPr id="112" name="Google Shape;112;p6:notes"/>
+          <p:cNvPr id="112" name="Google Shape;112;p5:notes"/>
           <p:cNvSpPr txBox="1"/>
           <p:nvPr>
             <p:ph idx="1" type="body"/>
@@ -1786,7 +1886,7 @@
       </p:grpSpPr>
       <p:sp>
         <p:nvSpPr>
-          <p:cNvPr id="117" name="Google Shape;117;p7:notes"/>
+          <p:cNvPr id="117" name="Google Shape;117;p6:notes"/>
           <p:cNvSpPr/>
           <p:nvPr>
             <p:ph idx="2" type="sldImg"/>
@@ -1831,7 +1931,7 @@
       </p:sp>
       <p:sp>
         <p:nvSpPr>
-          <p:cNvPr id="118" name="Google Shape;118;p7:notes"/>
+          <p:cNvPr id="118" name="Google Shape;118;p6:notes"/>
           <p:cNvSpPr txBox="1"/>
           <p:nvPr>
             <p:ph idx="1" type="body"/>
@@ -1889,7 +1989,7 @@
   <p:cSld>
     <p:spTree>
       <p:nvGrpSpPr>
-        <p:cNvPr id="124" name="Shape 124"/>
+        <p:cNvPr id="122" name="Shape 122"/>
         <p:cNvGrpSpPr/>
         <p:nvPr/>
       </p:nvGrpSpPr>
@@ -1903,7 +2003,7 @@
       </p:grpSpPr>
       <p:sp>
         <p:nvSpPr>
-          <p:cNvPr id="125" name="Google Shape;125;p8:notes"/>
+          <p:cNvPr id="123" name="Google Shape;123;p7:notes"/>
           <p:cNvSpPr/>
           <p:nvPr>
             <p:ph idx="2" type="sldImg"/>
@@ -1948,7 +2048,7 @@
       </p:sp>
       <p:sp>
         <p:nvSpPr>
-          <p:cNvPr id="126" name="Google Shape;126;p8:notes"/>
+          <p:cNvPr id="124" name="Google Shape;124;p7:notes"/>
           <p:cNvSpPr txBox="1"/>
           <p:nvPr>
             <p:ph idx="1" type="body"/>
@@ -2020,7 +2120,7 @@
       </p:grpSpPr>
       <p:sp>
         <p:nvSpPr>
-          <p:cNvPr id="131" name="Google Shape;131;p9:notes"/>
+          <p:cNvPr id="131" name="Google Shape;131;p8:notes"/>
           <p:cNvSpPr/>
           <p:nvPr>
             <p:ph idx="2" type="sldImg"/>
@@ -2065,7 +2165,7 @@
       </p:sp>
       <p:sp>
         <p:nvSpPr>
-          <p:cNvPr id="132" name="Google Shape;132;p9:notes"/>
+          <p:cNvPr id="132" name="Google Shape;132;p8:notes"/>
           <p:cNvSpPr txBox="1"/>
           <p:nvPr>
             <p:ph idx="1" type="body"/>
@@ -10057,7 +10157,7 @@
   <p:cSld>
     <p:spTree>
       <p:nvGrpSpPr>
-        <p:cNvPr id="140" name="Shape 140"/>
+        <p:cNvPr id="139" name="Shape 139"/>
         <p:cNvGrpSpPr/>
         <p:nvPr/>
       </p:nvGrpSpPr>
@@ -10071,7 +10171,7 @@
       </p:grpSpPr>
       <p:sp>
         <p:nvSpPr>
-          <p:cNvPr id="141" name="Google Shape;141;p25"/>
+          <p:cNvPr id="140" name="Google Shape;140;p25"/>
           <p:cNvSpPr txBox="1"/>
           <p:nvPr>
             <p:ph type="title"/>
@@ -10111,7 +10211,7 @@
             </a:pPr>
             <a:r>
               <a:rPr lang="de"/>
-              <a:t>3. Fragen</a:t>
+              <a:t>2.2. Workflow</a:t>
             </a:r>
             <a:endParaRPr/>
           </a:p>
@@ -10119,7 +10219,7 @@
       </p:sp>
       <p:sp>
         <p:nvSpPr>
-          <p:cNvPr id="142" name="Google Shape;142;p25"/>
+          <p:cNvPr id="141" name="Google Shape;141;p25"/>
           <p:cNvSpPr txBox="1"/>
           <p:nvPr>
             <p:ph idx="1" type="body"/>
@@ -10127,7 +10227,7 @@
         </p:nvSpPr>
         <p:spPr>
           <a:xfrm>
-            <a:off x="431800" y="945000"/>
+            <a:off x="481175" y="884250"/>
             <a:ext cx="8375700" cy="3375000"/>
           </a:xfrm>
           <a:prstGeom prst="rect">
@@ -10144,6 +10244,42 @@
           </a:bodyPr>
           <a:lstStyle/>
           <a:p>
+            <a:pPr indent="0" lvl="0" marL="0" rtl="0" algn="l">
+              <a:lnSpc>
+                <a:spcPct val="100000"/>
+              </a:lnSpc>
+              <a:spcBef>
+                <a:spcPts val="320"/>
+              </a:spcBef>
+              <a:spcAft>
+                <a:spcPts val="0"/>
+              </a:spcAft>
+              <a:buSzPts val="1400"/>
+              <a:buNone/>
+            </a:pPr>
+            <a:r>
+              <a:rPr lang="de"/>
+              <a:t>Die meisten Programmiersprachen sind entweder </a:t>
+            </a:r>
+            <a:r>
+              <a:rPr b="1" lang="de"/>
+              <a:t>kompiliert</a:t>
+            </a:r>
+            <a:r>
+              <a:rPr lang="de"/>
+              <a:t> (Umwandlung des Programmcodes in Maschinencode, der dann ausgeführt wird) oder </a:t>
+            </a:r>
+            <a:r>
+              <a:rPr b="1" lang="de"/>
+              <a:t>interpretiert</a:t>
+            </a:r>
+            <a:r>
+              <a:rPr lang="de"/>
+              <a:t> (Direkte Ausführung des Programmcodes). Java hat beides: Kompilierung und Interpretation. </a:t>
+            </a:r>
+            <a:endParaRPr/>
+          </a:p>
+          <a:p>
             <a:pPr indent="-317500" lvl="0" marL="457200" rtl="0" algn="l">
               <a:lnSpc>
                 <a:spcPct val="100000"/>
@@ -10155,117 +10291,30 @@
                 <a:spcPts val="0"/>
               </a:spcAft>
               <a:buSzPts val="1400"/>
-              <a:buChar char="●"/>
+              <a:buChar char="➔"/>
             </a:pPr>
             <a:r>
               <a:rPr lang="de"/>
-              <a:t>Es gibt keine dummen Fragen, Programmieren ist für die meisten hier Neuland</a:t>
-            </a:r>
-            <a:br>
-              <a:rPr lang="de"/>
-            </a:br>
+              <a:t>Der Vorteil: Plattformunabhängigkeit.</a:t>
+            </a:r>
             <a:endParaRPr/>
           </a:p>
           <a:p>
-            <a:pPr indent="-317500" lvl="0" marL="457200" rtl="0" algn="l">
-              <a:lnSpc>
-                <a:spcPct val="100000"/>
-              </a:lnSpc>
-              <a:spcBef>
-                <a:spcPts val="0"/>
-              </a:spcBef>
-              <a:spcAft>
-                <a:spcPts val="0"/>
-              </a:spcAft>
-              <a:buSzPts val="1400"/>
-              <a:buChar char="●"/>
-            </a:pPr>
-            <a:r>
-              <a:rPr lang="de"/>
-              <a:t>Fragen hilft auch den anderen</a:t>
-            </a:r>
-            <a:br>
-              <a:rPr lang="de"/>
-            </a:br>
-            <a:endParaRPr/>
-          </a:p>
-          <a:p>
-            <a:pPr indent="-317500" lvl="0" marL="457200" rtl="0" algn="l">
-              <a:lnSpc>
-                <a:spcPct val="100000"/>
-              </a:lnSpc>
-              <a:spcBef>
-                <a:spcPts val="0"/>
-              </a:spcBef>
-              <a:spcAft>
-                <a:spcPts val="0"/>
-              </a:spcAft>
-              <a:buSzPts val="1400"/>
-              <a:buChar char="●"/>
-            </a:pPr>
-            <a:r>
-              <a:rPr lang="de"/>
-              <a:t>Ihr könnt fachliche und organisatorische Fragen jeglicher Art stellen</a:t>
-            </a:r>
-            <a:endParaRPr/>
-          </a:p>
-          <a:p>
-            <a:pPr indent="-342900" lvl="1" marL="914400" rtl="0" algn="l">
-              <a:lnSpc>
-                <a:spcPct val="100000"/>
-              </a:lnSpc>
-              <a:spcBef>
-                <a:spcPts val="0"/>
-              </a:spcBef>
-              <a:spcAft>
-                <a:spcPts val="0"/>
-              </a:spcAft>
-              <a:buSzPts val="1800"/>
-              <a:buChar char="-"/>
-            </a:pPr>
-            <a:r>
-              <a:rPr lang="de"/>
-              <a:t>zur Vorlesung</a:t>
-            </a:r>
-            <a:endParaRPr/>
-          </a:p>
-          <a:p>
-            <a:pPr indent="-342900" lvl="1" marL="914400" rtl="0" algn="l">
-              <a:lnSpc>
-                <a:spcPct val="100000"/>
-              </a:lnSpc>
-              <a:spcBef>
-                <a:spcPts val="0"/>
-              </a:spcBef>
-              <a:spcAft>
-                <a:spcPts val="0"/>
-              </a:spcAft>
-              <a:buSzPts val="1800"/>
-              <a:buChar char="-"/>
-            </a:pPr>
-            <a:r>
-              <a:rPr lang="de"/>
-              <a:t>zum Tutorium</a:t>
-            </a:r>
-            <a:endParaRPr/>
-          </a:p>
-          <a:p>
-            <a:pPr indent="-342900" lvl="1" marL="914400" rtl="0" algn="l">
-              <a:lnSpc>
-                <a:spcPct val="100000"/>
-              </a:lnSpc>
-              <a:spcBef>
-                <a:spcPts val="0"/>
-              </a:spcBef>
-              <a:spcAft>
-                <a:spcPts val="0"/>
-              </a:spcAft>
-              <a:buSzPts val="1800"/>
-              <a:buChar char="-"/>
-            </a:pPr>
-            <a:r>
-              <a:rPr lang="de"/>
-              <a:t>zu den Hausaufgaben (es gibt dann ggf. Hinweise, nicht die Lösungen)</a:t>
+            <a:pPr indent="0" lvl="0" marL="0" rtl="0" algn="l">
+              <a:lnSpc>
+                <a:spcPct val="100000"/>
+              </a:lnSpc>
+              <a:spcBef>
+                <a:spcPts val="320"/>
+              </a:spcBef>
+              <a:spcAft>
+                <a:spcPts val="0"/>
+              </a:spcAft>
+              <a:buSzPts val="1400"/>
+              <a:buNone/>
+            </a:pPr>
+            <a:r>
+              <a:t/>
             </a:r>
             <a:endParaRPr/>
           </a:p>
@@ -10290,6 +10339,33 @@
           </a:p>
         </p:txBody>
       </p:sp>
+      <p:pic>
+        <p:nvPicPr>
+          <p:cNvPr id="142" name="Google Shape;142;p25"/>
+          <p:cNvPicPr preferRelativeResize="0"/>
+          <p:nvPr/>
+        </p:nvPicPr>
+        <p:blipFill rotWithShape="1">
+          <a:blip r:embed="rId3">
+            <a:alphaModFix/>
+          </a:blip>
+          <a:srcRect b="0" l="0" r="0" t="0"/>
+          <a:stretch/>
+        </p:blipFill>
+        <p:spPr>
+          <a:xfrm>
+            <a:off x="2019300" y="2097063"/>
+            <a:ext cx="5105400" cy="2162175"/>
+          </a:xfrm>
+          <a:prstGeom prst="rect">
+            <a:avLst/>
+          </a:prstGeom>
+          <a:noFill/>
+          <a:ln>
+            <a:noFill/>
+          </a:ln>
+        </p:spPr>
+      </p:pic>
     </p:spTree>
   </p:cSld>
   <p:clrMapOvr>
@@ -10357,7 +10433,7 @@
             </a:pPr>
             <a:r>
               <a:rPr lang="de"/>
-              <a:t>4. Installation auf euren Geräten</a:t>
+              <a:t>3. Fragen</a:t>
             </a:r>
             <a:endParaRPr/>
           </a:p>
@@ -10390,6 +10466,252 @@
           </a:bodyPr>
           <a:lstStyle/>
           <a:p>
+            <a:pPr indent="-317500" lvl="0" marL="457200" rtl="0" algn="l">
+              <a:lnSpc>
+                <a:spcPct val="100000"/>
+              </a:lnSpc>
+              <a:spcBef>
+                <a:spcPts val="320"/>
+              </a:spcBef>
+              <a:spcAft>
+                <a:spcPts val="0"/>
+              </a:spcAft>
+              <a:buSzPts val="1400"/>
+              <a:buChar char="●"/>
+            </a:pPr>
+            <a:r>
+              <a:rPr lang="de"/>
+              <a:t>Es gibt keine dummen Fragen, Programmieren ist für die meisten hier Neuland</a:t>
+            </a:r>
+            <a:br>
+              <a:rPr lang="de"/>
+            </a:br>
+            <a:endParaRPr/>
+          </a:p>
+          <a:p>
+            <a:pPr indent="-317500" lvl="0" marL="457200" rtl="0" algn="l">
+              <a:lnSpc>
+                <a:spcPct val="100000"/>
+              </a:lnSpc>
+              <a:spcBef>
+                <a:spcPts val="0"/>
+              </a:spcBef>
+              <a:spcAft>
+                <a:spcPts val="0"/>
+              </a:spcAft>
+              <a:buSzPts val="1400"/>
+              <a:buChar char="●"/>
+            </a:pPr>
+            <a:r>
+              <a:rPr lang="de"/>
+              <a:t>Fragen hilft auch den anderen</a:t>
+            </a:r>
+            <a:br>
+              <a:rPr lang="de"/>
+            </a:br>
+            <a:endParaRPr/>
+          </a:p>
+          <a:p>
+            <a:pPr indent="-317500" lvl="0" marL="457200" rtl="0" algn="l">
+              <a:lnSpc>
+                <a:spcPct val="100000"/>
+              </a:lnSpc>
+              <a:spcBef>
+                <a:spcPts val="0"/>
+              </a:spcBef>
+              <a:spcAft>
+                <a:spcPts val="0"/>
+              </a:spcAft>
+              <a:buSzPts val="1400"/>
+              <a:buChar char="●"/>
+            </a:pPr>
+            <a:r>
+              <a:rPr lang="de"/>
+              <a:t>Ihr könnt fachliche und organisatorische Fragen jeglicher Art stellen</a:t>
+            </a:r>
+            <a:endParaRPr/>
+          </a:p>
+          <a:p>
+            <a:pPr indent="-342900" lvl="1" marL="914400" rtl="0" algn="l">
+              <a:lnSpc>
+                <a:spcPct val="100000"/>
+              </a:lnSpc>
+              <a:spcBef>
+                <a:spcPts val="0"/>
+              </a:spcBef>
+              <a:spcAft>
+                <a:spcPts val="0"/>
+              </a:spcAft>
+              <a:buSzPts val="1800"/>
+              <a:buChar char="-"/>
+            </a:pPr>
+            <a:r>
+              <a:rPr lang="de"/>
+              <a:t>zur Vorlesung</a:t>
+            </a:r>
+            <a:endParaRPr/>
+          </a:p>
+          <a:p>
+            <a:pPr indent="-342900" lvl="1" marL="914400" rtl="0" algn="l">
+              <a:lnSpc>
+                <a:spcPct val="100000"/>
+              </a:lnSpc>
+              <a:spcBef>
+                <a:spcPts val="0"/>
+              </a:spcBef>
+              <a:spcAft>
+                <a:spcPts val="0"/>
+              </a:spcAft>
+              <a:buSzPts val="1800"/>
+              <a:buChar char="-"/>
+            </a:pPr>
+            <a:r>
+              <a:rPr lang="de"/>
+              <a:t>zum Tutorium</a:t>
+            </a:r>
+            <a:endParaRPr/>
+          </a:p>
+          <a:p>
+            <a:pPr indent="-342900" lvl="1" marL="914400" rtl="0" algn="l">
+              <a:lnSpc>
+                <a:spcPct val="100000"/>
+              </a:lnSpc>
+              <a:spcBef>
+                <a:spcPts val="0"/>
+              </a:spcBef>
+              <a:spcAft>
+                <a:spcPts val="0"/>
+              </a:spcAft>
+              <a:buSzPts val="1800"/>
+              <a:buChar char="-"/>
+            </a:pPr>
+            <a:r>
+              <a:rPr lang="de"/>
+              <a:t>zu den Hausaufgaben (es gibt dann ggf. Hinweise, nicht die Lösungen)</a:t>
+            </a:r>
+            <a:endParaRPr/>
+          </a:p>
+          <a:p>
+            <a:pPr indent="0" lvl="0" marL="0" rtl="0" algn="l">
+              <a:lnSpc>
+                <a:spcPct val="100000"/>
+              </a:lnSpc>
+              <a:spcBef>
+                <a:spcPts val="320"/>
+              </a:spcBef>
+              <a:spcAft>
+                <a:spcPts val="0"/>
+              </a:spcAft>
+              <a:buSzPts val="1400"/>
+              <a:buNone/>
+            </a:pPr>
+            <a:r>
+              <a:t/>
+            </a:r>
+            <a:endParaRPr/>
+          </a:p>
+        </p:txBody>
+      </p:sp>
+    </p:spTree>
+  </p:cSld>
+  <p:clrMapOvr>
+    <a:masterClrMapping/>
+  </p:clrMapOvr>
+</p:sld>
+</file>
+
+<file path=ppt/slides/slide12.xml><?xml version="1.0" encoding="utf-8"?>
+<p:sld xmlns:a="http://schemas.openxmlformats.org/drawingml/2006/main" xmlns:r="http://schemas.openxmlformats.org/officeDocument/2006/relationships" xmlns:mc="http://schemas.openxmlformats.org/markup-compatibility/2006" xmlns:mv="urn:schemas-microsoft-com:mac:vml" xmlns:p="http://schemas.openxmlformats.org/presentationml/2006/main" xmlns:c="http://schemas.openxmlformats.org/drawingml/2006/chart" xmlns:dgm="http://schemas.openxmlformats.org/drawingml/2006/diagram" xmlns:o="urn:schemas-microsoft-com:office:office" xmlns:v="urn:schemas-microsoft-com:vml" xmlns:pvml="urn:schemas-microsoft-com:office:powerpoint" xmlns:com="http://schemas.openxmlformats.org/drawingml/2006/compatibility" xmlns:p14="http://schemas.microsoft.com/office/powerpoint/2010/main" xmlns:p15="http://schemas.microsoft.com/office/powerpoint/2012/main" xmlns:ahyp="http://schemas.microsoft.com/office/drawing/2018/hyperlinkcolor">
+  <p:cSld>
+    <p:spTree>
+      <p:nvGrpSpPr>
+        <p:cNvPr id="152" name="Shape 152"/>
+        <p:cNvGrpSpPr/>
+        <p:nvPr/>
+      </p:nvGrpSpPr>
+      <p:grpSpPr>
+        <a:xfrm>
+          <a:off x="0" y="0"/>
+          <a:ext cx="0" cy="0"/>
+          <a:chOff x="0" y="0"/>
+          <a:chExt cx="0" cy="0"/>
+        </a:xfrm>
+      </p:grpSpPr>
+      <p:sp>
+        <p:nvSpPr>
+          <p:cNvPr id="153" name="Google Shape;153;p27"/>
+          <p:cNvSpPr txBox="1"/>
+          <p:nvPr>
+            <p:ph type="title"/>
+          </p:nvPr>
+        </p:nvSpPr>
+        <p:spPr>
+          <a:xfrm>
+            <a:off x="431800" y="83344"/>
+            <a:ext cx="8375700" cy="531000"/>
+          </a:xfrm>
+          <a:prstGeom prst="rect">
+            <a:avLst/>
+          </a:prstGeom>
+          <a:noFill/>
+          <a:ln>
+            <a:noFill/>
+          </a:ln>
+        </p:spPr>
+        <p:txBody>
+          <a:bodyPr anchorCtr="0" anchor="b" bIns="0" lIns="0" spcFirstLastPara="1" rIns="0" wrap="square" tIns="0">
+            <a:noAutofit/>
+          </a:bodyPr>
+          <a:lstStyle/>
+          <a:p>
+            <a:pPr indent="0" lvl="0" marL="0" rtl="0" algn="l">
+              <a:lnSpc>
+                <a:spcPct val="100000"/>
+              </a:lnSpc>
+              <a:spcBef>
+                <a:spcPts val="0"/>
+              </a:spcBef>
+              <a:spcAft>
+                <a:spcPts val="0"/>
+              </a:spcAft>
+              <a:buSzPts val="1400"/>
+              <a:buNone/>
+            </a:pPr>
+            <a:r>
+              <a:rPr lang="de"/>
+              <a:t>4. Installation auf euren Geräten</a:t>
+            </a:r>
+            <a:endParaRPr/>
+          </a:p>
+        </p:txBody>
+      </p:sp>
+      <p:sp>
+        <p:nvSpPr>
+          <p:cNvPr id="154" name="Google Shape;154;p27"/>
+          <p:cNvSpPr txBox="1"/>
+          <p:nvPr>
+            <p:ph idx="1" type="body"/>
+          </p:nvPr>
+        </p:nvSpPr>
+        <p:spPr>
+          <a:xfrm>
+            <a:off x="431800" y="945000"/>
+            <a:ext cx="8375700" cy="3375000"/>
+          </a:xfrm>
+          <a:prstGeom prst="rect">
+            <a:avLst/>
+          </a:prstGeom>
+          <a:noFill/>
+          <a:ln>
+            <a:noFill/>
+          </a:ln>
+        </p:spPr>
+        <p:txBody>
+          <a:bodyPr anchorCtr="0" anchor="t" bIns="0" lIns="0" spcFirstLastPara="1" rIns="0" wrap="square" tIns="0">
+            <a:noAutofit/>
+          </a:bodyPr>
+          <a:lstStyle/>
+          <a:p>
             <a:pPr indent="0" lvl="0" marL="0" rtl="0" algn="l">
               <a:lnSpc>
                 <a:spcPct val="100000"/>
@@ -10466,6 +10788,26 @@
             <a:r>
               <a:rPr lang="de"/>
               <a:t>Git</a:t>
+            </a:r>
+            <a:endParaRPr/>
+          </a:p>
+          <a:p>
+            <a:pPr indent="-317500" lvl="0" marL="457200" rtl="0" algn="l">
+              <a:lnSpc>
+                <a:spcPct val="100000"/>
+              </a:lnSpc>
+              <a:spcBef>
+                <a:spcPts val="0"/>
+              </a:spcBef>
+              <a:spcAft>
+                <a:spcPts val="0"/>
+              </a:spcAft>
+              <a:buSzPts val="1400"/>
+              <a:buChar char="●"/>
+            </a:pPr>
+            <a:r>
+              <a:rPr lang="de"/>
+              <a:t>ggf. Texteditor</a:t>
             </a:r>
             <a:endParaRPr/>
           </a:p>
@@ -10512,10 +10854,6 @@
           <a:prstGeom prst="rect">
             <a:avLst/>
           </a:prstGeom>
-          <a:noFill/>
-          <a:ln>
-            <a:noFill/>
-          </a:ln>
         </p:spPr>
         <p:txBody>
           <a:bodyPr anchorCtr="0" anchor="b" bIns="0" lIns="0" spcFirstLastPara="1" rIns="0" wrap="square" tIns="0">
@@ -10524,21 +10862,17 @@
           <a:lstStyle/>
           <a:p>
             <a:pPr indent="0" lvl="0" marL="0" rtl="0" algn="l">
-              <a:lnSpc>
-                <a:spcPct val="100000"/>
-              </a:lnSpc>
-              <a:spcBef>
-                <a:spcPts val="0"/>
-              </a:spcBef>
-              <a:spcAft>
-                <a:spcPts val="0"/>
-              </a:spcAft>
-              <a:buSzPts val="1400"/>
+              <a:spcBef>
+                <a:spcPts val="0"/>
+              </a:spcBef>
+              <a:spcAft>
+                <a:spcPts val="0"/>
+              </a:spcAft>
               <a:buNone/>
             </a:pPr>
             <a:r>
               <a:rPr lang="de"/>
-              <a:t>Was machen wir heute?</a:t>
+              <a:t>Agenda für dieses Semester</a:t>
             </a:r>
             <a:endParaRPr/>
           </a:p>
@@ -10560,10 +10894,6 @@
           <a:prstGeom prst="rect">
             <a:avLst/>
           </a:prstGeom>
-          <a:noFill/>
-          <a:ln>
-            <a:noFill/>
-          </a:ln>
         </p:spPr>
         <p:txBody>
           <a:bodyPr anchorCtr="0" anchor="t" bIns="0" lIns="0" spcFirstLastPara="1" rIns="0" wrap="square" tIns="0">
@@ -10571,10 +10901,27 @@
           </a:bodyPr>
           <a:lstStyle/>
           <a:p>
+            <a:pPr indent="0" lvl="0" marL="0" rtl="0" algn="l">
+              <a:spcBef>
+                <a:spcPts val="320"/>
+              </a:spcBef>
+              <a:spcAft>
+                <a:spcPts val="0"/>
+              </a:spcAft>
+              <a:buNone/>
+            </a:pPr>
+            <a:r>
+              <a:rPr lang="de"/>
+              <a:t> 0. 	</a:t>
+            </a:r>
+            <a:r>
+              <a:rPr lang="de"/>
+              <a:t>Installation und Einführung in Java</a:t>
+            </a:r>
+            <a:endParaRPr/>
+          </a:p>
+          <a:p>
             <a:pPr indent="-330200" lvl="0" marL="457200" rtl="0" algn="l">
-              <a:lnSpc>
-                <a:spcPct val="100000"/>
-              </a:lnSpc>
               <a:spcBef>
                 <a:spcPts val="320"/>
               </a:spcBef>
@@ -10586,15 +10933,12 @@
             </a:pPr>
             <a:r>
               <a:rPr lang="de"/>
-              <a:t>Installation</a:t>
+              <a:t>Erste Schritte mit Java</a:t>
             </a:r>
             <a:endParaRPr/>
           </a:p>
           <a:p>
-            <a:pPr indent="-330200" lvl="1" marL="914400" rtl="0" algn="l">
-              <a:lnSpc>
-                <a:spcPct val="100000"/>
-              </a:lnSpc>
+            <a:pPr indent="-330200" lvl="0" marL="457200" rtl="0" algn="l">
               <a:spcBef>
                 <a:spcPts val="0"/>
               </a:spcBef>
@@ -10606,176 +10950,207 @@
             </a:pPr>
             <a:r>
               <a:rPr lang="de"/>
-              <a:t>Java</a:t>
+              <a:t>Arrays, Schleifen und Parametrisierung</a:t>
             </a:r>
             <a:endParaRPr/>
           </a:p>
           <a:p>
-            <a:pPr indent="-330200" lvl="1" marL="914400" rtl="0" algn="l">
-              <a:lnSpc>
-                <a:spcPct val="100000"/>
-              </a:lnSpc>
-              <a:spcBef>
-                <a:spcPts val="0"/>
-              </a:spcBef>
-              <a:spcAft>
-                <a:spcPts val="0"/>
-              </a:spcAft>
+            <a:pPr indent="-330200" lvl="0" marL="457200" rtl="0" algn="l">
+              <a:spcBef>
+                <a:spcPts val="0"/>
+              </a:spcBef>
+              <a:spcAft>
+                <a:spcPts val="0"/>
+              </a:spcAft>
+              <a:buClr>
+                <a:schemeClr val="dk1"/>
+              </a:buClr>
               <a:buSzPts val="1600"/>
               <a:buAutoNum type="arabicPeriod"/>
             </a:pPr>
             <a:r>
               <a:rPr lang="de"/>
-              <a:t>SSH</a:t>
+              <a:t>Funktionen, Klassen und Pakete</a:t>
             </a:r>
             <a:endParaRPr/>
           </a:p>
           <a:p>
-            <a:pPr indent="-330200" lvl="1" marL="914400" rtl="0" algn="l">
-              <a:lnSpc>
-                <a:spcPct val="100000"/>
-              </a:lnSpc>
-              <a:spcBef>
-                <a:spcPts val="0"/>
-              </a:spcBef>
-              <a:spcAft>
-                <a:spcPts val="0"/>
-              </a:spcAft>
+            <a:pPr indent="-330200" lvl="0" marL="457200" rtl="0" algn="l">
+              <a:spcBef>
+                <a:spcPts val="0"/>
+              </a:spcBef>
+              <a:spcAft>
+                <a:spcPts val="0"/>
+              </a:spcAft>
+              <a:buClr>
+                <a:schemeClr val="dk1"/>
+              </a:buClr>
               <a:buSzPts val="1600"/>
               <a:buAutoNum type="arabicPeriod"/>
             </a:pPr>
             <a:r>
               <a:rPr lang="de"/>
-              <a:t>Git</a:t>
+              <a:t>Objektorientierung</a:t>
             </a:r>
             <a:endParaRPr/>
           </a:p>
           <a:p>
-            <a:pPr indent="-330200" lvl="1" marL="914400" rtl="0" algn="l">
-              <a:lnSpc>
-                <a:spcPct val="100000"/>
-              </a:lnSpc>
-              <a:spcBef>
-                <a:spcPts val="0"/>
-              </a:spcBef>
-              <a:spcAft>
-                <a:spcPts val="0"/>
-              </a:spcAft>
+            <a:pPr indent="-330200" lvl="0" marL="457200" rtl="0" algn="l">
+              <a:spcBef>
+                <a:spcPts val="0"/>
+              </a:spcBef>
+              <a:spcAft>
+                <a:spcPts val="0"/>
+              </a:spcAft>
+              <a:buClr>
+                <a:schemeClr val="dk1"/>
+              </a:buClr>
               <a:buSzPts val="1600"/>
               <a:buAutoNum type="arabicPeriod"/>
             </a:pPr>
             <a:r>
               <a:rPr lang="de"/>
-              <a:t>Was du sonst noch brauchst</a:t>
-            </a:r>
-            <a:br>
-              <a:rPr lang="de"/>
-            </a:br>
+              <a:t>Vererbung</a:t>
+            </a:r>
             <a:endParaRPr/>
           </a:p>
           <a:p>
             <a:pPr indent="-330200" lvl="0" marL="457200" rtl="0" algn="l">
-              <a:lnSpc>
-                <a:spcPct val="100000"/>
-              </a:lnSpc>
-              <a:spcBef>
-                <a:spcPts val="0"/>
-              </a:spcBef>
-              <a:spcAft>
-                <a:spcPts val="0"/>
-              </a:spcAft>
+              <a:spcBef>
+                <a:spcPts val="0"/>
+              </a:spcBef>
+              <a:spcAft>
+                <a:spcPts val="0"/>
+              </a:spcAft>
+              <a:buClr>
+                <a:schemeClr val="dk1"/>
+              </a:buClr>
               <a:buSzPts val="1600"/>
               <a:buAutoNum type="arabicPeriod"/>
             </a:pPr>
             <a:r>
               <a:rPr lang="de"/>
-              <a:t>Funktionsweise von Java</a:t>
+              <a:t>Interfaces und Abstrakte Klassen</a:t>
             </a:r>
             <a:endParaRPr/>
           </a:p>
           <a:p>
-            <a:pPr indent="-330200" lvl="1" marL="914400" rtl="0" algn="l">
-              <a:lnSpc>
-                <a:spcPct val="100000"/>
-              </a:lnSpc>
-              <a:spcBef>
-                <a:spcPts val="0"/>
-              </a:spcBef>
-              <a:spcAft>
-                <a:spcPts val="0"/>
-              </a:spcAft>
+            <a:pPr indent="-330200" lvl="0" marL="457200" rtl="0" algn="l">
+              <a:spcBef>
+                <a:spcPts val="0"/>
+              </a:spcBef>
+              <a:spcAft>
+                <a:spcPts val="0"/>
+              </a:spcAft>
+              <a:buClr>
+                <a:schemeClr val="dk1"/>
+              </a:buClr>
               <a:buSzPts val="1600"/>
               <a:buAutoNum type="arabicPeriod"/>
             </a:pPr>
             <a:r>
               <a:rPr lang="de"/>
-              <a:t>Sprachkonzepte von Java</a:t>
+              <a:t>Polymorphismus, equals, toString, PBV/PBR</a:t>
             </a:r>
             <a:endParaRPr/>
           </a:p>
           <a:p>
-            <a:pPr indent="-330200" lvl="1" marL="914400" rtl="0" algn="l">
-              <a:lnSpc>
-                <a:spcPct val="100000"/>
-              </a:lnSpc>
-              <a:spcBef>
-                <a:spcPts val="0"/>
-              </a:spcBef>
-              <a:spcAft>
-                <a:spcPts val="0"/>
-              </a:spcAft>
+            <a:pPr indent="-330200" lvl="0" marL="457200" rtl="0" algn="l">
+              <a:spcBef>
+                <a:spcPts val="0"/>
+              </a:spcBef>
+              <a:spcAft>
+                <a:spcPts val="0"/>
+              </a:spcAft>
+              <a:buClr>
+                <a:schemeClr val="dk1"/>
+              </a:buClr>
               <a:buSzPts val="1600"/>
               <a:buAutoNum type="arabicPeriod"/>
             </a:pPr>
             <a:r>
               <a:rPr lang="de"/>
-              <a:t>Workflow</a:t>
-            </a:r>
-            <a:br>
-              <a:rPr lang="de"/>
-            </a:br>
+              <a:t>Rekursion 1</a:t>
+            </a:r>
             <a:endParaRPr/>
           </a:p>
           <a:p>
             <a:pPr indent="-330200" lvl="0" marL="457200" rtl="0" algn="l">
-              <a:lnSpc>
-                <a:spcPct val="100000"/>
-              </a:lnSpc>
-              <a:spcBef>
-                <a:spcPts val="0"/>
-              </a:spcBef>
-              <a:spcAft>
-                <a:spcPts val="0"/>
-              </a:spcAft>
+              <a:spcBef>
+                <a:spcPts val="0"/>
+              </a:spcBef>
+              <a:spcAft>
+                <a:spcPts val="0"/>
+              </a:spcAft>
+              <a:buClr>
+                <a:schemeClr val="dk1"/>
+              </a:buClr>
               <a:buSzPts val="1600"/>
               <a:buAutoNum type="arabicPeriod"/>
             </a:pPr>
             <a:r>
               <a:rPr lang="de"/>
-              <a:t>Fragen</a:t>
-            </a:r>
-            <a:br>
-              <a:rPr lang="de"/>
-            </a:br>
+              <a:t>Rekursion 2</a:t>
+            </a:r>
             <a:endParaRPr/>
           </a:p>
           <a:p>
             <a:pPr indent="-330200" lvl="0" marL="457200" rtl="0" algn="l">
-              <a:lnSpc>
-                <a:spcPct val="100000"/>
-              </a:lnSpc>
-              <a:spcBef>
-                <a:spcPts val="0"/>
-              </a:spcBef>
-              <a:spcAft>
-                <a:spcPts val="0"/>
-              </a:spcAft>
+              <a:spcBef>
+                <a:spcPts val="0"/>
+              </a:spcBef>
+              <a:spcAft>
+                <a:spcPts val="0"/>
+              </a:spcAft>
+              <a:buClr>
+                <a:schemeClr val="dk1"/>
+              </a:buClr>
               <a:buSzPts val="1600"/>
               <a:buAutoNum type="arabicPeriod"/>
             </a:pPr>
             <a:r>
               <a:rPr lang="de"/>
-              <a:t>Installation auf euren Geräten</a:t>
+              <a:t>Exceptions</a:t>
+            </a:r>
+            <a:endParaRPr/>
+          </a:p>
+          <a:p>
+            <a:pPr indent="-330200" lvl="0" marL="457200" rtl="0" algn="l">
+              <a:spcBef>
+                <a:spcPts val="0"/>
+              </a:spcBef>
+              <a:spcAft>
+                <a:spcPts val="0"/>
+              </a:spcAft>
+              <a:buClr>
+                <a:schemeClr val="dk1"/>
+              </a:buClr>
+              <a:buSzPts val="1600"/>
+              <a:buAutoNum type="arabicPeriod"/>
+            </a:pPr>
+            <a:r>
+              <a:rPr lang="de"/>
+              <a:t>Puffer / Klausurvorbereitung</a:t>
+            </a:r>
+            <a:endParaRPr/>
+          </a:p>
+          <a:p>
+            <a:pPr indent="-330200" lvl="0" marL="457200" rtl="0" algn="l">
+              <a:spcBef>
+                <a:spcPts val="0"/>
+              </a:spcBef>
+              <a:spcAft>
+                <a:spcPts val="0"/>
+              </a:spcAft>
+              <a:buClr>
+                <a:schemeClr val="dk1"/>
+              </a:buClr>
+              <a:buSzPts val="1600"/>
+              <a:buAutoNum type="arabicPeriod"/>
+            </a:pPr>
+            <a:r>
+              <a:rPr lang="de"/>
+              <a:t>Puffer / Klausurvorbereitung</a:t>
             </a:r>
             <a:endParaRPr/>
           </a:p>
@@ -10848,7 +11223,7 @@
             </a:pPr>
             <a:r>
               <a:rPr lang="de"/>
-              <a:t>1.1. Installation von Java</a:t>
+              <a:t>Was machen wir heute?</a:t>
             </a:r>
             <a:endParaRPr/>
           </a:p>
@@ -10881,7 +11256,7 @@
           </a:bodyPr>
           <a:lstStyle/>
           <a:p>
-            <a:pPr indent="0" lvl="0" marL="0" rtl="0" algn="l">
+            <a:pPr indent="-330200" lvl="0" marL="457200" rtl="0" algn="l">
               <a:lnSpc>
                 <a:spcPct val="100000"/>
               </a:lnSpc>
@@ -10891,147 +11266,201 @@
               <a:spcAft>
                 <a:spcPts val="0"/>
               </a:spcAft>
-              <a:buSzPts val="1400"/>
-              <a:buNone/>
+              <a:buSzPts val="1600"/>
+              <a:buAutoNum type="arabicPeriod"/>
             </a:pPr>
             <a:r>
               <a:rPr lang="de"/>
-              <a:t>Für die Programmiersprache Java gibt es mehrere installierbare Pakete:</a:t>
+              <a:t>Installation</a:t>
             </a:r>
             <a:endParaRPr/>
           </a:p>
           <a:p>
-            <a:pPr indent="-317500" lvl="0" marL="457200" rtl="0" algn="l">
-              <a:lnSpc>
-                <a:spcPct val="100000"/>
-              </a:lnSpc>
-              <a:spcBef>
-                <a:spcPts val="320"/>
-              </a:spcBef>
-              <a:spcAft>
-                <a:spcPts val="0"/>
-              </a:spcAft>
-              <a:buSzPts val="1400"/>
-              <a:buChar char="●"/>
+            <a:pPr indent="-330200" lvl="1" marL="914400" rtl="0" algn="l">
+              <a:lnSpc>
+                <a:spcPct val="100000"/>
+              </a:lnSpc>
+              <a:spcBef>
+                <a:spcPts val="0"/>
+              </a:spcBef>
+              <a:spcAft>
+                <a:spcPts val="0"/>
+              </a:spcAft>
+              <a:buSzPts val="1600"/>
+              <a:buAutoNum type="arabicPeriod"/>
             </a:pPr>
             <a:r>
               <a:rPr lang="de"/>
-              <a:t>JRE (Java Runtime Environment) </a:t>
+              <a:t>Java</a:t>
             </a:r>
             <a:endParaRPr/>
           </a:p>
           <a:p>
-            <a:pPr indent="-317500" lvl="0" marL="914400" rtl="0" algn="l">
-              <a:lnSpc>
-                <a:spcPct val="100000"/>
-              </a:lnSpc>
-              <a:spcBef>
-                <a:spcPts val="0"/>
-              </a:spcBef>
-              <a:spcAft>
-                <a:spcPts val="0"/>
-              </a:spcAft>
-              <a:buSzPts val="1400"/>
-              <a:buChar char="-"/>
+            <a:pPr indent="-330200" lvl="1" marL="914400" rtl="0" algn="l">
+              <a:lnSpc>
+                <a:spcPct val="100000"/>
+              </a:lnSpc>
+              <a:spcBef>
+                <a:spcPts val="0"/>
+              </a:spcBef>
+              <a:spcAft>
+                <a:spcPts val="0"/>
+              </a:spcAft>
+              <a:buSzPts val="1600"/>
+              <a:buAutoNum type="arabicPeriod"/>
             </a:pPr>
             <a:r>
               <a:rPr lang="de"/>
-              <a:t>notwendig zum Ausführen von Java Programmen, enthält u.A. die JVM</a:t>
+              <a:t>SSH</a:t>
             </a:r>
             <a:endParaRPr/>
           </a:p>
           <a:p>
-            <a:pPr indent="-317500" lvl="0" marL="457200" rtl="0" algn="l">
-              <a:lnSpc>
-                <a:spcPct val="100000"/>
-              </a:lnSpc>
-              <a:spcBef>
-                <a:spcPts val="0"/>
-              </a:spcBef>
-              <a:spcAft>
-                <a:spcPts val="0"/>
-              </a:spcAft>
-              <a:buSzPts val="1400"/>
-              <a:buChar char="●"/>
+            <a:pPr indent="-330200" lvl="1" marL="914400" rtl="0" algn="l">
+              <a:lnSpc>
+                <a:spcPct val="100000"/>
+              </a:lnSpc>
+              <a:spcBef>
+                <a:spcPts val="0"/>
+              </a:spcBef>
+              <a:spcAft>
+                <a:spcPts val="0"/>
+              </a:spcAft>
+              <a:buSzPts val="1600"/>
+              <a:buAutoNum type="arabicPeriod"/>
             </a:pPr>
             <a:r>
               <a:rPr lang="de"/>
-              <a:t>JDK (Java Development Kit)</a:t>
+              <a:t>Git</a:t>
             </a:r>
             <a:endParaRPr/>
           </a:p>
           <a:p>
-            <a:pPr indent="-317500" lvl="0" marL="914400" rtl="0" algn="l">
-              <a:lnSpc>
-                <a:spcPct val="100000"/>
-              </a:lnSpc>
-              <a:spcBef>
-                <a:spcPts val="0"/>
-              </a:spcBef>
-              <a:spcAft>
-                <a:spcPts val="0"/>
-              </a:spcAft>
-              <a:buSzPts val="1400"/>
-              <a:buChar char="-"/>
+            <a:pPr indent="-330200" lvl="1" marL="914400" rtl="0" algn="l">
+              <a:lnSpc>
+                <a:spcPct val="100000"/>
+              </a:lnSpc>
+              <a:spcBef>
+                <a:spcPts val="0"/>
+              </a:spcBef>
+              <a:spcAft>
+                <a:spcPts val="0"/>
+              </a:spcAft>
+              <a:buSzPts val="1600"/>
+              <a:buAutoNum type="arabicPeriod"/>
             </a:pPr>
             <a:r>
               <a:rPr lang="de"/>
-              <a:t>notwendig zum Entwickeln von Java Programmen, enthält u.A. dem Compiler und Bibliotheken</a:t>
-            </a:r>
+              <a:t>Was du sonst noch brauchst</a:t>
+            </a:r>
+            <a:br>
+              <a:rPr lang="de"/>
+            </a:br>
             <a:endParaRPr/>
           </a:p>
           <a:p>
-            <a:pPr indent="0" lvl="0" marL="0" rtl="0" algn="l">
-              <a:lnSpc>
-                <a:spcPct val="100000"/>
-              </a:lnSpc>
-              <a:spcBef>
-                <a:spcPts val="320"/>
-              </a:spcBef>
-              <a:spcAft>
-                <a:spcPts val="0"/>
-              </a:spcAft>
-              <a:buSzPts val="1400"/>
-              <a:buNone/>
-            </a:pPr>
-            <a:r>
-              <a:t/>
+            <a:pPr indent="-330200" lvl="0" marL="457200" rtl="0" algn="l">
+              <a:lnSpc>
+                <a:spcPct val="100000"/>
+              </a:lnSpc>
+              <a:spcBef>
+                <a:spcPts val="0"/>
+              </a:spcBef>
+              <a:spcAft>
+                <a:spcPts val="0"/>
+              </a:spcAft>
+              <a:buSzPts val="1600"/>
+              <a:buAutoNum type="arabicPeriod"/>
+            </a:pPr>
+            <a:r>
+              <a:rPr lang="de"/>
+              <a:t>Funktionsweise von Java</a:t>
             </a:r>
             <a:endParaRPr/>
           </a:p>
           <a:p>
-            <a:pPr indent="0" lvl="0" marL="0" rtl="0" algn="l">
-              <a:lnSpc>
-                <a:spcPct val="100000"/>
-              </a:lnSpc>
-              <a:spcBef>
-                <a:spcPts val="320"/>
-              </a:spcBef>
-              <a:spcAft>
-                <a:spcPts val="0"/>
-              </a:spcAft>
-              <a:buSzPts val="1400"/>
-              <a:buNone/>
+            <a:pPr indent="-330200" lvl="1" marL="914400" rtl="0" algn="l">
+              <a:lnSpc>
+                <a:spcPct val="100000"/>
+              </a:lnSpc>
+              <a:spcBef>
+                <a:spcPts val="0"/>
+              </a:spcBef>
+              <a:spcAft>
+                <a:spcPts val="0"/>
+              </a:spcAft>
+              <a:buSzPts val="1600"/>
+              <a:buAutoNum type="arabicPeriod"/>
             </a:pPr>
             <a:r>
               <a:rPr lang="de"/>
-              <a:t>Ihr braucht </a:t>
-            </a:r>
-            <a:r>
-              <a:rPr lang="de" u="sng"/>
-              <a:t>nur das JDK</a:t>
-            </a:r>
+              <a:t>Sprachkonzepte von Java</a:t>
+            </a:r>
+            <a:endParaRPr/>
+          </a:p>
+          <a:p>
+            <a:pPr indent="-330200" lvl="1" marL="914400" rtl="0" algn="l">
+              <a:lnSpc>
+                <a:spcPct val="100000"/>
+              </a:lnSpc>
+              <a:spcBef>
+                <a:spcPts val="0"/>
+              </a:spcBef>
+              <a:spcAft>
+                <a:spcPts val="0"/>
+              </a:spcAft>
+              <a:buSzPts val="1600"/>
+              <a:buAutoNum type="arabicPeriod"/>
+            </a:pPr>
             <a:r>
               <a:rPr lang="de"/>
-              <a:t>, da dieses </a:t>
-            </a:r>
-            <a:r>
-              <a:rPr lang="de" u="sng"/>
-              <a:t>das JRE bereits beinhaltet</a:t>
-            </a:r>
-            <a:r>
+              <a:t>Workflow</a:t>
+            </a:r>
+            <a:br>
               <a:rPr lang="de"/>
-              <a:t>.</a:t>
+            </a:br>
+            <a:endParaRPr/>
+          </a:p>
+          <a:p>
+            <a:pPr indent="-330200" lvl="0" marL="457200" rtl="0" algn="l">
+              <a:lnSpc>
+                <a:spcPct val="100000"/>
+              </a:lnSpc>
+              <a:spcBef>
+                <a:spcPts val="0"/>
+              </a:spcBef>
+              <a:spcAft>
+                <a:spcPts val="0"/>
+              </a:spcAft>
+              <a:buSzPts val="1600"/>
+              <a:buAutoNum type="arabicPeriod"/>
+            </a:pPr>
+            <a:r>
+              <a:rPr lang="de"/>
+              <a:t>Fragen</a:t>
+            </a:r>
+            <a:br>
+              <a:rPr lang="de"/>
+            </a:br>
+            <a:endParaRPr/>
+          </a:p>
+          <a:p>
+            <a:pPr indent="-330200" lvl="0" marL="457200" rtl="0" algn="l">
+              <a:lnSpc>
+                <a:spcPct val="100000"/>
+              </a:lnSpc>
+              <a:spcBef>
+                <a:spcPts val="0"/>
+              </a:spcBef>
+              <a:spcAft>
+                <a:spcPts val="0"/>
+              </a:spcAft>
+              <a:buSzPts val="1600"/>
+              <a:buAutoNum type="arabicPeriod"/>
+            </a:pPr>
+            <a:r>
+              <a:rPr lang="de"/>
+              <a:t>Installation auf euren Geräten</a:t>
             </a:r>
             <a:endParaRPr/>
           </a:p>
@@ -11152,11 +11581,91 @@
             </a:pPr>
             <a:r>
               <a:rPr lang="de"/>
-              <a:t>Installationsanleitungen für verschiedene Betriebssysteme:</a:t>
+              <a:t>Für die Programmiersprache Java gibt es mehrere installierbare Pakete:</a:t>
             </a:r>
             <a:endParaRPr/>
           </a:p>
           <a:p>
+            <a:pPr indent="-317500" lvl="0" marL="457200" rtl="0" algn="l">
+              <a:lnSpc>
+                <a:spcPct val="100000"/>
+              </a:lnSpc>
+              <a:spcBef>
+                <a:spcPts val="320"/>
+              </a:spcBef>
+              <a:spcAft>
+                <a:spcPts val="0"/>
+              </a:spcAft>
+              <a:buSzPts val="1400"/>
+              <a:buChar char="●"/>
+            </a:pPr>
+            <a:r>
+              <a:rPr lang="de"/>
+              <a:t>JRE (Java Runtime Environment) </a:t>
+            </a:r>
+            <a:endParaRPr/>
+          </a:p>
+          <a:p>
+            <a:pPr indent="-317500" lvl="0" marL="914400" rtl="0" algn="l">
+              <a:lnSpc>
+                <a:spcPct val="100000"/>
+              </a:lnSpc>
+              <a:spcBef>
+                <a:spcPts val="0"/>
+              </a:spcBef>
+              <a:spcAft>
+                <a:spcPts val="0"/>
+              </a:spcAft>
+              <a:buSzPts val="1400"/>
+              <a:buChar char="-"/>
+            </a:pPr>
+            <a:r>
+              <a:rPr lang="de"/>
+              <a:t>notwendig zum Ausführen von Java Programmen, enthält u.A. die JVM</a:t>
+            </a:r>
+            <a:endParaRPr/>
+          </a:p>
+          <a:p>
+            <a:pPr indent="-317500" lvl="0" marL="457200" rtl="0" algn="l">
+              <a:lnSpc>
+                <a:spcPct val="100000"/>
+              </a:lnSpc>
+              <a:spcBef>
+                <a:spcPts val="0"/>
+              </a:spcBef>
+              <a:spcAft>
+                <a:spcPts val="0"/>
+              </a:spcAft>
+              <a:buSzPts val="1400"/>
+              <a:buChar char="●"/>
+            </a:pPr>
+            <a:r>
+              <a:rPr lang="de"/>
+              <a:t>JDK (Java Development Kit)</a:t>
+            </a:r>
+            <a:endParaRPr/>
+          </a:p>
+          <a:p>
+            <a:pPr indent="-317500" lvl="0" marL="914400" rtl="0" algn="l">
+              <a:lnSpc>
+                <a:spcPct val="100000"/>
+              </a:lnSpc>
+              <a:spcBef>
+                <a:spcPts val="0"/>
+              </a:spcBef>
+              <a:spcAft>
+                <a:spcPts val="0"/>
+              </a:spcAft>
+              <a:buSzPts val="1400"/>
+              <a:buChar char="-"/>
+            </a:pPr>
+            <a:r>
+              <a:rPr lang="de"/>
+              <a:t>notwendig zum Entwickeln von Java Programmen, enthält u.A. dem Compiler und Bibliotheken</a:t>
+            </a:r>
+            <a:endParaRPr/>
+          </a:p>
+          <a:p>
             <a:pPr indent="0" lvl="0" marL="0" rtl="0" algn="l">
               <a:lnSpc>
                 <a:spcPct val="100000"/>
@@ -11176,7 +11685,7 @@
             <a:endParaRPr/>
           </a:p>
           <a:p>
-            <a:pPr indent="-298450" lvl="0" marL="457200" rtl="0" algn="l">
+            <a:pPr indent="0" lvl="0" marL="0" rtl="0" algn="l">
               <a:lnSpc>
                 <a:spcPct val="100000"/>
               </a:lnSpc>
@@ -11186,205 +11695,30 @@
               <a:spcAft>
                 <a:spcPts val="0"/>
               </a:spcAft>
-              <a:buSzPts val="1100"/>
-              <a:buChar char="●"/>
-            </a:pPr>
-            <a:r>
-              <a:rPr lang="de" sz="1300"/>
-              <a:t>Windows</a:t>
-            </a:r>
-            <a:endParaRPr sz="1300"/>
-          </a:p>
-          <a:p>
-            <a:pPr indent="-323850" lvl="1" marL="914400" rtl="0" algn="l">
-              <a:lnSpc>
-                <a:spcPct val="100000"/>
-              </a:lnSpc>
-              <a:spcBef>
-                <a:spcPts val="0"/>
-              </a:spcBef>
-              <a:spcAft>
-                <a:spcPts val="0"/>
-              </a:spcAft>
-              <a:buSzPts val="1500"/>
-              <a:buChar char="-"/>
-            </a:pPr>
-            <a:r>
-              <a:rPr lang="de" sz="1300"/>
-              <a:t>Manuell: </a:t>
-            </a:r>
-            <a:r>
-              <a:rPr lang="de" sz="1300" u="sng">
-                <a:solidFill>
-                  <a:schemeClr val="hlink"/>
-                </a:solidFill>
-                <a:hlinkClick r:id="rId3"/>
-              </a:rPr>
-              <a:t>https://java.tutorials24x7.com/blog/how-to-install-java-11-on-windows</a:t>
-            </a:r>
-            <a:br>
-              <a:rPr lang="de" sz="1300"/>
-            </a:br>
-            <a:endParaRPr sz="1300"/>
-          </a:p>
-          <a:p>
-            <a:pPr indent="-298450" lvl="0" marL="457200" rtl="0" algn="l">
-              <a:lnSpc>
-                <a:spcPct val="100000"/>
-              </a:lnSpc>
-              <a:spcBef>
-                <a:spcPts val="0"/>
-              </a:spcBef>
-              <a:spcAft>
-                <a:spcPts val="0"/>
-              </a:spcAft>
-              <a:buSzPts val="1100"/>
-              <a:buChar char="●"/>
-            </a:pPr>
-            <a:r>
-              <a:rPr lang="de" sz="1300"/>
-              <a:t>Linux (Ubuntu)</a:t>
-            </a:r>
-            <a:endParaRPr sz="1300"/>
-          </a:p>
-          <a:p>
-            <a:pPr indent="-323850" lvl="1" marL="914400" rtl="0" algn="l">
-              <a:lnSpc>
-                <a:spcPct val="100000"/>
-              </a:lnSpc>
-              <a:spcBef>
-                <a:spcPts val="0"/>
-              </a:spcBef>
-              <a:spcAft>
-                <a:spcPts val="0"/>
-              </a:spcAft>
-              <a:buSzPts val="1500"/>
-              <a:buChar char="-"/>
-            </a:pPr>
-            <a:r>
-              <a:rPr lang="de" sz="1300"/>
-              <a:t>Manuell : </a:t>
-            </a:r>
-            <a:r>
-              <a:rPr lang="de" sz="1300" u="sng">
-                <a:solidFill>
-                  <a:schemeClr val="hlink"/>
-                </a:solidFill>
-                <a:hlinkClick r:id="rId4"/>
-              </a:rPr>
-              <a:t>https://java.tutorials24x7.com/blog/how-to-install-java-11-on-ubuntu</a:t>
-            </a:r>
-            <a:endParaRPr sz="1300"/>
-          </a:p>
-          <a:p>
-            <a:pPr indent="-323850" lvl="1" marL="914400" rtl="0" algn="l">
-              <a:lnSpc>
-                <a:spcPct val="100000"/>
-              </a:lnSpc>
-              <a:spcBef>
-                <a:spcPts val="0"/>
-              </a:spcBef>
-              <a:spcAft>
-                <a:spcPts val="0"/>
-              </a:spcAft>
-              <a:buSzPts val="1500"/>
-              <a:buChar char="-"/>
-            </a:pPr>
-            <a:r>
-              <a:rPr lang="de" sz="1300"/>
-              <a:t>APT: </a:t>
-            </a:r>
-            <a:r>
-              <a:rPr lang="de" sz="1300" u="sng">
-                <a:solidFill>
-                  <a:schemeClr val="hlink"/>
-                </a:solidFill>
-                <a:hlinkClick r:id="rId5"/>
-              </a:rPr>
-              <a:t>https://www.digitalocean.com/community/tutorials/how-to-install-java-with-apt-on-ubuntu-18-04</a:t>
-            </a:r>
-            <a:br>
-              <a:rPr lang="de" sz="1300"/>
-            </a:br>
-            <a:endParaRPr sz="1300"/>
-          </a:p>
-          <a:p>
-            <a:pPr indent="-298450" lvl="0" marL="457200" rtl="0" algn="l">
-              <a:lnSpc>
-                <a:spcPct val="100000"/>
-              </a:lnSpc>
-              <a:spcBef>
-                <a:spcPts val="0"/>
-              </a:spcBef>
-              <a:spcAft>
-                <a:spcPts val="0"/>
-              </a:spcAft>
-              <a:buSzPts val="1100"/>
-              <a:buChar char="●"/>
-            </a:pPr>
-            <a:r>
-              <a:rPr lang="de" sz="1300"/>
-              <a:t>MacOS</a:t>
-            </a:r>
-            <a:endParaRPr sz="1300"/>
-          </a:p>
-          <a:p>
-            <a:pPr indent="-323850" lvl="1" marL="914400" rtl="0" algn="l">
-              <a:lnSpc>
-                <a:spcPct val="100000"/>
-              </a:lnSpc>
-              <a:spcBef>
-                <a:spcPts val="0"/>
-              </a:spcBef>
-              <a:spcAft>
-                <a:spcPts val="0"/>
-              </a:spcAft>
-              <a:buSzPts val="1500"/>
-              <a:buChar char="-"/>
-            </a:pPr>
-            <a:r>
-              <a:rPr lang="de" sz="1300"/>
-              <a:t>Manuell: </a:t>
-            </a:r>
-            <a:r>
-              <a:rPr lang="de" sz="1300" u="sng">
-                <a:solidFill>
-                  <a:schemeClr val="hlink"/>
-                </a:solidFill>
-                <a:hlinkClick r:id="rId6"/>
-              </a:rPr>
-              <a:t>https://java.tutorials24x7.com/blog/how-to-install-java-11-on-mac</a:t>
-            </a:r>
-            <a:endParaRPr sz="1300"/>
-          </a:p>
-          <a:p>
-            <a:pPr indent="-323850" lvl="1" marL="914400" rtl="0" algn="l">
-              <a:lnSpc>
-                <a:spcPct val="100000"/>
-              </a:lnSpc>
-              <a:spcBef>
-                <a:spcPts val="0"/>
-              </a:spcBef>
-              <a:spcAft>
-                <a:spcPts val="0"/>
-              </a:spcAft>
-              <a:buSzPts val="1500"/>
-              <a:buChar char="-"/>
-            </a:pPr>
-            <a:r>
-              <a:rPr lang="de" sz="1300"/>
-              <a:t>Brew: </a:t>
-            </a:r>
-            <a:r>
-              <a:rPr lang="de" sz="1300" u="sng">
-                <a:solidFill>
-                  <a:schemeClr val="hlink"/>
-                </a:solidFill>
-                <a:hlinkClick r:id="rId7"/>
-              </a:rPr>
-              <a:t>https://medium.com/macoclock/using-homebrew-to-install-java-jdk11-on-macos-44b30f497b38</a:t>
-            </a:r>
-            <a:endParaRPr sz="1300"/>
+              <a:buSzPts val="1400"/>
+              <a:buNone/>
+            </a:pPr>
+            <a:r>
+              <a:rPr lang="de"/>
+              <a:t>Ihr braucht </a:t>
+            </a:r>
+            <a:r>
+              <a:rPr lang="de" u="sng"/>
+              <a:t>nur das JDK</a:t>
+            </a:r>
+            <a:r>
+              <a:rPr lang="de"/>
+              <a:t>, da dieses </a:t>
+            </a:r>
+            <a:r>
+              <a:rPr lang="de" u="sng"/>
+              <a:t>das JRE bereits beinhaltet</a:t>
+            </a:r>
+            <a:r>
+              <a:rPr lang="de"/>
+              <a:t>.</a:t>
+            </a:r>
+            <a:endParaRPr/>
           </a:p>
         </p:txBody>
       </p:sp>
@@ -11455,7 +11789,7 @@
             </a:pPr>
             <a:r>
               <a:rPr lang="de"/>
-              <a:t>1.2. SSH Schlüsselpaar generieren</a:t>
+              <a:t>1.1. Installation von Java</a:t>
             </a:r>
             <a:endParaRPr/>
           </a:p>
@@ -11471,7 +11805,7 @@
         </p:nvSpPr>
         <p:spPr>
           <a:xfrm>
-            <a:off x="431800" y="969675"/>
+            <a:off x="431800" y="945000"/>
             <a:ext cx="8375700" cy="3375000"/>
           </a:xfrm>
           <a:prstGeom prst="rect">
@@ -11503,7 +11837,7 @@
             </a:pPr>
             <a:r>
               <a:rPr lang="de"/>
-              <a:t>Zur automatischen Authentifizierung bei der Nutzung von Git wird ein sogenanntes SSH-Schlüsselpaar benötigt. </a:t>
+              <a:t>Installationsanleitungen für verschiedene Betriebssysteme:</a:t>
             </a:r>
             <a:endParaRPr/>
           </a:p>
@@ -11522,67 +11856,7 @@
               <a:buNone/>
             </a:pPr>
             <a:r>
-              <a:rPr lang="de"/>
-              <a:t>Dieses besteht aus einem öffentlichen und einem privaten Schlüssel. </a:t>
-            </a:r>
-            <a:endParaRPr/>
-          </a:p>
-          <a:p>
-            <a:pPr indent="0" lvl="0" marL="0" rtl="0" algn="l">
-              <a:lnSpc>
-                <a:spcPct val="100000"/>
-              </a:lnSpc>
-              <a:spcBef>
-                <a:spcPts val="320"/>
-              </a:spcBef>
-              <a:spcAft>
-                <a:spcPts val="0"/>
-              </a:spcAft>
-              <a:buSzPts val="1400"/>
-              <a:buNone/>
-            </a:pPr>
-            <a:r>
-              <a:rPr lang="de"/>
-              <a:t>Den öffentlichen Schlüssel stellt man Git zur Verfügung.</a:t>
-            </a:r>
-            <a:endParaRPr/>
-          </a:p>
-          <a:p>
-            <a:pPr indent="0" lvl="0" marL="0" rtl="0" algn="l">
-              <a:lnSpc>
-                <a:spcPct val="100000"/>
-              </a:lnSpc>
-              <a:spcBef>
-                <a:spcPts val="320"/>
-              </a:spcBef>
-              <a:spcAft>
-                <a:spcPts val="0"/>
-              </a:spcAft>
-              <a:buSzPts val="1400"/>
-              <a:buNone/>
-            </a:pPr>
-            <a:r>
               <a:t/>
-            </a:r>
-            <a:endParaRPr/>
-          </a:p>
-          <a:p>
-            <a:pPr indent="0" lvl="0" marL="0" rtl="0" algn="l">
-              <a:lnSpc>
-                <a:spcPct val="100000"/>
-              </a:lnSpc>
-              <a:spcBef>
-                <a:spcPts val="320"/>
-              </a:spcBef>
-              <a:spcAft>
-                <a:spcPts val="0"/>
-              </a:spcAft>
-              <a:buSzPts val="1400"/>
-              <a:buNone/>
-            </a:pPr>
-            <a:r>
-              <a:rPr lang="de"/>
-              <a:t>Generierung auf den verschiedenen Betriebssystemen:</a:t>
             </a:r>
             <a:endParaRPr/>
           </a:p>
@@ -11600,6 +11874,30 @@
               <a:buSzPts val="1100"/>
               <a:buChar char="●"/>
             </a:pPr>
+            <a:r>
+              <a:rPr lang="de" sz="1300"/>
+              <a:t>Windows</a:t>
+            </a:r>
+            <a:endParaRPr sz="1300"/>
+          </a:p>
+          <a:p>
+            <a:pPr indent="-323850" lvl="1" marL="914400" rtl="0" algn="l">
+              <a:lnSpc>
+                <a:spcPct val="100000"/>
+              </a:lnSpc>
+              <a:spcBef>
+                <a:spcPts val="0"/>
+              </a:spcBef>
+              <a:spcAft>
+                <a:spcPts val="0"/>
+              </a:spcAft>
+              <a:buSzPts val="1500"/>
+              <a:buChar char="-"/>
+            </a:pPr>
+            <a:r>
+              <a:rPr lang="de" sz="1300"/>
+              <a:t>Manuell: </a:t>
+            </a:r>
             <a:r>
               <a:rPr lang="de" sz="1300" u="sng">
                 <a:solidFill>
@@ -11607,7 +11905,169 @@
                 </a:solidFill>
                 <a:hlinkClick r:id="rId3"/>
               </a:rPr>
-              <a:t>https://www.digitalocean.com/community/tutorials/how-to-create-ssh-keys-with-openssh-on-macos-or-linux</a:t>
+              <a:t>https://java.tutorials24x7.com/blog/how-to-install-java-11-on-windows</a:t>
+            </a:r>
+            <a:br>
+              <a:rPr lang="de" sz="1300"/>
+            </a:br>
+            <a:endParaRPr sz="1300"/>
+          </a:p>
+          <a:p>
+            <a:pPr indent="-298450" lvl="0" marL="457200" rtl="0" algn="l">
+              <a:lnSpc>
+                <a:spcPct val="100000"/>
+              </a:lnSpc>
+              <a:spcBef>
+                <a:spcPts val="0"/>
+              </a:spcBef>
+              <a:spcAft>
+                <a:spcPts val="0"/>
+              </a:spcAft>
+              <a:buSzPts val="1100"/>
+              <a:buChar char="●"/>
+            </a:pPr>
+            <a:r>
+              <a:rPr lang="de" sz="1300"/>
+              <a:t>Linux (Ubuntu)</a:t>
+            </a:r>
+            <a:endParaRPr sz="1300"/>
+          </a:p>
+          <a:p>
+            <a:pPr indent="-323850" lvl="1" marL="914400" rtl="0" algn="l">
+              <a:lnSpc>
+                <a:spcPct val="100000"/>
+              </a:lnSpc>
+              <a:spcBef>
+                <a:spcPts val="0"/>
+              </a:spcBef>
+              <a:spcAft>
+                <a:spcPts val="0"/>
+              </a:spcAft>
+              <a:buSzPts val="1500"/>
+              <a:buChar char="-"/>
+            </a:pPr>
+            <a:r>
+              <a:rPr lang="de" sz="1300"/>
+              <a:t>Manuell : </a:t>
+            </a:r>
+            <a:r>
+              <a:rPr lang="de" sz="1300" u="sng">
+                <a:solidFill>
+                  <a:schemeClr val="hlink"/>
+                </a:solidFill>
+                <a:hlinkClick r:id="rId4"/>
+              </a:rPr>
+              <a:t>https://java.tutorials24x7.com/blog/how-to-install-java-11-on-ubuntu</a:t>
+            </a:r>
+            <a:endParaRPr sz="1300"/>
+          </a:p>
+          <a:p>
+            <a:pPr indent="-323850" lvl="1" marL="914400" rtl="0" algn="l">
+              <a:lnSpc>
+                <a:spcPct val="100000"/>
+              </a:lnSpc>
+              <a:spcBef>
+                <a:spcPts val="0"/>
+              </a:spcBef>
+              <a:spcAft>
+                <a:spcPts val="0"/>
+              </a:spcAft>
+              <a:buSzPts val="1500"/>
+              <a:buChar char="-"/>
+            </a:pPr>
+            <a:r>
+              <a:rPr lang="de" sz="1300"/>
+              <a:t>APT: </a:t>
+            </a:r>
+            <a:r>
+              <a:rPr lang="de" sz="1300" u="sng">
+                <a:solidFill>
+                  <a:schemeClr val="hlink"/>
+                </a:solidFill>
+                <a:hlinkClick r:id="rId5"/>
+              </a:rPr>
+              <a:t>https://www.digitalocean.com/community/tutorials/how-to-install-java-with-apt-on-ubuntu-18-04</a:t>
+            </a:r>
+            <a:br>
+              <a:rPr lang="de" sz="1300"/>
+            </a:br>
+            <a:endParaRPr sz="1300"/>
+          </a:p>
+          <a:p>
+            <a:pPr indent="-298450" lvl="0" marL="457200" rtl="0" algn="l">
+              <a:lnSpc>
+                <a:spcPct val="100000"/>
+              </a:lnSpc>
+              <a:spcBef>
+                <a:spcPts val="0"/>
+              </a:spcBef>
+              <a:spcAft>
+                <a:spcPts val="0"/>
+              </a:spcAft>
+              <a:buSzPts val="1100"/>
+              <a:buChar char="●"/>
+            </a:pPr>
+            <a:r>
+              <a:rPr lang="de" sz="1300"/>
+              <a:t>MacOS</a:t>
+            </a:r>
+            <a:endParaRPr sz="1300"/>
+          </a:p>
+          <a:p>
+            <a:pPr indent="-323850" lvl="1" marL="914400" rtl="0" algn="l">
+              <a:lnSpc>
+                <a:spcPct val="100000"/>
+              </a:lnSpc>
+              <a:spcBef>
+                <a:spcPts val="0"/>
+              </a:spcBef>
+              <a:spcAft>
+                <a:spcPts val="0"/>
+              </a:spcAft>
+              <a:buSzPts val="1500"/>
+              <a:buChar char="-"/>
+            </a:pPr>
+            <a:r>
+              <a:rPr lang="de" sz="1300"/>
+              <a:t>Manuell: </a:t>
+            </a:r>
+            <a:r>
+              <a:rPr lang="de" sz="1300" u="sng">
+                <a:solidFill>
+                  <a:schemeClr val="hlink"/>
+                </a:solidFill>
+                <a:hlinkClick r:id="rId6"/>
+              </a:rPr>
+              <a:t>https://java.tutorials24x7.com/blog/how-to-install-java-11-on-mac</a:t>
+            </a:r>
+            <a:endParaRPr sz="1300"/>
+          </a:p>
+          <a:p>
+            <a:pPr indent="-323850" lvl="1" marL="914400" rtl="0" algn="l">
+              <a:lnSpc>
+                <a:spcPct val="100000"/>
+              </a:lnSpc>
+              <a:spcBef>
+                <a:spcPts val="0"/>
+              </a:spcBef>
+              <a:spcAft>
+                <a:spcPts val="0"/>
+              </a:spcAft>
+              <a:buSzPts val="1500"/>
+              <a:buChar char="-"/>
+            </a:pPr>
+            <a:r>
+              <a:rPr lang="de" sz="1300"/>
+              <a:t>Brew: </a:t>
+            </a:r>
+            <a:r>
+              <a:rPr lang="de" sz="1300" u="sng">
+                <a:solidFill>
+                  <a:schemeClr val="hlink"/>
+                </a:solidFill>
+                <a:hlinkClick r:id="rId7"/>
+              </a:rPr>
+              <a:t>https://medium.com/macoclock/using-homebrew-to-install-java-jdk11-on-macos-44b30f497b38</a:t>
             </a:r>
             <a:endParaRPr sz="1300"/>
           </a:p>
@@ -11680,7 +12140,7 @@
             </a:pPr>
             <a:r>
               <a:rPr lang="de"/>
-              <a:t>1.3. Installation von Git</a:t>
+              <a:t>1.2. SSH Schlüsselpaar generieren</a:t>
             </a:r>
             <a:endParaRPr/>
           </a:p>
@@ -11696,7 +12156,7 @@
         </p:nvSpPr>
         <p:spPr>
           <a:xfrm>
-            <a:off x="431800" y="945000"/>
+            <a:off x="431800" y="969675"/>
             <a:ext cx="8375700" cy="3375000"/>
           </a:xfrm>
           <a:prstGeom prst="rect">
@@ -11728,7 +12188,7 @@
             </a:pPr>
             <a:r>
               <a:rPr lang="de"/>
-              <a:t>Git ist ein verteiltes Versionskontrollsystem (VCS). Das bedeutet, dass die Versionsdaten auf mehreren Geräten gleichzeitig liegen. </a:t>
+              <a:t>Zur automatischen Authentifizierung bei der Nutzung von Git wird ein sogenanntes SSH-Schlüsselpaar benötigt. </a:t>
             </a:r>
             <a:endParaRPr/>
           </a:p>
@@ -11748,7 +12208,7 @@
             </a:pPr>
             <a:r>
               <a:rPr lang="de"/>
-              <a:t>Sie liegen auf den Endgeräten der Nutzer ( =&gt; Repository) und auf einem Server, auf den die Nutzer zugreifen ( =&gt; remote Repository).</a:t>
+              <a:t>Dieses besteht aus einem öffentlichen und einem privaten Schlüssel. </a:t>
             </a:r>
             <a:endParaRPr/>
           </a:p>
@@ -11767,6 +12227,26 @@
               <a:buNone/>
             </a:pPr>
             <a:r>
+              <a:rPr lang="de"/>
+              <a:t>Den öffentlichen Schlüssel stellt man Git zur Verfügung.</a:t>
+            </a:r>
+            <a:endParaRPr/>
+          </a:p>
+          <a:p>
+            <a:pPr indent="0" lvl="0" marL="0" rtl="0" algn="l">
+              <a:lnSpc>
+                <a:spcPct val="100000"/>
+              </a:lnSpc>
+              <a:spcBef>
+                <a:spcPts val="320"/>
+              </a:spcBef>
+              <a:spcAft>
+                <a:spcPts val="0"/>
+              </a:spcAft>
+              <a:buSzPts val="1400"/>
+              <a:buNone/>
+            </a:pPr>
+            <a:r>
               <a:t/>
             </a:r>
             <a:endParaRPr/>
@@ -11787,12 +12267,12 @@
             </a:pPr>
             <a:r>
               <a:rPr lang="de"/>
-              <a:t>Zur Nutzung von Git gehört immer:</a:t>
+              <a:t>Generierung auf den verschiedenen Betriebssystemen:</a:t>
             </a:r>
             <a:endParaRPr/>
           </a:p>
           <a:p>
-            <a:pPr indent="-317500" lvl="0" marL="457200" rtl="0" algn="l">
+            <a:pPr indent="-298450" lvl="0" marL="457200" rtl="0" algn="l">
               <a:lnSpc>
                 <a:spcPct val="100000"/>
               </a:lnSpc>
@@ -11802,118 +12282,19 @@
               <a:spcAft>
                 <a:spcPts val="0"/>
               </a:spcAft>
-              <a:buSzPts val="1400"/>
+              <a:buSzPts val="1100"/>
               <a:buChar char="●"/>
             </a:pPr>
             <a:r>
-              <a:rPr lang="de"/>
-              <a:t>Das Programm Git auf eurem PC</a:t>
-            </a:r>
-            <a:endParaRPr/>
-          </a:p>
-          <a:p>
-            <a:pPr indent="-317500" lvl="0" marL="457200" rtl="0" algn="l">
-              <a:lnSpc>
-                <a:spcPct val="100000"/>
-              </a:lnSpc>
-              <a:spcBef>
-                <a:spcPts val="0"/>
-              </a:spcBef>
-              <a:spcAft>
-                <a:spcPts val="0"/>
-              </a:spcAft>
-              <a:buSzPts val="1400"/>
-              <a:buChar char="●"/>
-            </a:pPr>
-            <a:r>
-              <a:rPr lang="de"/>
-              <a:t>Ein Cloud Hosting Dienst für das remote Repository (Github, Gitlab, Gitea, …)</a:t>
-            </a:r>
-            <a:endParaRPr/>
-          </a:p>
-          <a:p>
-            <a:pPr indent="-317500" lvl="0" marL="457200" rtl="0" algn="l">
-              <a:lnSpc>
-                <a:spcPct val="100000"/>
-              </a:lnSpc>
-              <a:spcBef>
-                <a:spcPts val="0"/>
-              </a:spcBef>
-              <a:spcAft>
-                <a:spcPts val="0"/>
-              </a:spcAft>
-              <a:buSzPts val="1400"/>
-              <a:buChar char="●"/>
-            </a:pPr>
-            <a:r>
-              <a:rPr lang="de"/>
-              <a:t>=&gt; Git ≠ Github / Gitlab / Gitea</a:t>
-            </a:r>
-            <a:endParaRPr/>
-          </a:p>
-          <a:p>
-            <a:pPr indent="0" lvl="0" marL="0" rtl="0" algn="l">
-              <a:lnSpc>
-                <a:spcPct val="100000"/>
-              </a:lnSpc>
-              <a:spcBef>
-                <a:spcPts val="320"/>
-              </a:spcBef>
-              <a:spcAft>
-                <a:spcPts val="0"/>
-              </a:spcAft>
-              <a:buSzPts val="1400"/>
-              <a:buNone/>
-            </a:pPr>
-            <a:r>
-              <a:t/>
-            </a:r>
-            <a:endParaRPr/>
-          </a:p>
-          <a:p>
-            <a:pPr indent="0" lvl="0" marL="0" rtl="0" algn="l">
-              <a:lnSpc>
-                <a:spcPct val="100000"/>
-              </a:lnSpc>
-              <a:spcBef>
-                <a:spcPts val="320"/>
-              </a:spcBef>
-              <a:spcAft>
-                <a:spcPts val="0"/>
-              </a:spcAft>
-              <a:buSzPts val="1400"/>
-              <a:buNone/>
-            </a:pPr>
-            <a:r>
-              <a:rPr lang="de"/>
-              <a:t>Anleitung zur Installation von Git: </a:t>
-            </a:r>
-            <a:endParaRPr/>
-          </a:p>
-          <a:p>
-            <a:pPr indent="-317500" lvl="0" marL="457200" rtl="0" algn="l">
-              <a:lnSpc>
-                <a:spcPct val="100000"/>
-              </a:lnSpc>
-              <a:spcBef>
-                <a:spcPts val="320"/>
-              </a:spcBef>
-              <a:spcAft>
-                <a:spcPts val="0"/>
-              </a:spcAft>
-              <a:buSzPts val="1400"/>
-              <a:buChar char="●"/>
-            </a:pPr>
-            <a:r>
-              <a:rPr lang="de" u="sng">
+              <a:rPr lang="de" sz="1300" u="sng">
                 <a:solidFill>
                   <a:schemeClr val="hlink"/>
                 </a:solidFill>
                 <a:hlinkClick r:id="rId3"/>
               </a:rPr>
-              <a:t>https://www.linode.com/docs/guides/how-to-install-git-on-linux-mac-and-windows/</a:t>
-            </a:r>
-            <a:endParaRPr/>
+              <a:t>https://www.digitalocean.com/community/tutorials/how-to-create-ssh-keys-with-openssh-on-macos-or-linux</a:t>
+            </a:r>
+            <a:endParaRPr sz="1300"/>
           </a:p>
         </p:txBody>
       </p:sp>
@@ -11984,7 +12365,7 @@
             </a:pPr>
             <a:r>
               <a:rPr lang="de"/>
-              <a:t>1.4. Was du sonst noch brauchst</a:t>
+              <a:t>1.3. Installation von Git</a:t>
             </a:r>
             <a:endParaRPr/>
           </a:p>
@@ -12032,7 +12413,7 @@
             </a:pPr>
             <a:r>
               <a:rPr lang="de"/>
-              <a:t>Programmieren ist ein Tätigkeit mit nahezu keinen speziellen Erfordernissen.</a:t>
+              <a:t>Git ist ein verteiltes Versionskontrollsystem (VCS). Das bedeutet, dass die Versionsdaten auf mehreren Geräten gleichzeitig liegen. </a:t>
             </a:r>
             <a:endParaRPr/>
           </a:p>
@@ -12052,11 +12433,50 @@
             </a:pPr>
             <a:r>
               <a:rPr lang="de"/>
-              <a:t>Du brauchst:</a:t>
+              <a:t>Sie liegen auf den Endgeräten der Nutzer ( =&gt; Repository) und auf einem Server, auf den die Nutzer zugreifen ( =&gt; remote Repository).</a:t>
             </a:r>
             <a:endParaRPr/>
           </a:p>
           <a:p>
+            <a:pPr indent="0" lvl="0" marL="0" rtl="0" algn="l">
+              <a:lnSpc>
+                <a:spcPct val="100000"/>
+              </a:lnSpc>
+              <a:spcBef>
+                <a:spcPts val="320"/>
+              </a:spcBef>
+              <a:spcAft>
+                <a:spcPts val="0"/>
+              </a:spcAft>
+              <a:buSzPts val="1400"/>
+              <a:buNone/>
+            </a:pPr>
+            <a:r>
+              <a:t/>
+            </a:r>
+            <a:endParaRPr/>
+          </a:p>
+          <a:p>
+            <a:pPr indent="0" lvl="0" marL="0" rtl="0" algn="l">
+              <a:lnSpc>
+                <a:spcPct val="100000"/>
+              </a:lnSpc>
+              <a:spcBef>
+                <a:spcPts val="320"/>
+              </a:spcBef>
+              <a:spcAft>
+                <a:spcPts val="0"/>
+              </a:spcAft>
+              <a:buSzPts val="1400"/>
+              <a:buNone/>
+            </a:pPr>
+            <a:r>
+              <a:rPr lang="de"/>
+              <a:t>Zur Nutzung von Git gehört immer:</a:t>
+            </a:r>
+            <a:endParaRPr/>
+          </a:p>
+          <a:p>
             <a:pPr indent="-317500" lvl="0" marL="457200" rtl="0" algn="l">
               <a:lnSpc>
                 <a:spcPct val="100000"/>
@@ -12072,57 +12492,96 @@
             </a:pPr>
             <a:r>
               <a:rPr lang="de"/>
-              <a:t>Deinen Laptop</a:t>
+              <a:t>Das Programm Git auf eurem PC</a:t>
             </a:r>
             <a:endParaRPr/>
           </a:p>
           <a:p>
-            <a:pPr indent="-342900" lvl="1" marL="914400" rtl="0" algn="l">
-              <a:lnSpc>
-                <a:spcPct val="100000"/>
-              </a:lnSpc>
-              <a:spcBef>
-                <a:spcPts val="0"/>
-              </a:spcBef>
-              <a:spcAft>
-                <a:spcPts val="0"/>
-              </a:spcAft>
-              <a:buSzPts val="1800"/>
-              <a:buChar char="-"/>
+            <a:pPr indent="-317500" lvl="0" marL="457200" rtl="0" algn="l">
+              <a:lnSpc>
+                <a:spcPct val="100000"/>
+              </a:lnSpc>
+              <a:spcBef>
+                <a:spcPts val="0"/>
+              </a:spcBef>
+              <a:spcAft>
+                <a:spcPts val="0"/>
+              </a:spcAft>
+              <a:buSzPts val="1400"/>
+              <a:buChar char="●"/>
             </a:pPr>
             <a:r>
               <a:rPr lang="de"/>
-              <a:t>Einen Texteditor oder IDE (bitte nehmt zunächst einen Texteditor)</a:t>
+              <a:t>Ein Cloud Hosting Dienst für das remote Repository (Github, Gitlab, Gitea, …)</a:t>
             </a:r>
             <a:endParaRPr/>
           </a:p>
           <a:p>
-            <a:pPr indent="-342900" lvl="1" marL="914400" rtl="0" algn="l">
-              <a:lnSpc>
-                <a:spcPct val="100000"/>
-              </a:lnSpc>
-              <a:spcBef>
-                <a:spcPts val="0"/>
-              </a:spcBef>
-              <a:spcAft>
-                <a:spcPts val="0"/>
-              </a:spcAft>
-              <a:buSzPts val="1800"/>
-              <a:buChar char="-"/>
+            <a:pPr indent="-317500" lvl="0" marL="457200" rtl="0" algn="l">
+              <a:lnSpc>
+                <a:spcPct val="100000"/>
+              </a:lnSpc>
+              <a:spcBef>
+                <a:spcPts val="0"/>
+              </a:spcBef>
+              <a:spcAft>
+                <a:spcPts val="0"/>
+              </a:spcAft>
+              <a:buSzPts val="1400"/>
+              <a:buChar char="●"/>
             </a:pPr>
             <a:r>
               <a:rPr lang="de"/>
-              <a:t>Eine Konsole / Terminal </a:t>
+              <a:t>=&gt; Git ≠ Github / Gitlab / Gitea</a:t>
             </a:r>
             <a:endParaRPr/>
           </a:p>
           <a:p>
+            <a:pPr indent="0" lvl="0" marL="0" rtl="0" algn="l">
+              <a:lnSpc>
+                <a:spcPct val="100000"/>
+              </a:lnSpc>
+              <a:spcBef>
+                <a:spcPts val="320"/>
+              </a:spcBef>
+              <a:spcAft>
+                <a:spcPts val="0"/>
+              </a:spcAft>
+              <a:buSzPts val="1400"/>
+              <a:buNone/>
+            </a:pPr>
+            <a:r>
+              <a:t/>
+            </a:r>
+            <a:endParaRPr/>
+          </a:p>
+          <a:p>
+            <a:pPr indent="0" lvl="0" marL="0" rtl="0" algn="l">
+              <a:lnSpc>
+                <a:spcPct val="100000"/>
+              </a:lnSpc>
+              <a:spcBef>
+                <a:spcPts val="320"/>
+              </a:spcBef>
+              <a:spcAft>
+                <a:spcPts val="0"/>
+              </a:spcAft>
+              <a:buSzPts val="1400"/>
+              <a:buNone/>
+            </a:pPr>
+            <a:r>
+              <a:rPr lang="de"/>
+              <a:t>Anleitung zur Installation von Git: </a:t>
+            </a:r>
+            <a:endParaRPr/>
+          </a:p>
+          <a:p>
             <a:pPr indent="-317500" lvl="0" marL="457200" rtl="0" algn="l">
               <a:lnSpc>
                 <a:spcPct val="100000"/>
               </a:lnSpc>
               <a:spcBef>
-                <a:spcPts val="0"/>
+                <a:spcPts val="320"/>
               </a:spcBef>
               <a:spcAft>
                 <a:spcPts val="0"/>
@@ -12131,555 +12590,15 @@
               <a:buChar char="●"/>
             </a:pPr>
             <a:r>
-              <a:rPr lang="de"/>
-              <a:t>Deinen Kopf</a:t>
+              <a:rPr lang="de" u="sng">
+                <a:solidFill>
+                  <a:schemeClr val="hlink"/>
+                </a:solidFill>
+                <a:hlinkClick r:id="rId3"/>
+              </a:rPr>
+              <a:t>https://www.linode.com/docs/guides/how-to-install-git-on-linux-mac-and-windows/</a:t>
             </a:r>
             <a:endParaRPr/>
-          </a:p>
-        </p:txBody>
-      </p:sp>
-      <p:sp>
-        <p:nvSpPr>
-          <p:cNvPr id="122" name="Google Shape;122;p22"/>
-          <p:cNvSpPr txBox="1"/>
-          <p:nvPr/>
-        </p:nvSpPr>
-        <p:spPr>
-          <a:xfrm>
-            <a:off x="5186500" y="2686975"/>
-            <a:ext cx="3621000" cy="1744500"/>
-          </a:xfrm>
-          <a:prstGeom prst="rect">
-            <a:avLst/>
-          </a:prstGeom>
-          <a:noFill/>
-          <a:ln>
-            <a:noFill/>
-          </a:ln>
-        </p:spPr>
-        <p:txBody>
-          <a:bodyPr anchorCtr="0" anchor="t" bIns="91425" lIns="91425" spcFirstLastPara="1" rIns="91425" wrap="square" tIns="91425">
-            <a:spAutoFit/>
-          </a:bodyPr>
-          <a:lstStyle/>
-          <a:p>
-            <a:pPr indent="0" lvl="0" marL="0" marR="0" rtl="0" algn="l">
-              <a:lnSpc>
-                <a:spcPct val="100000"/>
-              </a:lnSpc>
-              <a:spcBef>
-                <a:spcPts val="320"/>
-              </a:spcBef>
-              <a:spcAft>
-                <a:spcPts val="0"/>
-              </a:spcAft>
-              <a:buClr>
-                <a:srgbClr val="000000"/>
-              </a:buClr>
-              <a:buSzPts val="1600"/>
-              <a:buFont typeface="Arial"/>
-              <a:buNone/>
-            </a:pPr>
-            <a:r>
-              <a:rPr b="0" i="0" lang="de" sz="1600" u="none" cap="none" strike="noStrike">
-                <a:solidFill>
-                  <a:schemeClr val="dk1"/>
-                </a:solidFill>
-                <a:latin typeface="Arial"/>
-                <a:ea typeface="Arial"/>
-                <a:cs typeface="Arial"/>
-                <a:sym typeface="Arial"/>
-              </a:rPr>
-              <a:t>Gute IDEs (für später):</a:t>
-            </a:r>
-            <a:endParaRPr b="0" i="0" sz="1600" u="none" cap="none" strike="noStrike">
-              <a:solidFill>
-                <a:schemeClr val="dk1"/>
-              </a:solidFill>
-              <a:latin typeface="Arial"/>
-              <a:ea typeface="Arial"/>
-              <a:cs typeface="Arial"/>
-              <a:sym typeface="Arial"/>
-            </a:endParaRPr>
-          </a:p>
-          <a:p>
-            <a:pPr indent="-330200" lvl="0" marL="457200" marR="0" rtl="0" algn="l">
-              <a:lnSpc>
-                <a:spcPct val="100000"/>
-              </a:lnSpc>
-              <a:spcBef>
-                <a:spcPts val="320"/>
-              </a:spcBef>
-              <a:spcAft>
-                <a:spcPts val="0"/>
-              </a:spcAft>
-              <a:buClr>
-                <a:schemeClr val="dk1"/>
-              </a:buClr>
-              <a:buSzPts val="1600"/>
-              <a:buFont typeface="Arial"/>
-              <a:buChar char="●"/>
-            </a:pPr>
-            <a:r>
-              <a:rPr b="0" i="0" lang="de" sz="1600" u="none" cap="none" strike="noStrike">
-                <a:solidFill>
-                  <a:schemeClr val="dk1"/>
-                </a:solidFill>
-                <a:latin typeface="Arial"/>
-                <a:ea typeface="Arial"/>
-                <a:cs typeface="Arial"/>
-                <a:sym typeface="Arial"/>
-              </a:rPr>
-              <a:t>Eclipse</a:t>
-            </a:r>
-            <a:endParaRPr b="0" i="0" sz="1600" u="none" cap="none" strike="noStrike">
-              <a:solidFill>
-                <a:schemeClr val="dk1"/>
-              </a:solidFill>
-              <a:latin typeface="Arial"/>
-              <a:ea typeface="Arial"/>
-              <a:cs typeface="Arial"/>
-              <a:sym typeface="Arial"/>
-            </a:endParaRPr>
-          </a:p>
-          <a:p>
-            <a:pPr indent="-330200" lvl="0" marL="457200" marR="0" rtl="0" algn="l">
-              <a:lnSpc>
-                <a:spcPct val="100000"/>
-              </a:lnSpc>
-              <a:spcBef>
-                <a:spcPts val="0"/>
-              </a:spcBef>
-              <a:spcAft>
-                <a:spcPts val="0"/>
-              </a:spcAft>
-              <a:buClr>
-                <a:schemeClr val="dk1"/>
-              </a:buClr>
-              <a:buSzPts val="1600"/>
-              <a:buFont typeface="Arial"/>
-              <a:buChar char="●"/>
-            </a:pPr>
-            <a:r>
-              <a:rPr b="0" i="0" lang="de" sz="1600" u="none" cap="none" strike="noStrike">
-                <a:solidFill>
-                  <a:schemeClr val="dk1"/>
-                </a:solidFill>
-                <a:latin typeface="Arial"/>
-                <a:ea typeface="Arial"/>
-                <a:cs typeface="Arial"/>
-                <a:sym typeface="Arial"/>
-              </a:rPr>
-              <a:t>VS Code</a:t>
-            </a:r>
-            <a:endParaRPr b="0" i="0" sz="1600" u="none" cap="none" strike="noStrike">
-              <a:solidFill>
-                <a:schemeClr val="dk1"/>
-              </a:solidFill>
-              <a:latin typeface="Arial"/>
-              <a:ea typeface="Arial"/>
-              <a:cs typeface="Arial"/>
-              <a:sym typeface="Arial"/>
-            </a:endParaRPr>
-          </a:p>
-          <a:p>
-            <a:pPr indent="-330200" lvl="0" marL="457200" marR="0" rtl="0" algn="l">
-              <a:lnSpc>
-                <a:spcPct val="100000"/>
-              </a:lnSpc>
-              <a:spcBef>
-                <a:spcPts val="0"/>
-              </a:spcBef>
-              <a:spcAft>
-                <a:spcPts val="0"/>
-              </a:spcAft>
-              <a:buClr>
-                <a:schemeClr val="dk1"/>
-              </a:buClr>
-              <a:buSzPts val="1600"/>
-              <a:buFont typeface="Arial"/>
-              <a:buChar char="●"/>
-            </a:pPr>
-            <a:r>
-              <a:rPr b="0" i="0" lang="de" sz="1600" u="none" cap="none" strike="noStrike">
-                <a:solidFill>
-                  <a:schemeClr val="dk1"/>
-                </a:solidFill>
-                <a:latin typeface="Arial"/>
-                <a:ea typeface="Arial"/>
-                <a:cs typeface="Arial"/>
-                <a:sym typeface="Arial"/>
-              </a:rPr>
-              <a:t>IntelliJ IDEA (Community Edition / Education Edition)</a:t>
-            </a:r>
-            <a:endParaRPr b="0" i="0" sz="1600" u="none" cap="none" strike="noStrike">
-              <a:solidFill>
-                <a:schemeClr val="dk1"/>
-              </a:solidFill>
-              <a:latin typeface="Arial"/>
-              <a:ea typeface="Arial"/>
-              <a:cs typeface="Arial"/>
-              <a:sym typeface="Arial"/>
-            </a:endParaRPr>
-          </a:p>
-          <a:p>
-            <a:pPr indent="0" lvl="0" marL="457200" marR="0" rtl="0" algn="l">
-              <a:lnSpc>
-                <a:spcPct val="100000"/>
-              </a:lnSpc>
-              <a:spcBef>
-                <a:spcPts val="320"/>
-              </a:spcBef>
-              <a:spcAft>
-                <a:spcPts val="0"/>
-              </a:spcAft>
-              <a:buClr>
-                <a:srgbClr val="000000"/>
-              </a:buClr>
-              <a:buSzPts val="1600"/>
-              <a:buFont typeface="Arial"/>
-              <a:buNone/>
-            </a:pPr>
-            <a:r>
-              <a:t/>
-            </a:r>
-            <a:endParaRPr b="0" i="0" sz="1600" u="none" cap="none" strike="noStrike">
-              <a:solidFill>
-                <a:schemeClr val="dk1"/>
-              </a:solidFill>
-              <a:latin typeface="Arial"/>
-              <a:ea typeface="Arial"/>
-              <a:cs typeface="Arial"/>
-              <a:sym typeface="Arial"/>
-            </a:endParaRPr>
-          </a:p>
-        </p:txBody>
-      </p:sp>
-      <p:sp>
-        <p:nvSpPr>
-          <p:cNvPr id="123" name="Google Shape;123;p22"/>
-          <p:cNvSpPr txBox="1"/>
-          <p:nvPr/>
-        </p:nvSpPr>
-        <p:spPr>
-          <a:xfrm>
-            <a:off x="431800" y="2686975"/>
-            <a:ext cx="3621000" cy="2277900"/>
-          </a:xfrm>
-          <a:prstGeom prst="rect">
-            <a:avLst/>
-          </a:prstGeom>
-          <a:noFill/>
-          <a:ln>
-            <a:noFill/>
-          </a:ln>
-        </p:spPr>
-        <p:txBody>
-          <a:bodyPr anchorCtr="0" anchor="t" bIns="91425" lIns="91425" spcFirstLastPara="1" rIns="91425" wrap="square" tIns="91425">
-            <a:spAutoFit/>
-          </a:bodyPr>
-          <a:lstStyle/>
-          <a:p>
-            <a:pPr indent="0" lvl="0" marL="0" marR="0" rtl="0" algn="l">
-              <a:lnSpc>
-                <a:spcPct val="100000"/>
-              </a:lnSpc>
-              <a:spcBef>
-                <a:spcPts val="320"/>
-              </a:spcBef>
-              <a:spcAft>
-                <a:spcPts val="0"/>
-              </a:spcAft>
-              <a:buClr>
-                <a:srgbClr val="000000"/>
-              </a:buClr>
-              <a:buSzPts val="1600"/>
-              <a:buFont typeface="Arial"/>
-              <a:buNone/>
-            </a:pPr>
-            <a:r>
-              <a:rPr b="0" i="0" lang="de" sz="1600" u="none" cap="none" strike="noStrike">
-                <a:solidFill>
-                  <a:schemeClr val="dk1"/>
-                </a:solidFill>
-                <a:latin typeface="Arial"/>
-                <a:ea typeface="Arial"/>
-                <a:cs typeface="Arial"/>
-                <a:sym typeface="Arial"/>
-              </a:rPr>
-              <a:t>Gute Texteditoren für den Anfang:</a:t>
-            </a:r>
-            <a:endParaRPr b="0" i="0" sz="1600" u="none" cap="none" strike="noStrike">
-              <a:solidFill>
-                <a:schemeClr val="dk1"/>
-              </a:solidFill>
-              <a:latin typeface="Arial"/>
-              <a:ea typeface="Arial"/>
-              <a:cs typeface="Arial"/>
-              <a:sym typeface="Arial"/>
-            </a:endParaRPr>
-          </a:p>
-          <a:p>
-            <a:pPr indent="-317500" lvl="0" marL="457200" marR="0" rtl="0" algn="l">
-              <a:lnSpc>
-                <a:spcPct val="100000"/>
-              </a:lnSpc>
-              <a:spcBef>
-                <a:spcPts val="320"/>
-              </a:spcBef>
-              <a:spcAft>
-                <a:spcPts val="0"/>
-              </a:spcAft>
-              <a:buClr>
-                <a:schemeClr val="dk1"/>
-              </a:buClr>
-              <a:buSzPts val="1400"/>
-              <a:buFont typeface="Arial"/>
-              <a:buChar char="●"/>
-            </a:pPr>
-            <a:r>
-              <a:rPr b="0" i="0" lang="de" sz="1600" u="none" cap="none" strike="noStrike">
-                <a:solidFill>
-                  <a:schemeClr val="dk1"/>
-                </a:solidFill>
-                <a:latin typeface="Arial"/>
-                <a:ea typeface="Arial"/>
-                <a:cs typeface="Arial"/>
-                <a:sym typeface="Arial"/>
-              </a:rPr>
-              <a:t>Sublime Text</a:t>
-            </a:r>
-            <a:endParaRPr b="0" i="0" sz="1600" u="none" cap="none" strike="noStrike">
-              <a:solidFill>
-                <a:schemeClr val="dk1"/>
-              </a:solidFill>
-              <a:latin typeface="Arial"/>
-              <a:ea typeface="Arial"/>
-              <a:cs typeface="Arial"/>
-              <a:sym typeface="Arial"/>
-            </a:endParaRPr>
-          </a:p>
-          <a:p>
-            <a:pPr indent="-317500" lvl="0" marL="457200" marR="0" rtl="0" algn="l">
-              <a:lnSpc>
-                <a:spcPct val="100000"/>
-              </a:lnSpc>
-              <a:spcBef>
-                <a:spcPts val="0"/>
-              </a:spcBef>
-              <a:spcAft>
-                <a:spcPts val="0"/>
-              </a:spcAft>
-              <a:buClr>
-                <a:schemeClr val="dk1"/>
-              </a:buClr>
-              <a:buSzPts val="1400"/>
-              <a:buFont typeface="Arial"/>
-              <a:buChar char="●"/>
-            </a:pPr>
-            <a:r>
-              <a:rPr b="0" i="0" lang="de" sz="1600" u="none" cap="none" strike="noStrike">
-                <a:solidFill>
-                  <a:schemeClr val="dk1"/>
-                </a:solidFill>
-                <a:latin typeface="Arial"/>
-                <a:ea typeface="Arial"/>
-                <a:cs typeface="Arial"/>
-                <a:sym typeface="Arial"/>
-              </a:rPr>
-              <a:t>Atom</a:t>
-            </a:r>
-            <a:endParaRPr b="0" i="0" sz="1600" u="none" cap="none" strike="noStrike">
-              <a:solidFill>
-                <a:schemeClr val="dk1"/>
-              </a:solidFill>
-              <a:latin typeface="Arial"/>
-              <a:ea typeface="Arial"/>
-              <a:cs typeface="Arial"/>
-              <a:sym typeface="Arial"/>
-            </a:endParaRPr>
-          </a:p>
-          <a:p>
-            <a:pPr indent="-317500" lvl="0" marL="457200" marR="0" rtl="0" algn="l">
-              <a:lnSpc>
-                <a:spcPct val="100000"/>
-              </a:lnSpc>
-              <a:spcBef>
-                <a:spcPts val="0"/>
-              </a:spcBef>
-              <a:spcAft>
-                <a:spcPts val="0"/>
-              </a:spcAft>
-              <a:buClr>
-                <a:schemeClr val="dk1"/>
-              </a:buClr>
-              <a:buSzPts val="1400"/>
-              <a:buFont typeface="Arial"/>
-              <a:buChar char="●"/>
-            </a:pPr>
-            <a:r>
-              <a:rPr b="0" i="0" lang="de" sz="1600" u="none" cap="none" strike="noStrike">
-                <a:solidFill>
-                  <a:schemeClr val="dk1"/>
-                </a:solidFill>
-                <a:latin typeface="Arial"/>
-                <a:ea typeface="Arial"/>
-                <a:cs typeface="Arial"/>
-                <a:sym typeface="Arial"/>
-              </a:rPr>
-              <a:t>Notepad++</a:t>
-            </a:r>
-            <a:endParaRPr b="0" i="0" sz="1600" u="none" cap="none" strike="noStrike">
-              <a:solidFill>
-                <a:schemeClr val="dk1"/>
-              </a:solidFill>
-              <a:latin typeface="Arial"/>
-              <a:ea typeface="Arial"/>
-              <a:cs typeface="Arial"/>
-              <a:sym typeface="Arial"/>
-            </a:endParaRPr>
-          </a:p>
-          <a:p>
-            <a:pPr indent="-317500" lvl="0" marL="457200" marR="0" rtl="0" algn="l">
-              <a:lnSpc>
-                <a:spcPct val="100000"/>
-              </a:lnSpc>
-              <a:spcBef>
-                <a:spcPts val="0"/>
-              </a:spcBef>
-              <a:spcAft>
-                <a:spcPts val="0"/>
-              </a:spcAft>
-              <a:buClr>
-                <a:schemeClr val="dk1"/>
-              </a:buClr>
-              <a:buSzPts val="1400"/>
-              <a:buFont typeface="Arial"/>
-              <a:buChar char="●"/>
-            </a:pPr>
-            <a:r>
-              <a:rPr b="0" i="0" lang="de" sz="1600" u="none" cap="none" strike="noStrike">
-                <a:solidFill>
-                  <a:schemeClr val="dk1"/>
-                </a:solidFill>
-                <a:latin typeface="Arial"/>
-                <a:ea typeface="Arial"/>
-                <a:cs typeface="Arial"/>
-                <a:sym typeface="Arial"/>
-              </a:rPr>
-              <a:t>gedit (Linux)</a:t>
-            </a:r>
-            <a:endParaRPr b="0" i="0" sz="1600" u="none" cap="none" strike="noStrike">
-              <a:solidFill>
-                <a:schemeClr val="dk1"/>
-              </a:solidFill>
-              <a:latin typeface="Arial"/>
-              <a:ea typeface="Arial"/>
-              <a:cs typeface="Arial"/>
-              <a:sym typeface="Arial"/>
-            </a:endParaRPr>
-          </a:p>
-          <a:p>
-            <a:pPr indent="-317500" lvl="0" marL="457200" marR="0" rtl="0" algn="l">
-              <a:lnSpc>
-                <a:spcPct val="100000"/>
-              </a:lnSpc>
-              <a:spcBef>
-                <a:spcPts val="0"/>
-              </a:spcBef>
-              <a:spcAft>
-                <a:spcPts val="0"/>
-              </a:spcAft>
-              <a:buClr>
-                <a:schemeClr val="dk1"/>
-              </a:buClr>
-              <a:buSzPts val="1400"/>
-              <a:buFont typeface="Arial"/>
-              <a:buChar char="●"/>
-            </a:pPr>
-            <a:r>
-              <a:rPr b="0" i="0" lang="de" sz="1600" u="none" cap="none" strike="noStrike">
-                <a:solidFill>
-                  <a:schemeClr val="dk1"/>
-                </a:solidFill>
-                <a:latin typeface="Arial"/>
-                <a:ea typeface="Arial"/>
-                <a:cs typeface="Arial"/>
-                <a:sym typeface="Arial"/>
-              </a:rPr>
-              <a:t>Editor (Windows)</a:t>
-            </a:r>
-            <a:endParaRPr b="0" i="0" sz="1600" u="none" cap="none" strike="noStrike">
-              <a:solidFill>
-                <a:schemeClr val="dk1"/>
-              </a:solidFill>
-              <a:latin typeface="Arial"/>
-              <a:ea typeface="Arial"/>
-              <a:cs typeface="Arial"/>
-              <a:sym typeface="Arial"/>
-            </a:endParaRPr>
-          </a:p>
-          <a:p>
-            <a:pPr indent="0" lvl="0" marL="457200" marR="0" rtl="0" algn="l">
-              <a:lnSpc>
-                <a:spcPct val="100000"/>
-              </a:lnSpc>
-              <a:spcBef>
-                <a:spcPts val="320"/>
-              </a:spcBef>
-              <a:spcAft>
-                <a:spcPts val="0"/>
-              </a:spcAft>
-              <a:buClr>
-                <a:srgbClr val="000000"/>
-              </a:buClr>
-              <a:buSzPts val="1600"/>
-              <a:buFont typeface="Arial"/>
-              <a:buNone/>
-            </a:pPr>
-            <a:r>
-              <a:t/>
-            </a:r>
-            <a:endParaRPr b="0" i="0" sz="1600" u="none" cap="none" strike="noStrike">
-              <a:solidFill>
-                <a:schemeClr val="dk1"/>
-              </a:solidFill>
-              <a:latin typeface="Arial"/>
-              <a:ea typeface="Arial"/>
-              <a:cs typeface="Arial"/>
-              <a:sym typeface="Arial"/>
-            </a:endParaRPr>
-          </a:p>
-          <a:p>
-            <a:pPr indent="0" lvl="0" marL="0" marR="0" rtl="0" algn="l">
-              <a:lnSpc>
-                <a:spcPct val="100000"/>
-              </a:lnSpc>
-              <a:spcBef>
-                <a:spcPts val="320"/>
-              </a:spcBef>
-              <a:spcAft>
-                <a:spcPts val="0"/>
-              </a:spcAft>
-              <a:buClr>
-                <a:srgbClr val="000000"/>
-              </a:buClr>
-              <a:buSzPts val="1600"/>
-              <a:buFont typeface="Arial"/>
-              <a:buNone/>
-            </a:pPr>
-            <a:r>
-              <a:t/>
-            </a:r>
-            <a:endParaRPr b="0" i="0" sz="1600" u="none" cap="none" strike="noStrike">
-              <a:solidFill>
-                <a:schemeClr val="dk1"/>
-              </a:solidFill>
-              <a:latin typeface="Arial"/>
-              <a:ea typeface="Arial"/>
-              <a:cs typeface="Arial"/>
-              <a:sym typeface="Arial"/>
-            </a:endParaRPr>
           </a:p>
         </p:txBody>
       </p:sp>
@@ -12696,7 +12615,7 @@
   <p:cSld>
     <p:spTree>
       <p:nvGrpSpPr>
-        <p:cNvPr id="127" name="Shape 127"/>
+        <p:cNvPr id="125" name="Shape 125"/>
         <p:cNvGrpSpPr/>
         <p:nvPr/>
       </p:nvGrpSpPr>
@@ -12710,7 +12629,7 @@
       </p:grpSpPr>
       <p:sp>
         <p:nvSpPr>
-          <p:cNvPr id="128" name="Google Shape;128;p23"/>
+          <p:cNvPr id="126" name="Google Shape;126;p23"/>
           <p:cNvSpPr txBox="1"/>
           <p:nvPr>
             <p:ph type="title"/>
@@ -12750,7 +12669,7 @@
             </a:pPr>
             <a:r>
               <a:rPr lang="de"/>
-              <a:t>2.1. Sprachkonzepte von Java</a:t>
+              <a:t>1.4. Was du sonst noch brauchst</a:t>
             </a:r>
             <a:endParaRPr/>
           </a:p>
@@ -12758,7 +12677,7 @@
       </p:sp>
       <p:sp>
         <p:nvSpPr>
-          <p:cNvPr id="129" name="Google Shape;129;p23"/>
+          <p:cNvPr id="127" name="Google Shape;127;p23"/>
           <p:cNvSpPr txBox="1"/>
           <p:nvPr>
             <p:ph idx="1" type="body"/>
@@ -12783,6 +12702,46 @@
           </a:bodyPr>
           <a:lstStyle/>
           <a:p>
+            <a:pPr indent="0" lvl="0" marL="0" rtl="0" algn="l">
+              <a:lnSpc>
+                <a:spcPct val="100000"/>
+              </a:lnSpc>
+              <a:spcBef>
+                <a:spcPts val="320"/>
+              </a:spcBef>
+              <a:spcAft>
+                <a:spcPts val="0"/>
+              </a:spcAft>
+              <a:buSzPts val="1400"/>
+              <a:buNone/>
+            </a:pPr>
+            <a:r>
+              <a:rPr lang="de"/>
+              <a:t>Programmieren ist ein Tätigkeit mit nahezu keinen speziellen Erfordernissen.</a:t>
+            </a:r>
+            <a:endParaRPr/>
+          </a:p>
+          <a:p>
+            <a:pPr indent="0" lvl="0" marL="0" rtl="0" algn="l">
+              <a:lnSpc>
+                <a:spcPct val="100000"/>
+              </a:lnSpc>
+              <a:spcBef>
+                <a:spcPts val="320"/>
+              </a:spcBef>
+              <a:spcAft>
+                <a:spcPts val="0"/>
+              </a:spcAft>
+              <a:buSzPts val="1400"/>
+              <a:buNone/>
+            </a:pPr>
+            <a:r>
+              <a:rPr lang="de"/>
+              <a:t>Du brauchst:</a:t>
+            </a:r>
+            <a:endParaRPr/>
+          </a:p>
+          <a:p>
             <a:pPr indent="-317500" lvl="0" marL="457200" rtl="0" algn="l">
               <a:lnSpc>
                 <a:spcPct val="100000"/>
@@ -12797,10 +12756,10 @@
               <a:buChar char="●"/>
             </a:pPr>
             <a:r>
-              <a:rPr b="1" lang="de"/>
-              <a:t>Objektorientiert</a:t>
-            </a:r>
-            <a:endParaRPr b="1"/>
+              <a:rPr lang="de"/>
+              <a:t>Deinen Laptop</a:t>
+            </a:r>
+            <a:endParaRPr/>
           </a:p>
           <a:p>
             <a:pPr indent="-342900" lvl="1" marL="914400" rtl="0" algn="l">
@@ -12818,7 +12777,7 @@
             </a:pPr>
             <a:r>
               <a:rPr lang="de"/>
-              <a:t>Für euch in den ersten zwei Wochen noch nicht so wichtig, aber hier ganz passend</a:t>
+              <a:t>Einen Texteditor oder IDE (bitte nehmt zunächst einen Texteditor)</a:t>
             </a:r>
             <a:endParaRPr/>
           </a:p>
@@ -12838,96 +12797,58 @@
             </a:pPr>
             <a:r>
               <a:rPr lang="de"/>
-              <a:t>In Java ist (nahezu) </a:t>
-            </a:r>
-            <a:r>
-              <a:rPr b="1" lang="de"/>
-              <a:t>alles ein Objekt.</a:t>
-            </a:r>
-            <a:endParaRPr b="1"/>
-          </a:p>
-          <a:p>
-            <a:pPr indent="-342900" lvl="1" marL="914400" rtl="0" algn="l">
-              <a:lnSpc>
-                <a:spcPct val="100000"/>
-              </a:lnSpc>
-              <a:spcBef>
-                <a:spcPts val="0"/>
-              </a:spcBef>
-              <a:spcAft>
-                <a:spcPts val="0"/>
-              </a:spcAft>
-              <a:buSzPts val="1800"/>
-              <a:buChar char="-"/>
+              <a:t>Eine Konsole / Terminal </a:t>
+            </a:r>
+            <a:endParaRPr/>
+          </a:p>
+          <a:p>
+            <a:pPr indent="-317500" lvl="0" marL="457200" rtl="0" algn="l">
+              <a:lnSpc>
+                <a:spcPct val="100000"/>
+              </a:lnSpc>
+              <a:spcBef>
+                <a:spcPts val="0"/>
+              </a:spcBef>
+              <a:spcAft>
+                <a:spcPts val="0"/>
+              </a:spcAft>
+              <a:buSzPts val="1400"/>
+              <a:buChar char="●"/>
             </a:pPr>
             <a:r>
               <a:rPr lang="de"/>
-              <a:t>Ein Klasse ist ein Datentyp, welcher bestimmte Attribute und Verhalten kapselt</a:t>
+              <a:t>Deinen Kopf</a:t>
             </a:r>
             <a:endParaRPr/>
           </a:p>
-          <a:p>
-            <a:pPr indent="-342900" lvl="1" marL="914400" rtl="0" algn="l">
-              <a:lnSpc>
-                <a:spcPct val="100000"/>
-              </a:lnSpc>
-              <a:spcBef>
-                <a:spcPts val="0"/>
-              </a:spcBef>
-              <a:spcAft>
-                <a:spcPts val="0"/>
-              </a:spcAft>
-              <a:buSzPts val="1800"/>
-              <a:buChar char="-"/>
-            </a:pPr>
-            <a:r>
-              <a:rPr lang="de"/>
-              <a:t>Eine Instanz einer Klasse nennt sich Objekt </a:t>
-            </a:r>
-            <a:endParaRPr/>
-          </a:p>
-          <a:p>
-            <a:pPr indent="-342900" lvl="2" marL="1371600" rtl="0" algn="l">
-              <a:lnSpc>
-                <a:spcPct val="100000"/>
-              </a:lnSpc>
-              <a:spcBef>
-                <a:spcPts val="0"/>
-              </a:spcBef>
-              <a:spcAft>
-                <a:spcPts val="0"/>
-              </a:spcAft>
-              <a:buSzPts val="1800"/>
-              <a:buChar char="■"/>
-            </a:pPr>
-            <a:r>
-              <a:rPr lang="de"/>
-              <a:t>Klasse: Person, Objekt/Instanz: Die Person David Gemen</a:t>
-            </a:r>
-            <a:endParaRPr/>
-          </a:p>
-          <a:p>
-            <a:pPr indent="-342900" lvl="1" marL="914400" rtl="0" algn="l">
-              <a:lnSpc>
-                <a:spcPct val="100000"/>
-              </a:lnSpc>
-              <a:spcBef>
-                <a:spcPts val="0"/>
-              </a:spcBef>
-              <a:spcAft>
-                <a:spcPts val="0"/>
-              </a:spcAft>
-              <a:buSzPts val="1800"/>
-              <a:buChar char="-"/>
-            </a:pPr>
-            <a:r>
-              <a:rPr lang="de"/>
-              <a:t>Komplexere Java-Programme sind ein Zusammenspiel kooperierender Objekte</a:t>
-            </a:r>
-            <a:endParaRPr/>
-          </a:p>
-          <a:p>
-            <a:pPr indent="0" lvl="0" marL="914400" rtl="0" algn="l">
+        </p:txBody>
+      </p:sp>
+      <p:sp>
+        <p:nvSpPr>
+          <p:cNvPr id="128" name="Google Shape;128;p23"/>
+          <p:cNvSpPr txBox="1"/>
+          <p:nvPr/>
+        </p:nvSpPr>
+        <p:spPr>
+          <a:xfrm>
+            <a:off x="5186500" y="2686975"/>
+            <a:ext cx="3621000" cy="1744500"/>
+          </a:xfrm>
+          <a:prstGeom prst="rect">
+            <a:avLst/>
+          </a:prstGeom>
+          <a:noFill/>
+          <a:ln>
+            <a:noFill/>
+          </a:ln>
+        </p:spPr>
+        <p:txBody>
+          <a:bodyPr anchorCtr="0" anchor="t" bIns="91425" lIns="91425" spcFirstLastPara="1" rIns="91425" wrap="square" tIns="91425">
+            <a:spAutoFit/>
+          </a:bodyPr>
+          <a:lstStyle/>
+          <a:p>
+            <a:pPr indent="0" lvl="0" marL="0" marR="0" rtl="0" algn="l">
               <a:lnSpc>
                 <a:spcPct val="100000"/>
               </a:lnSpc>
@@ -12937,16 +12858,214 @@
               <a:spcAft>
                 <a:spcPts val="0"/>
               </a:spcAft>
-              <a:buSzPts val="1400"/>
+              <a:buClr>
+                <a:srgbClr val="000000"/>
+              </a:buClr>
+              <a:buSzPts val="1600"/>
+              <a:buFont typeface="Arial"/>
+              <a:buNone/>
+            </a:pPr>
+            <a:r>
+              <a:rPr b="0" i="0" lang="de" sz="1600" u="none" cap="none" strike="noStrike">
+                <a:solidFill>
+                  <a:schemeClr val="dk1"/>
+                </a:solidFill>
+                <a:latin typeface="Arial"/>
+                <a:ea typeface="Arial"/>
+                <a:cs typeface="Arial"/>
+                <a:sym typeface="Arial"/>
+              </a:rPr>
+              <a:t>Gute IDEs (für später):</a:t>
+            </a:r>
+            <a:endParaRPr b="0" i="0" sz="1600" u="none" cap="none" strike="noStrike">
+              <a:solidFill>
+                <a:schemeClr val="dk1"/>
+              </a:solidFill>
+              <a:latin typeface="Arial"/>
+              <a:ea typeface="Arial"/>
+              <a:cs typeface="Arial"/>
+              <a:sym typeface="Arial"/>
+            </a:endParaRPr>
+          </a:p>
+          <a:p>
+            <a:pPr indent="-330200" lvl="0" marL="457200" marR="0" rtl="0" algn="l">
+              <a:lnSpc>
+                <a:spcPct val="100000"/>
+              </a:lnSpc>
+              <a:spcBef>
+                <a:spcPts val="320"/>
+              </a:spcBef>
+              <a:spcAft>
+                <a:spcPts val="0"/>
+              </a:spcAft>
+              <a:buClr>
+                <a:schemeClr val="dk1"/>
+              </a:buClr>
+              <a:buSzPts val="1600"/>
+              <a:buFont typeface="Arial"/>
+              <a:buChar char="●"/>
+            </a:pPr>
+            <a:r>
+              <a:rPr b="0" i="0" lang="de" sz="1600" u="none" cap="none" strike="noStrike">
+                <a:solidFill>
+                  <a:schemeClr val="dk1"/>
+                </a:solidFill>
+                <a:latin typeface="Arial"/>
+                <a:ea typeface="Arial"/>
+                <a:cs typeface="Arial"/>
+                <a:sym typeface="Arial"/>
+              </a:rPr>
+              <a:t>Eclipse</a:t>
+            </a:r>
+            <a:endParaRPr b="0" i="0" sz="1600" u="none" cap="none" strike="noStrike">
+              <a:solidFill>
+                <a:schemeClr val="dk1"/>
+              </a:solidFill>
+              <a:latin typeface="Arial"/>
+              <a:ea typeface="Arial"/>
+              <a:cs typeface="Arial"/>
+              <a:sym typeface="Arial"/>
+            </a:endParaRPr>
+          </a:p>
+          <a:p>
+            <a:pPr indent="-330200" lvl="0" marL="457200" marR="0" rtl="0" algn="l">
+              <a:lnSpc>
+                <a:spcPct val="100000"/>
+              </a:lnSpc>
+              <a:spcBef>
+                <a:spcPts val="0"/>
+              </a:spcBef>
+              <a:spcAft>
+                <a:spcPts val="0"/>
+              </a:spcAft>
+              <a:buClr>
+                <a:schemeClr val="dk1"/>
+              </a:buClr>
+              <a:buSzPts val="1600"/>
+              <a:buFont typeface="Arial"/>
+              <a:buChar char="●"/>
+            </a:pPr>
+            <a:r>
+              <a:rPr b="0" i="0" lang="de" sz="1600" u="none" cap="none" strike="noStrike">
+                <a:solidFill>
+                  <a:schemeClr val="dk1"/>
+                </a:solidFill>
+                <a:latin typeface="Arial"/>
+                <a:ea typeface="Arial"/>
+                <a:cs typeface="Arial"/>
+                <a:sym typeface="Arial"/>
+              </a:rPr>
+              <a:t>VS Code</a:t>
+            </a:r>
+            <a:endParaRPr b="0" i="0" sz="1600" u="none" cap="none" strike="noStrike">
+              <a:solidFill>
+                <a:schemeClr val="dk1"/>
+              </a:solidFill>
+              <a:latin typeface="Arial"/>
+              <a:ea typeface="Arial"/>
+              <a:cs typeface="Arial"/>
+              <a:sym typeface="Arial"/>
+            </a:endParaRPr>
+          </a:p>
+          <a:p>
+            <a:pPr indent="-330200" lvl="0" marL="457200" marR="0" rtl="0" algn="l">
+              <a:lnSpc>
+                <a:spcPct val="100000"/>
+              </a:lnSpc>
+              <a:spcBef>
+                <a:spcPts val="0"/>
+              </a:spcBef>
+              <a:spcAft>
+                <a:spcPts val="0"/>
+              </a:spcAft>
+              <a:buClr>
+                <a:schemeClr val="dk1"/>
+              </a:buClr>
+              <a:buSzPts val="1600"/>
+              <a:buFont typeface="Arial"/>
+              <a:buChar char="●"/>
+            </a:pPr>
+            <a:r>
+              <a:rPr b="0" i="0" lang="de" sz="1600" u="none" cap="none" strike="noStrike">
+                <a:solidFill>
+                  <a:schemeClr val="dk1"/>
+                </a:solidFill>
+                <a:latin typeface="Arial"/>
+                <a:ea typeface="Arial"/>
+                <a:cs typeface="Arial"/>
+                <a:sym typeface="Arial"/>
+              </a:rPr>
+              <a:t>IntelliJ IDEA (Community Edition / Education Edition)</a:t>
+            </a:r>
+            <a:endParaRPr b="0" i="0" sz="1600" u="none" cap="none" strike="noStrike">
+              <a:solidFill>
+                <a:schemeClr val="dk1"/>
+              </a:solidFill>
+              <a:latin typeface="Arial"/>
+              <a:ea typeface="Arial"/>
+              <a:cs typeface="Arial"/>
+              <a:sym typeface="Arial"/>
+            </a:endParaRPr>
+          </a:p>
+          <a:p>
+            <a:pPr indent="0" lvl="0" marL="457200" marR="0" rtl="0" algn="l">
+              <a:lnSpc>
+                <a:spcPct val="100000"/>
+              </a:lnSpc>
+              <a:spcBef>
+                <a:spcPts val="320"/>
+              </a:spcBef>
+              <a:spcAft>
+                <a:spcPts val="0"/>
+              </a:spcAft>
+              <a:buClr>
+                <a:srgbClr val="000000"/>
+              </a:buClr>
+              <a:buSzPts val="1600"/>
+              <a:buFont typeface="Arial"/>
               <a:buNone/>
             </a:pPr>
             <a:r>
               <a:t/>
             </a:r>
-            <a:endParaRPr/>
-          </a:p>
-          <a:p>
-            <a:pPr indent="-317500" lvl="0" marL="457200" rtl="0" algn="l">
+            <a:endParaRPr b="0" i="0" sz="1600" u="none" cap="none" strike="noStrike">
+              <a:solidFill>
+                <a:schemeClr val="dk1"/>
+              </a:solidFill>
+              <a:latin typeface="Arial"/>
+              <a:ea typeface="Arial"/>
+              <a:cs typeface="Arial"/>
+              <a:sym typeface="Arial"/>
+            </a:endParaRPr>
+          </a:p>
+        </p:txBody>
+      </p:sp>
+      <p:sp>
+        <p:nvSpPr>
+          <p:cNvPr id="129" name="Google Shape;129;p23"/>
+          <p:cNvSpPr txBox="1"/>
+          <p:nvPr/>
+        </p:nvSpPr>
+        <p:spPr>
+          <a:xfrm>
+            <a:off x="431800" y="2686975"/>
+            <a:ext cx="3621000" cy="2277900"/>
+          </a:xfrm>
+          <a:prstGeom prst="rect">
+            <a:avLst/>
+          </a:prstGeom>
+          <a:noFill/>
+          <a:ln>
+            <a:noFill/>
+          </a:ln>
+        </p:spPr>
+        <p:txBody>
+          <a:bodyPr anchorCtr="0" anchor="t" bIns="91425" lIns="91425" spcFirstLastPara="1" rIns="91425" wrap="square" tIns="91425">
+            <a:spAutoFit/>
+          </a:bodyPr>
+          <a:lstStyle/>
+          <a:p>
+            <a:pPr indent="0" lvl="0" marL="0" marR="0" rtl="0" algn="l">
               <a:lnSpc>
                 <a:spcPct val="100000"/>
               </a:lnSpc>
@@ -12956,53 +13075,237 @@
               <a:spcAft>
                 <a:spcPts val="0"/>
               </a:spcAft>
-              <a:buSzPts val="1400"/>
+              <a:buClr>
+                <a:srgbClr val="000000"/>
+              </a:buClr>
+              <a:buSzPts val="1600"/>
+              <a:buFont typeface="Arial"/>
+              <a:buNone/>
+            </a:pPr>
+            <a:r>
+              <a:rPr b="0" i="0" lang="de" sz="1600" u="none" cap="none" strike="noStrike">
+                <a:solidFill>
+                  <a:schemeClr val="dk1"/>
+                </a:solidFill>
+                <a:latin typeface="Arial"/>
+                <a:ea typeface="Arial"/>
+                <a:cs typeface="Arial"/>
+                <a:sym typeface="Arial"/>
+              </a:rPr>
+              <a:t>Gute Texteditoren für den Anfang:</a:t>
+            </a:r>
+            <a:endParaRPr b="0" i="0" sz="1600" u="none" cap="none" strike="noStrike">
+              <a:solidFill>
+                <a:schemeClr val="dk1"/>
+              </a:solidFill>
+              <a:latin typeface="Arial"/>
+              <a:ea typeface="Arial"/>
+              <a:cs typeface="Arial"/>
+              <a:sym typeface="Arial"/>
+            </a:endParaRPr>
+          </a:p>
+          <a:p>
+            <a:pPr indent="-317500" lvl="0" marL="457200" marR="0" rtl="0" algn="l">
+              <a:lnSpc>
+                <a:spcPct val="100000"/>
+              </a:lnSpc>
+              <a:spcBef>
+                <a:spcPts val="320"/>
+              </a:spcBef>
+              <a:spcAft>
+                <a:spcPts val="0"/>
+              </a:spcAft>
+              <a:buClr>
+                <a:schemeClr val="dk1"/>
+              </a:buClr>
+              <a:buSzPts val="1400"/>
+              <a:buFont typeface="Arial"/>
               <a:buChar char="●"/>
             </a:pPr>
             <a:r>
-              <a:rPr b="1" lang="de"/>
-              <a:t>Imperativ</a:t>
-            </a:r>
-            <a:endParaRPr b="1"/>
-          </a:p>
-          <a:p>
-            <a:pPr indent="-342900" lvl="1" marL="914400" rtl="0" algn="l">
-              <a:lnSpc>
-                <a:spcPct val="100000"/>
-              </a:lnSpc>
-              <a:spcBef>
-                <a:spcPts val="0"/>
-              </a:spcBef>
-              <a:spcAft>
-                <a:spcPts val="0"/>
-              </a:spcAft>
-              <a:buSzPts val="1800"/>
-              <a:buChar char="-"/>
-            </a:pPr>
-            <a:r>
-              <a:rPr lang="de"/>
-              <a:t>Java-Programmcode ist eine Reihe von Anweisungen an den Computer, die dieser in </a:t>
-            </a:r>
-            <a:r>
-              <a:rPr b="1" lang="de"/>
-              <a:t>vorgegebener Reihenfolge</a:t>
-            </a:r>
-            <a:r>
-              <a:rPr lang="de"/>
-              <a:t> (</a:t>
-            </a:r>
-            <a:r>
-              <a:rPr b="1" lang="de"/>
-              <a:t>von oben nach unten</a:t>
-            </a:r>
-            <a:r>
-              <a:rPr lang="de"/>
-              <a:t>, ggf. mit expliziten Sprüngen) ausführt.</a:t>
-            </a:r>
-            <a:endParaRPr/>
-          </a:p>
-          <a:p>
-            <a:pPr indent="0" lvl="0" marL="914400" rtl="0" algn="l">
+              <a:rPr b="0" i="0" lang="de" sz="1600" u="none" cap="none" strike="noStrike">
+                <a:solidFill>
+                  <a:schemeClr val="dk1"/>
+                </a:solidFill>
+                <a:latin typeface="Arial"/>
+                <a:ea typeface="Arial"/>
+                <a:cs typeface="Arial"/>
+                <a:sym typeface="Arial"/>
+              </a:rPr>
+              <a:t>Sublime Text</a:t>
+            </a:r>
+            <a:endParaRPr b="0" i="0" sz="1600" u="none" cap="none" strike="noStrike">
+              <a:solidFill>
+                <a:schemeClr val="dk1"/>
+              </a:solidFill>
+              <a:latin typeface="Arial"/>
+              <a:ea typeface="Arial"/>
+              <a:cs typeface="Arial"/>
+              <a:sym typeface="Arial"/>
+            </a:endParaRPr>
+          </a:p>
+          <a:p>
+            <a:pPr indent="-317500" lvl="0" marL="457200" marR="0" rtl="0" algn="l">
+              <a:lnSpc>
+                <a:spcPct val="100000"/>
+              </a:lnSpc>
+              <a:spcBef>
+                <a:spcPts val="0"/>
+              </a:spcBef>
+              <a:spcAft>
+                <a:spcPts val="0"/>
+              </a:spcAft>
+              <a:buClr>
+                <a:schemeClr val="dk1"/>
+              </a:buClr>
+              <a:buSzPts val="1400"/>
+              <a:buFont typeface="Arial"/>
+              <a:buChar char="●"/>
+            </a:pPr>
+            <a:r>
+              <a:rPr b="0" i="0" lang="de" sz="1600" u="none" cap="none" strike="noStrike">
+                <a:solidFill>
+                  <a:schemeClr val="dk1"/>
+                </a:solidFill>
+                <a:latin typeface="Arial"/>
+                <a:ea typeface="Arial"/>
+                <a:cs typeface="Arial"/>
+                <a:sym typeface="Arial"/>
+              </a:rPr>
+              <a:t>Atom</a:t>
+            </a:r>
+            <a:endParaRPr b="0" i="0" sz="1600" u="none" cap="none" strike="noStrike">
+              <a:solidFill>
+                <a:schemeClr val="dk1"/>
+              </a:solidFill>
+              <a:latin typeface="Arial"/>
+              <a:ea typeface="Arial"/>
+              <a:cs typeface="Arial"/>
+              <a:sym typeface="Arial"/>
+            </a:endParaRPr>
+          </a:p>
+          <a:p>
+            <a:pPr indent="-317500" lvl="0" marL="457200" marR="0" rtl="0" algn="l">
+              <a:lnSpc>
+                <a:spcPct val="100000"/>
+              </a:lnSpc>
+              <a:spcBef>
+                <a:spcPts val="0"/>
+              </a:spcBef>
+              <a:spcAft>
+                <a:spcPts val="0"/>
+              </a:spcAft>
+              <a:buClr>
+                <a:schemeClr val="dk1"/>
+              </a:buClr>
+              <a:buSzPts val="1400"/>
+              <a:buFont typeface="Arial"/>
+              <a:buChar char="●"/>
+            </a:pPr>
+            <a:r>
+              <a:rPr b="0" i="0" lang="de" sz="1600" u="none" cap="none" strike="noStrike">
+                <a:solidFill>
+                  <a:schemeClr val="dk1"/>
+                </a:solidFill>
+                <a:latin typeface="Arial"/>
+                <a:ea typeface="Arial"/>
+                <a:cs typeface="Arial"/>
+                <a:sym typeface="Arial"/>
+              </a:rPr>
+              <a:t>Notepad++</a:t>
+            </a:r>
+            <a:endParaRPr b="0" i="0" sz="1600" u="none" cap="none" strike="noStrike">
+              <a:solidFill>
+                <a:schemeClr val="dk1"/>
+              </a:solidFill>
+              <a:latin typeface="Arial"/>
+              <a:ea typeface="Arial"/>
+              <a:cs typeface="Arial"/>
+              <a:sym typeface="Arial"/>
+            </a:endParaRPr>
+          </a:p>
+          <a:p>
+            <a:pPr indent="-317500" lvl="0" marL="457200" marR="0" rtl="0" algn="l">
+              <a:lnSpc>
+                <a:spcPct val="100000"/>
+              </a:lnSpc>
+              <a:spcBef>
+                <a:spcPts val="0"/>
+              </a:spcBef>
+              <a:spcAft>
+                <a:spcPts val="0"/>
+              </a:spcAft>
+              <a:buClr>
+                <a:schemeClr val="dk1"/>
+              </a:buClr>
+              <a:buSzPts val="1400"/>
+              <a:buFont typeface="Arial"/>
+              <a:buChar char="●"/>
+            </a:pPr>
+            <a:r>
+              <a:rPr b="0" i="0" lang="de" sz="1600" u="none" cap="none" strike="noStrike">
+                <a:solidFill>
+                  <a:schemeClr val="dk1"/>
+                </a:solidFill>
+                <a:latin typeface="Arial"/>
+                <a:ea typeface="Arial"/>
+                <a:cs typeface="Arial"/>
+                <a:sym typeface="Arial"/>
+              </a:rPr>
+              <a:t>gedit (Linux)</a:t>
+            </a:r>
+            <a:endParaRPr b="0" i="0" sz="1600" u="none" cap="none" strike="noStrike">
+              <a:solidFill>
+                <a:schemeClr val="dk1"/>
+              </a:solidFill>
+              <a:latin typeface="Arial"/>
+              <a:ea typeface="Arial"/>
+              <a:cs typeface="Arial"/>
+              <a:sym typeface="Arial"/>
+            </a:endParaRPr>
+          </a:p>
+          <a:p>
+            <a:pPr indent="-317500" lvl="0" marL="457200" marR="0" rtl="0" algn="l">
+              <a:lnSpc>
+                <a:spcPct val="100000"/>
+              </a:lnSpc>
+              <a:spcBef>
+                <a:spcPts val="0"/>
+              </a:spcBef>
+              <a:spcAft>
+                <a:spcPts val="0"/>
+              </a:spcAft>
+              <a:buClr>
+                <a:schemeClr val="dk1"/>
+              </a:buClr>
+              <a:buSzPts val="1400"/>
+              <a:buFont typeface="Arial"/>
+              <a:buChar char="●"/>
+            </a:pPr>
+            <a:r>
+              <a:rPr b="0" i="0" lang="de" sz="1600" u="none" cap="none" strike="noStrike">
+                <a:solidFill>
+                  <a:schemeClr val="dk1"/>
+                </a:solidFill>
+                <a:latin typeface="Arial"/>
+                <a:ea typeface="Arial"/>
+                <a:cs typeface="Arial"/>
+                <a:sym typeface="Arial"/>
+              </a:rPr>
+              <a:t>Editor (Windows)</a:t>
+            </a:r>
+            <a:endParaRPr b="0" i="0" sz="1600" u="none" cap="none" strike="noStrike">
+              <a:solidFill>
+                <a:schemeClr val="dk1"/>
+              </a:solidFill>
+              <a:latin typeface="Arial"/>
+              <a:ea typeface="Arial"/>
+              <a:cs typeface="Arial"/>
+              <a:sym typeface="Arial"/>
+            </a:endParaRPr>
+          </a:p>
+          <a:p>
+            <a:pPr indent="0" lvl="0" marL="457200" marR="0" rtl="0" algn="l">
               <a:lnSpc>
                 <a:spcPct val="100000"/>
               </a:lnSpc>
@@ -13012,13 +13315,56 @@
               <a:spcAft>
                 <a:spcPts val="0"/>
               </a:spcAft>
-              <a:buSzPts val="1400"/>
+              <a:buClr>
+                <a:srgbClr val="000000"/>
+              </a:buClr>
+              <a:buSzPts val="1600"/>
+              <a:buFont typeface="Arial"/>
               <a:buNone/>
             </a:pPr>
             <a:r>
               <a:t/>
             </a:r>
-            <a:endParaRPr/>
+            <a:endParaRPr b="0" i="0" sz="1600" u="none" cap="none" strike="noStrike">
+              <a:solidFill>
+                <a:schemeClr val="dk1"/>
+              </a:solidFill>
+              <a:latin typeface="Arial"/>
+              <a:ea typeface="Arial"/>
+              <a:cs typeface="Arial"/>
+              <a:sym typeface="Arial"/>
+            </a:endParaRPr>
+          </a:p>
+          <a:p>
+            <a:pPr indent="0" lvl="0" marL="0" marR="0" rtl="0" algn="l">
+              <a:lnSpc>
+                <a:spcPct val="100000"/>
+              </a:lnSpc>
+              <a:spcBef>
+                <a:spcPts val="320"/>
+              </a:spcBef>
+              <a:spcAft>
+                <a:spcPts val="0"/>
+              </a:spcAft>
+              <a:buClr>
+                <a:srgbClr val="000000"/>
+              </a:buClr>
+              <a:buSzPts val="1600"/>
+              <a:buFont typeface="Arial"/>
+              <a:buNone/>
+            </a:pPr>
+            <a:r>
+              <a:t/>
+            </a:r>
+            <a:endParaRPr b="0" i="0" sz="1600" u="none" cap="none" strike="noStrike">
+              <a:solidFill>
+                <a:schemeClr val="dk1"/>
+              </a:solidFill>
+              <a:latin typeface="Arial"/>
+              <a:ea typeface="Arial"/>
+              <a:cs typeface="Arial"/>
+              <a:sym typeface="Arial"/>
+            </a:endParaRPr>
           </a:p>
         </p:txBody>
       </p:sp>
@@ -13089,7 +13435,7 @@
             </a:pPr>
             <a:r>
               <a:rPr lang="de"/>
-              <a:t>2.2. Workflow</a:t>
+              <a:t>2.1. Sprachkonzepte von Java</a:t>
             </a:r>
             <a:endParaRPr/>
           </a:p>
@@ -13105,7 +13451,7 @@
         </p:nvSpPr>
         <p:spPr>
           <a:xfrm>
-            <a:off x="481175" y="884250"/>
+            <a:off x="431800" y="945000"/>
             <a:ext cx="8375700" cy="3375000"/>
           </a:xfrm>
           <a:prstGeom prst="rect">
@@ -13122,7 +13468,7 @@
           </a:bodyPr>
           <a:lstStyle/>
           <a:p>
-            <a:pPr indent="0" lvl="0" marL="0" rtl="0" algn="l">
+            <a:pPr indent="-317500" lvl="0" marL="457200" rtl="0" algn="l">
               <a:lnSpc>
                 <a:spcPct val="100000"/>
               </a:lnSpc>
@@ -13133,71 +13479,215 @@
                 <a:spcPts val="0"/>
               </a:spcAft>
               <a:buSzPts val="1400"/>
-              <a:buNone/>
+              <a:buChar char="●"/>
+            </a:pPr>
+            <a:r>
+              <a:rPr b="1" lang="de"/>
+              <a:t>Objektorientiert</a:t>
+            </a:r>
+            <a:endParaRPr b="1"/>
+          </a:p>
+          <a:p>
+            <a:pPr indent="-342900" lvl="1" marL="914400" rtl="0" algn="l">
+              <a:lnSpc>
+                <a:spcPct val="100000"/>
+              </a:lnSpc>
+              <a:spcBef>
+                <a:spcPts val="0"/>
+              </a:spcBef>
+              <a:spcAft>
+                <a:spcPts val="0"/>
+              </a:spcAft>
+              <a:buSzPts val="1800"/>
+              <a:buChar char="-"/>
             </a:pPr>
             <a:r>
               <a:rPr lang="de"/>
-              <a:t>Die meisten Programmiersprachen sind entweder </a:t>
+              <a:t>Für euch in den ersten zwei Wochen noch nicht so wichtig, aber hier ganz passend</a:t>
+            </a:r>
+            <a:endParaRPr/>
+          </a:p>
+          <a:p>
+            <a:pPr indent="-342900" lvl="1" marL="914400" rtl="0" algn="l">
+              <a:lnSpc>
+                <a:spcPct val="100000"/>
+              </a:lnSpc>
+              <a:spcBef>
+                <a:spcPts val="0"/>
+              </a:spcBef>
+              <a:spcAft>
+                <a:spcPts val="0"/>
+              </a:spcAft>
+              <a:buSzPts val="1800"/>
+              <a:buChar char="-"/>
+            </a:pPr>
+            <a:r>
+              <a:rPr lang="de"/>
+              <a:t>In Java ist (nahezu) </a:t>
             </a:r>
             <a:r>
               <a:rPr b="1" lang="de"/>
-              <a:t>kompiliert</a:t>
-            </a:r>
+              <a:t>alles ein Objekt.</a:t>
+            </a:r>
+            <a:endParaRPr b="1"/>
+          </a:p>
+          <a:p>
+            <a:pPr indent="-342900" lvl="1" marL="914400" rtl="0" algn="l">
+              <a:lnSpc>
+                <a:spcPct val="100000"/>
+              </a:lnSpc>
+              <a:spcBef>
+                <a:spcPts val="0"/>
+              </a:spcBef>
+              <a:spcAft>
+                <a:spcPts val="0"/>
+              </a:spcAft>
+              <a:buSzPts val="1800"/>
+              <a:buChar char="-"/>
+            </a:pPr>
             <a:r>
               <a:rPr lang="de"/>
-              <a:t> (Umwandlung des Programmcodes in Maschinencode, der dann ausgeführt wird) oder </a:t>
-            </a:r>
+              <a:t>Ein Klasse ist ein Datentyp, welcher bestimmte Attribute und Verhalten kapselt</a:t>
+            </a:r>
+            <a:endParaRPr/>
+          </a:p>
+          <a:p>
+            <a:pPr indent="-342900" lvl="1" marL="914400" rtl="0" algn="l">
+              <a:lnSpc>
+                <a:spcPct val="100000"/>
+              </a:lnSpc>
+              <a:spcBef>
+                <a:spcPts val="0"/>
+              </a:spcBef>
+              <a:spcAft>
+                <a:spcPts val="0"/>
+              </a:spcAft>
+              <a:buSzPts val="1800"/>
+              <a:buChar char="-"/>
+            </a:pPr>
+            <a:r>
+              <a:rPr lang="de"/>
+              <a:t>Eine Instanz einer Klasse nennt sich Objekt </a:t>
+            </a:r>
+            <a:endParaRPr/>
+          </a:p>
+          <a:p>
+            <a:pPr indent="-342900" lvl="2" marL="1371600" rtl="0" algn="l">
+              <a:lnSpc>
+                <a:spcPct val="100000"/>
+              </a:lnSpc>
+              <a:spcBef>
+                <a:spcPts val="0"/>
+              </a:spcBef>
+              <a:spcAft>
+                <a:spcPts val="0"/>
+              </a:spcAft>
+              <a:buSzPts val="1800"/>
+              <a:buChar char="■"/>
+            </a:pPr>
+            <a:r>
+              <a:rPr lang="de"/>
+              <a:t>Klasse: Person, Objekt/Instanz: Die Person David Gemen</a:t>
+            </a:r>
+            <a:endParaRPr/>
+          </a:p>
+          <a:p>
+            <a:pPr indent="-342900" lvl="1" marL="914400" rtl="0" algn="l">
+              <a:lnSpc>
+                <a:spcPct val="100000"/>
+              </a:lnSpc>
+              <a:spcBef>
+                <a:spcPts val="0"/>
+              </a:spcBef>
+              <a:spcAft>
+                <a:spcPts val="0"/>
+              </a:spcAft>
+              <a:buSzPts val="1800"/>
+              <a:buChar char="-"/>
+            </a:pPr>
+            <a:r>
+              <a:rPr lang="de"/>
+              <a:t>Komplexere Java-Programme sind ein Zusammenspiel kooperierender Objekte</a:t>
+            </a:r>
+            <a:endParaRPr/>
+          </a:p>
+          <a:p>
+            <a:pPr indent="0" lvl="0" marL="914400" rtl="0" algn="l">
+              <a:lnSpc>
+                <a:spcPct val="100000"/>
+              </a:lnSpc>
+              <a:spcBef>
+                <a:spcPts val="320"/>
+              </a:spcBef>
+              <a:spcAft>
+                <a:spcPts val="0"/>
+              </a:spcAft>
+              <a:buSzPts val="1400"/>
+              <a:buNone/>
+            </a:pPr>
+            <a:r>
+              <a:t/>
+            </a:r>
+            <a:endParaRPr/>
+          </a:p>
+          <a:p>
+            <a:pPr indent="-317500" lvl="0" marL="457200" rtl="0" algn="l">
+              <a:lnSpc>
+                <a:spcPct val="100000"/>
+              </a:lnSpc>
+              <a:spcBef>
+                <a:spcPts val="320"/>
+              </a:spcBef>
+              <a:spcAft>
+                <a:spcPts val="0"/>
+              </a:spcAft>
+              <a:buSzPts val="1400"/>
+              <a:buChar char="●"/>
+            </a:pPr>
             <a:r>
               <a:rPr b="1" lang="de"/>
-              <a:t>interpretiert</a:t>
-            </a:r>
+              <a:t>Imperativ</a:t>
+            </a:r>
+            <a:endParaRPr b="1"/>
+          </a:p>
+          <a:p>
+            <a:pPr indent="-342900" lvl="1" marL="914400" rtl="0" algn="l">
+              <a:lnSpc>
+                <a:spcPct val="100000"/>
+              </a:lnSpc>
+              <a:spcBef>
+                <a:spcPts val="0"/>
+              </a:spcBef>
+              <a:spcAft>
+                <a:spcPts val="0"/>
+              </a:spcAft>
+              <a:buSzPts val="1800"/>
+              <a:buChar char="-"/>
+            </a:pPr>
             <a:r>
               <a:rPr lang="de"/>
-              <a:t> (Direkte Ausführung des Programmcodes). Java hat beides: Kompilierung und Interpretation. </a:t>
+              <a:t>Java-Programmcode ist eine Reihe von Anweisungen an den Computer, die dieser in </a:t>
+            </a:r>
+            <a:r>
+              <a:rPr b="1" lang="de"/>
+              <a:t>vorgegebener Reihenfolge</a:t>
+            </a:r>
+            <a:r>
+              <a:rPr lang="de"/>
+              <a:t> (</a:t>
+            </a:r>
+            <a:r>
+              <a:rPr b="1" lang="de"/>
+              <a:t>von oben nach unten</a:t>
+            </a:r>
+            <a:r>
+              <a:rPr lang="de"/>
+              <a:t>, ggf. mit expliziten Sprüngen) ausführt.</a:t>
             </a:r>
             <a:endParaRPr/>
           </a:p>
           <a:p>
-            <a:pPr indent="-317500" lvl="0" marL="457200" rtl="0" algn="l">
-              <a:lnSpc>
-                <a:spcPct val="100000"/>
-              </a:lnSpc>
-              <a:spcBef>
-                <a:spcPts val="320"/>
-              </a:spcBef>
-              <a:spcAft>
-                <a:spcPts val="0"/>
-              </a:spcAft>
-              <a:buSzPts val="1400"/>
-              <a:buChar char="➔"/>
-            </a:pPr>
-            <a:r>
-              <a:rPr lang="de"/>
-              <a:t>Der Vorteil: Plattformunabhängigkeit.</a:t>
-            </a:r>
-            <a:endParaRPr/>
-          </a:p>
-          <a:p>
-            <a:pPr indent="0" lvl="0" marL="0" rtl="0" algn="l">
-              <a:lnSpc>
-                <a:spcPct val="100000"/>
-              </a:lnSpc>
-              <a:spcBef>
-                <a:spcPts val="320"/>
-              </a:spcBef>
-              <a:spcAft>
-                <a:spcPts val="0"/>
-              </a:spcAft>
-              <a:buSzPts val="1400"/>
-              <a:buNone/>
-            </a:pPr>
-            <a:r>
-              <a:t/>
-            </a:r>
-            <a:endParaRPr/>
-          </a:p>
-          <a:p>
-            <a:pPr indent="0" lvl="0" marL="0" rtl="0" algn="l">
+            <a:pPr indent="0" lvl="0" marL="914400" rtl="0" algn="l">
               <a:lnSpc>
                 <a:spcPct val="100000"/>
               </a:lnSpc>
@@ -13217,33 +13707,6 @@
           </a:p>
         </p:txBody>
       </p:sp>
-      <p:pic>
-        <p:nvPicPr>
-          <p:cNvPr id="136" name="Google Shape;136;p24"/>
-          <p:cNvPicPr preferRelativeResize="0"/>
-          <p:nvPr/>
-        </p:nvPicPr>
-        <p:blipFill rotWithShape="1">
-          <a:blip r:embed="rId3">
-            <a:alphaModFix/>
-          </a:blip>
-          <a:srcRect b="0" l="0" r="0" t="0"/>
-          <a:stretch/>
-        </p:blipFill>
-        <p:spPr>
-          <a:xfrm>
-            <a:off x="2019300" y="2097063"/>
-            <a:ext cx="5105400" cy="2162175"/>
-          </a:xfrm>
-          <a:prstGeom prst="rect">
-            <a:avLst/>
-          </a:prstGeom>
-          <a:noFill/>
-          <a:ln>
-            <a:noFill/>
-          </a:ln>
-        </p:spPr>
-      </p:pic>
     </p:spTree>
   </p:cSld>
   <p:clrMapOvr>

--- a/slides/00_installation_introduction.pptx
+++ b/slides/00_installation_introduction.pptx
@@ -20,6 +20,8 @@
     <p:sldId id="265" r:id="rId15"/>
     <p:sldId id="266" r:id="rId16"/>
     <p:sldId id="267" r:id="rId17"/>
+    <p:sldId id="268" r:id="rId18"/>
+    <p:sldId id="269" r:id="rId19"/>
   </p:sldIdLst>
   <p:sldSz cy="5143500" cx="9144000"/>
   <p:notesSz cx="6858000" cy="9144000"/>
@@ -954,7 +956,7 @@
   <p:cSld>
     <p:spTree>
       <p:nvGrpSpPr>
-        <p:cNvPr id="136" name="Shape 136"/>
+        <p:cNvPr id="150" name="Shape 150"/>
         <p:cNvGrpSpPr/>
         <p:nvPr/>
       </p:nvGrpSpPr>
@@ -968,7 +970,7 @@
       </p:grpSpPr>
       <p:sp>
         <p:nvSpPr>
-          <p:cNvPr id="137" name="Google Shape;137;p9:notes"/>
+          <p:cNvPr id="151" name="Google Shape;151;p7:notes"/>
           <p:cNvSpPr/>
           <p:nvPr>
             <p:ph idx="2" type="sldImg"/>
@@ -1013,7 +1015,7 @@
       </p:sp>
       <p:sp>
         <p:nvSpPr>
-          <p:cNvPr id="138" name="Google Shape;138;p9:notes"/>
+          <p:cNvPr id="152" name="Google Shape;152;p7:notes"/>
           <p:cNvSpPr txBox="1"/>
           <p:nvPr>
             <p:ph idx="1" type="body"/>
@@ -1071,7 +1073,7 @@
   <p:cSld>
     <p:spTree>
       <p:nvGrpSpPr>
-        <p:cNvPr id="143" name="Shape 143"/>
+        <p:cNvPr id="158" name="Shape 158"/>
         <p:cNvGrpSpPr/>
         <p:nvPr/>
       </p:nvGrpSpPr>
@@ -1085,7 +1087,7 @@
       </p:grpSpPr>
       <p:sp>
         <p:nvSpPr>
-          <p:cNvPr id="144" name="Google Shape;144;p10:notes"/>
+          <p:cNvPr id="159" name="Google Shape;159;p8:notes"/>
           <p:cNvSpPr/>
           <p:nvPr>
             <p:ph idx="2" type="sldImg"/>
@@ -1130,7 +1132,7 @@
       </p:sp>
       <p:sp>
         <p:nvSpPr>
-          <p:cNvPr id="145" name="Google Shape;145;p10:notes"/>
+          <p:cNvPr id="160" name="Google Shape;160;p8:notes"/>
           <p:cNvSpPr txBox="1"/>
           <p:nvPr>
             <p:ph idx="1" type="body"/>
@@ -1188,7 +1190,7 @@
   <p:cSld>
     <p:spTree>
       <p:nvGrpSpPr>
-        <p:cNvPr id="149" name="Shape 149"/>
+        <p:cNvPr id="164" name="Shape 164"/>
         <p:cNvGrpSpPr/>
         <p:nvPr/>
       </p:nvGrpSpPr>
@@ -1202,7 +1204,7 @@
       </p:grpSpPr>
       <p:sp>
         <p:nvSpPr>
-          <p:cNvPr id="150" name="Google Shape;150;p11:notes"/>
+          <p:cNvPr id="165" name="Google Shape;165;p9:notes"/>
           <p:cNvSpPr/>
           <p:nvPr>
             <p:ph idx="2" type="sldImg"/>
@@ -1247,7 +1249,241 @@
       </p:sp>
       <p:sp>
         <p:nvSpPr>
-          <p:cNvPr id="151" name="Google Shape;151;p11:notes"/>
+          <p:cNvPr id="166" name="Google Shape;166;p9:notes"/>
+          <p:cNvSpPr txBox="1"/>
+          <p:nvPr>
+            <p:ph idx="1" type="body"/>
+          </p:nvPr>
+        </p:nvSpPr>
+        <p:spPr>
+          <a:xfrm>
+            <a:off x="685800" y="4343400"/>
+            <a:ext cx="5486400" cy="4114800"/>
+          </a:xfrm>
+          <a:prstGeom prst="rect">
+            <a:avLst/>
+          </a:prstGeom>
+          <a:noFill/>
+          <a:ln>
+            <a:noFill/>
+          </a:ln>
+        </p:spPr>
+        <p:txBody>
+          <a:bodyPr anchorCtr="0" anchor="t" bIns="91425" lIns="91425" spcFirstLastPara="1" rIns="91425" wrap="square" tIns="91425">
+            <a:noAutofit/>
+          </a:bodyPr>
+          <a:lstStyle/>
+          <a:p>
+            <a:pPr indent="0" lvl="0" marL="0" rtl="0" algn="l">
+              <a:lnSpc>
+                <a:spcPct val="100000"/>
+              </a:lnSpc>
+              <a:spcBef>
+                <a:spcPts val="0"/>
+              </a:spcBef>
+              <a:spcAft>
+                <a:spcPts val="0"/>
+              </a:spcAft>
+              <a:buSzPts val="1100"/>
+              <a:buNone/>
+            </a:pPr>
+            <a:r>
+              <a:t/>
+            </a:r>
+            <a:endParaRPr/>
+          </a:p>
+        </p:txBody>
+      </p:sp>
+    </p:spTree>
+  </p:cSld>
+  <p:clrMapOvr>
+    <a:masterClrMapping/>
+  </p:clrMapOvr>
+</p:notes>
+</file>
+
+<file path=ppt/notesSlides/notesSlide13.xml><?xml version="1.0" encoding="utf-8"?>
+<p:notes xmlns:a="http://schemas.openxmlformats.org/drawingml/2006/main" xmlns:r="http://schemas.openxmlformats.org/officeDocument/2006/relationships" xmlns:mc="http://schemas.openxmlformats.org/markup-compatibility/2006" xmlns:mv="urn:schemas-microsoft-com:mac:vml" xmlns:p="http://schemas.openxmlformats.org/presentationml/2006/main" xmlns:c="http://schemas.openxmlformats.org/drawingml/2006/chart" xmlns:dgm="http://schemas.openxmlformats.org/drawingml/2006/diagram" xmlns:o="urn:schemas-microsoft-com:office:office" xmlns:v="urn:schemas-microsoft-com:vml" xmlns:pvml="urn:schemas-microsoft-com:office:powerpoint" xmlns:com="http://schemas.openxmlformats.org/drawingml/2006/compatibility" xmlns:p14="http://schemas.microsoft.com/office/powerpoint/2010/main" xmlns:p15="http://schemas.microsoft.com/office/powerpoint/2012/main" xmlns:ahyp="http://schemas.microsoft.com/office/drawing/2018/hyperlinkcolor" showMasterPhAnim="0" showMasterSp="0">
+  <p:cSld>
+    <p:spTree>
+      <p:nvGrpSpPr>
+        <p:cNvPr id="171" name="Shape 171"/>
+        <p:cNvGrpSpPr/>
+        <p:nvPr/>
+      </p:nvGrpSpPr>
+      <p:grpSpPr>
+        <a:xfrm>
+          <a:off x="0" y="0"/>
+          <a:ext cx="0" cy="0"/>
+          <a:chOff x="0" y="0"/>
+          <a:chExt cx="0" cy="0"/>
+        </a:xfrm>
+      </p:grpSpPr>
+      <p:sp>
+        <p:nvSpPr>
+          <p:cNvPr id="172" name="Google Shape;172;p10:notes"/>
+          <p:cNvSpPr/>
+          <p:nvPr>
+            <p:ph idx="2" type="sldImg"/>
+          </p:nvPr>
+        </p:nvSpPr>
+        <p:spPr>
+          <a:xfrm>
+            <a:off x="381300" y="685800"/>
+            <a:ext cx="6096000" cy="3429000"/>
+          </a:xfrm>
+          <a:custGeom>
+            <a:rect b="b" l="l" r="r" t="t"/>
+            <a:pathLst>
+              <a:path extrusionOk="0" h="120000" w="120000">
+                <a:moveTo>
+                  <a:pt x="0" y="0"/>
+                </a:moveTo>
+                <a:lnTo>
+                  <a:pt x="120000" y="0"/>
+                </a:lnTo>
+                <a:lnTo>
+                  <a:pt x="120000" y="120000"/>
+                </a:lnTo>
+                <a:lnTo>
+                  <a:pt x="0" y="120000"/>
+                </a:lnTo>
+                <a:close/>
+              </a:path>
+            </a:pathLst>
+          </a:custGeom>
+          <a:noFill/>
+          <a:ln cap="flat" cmpd="sng" w="9525">
+            <a:solidFill>
+              <a:srgbClr val="000000"/>
+            </a:solidFill>
+            <a:prstDash val="solid"/>
+            <a:round/>
+            <a:headEnd len="sm" w="sm" type="none"/>
+            <a:tailEnd len="sm" w="sm" type="none"/>
+          </a:ln>
+        </p:spPr>
+      </p:sp>
+      <p:sp>
+        <p:nvSpPr>
+          <p:cNvPr id="173" name="Google Shape;173;p10:notes"/>
+          <p:cNvSpPr txBox="1"/>
+          <p:nvPr>
+            <p:ph idx="1" type="body"/>
+          </p:nvPr>
+        </p:nvSpPr>
+        <p:spPr>
+          <a:xfrm>
+            <a:off x="685800" y="4343400"/>
+            <a:ext cx="5486400" cy="4114800"/>
+          </a:xfrm>
+          <a:prstGeom prst="rect">
+            <a:avLst/>
+          </a:prstGeom>
+          <a:noFill/>
+          <a:ln>
+            <a:noFill/>
+          </a:ln>
+        </p:spPr>
+        <p:txBody>
+          <a:bodyPr anchorCtr="0" anchor="t" bIns="91425" lIns="91425" spcFirstLastPara="1" rIns="91425" wrap="square" tIns="91425">
+            <a:noAutofit/>
+          </a:bodyPr>
+          <a:lstStyle/>
+          <a:p>
+            <a:pPr indent="0" lvl="0" marL="0" rtl="0" algn="l">
+              <a:lnSpc>
+                <a:spcPct val="100000"/>
+              </a:lnSpc>
+              <a:spcBef>
+                <a:spcPts val="0"/>
+              </a:spcBef>
+              <a:spcAft>
+                <a:spcPts val="0"/>
+              </a:spcAft>
+              <a:buSzPts val="1100"/>
+              <a:buNone/>
+            </a:pPr>
+            <a:r>
+              <a:t/>
+            </a:r>
+            <a:endParaRPr/>
+          </a:p>
+        </p:txBody>
+      </p:sp>
+    </p:spTree>
+  </p:cSld>
+  <p:clrMapOvr>
+    <a:masterClrMapping/>
+  </p:clrMapOvr>
+</p:notes>
+</file>
+
+<file path=ppt/notesSlides/notesSlide14.xml><?xml version="1.0" encoding="utf-8"?>
+<p:notes xmlns:a="http://schemas.openxmlformats.org/drawingml/2006/main" xmlns:r="http://schemas.openxmlformats.org/officeDocument/2006/relationships" xmlns:mc="http://schemas.openxmlformats.org/markup-compatibility/2006" xmlns:mv="urn:schemas-microsoft-com:mac:vml" xmlns:p="http://schemas.openxmlformats.org/presentationml/2006/main" xmlns:c="http://schemas.openxmlformats.org/drawingml/2006/chart" xmlns:dgm="http://schemas.openxmlformats.org/drawingml/2006/diagram" xmlns:o="urn:schemas-microsoft-com:office:office" xmlns:v="urn:schemas-microsoft-com:vml" xmlns:pvml="urn:schemas-microsoft-com:office:powerpoint" xmlns:com="http://schemas.openxmlformats.org/drawingml/2006/compatibility" xmlns:p14="http://schemas.microsoft.com/office/powerpoint/2010/main" xmlns:p15="http://schemas.microsoft.com/office/powerpoint/2012/main" xmlns:ahyp="http://schemas.microsoft.com/office/drawing/2018/hyperlinkcolor" showMasterPhAnim="0" showMasterSp="0">
+  <p:cSld>
+    <p:spTree>
+      <p:nvGrpSpPr>
+        <p:cNvPr id="177" name="Shape 177"/>
+        <p:cNvGrpSpPr/>
+        <p:nvPr/>
+      </p:nvGrpSpPr>
+      <p:grpSpPr>
+        <a:xfrm>
+          <a:off x="0" y="0"/>
+          <a:ext cx="0" cy="0"/>
+          <a:chOff x="0" y="0"/>
+          <a:chExt cx="0" cy="0"/>
+        </a:xfrm>
+      </p:grpSpPr>
+      <p:sp>
+        <p:nvSpPr>
+          <p:cNvPr id="178" name="Google Shape;178;p11:notes"/>
+          <p:cNvSpPr/>
+          <p:nvPr>
+            <p:ph idx="2" type="sldImg"/>
+          </p:nvPr>
+        </p:nvSpPr>
+        <p:spPr>
+          <a:xfrm>
+            <a:off x="381300" y="685800"/>
+            <a:ext cx="6096000" cy="3429000"/>
+          </a:xfrm>
+          <a:custGeom>
+            <a:rect b="b" l="l" r="r" t="t"/>
+            <a:pathLst>
+              <a:path extrusionOk="0" h="120000" w="120000">
+                <a:moveTo>
+                  <a:pt x="0" y="0"/>
+                </a:moveTo>
+                <a:lnTo>
+                  <a:pt x="120000" y="0"/>
+                </a:lnTo>
+                <a:lnTo>
+                  <a:pt x="120000" y="120000"/>
+                </a:lnTo>
+                <a:lnTo>
+                  <a:pt x="0" y="120000"/>
+                </a:lnTo>
+                <a:close/>
+              </a:path>
+            </a:pathLst>
+          </a:custGeom>
+          <a:noFill/>
+          <a:ln cap="flat" cmpd="sng" w="9525">
+            <a:solidFill>
+              <a:srgbClr val="000000"/>
+            </a:solidFill>
+            <a:prstDash val="solid"/>
+            <a:round/>
+            <a:headEnd len="sm" w="sm" type="none"/>
+            <a:tailEnd len="sm" w="sm" type="none"/>
+          </a:ln>
+        </p:spPr>
+      </p:sp>
+      <p:sp>
+        <p:nvSpPr>
+          <p:cNvPr id="179" name="Google Shape;179;p11:notes"/>
           <p:cNvSpPr txBox="1"/>
           <p:nvPr>
             <p:ph idx="1" type="body"/>
@@ -2003,7 +2239,7 @@
       </p:grpSpPr>
       <p:sp>
         <p:nvSpPr>
-          <p:cNvPr id="123" name="Google Shape;123;p7:notes"/>
+          <p:cNvPr id="123" name="Google Shape;123;gf652c19c62_0_10:notes"/>
           <p:cNvSpPr/>
           <p:nvPr>
             <p:ph idx="2" type="sldImg"/>
@@ -2034,21 +2270,11 @@
               </a:path>
             </a:pathLst>
           </a:custGeom>
-          <a:noFill/>
-          <a:ln cap="flat" cmpd="sng" w="9525">
-            <a:solidFill>
-              <a:srgbClr val="000000"/>
-            </a:solidFill>
-            <a:prstDash val="solid"/>
-            <a:round/>
-            <a:headEnd len="sm" w="sm" type="none"/>
-            <a:tailEnd len="sm" w="sm" type="none"/>
-          </a:ln>
         </p:spPr>
       </p:sp>
       <p:sp>
         <p:nvSpPr>
-          <p:cNvPr id="124" name="Google Shape;124;p7:notes"/>
+          <p:cNvPr id="124" name="Google Shape;124;gf652c19c62_0_10:notes"/>
           <p:cNvSpPr txBox="1"/>
           <p:nvPr>
             <p:ph idx="1" type="body"/>
@@ -2062,10 +2288,6 @@
           <a:prstGeom prst="rect">
             <a:avLst/>
           </a:prstGeom>
-          <a:noFill/>
-          <a:ln>
-            <a:noFill/>
-          </a:ln>
         </p:spPr>
         <p:txBody>
           <a:bodyPr anchorCtr="0" anchor="t" bIns="91425" lIns="91425" spcFirstLastPara="1" rIns="91425" wrap="square" tIns="91425">
@@ -2074,16 +2296,12 @@
           <a:lstStyle/>
           <a:p>
             <a:pPr indent="0" lvl="0" marL="0" rtl="0" algn="l">
-              <a:lnSpc>
-                <a:spcPct val="100000"/>
-              </a:lnSpc>
-              <a:spcBef>
-                <a:spcPts val="0"/>
-              </a:spcBef>
-              <a:spcAft>
-                <a:spcPts val="0"/>
-              </a:spcAft>
-              <a:buSzPts val="1100"/>
+              <a:spcBef>
+                <a:spcPts val="0"/>
+              </a:spcBef>
+              <a:spcAft>
+                <a:spcPts val="0"/>
+              </a:spcAft>
               <a:buNone/>
             </a:pPr>
             <a:r>
@@ -2106,7 +2324,7 @@
   <p:cSld>
     <p:spTree>
       <p:nvGrpSpPr>
-        <p:cNvPr id="130" name="Shape 130"/>
+        <p:cNvPr id="138" name="Shape 138"/>
         <p:cNvGrpSpPr/>
         <p:nvPr/>
       </p:nvGrpSpPr>
@@ -2120,7 +2338,7 @@
       </p:grpSpPr>
       <p:sp>
         <p:nvSpPr>
-          <p:cNvPr id="131" name="Google Shape;131;p8:notes"/>
+          <p:cNvPr id="139" name="Google Shape;139;gf652c19c62_0_5:notes"/>
           <p:cNvSpPr/>
           <p:nvPr>
             <p:ph idx="2" type="sldImg"/>
@@ -2151,21 +2369,11 @@
               </a:path>
             </a:pathLst>
           </a:custGeom>
-          <a:noFill/>
-          <a:ln cap="flat" cmpd="sng" w="9525">
-            <a:solidFill>
-              <a:srgbClr val="000000"/>
-            </a:solidFill>
-            <a:prstDash val="solid"/>
-            <a:round/>
-            <a:headEnd len="sm" w="sm" type="none"/>
-            <a:tailEnd len="sm" w="sm" type="none"/>
-          </a:ln>
         </p:spPr>
       </p:sp>
       <p:sp>
         <p:nvSpPr>
-          <p:cNvPr id="132" name="Google Shape;132;p8:notes"/>
+          <p:cNvPr id="140" name="Google Shape;140;gf652c19c62_0_5:notes"/>
           <p:cNvSpPr txBox="1"/>
           <p:nvPr>
             <p:ph idx="1" type="body"/>
@@ -2179,10 +2387,6 @@
           <a:prstGeom prst="rect">
             <a:avLst/>
           </a:prstGeom>
-          <a:noFill/>
-          <a:ln>
-            <a:noFill/>
-          </a:ln>
         </p:spPr>
         <p:txBody>
           <a:bodyPr anchorCtr="0" anchor="t" bIns="91425" lIns="91425" spcFirstLastPara="1" rIns="91425" wrap="square" tIns="91425">
@@ -2191,16 +2395,12 @@
           <a:lstStyle/>
           <a:p>
             <a:pPr indent="0" lvl="0" marL="0" rtl="0" algn="l">
-              <a:lnSpc>
-                <a:spcPct val="100000"/>
-              </a:lnSpc>
-              <a:spcBef>
-                <a:spcPts val="0"/>
-              </a:spcBef>
-              <a:spcAft>
-                <a:spcPts val="0"/>
-              </a:spcAft>
-              <a:buSzPts val="1100"/>
+              <a:spcBef>
+                <a:spcPts val="0"/>
+              </a:spcBef>
+              <a:spcAft>
+                <a:spcPts val="0"/>
+              </a:spcAft>
               <a:buNone/>
             </a:pPr>
             <a:r>
@@ -10157,7 +10357,7 @@
   <p:cSld>
     <p:spTree>
       <p:nvGrpSpPr>
-        <p:cNvPr id="139" name="Shape 139"/>
+        <p:cNvPr id="153" name="Shape 153"/>
         <p:cNvGrpSpPr/>
         <p:nvPr/>
       </p:nvGrpSpPr>
@@ -10171,7 +10371,7 @@
       </p:grpSpPr>
       <p:sp>
         <p:nvSpPr>
-          <p:cNvPr id="140" name="Google Shape;140;p25"/>
+          <p:cNvPr id="154" name="Google Shape;154;p25"/>
           <p:cNvSpPr txBox="1"/>
           <p:nvPr>
             <p:ph type="title"/>
@@ -10211,7 +10411,7 @@
             </a:pPr>
             <a:r>
               <a:rPr lang="de"/>
-              <a:t>2.2. Workflow</a:t>
+              <a:t>1.4. Was du sonst noch brauchst</a:t>
             </a:r>
             <a:endParaRPr/>
           </a:p>
@@ -10219,7 +10419,1112 @@
       </p:sp>
       <p:sp>
         <p:nvSpPr>
-          <p:cNvPr id="141" name="Google Shape;141;p25"/>
+          <p:cNvPr id="155" name="Google Shape;155;p25"/>
+          <p:cNvSpPr txBox="1"/>
+          <p:nvPr>
+            <p:ph idx="1" type="body"/>
+          </p:nvPr>
+        </p:nvSpPr>
+        <p:spPr>
+          <a:xfrm>
+            <a:off x="431800" y="945000"/>
+            <a:ext cx="8375700" cy="3375000"/>
+          </a:xfrm>
+          <a:prstGeom prst="rect">
+            <a:avLst/>
+          </a:prstGeom>
+          <a:noFill/>
+          <a:ln>
+            <a:noFill/>
+          </a:ln>
+        </p:spPr>
+        <p:txBody>
+          <a:bodyPr anchorCtr="0" anchor="t" bIns="0" lIns="0" spcFirstLastPara="1" rIns="0" wrap="square" tIns="0">
+            <a:noAutofit/>
+          </a:bodyPr>
+          <a:lstStyle/>
+          <a:p>
+            <a:pPr indent="0" lvl="0" marL="0" rtl="0" algn="l">
+              <a:lnSpc>
+                <a:spcPct val="100000"/>
+              </a:lnSpc>
+              <a:spcBef>
+                <a:spcPts val="320"/>
+              </a:spcBef>
+              <a:spcAft>
+                <a:spcPts val="0"/>
+              </a:spcAft>
+              <a:buSzPts val="1400"/>
+              <a:buNone/>
+            </a:pPr>
+            <a:r>
+              <a:rPr lang="de"/>
+              <a:t>Programmieren ist ein Tätigkeit mit nahezu keinen speziellen Erfordernissen.</a:t>
+            </a:r>
+            <a:endParaRPr/>
+          </a:p>
+          <a:p>
+            <a:pPr indent="0" lvl="0" marL="0" rtl="0" algn="l">
+              <a:lnSpc>
+                <a:spcPct val="100000"/>
+              </a:lnSpc>
+              <a:spcBef>
+                <a:spcPts val="320"/>
+              </a:spcBef>
+              <a:spcAft>
+                <a:spcPts val="0"/>
+              </a:spcAft>
+              <a:buSzPts val="1400"/>
+              <a:buNone/>
+            </a:pPr>
+            <a:r>
+              <a:rPr lang="de"/>
+              <a:t>Du brauchst:</a:t>
+            </a:r>
+            <a:endParaRPr/>
+          </a:p>
+          <a:p>
+            <a:pPr indent="-317500" lvl="0" marL="457200" rtl="0" algn="l">
+              <a:lnSpc>
+                <a:spcPct val="100000"/>
+              </a:lnSpc>
+              <a:spcBef>
+                <a:spcPts val="320"/>
+              </a:spcBef>
+              <a:spcAft>
+                <a:spcPts val="0"/>
+              </a:spcAft>
+              <a:buSzPts val="1400"/>
+              <a:buChar char="●"/>
+            </a:pPr>
+            <a:r>
+              <a:rPr lang="de"/>
+              <a:t>Deinen Laptop</a:t>
+            </a:r>
+            <a:endParaRPr/>
+          </a:p>
+          <a:p>
+            <a:pPr indent="-342900" lvl="1" marL="914400" rtl="0" algn="l">
+              <a:lnSpc>
+                <a:spcPct val="100000"/>
+              </a:lnSpc>
+              <a:spcBef>
+                <a:spcPts val="0"/>
+              </a:spcBef>
+              <a:spcAft>
+                <a:spcPts val="0"/>
+              </a:spcAft>
+              <a:buSzPts val="1800"/>
+              <a:buChar char="-"/>
+            </a:pPr>
+            <a:r>
+              <a:rPr lang="de"/>
+              <a:t>Einen Texteditor oder IDE (bitte nehmt zunächst einen Texteditor)</a:t>
+            </a:r>
+            <a:endParaRPr/>
+          </a:p>
+          <a:p>
+            <a:pPr indent="-342900" lvl="1" marL="914400" rtl="0" algn="l">
+              <a:lnSpc>
+                <a:spcPct val="100000"/>
+              </a:lnSpc>
+              <a:spcBef>
+                <a:spcPts val="0"/>
+              </a:spcBef>
+              <a:spcAft>
+                <a:spcPts val="0"/>
+              </a:spcAft>
+              <a:buSzPts val="1800"/>
+              <a:buChar char="-"/>
+            </a:pPr>
+            <a:r>
+              <a:rPr lang="de"/>
+              <a:t>Eine Konsole / Terminal </a:t>
+            </a:r>
+            <a:endParaRPr/>
+          </a:p>
+          <a:p>
+            <a:pPr indent="-317500" lvl="0" marL="457200" rtl="0" algn="l">
+              <a:lnSpc>
+                <a:spcPct val="100000"/>
+              </a:lnSpc>
+              <a:spcBef>
+                <a:spcPts val="0"/>
+              </a:spcBef>
+              <a:spcAft>
+                <a:spcPts val="0"/>
+              </a:spcAft>
+              <a:buSzPts val="1400"/>
+              <a:buChar char="●"/>
+            </a:pPr>
+            <a:r>
+              <a:rPr lang="de"/>
+              <a:t>Deinen Kopf</a:t>
+            </a:r>
+            <a:endParaRPr/>
+          </a:p>
+        </p:txBody>
+      </p:sp>
+      <p:sp>
+        <p:nvSpPr>
+          <p:cNvPr id="156" name="Google Shape;156;p25"/>
+          <p:cNvSpPr txBox="1"/>
+          <p:nvPr/>
+        </p:nvSpPr>
+        <p:spPr>
+          <a:xfrm>
+            <a:off x="5186500" y="2686975"/>
+            <a:ext cx="3621000" cy="1744500"/>
+          </a:xfrm>
+          <a:prstGeom prst="rect">
+            <a:avLst/>
+          </a:prstGeom>
+          <a:noFill/>
+          <a:ln>
+            <a:noFill/>
+          </a:ln>
+        </p:spPr>
+        <p:txBody>
+          <a:bodyPr anchorCtr="0" anchor="t" bIns="91425" lIns="91425" spcFirstLastPara="1" rIns="91425" wrap="square" tIns="91425">
+            <a:spAutoFit/>
+          </a:bodyPr>
+          <a:lstStyle/>
+          <a:p>
+            <a:pPr indent="0" lvl="0" marL="0" marR="0" rtl="0" algn="l">
+              <a:lnSpc>
+                <a:spcPct val="100000"/>
+              </a:lnSpc>
+              <a:spcBef>
+                <a:spcPts val="320"/>
+              </a:spcBef>
+              <a:spcAft>
+                <a:spcPts val="0"/>
+              </a:spcAft>
+              <a:buClr>
+                <a:srgbClr val="000000"/>
+              </a:buClr>
+              <a:buSzPts val="1600"/>
+              <a:buFont typeface="Arial"/>
+              <a:buNone/>
+            </a:pPr>
+            <a:r>
+              <a:rPr b="0" i="0" lang="de" sz="1600" u="none" cap="none" strike="noStrike">
+                <a:solidFill>
+                  <a:schemeClr val="dk1"/>
+                </a:solidFill>
+                <a:latin typeface="Arial"/>
+                <a:ea typeface="Arial"/>
+                <a:cs typeface="Arial"/>
+                <a:sym typeface="Arial"/>
+              </a:rPr>
+              <a:t>Gute IDEs (für später):</a:t>
+            </a:r>
+            <a:endParaRPr b="0" i="0" sz="1600" u="none" cap="none" strike="noStrike">
+              <a:solidFill>
+                <a:schemeClr val="dk1"/>
+              </a:solidFill>
+              <a:latin typeface="Arial"/>
+              <a:ea typeface="Arial"/>
+              <a:cs typeface="Arial"/>
+              <a:sym typeface="Arial"/>
+            </a:endParaRPr>
+          </a:p>
+          <a:p>
+            <a:pPr indent="-330200" lvl="0" marL="457200" marR="0" rtl="0" algn="l">
+              <a:lnSpc>
+                <a:spcPct val="100000"/>
+              </a:lnSpc>
+              <a:spcBef>
+                <a:spcPts val="320"/>
+              </a:spcBef>
+              <a:spcAft>
+                <a:spcPts val="0"/>
+              </a:spcAft>
+              <a:buClr>
+                <a:schemeClr val="dk1"/>
+              </a:buClr>
+              <a:buSzPts val="1600"/>
+              <a:buFont typeface="Arial"/>
+              <a:buChar char="●"/>
+            </a:pPr>
+            <a:r>
+              <a:rPr b="0" i="0" lang="de" sz="1600" u="none" cap="none" strike="noStrike">
+                <a:solidFill>
+                  <a:schemeClr val="dk1"/>
+                </a:solidFill>
+                <a:latin typeface="Arial"/>
+                <a:ea typeface="Arial"/>
+                <a:cs typeface="Arial"/>
+                <a:sym typeface="Arial"/>
+              </a:rPr>
+              <a:t>Eclipse</a:t>
+            </a:r>
+            <a:endParaRPr b="0" i="0" sz="1600" u="none" cap="none" strike="noStrike">
+              <a:solidFill>
+                <a:schemeClr val="dk1"/>
+              </a:solidFill>
+              <a:latin typeface="Arial"/>
+              <a:ea typeface="Arial"/>
+              <a:cs typeface="Arial"/>
+              <a:sym typeface="Arial"/>
+            </a:endParaRPr>
+          </a:p>
+          <a:p>
+            <a:pPr indent="-330200" lvl="0" marL="457200" marR="0" rtl="0" algn="l">
+              <a:lnSpc>
+                <a:spcPct val="100000"/>
+              </a:lnSpc>
+              <a:spcBef>
+                <a:spcPts val="0"/>
+              </a:spcBef>
+              <a:spcAft>
+                <a:spcPts val="0"/>
+              </a:spcAft>
+              <a:buClr>
+                <a:schemeClr val="dk1"/>
+              </a:buClr>
+              <a:buSzPts val="1600"/>
+              <a:buFont typeface="Arial"/>
+              <a:buChar char="●"/>
+            </a:pPr>
+            <a:r>
+              <a:rPr b="0" i="0" lang="de" sz="1600" u="none" cap="none" strike="noStrike">
+                <a:solidFill>
+                  <a:schemeClr val="dk1"/>
+                </a:solidFill>
+                <a:latin typeface="Arial"/>
+                <a:ea typeface="Arial"/>
+                <a:cs typeface="Arial"/>
+                <a:sym typeface="Arial"/>
+              </a:rPr>
+              <a:t>VS Code</a:t>
+            </a:r>
+            <a:endParaRPr b="0" i="0" sz="1600" u="none" cap="none" strike="noStrike">
+              <a:solidFill>
+                <a:schemeClr val="dk1"/>
+              </a:solidFill>
+              <a:latin typeface="Arial"/>
+              <a:ea typeface="Arial"/>
+              <a:cs typeface="Arial"/>
+              <a:sym typeface="Arial"/>
+            </a:endParaRPr>
+          </a:p>
+          <a:p>
+            <a:pPr indent="-330200" lvl="0" marL="457200" marR="0" rtl="0" algn="l">
+              <a:lnSpc>
+                <a:spcPct val="100000"/>
+              </a:lnSpc>
+              <a:spcBef>
+                <a:spcPts val="0"/>
+              </a:spcBef>
+              <a:spcAft>
+                <a:spcPts val="0"/>
+              </a:spcAft>
+              <a:buClr>
+                <a:schemeClr val="dk1"/>
+              </a:buClr>
+              <a:buSzPts val="1600"/>
+              <a:buFont typeface="Arial"/>
+              <a:buChar char="●"/>
+            </a:pPr>
+            <a:r>
+              <a:rPr b="0" i="0" lang="de" sz="1600" u="none" cap="none" strike="noStrike">
+                <a:solidFill>
+                  <a:schemeClr val="dk1"/>
+                </a:solidFill>
+                <a:latin typeface="Arial"/>
+                <a:ea typeface="Arial"/>
+                <a:cs typeface="Arial"/>
+                <a:sym typeface="Arial"/>
+              </a:rPr>
+              <a:t>IntelliJ IDEA (Community Edition / Education Edition)</a:t>
+            </a:r>
+            <a:endParaRPr b="0" i="0" sz="1600" u="none" cap="none" strike="noStrike">
+              <a:solidFill>
+                <a:schemeClr val="dk1"/>
+              </a:solidFill>
+              <a:latin typeface="Arial"/>
+              <a:ea typeface="Arial"/>
+              <a:cs typeface="Arial"/>
+              <a:sym typeface="Arial"/>
+            </a:endParaRPr>
+          </a:p>
+          <a:p>
+            <a:pPr indent="0" lvl="0" marL="457200" marR="0" rtl="0" algn="l">
+              <a:lnSpc>
+                <a:spcPct val="100000"/>
+              </a:lnSpc>
+              <a:spcBef>
+                <a:spcPts val="320"/>
+              </a:spcBef>
+              <a:spcAft>
+                <a:spcPts val="0"/>
+              </a:spcAft>
+              <a:buClr>
+                <a:srgbClr val="000000"/>
+              </a:buClr>
+              <a:buSzPts val="1600"/>
+              <a:buFont typeface="Arial"/>
+              <a:buNone/>
+            </a:pPr>
+            <a:r>
+              <a:t/>
+            </a:r>
+            <a:endParaRPr b="0" i="0" sz="1600" u="none" cap="none" strike="noStrike">
+              <a:solidFill>
+                <a:schemeClr val="dk1"/>
+              </a:solidFill>
+              <a:latin typeface="Arial"/>
+              <a:ea typeface="Arial"/>
+              <a:cs typeface="Arial"/>
+              <a:sym typeface="Arial"/>
+            </a:endParaRPr>
+          </a:p>
+        </p:txBody>
+      </p:sp>
+      <p:sp>
+        <p:nvSpPr>
+          <p:cNvPr id="157" name="Google Shape;157;p25"/>
+          <p:cNvSpPr txBox="1"/>
+          <p:nvPr/>
+        </p:nvSpPr>
+        <p:spPr>
+          <a:xfrm>
+            <a:off x="431800" y="2686975"/>
+            <a:ext cx="3621000" cy="2277900"/>
+          </a:xfrm>
+          <a:prstGeom prst="rect">
+            <a:avLst/>
+          </a:prstGeom>
+          <a:noFill/>
+          <a:ln>
+            <a:noFill/>
+          </a:ln>
+        </p:spPr>
+        <p:txBody>
+          <a:bodyPr anchorCtr="0" anchor="t" bIns="91425" lIns="91425" spcFirstLastPara="1" rIns="91425" wrap="square" tIns="91425">
+            <a:spAutoFit/>
+          </a:bodyPr>
+          <a:lstStyle/>
+          <a:p>
+            <a:pPr indent="0" lvl="0" marL="0" marR="0" rtl="0" algn="l">
+              <a:lnSpc>
+                <a:spcPct val="100000"/>
+              </a:lnSpc>
+              <a:spcBef>
+                <a:spcPts val="320"/>
+              </a:spcBef>
+              <a:spcAft>
+                <a:spcPts val="0"/>
+              </a:spcAft>
+              <a:buClr>
+                <a:srgbClr val="000000"/>
+              </a:buClr>
+              <a:buSzPts val="1600"/>
+              <a:buFont typeface="Arial"/>
+              <a:buNone/>
+            </a:pPr>
+            <a:r>
+              <a:rPr b="0" i="0" lang="de" sz="1600" u="none" cap="none" strike="noStrike">
+                <a:solidFill>
+                  <a:schemeClr val="dk1"/>
+                </a:solidFill>
+                <a:latin typeface="Arial"/>
+                <a:ea typeface="Arial"/>
+                <a:cs typeface="Arial"/>
+                <a:sym typeface="Arial"/>
+              </a:rPr>
+              <a:t>Gute Texteditoren für den Anfang:</a:t>
+            </a:r>
+            <a:endParaRPr b="0" i="0" sz="1600" u="none" cap="none" strike="noStrike">
+              <a:solidFill>
+                <a:schemeClr val="dk1"/>
+              </a:solidFill>
+              <a:latin typeface="Arial"/>
+              <a:ea typeface="Arial"/>
+              <a:cs typeface="Arial"/>
+              <a:sym typeface="Arial"/>
+            </a:endParaRPr>
+          </a:p>
+          <a:p>
+            <a:pPr indent="-317500" lvl="0" marL="457200" marR="0" rtl="0" algn="l">
+              <a:lnSpc>
+                <a:spcPct val="100000"/>
+              </a:lnSpc>
+              <a:spcBef>
+                <a:spcPts val="320"/>
+              </a:spcBef>
+              <a:spcAft>
+                <a:spcPts val="0"/>
+              </a:spcAft>
+              <a:buClr>
+                <a:schemeClr val="dk1"/>
+              </a:buClr>
+              <a:buSzPts val="1400"/>
+              <a:buFont typeface="Arial"/>
+              <a:buChar char="●"/>
+            </a:pPr>
+            <a:r>
+              <a:rPr b="0" i="0" lang="de" sz="1600" u="none" cap="none" strike="noStrike">
+                <a:solidFill>
+                  <a:schemeClr val="dk1"/>
+                </a:solidFill>
+                <a:latin typeface="Arial"/>
+                <a:ea typeface="Arial"/>
+                <a:cs typeface="Arial"/>
+                <a:sym typeface="Arial"/>
+              </a:rPr>
+              <a:t>Sublime Text</a:t>
+            </a:r>
+            <a:endParaRPr b="0" i="0" sz="1600" u="none" cap="none" strike="noStrike">
+              <a:solidFill>
+                <a:schemeClr val="dk1"/>
+              </a:solidFill>
+              <a:latin typeface="Arial"/>
+              <a:ea typeface="Arial"/>
+              <a:cs typeface="Arial"/>
+              <a:sym typeface="Arial"/>
+            </a:endParaRPr>
+          </a:p>
+          <a:p>
+            <a:pPr indent="-317500" lvl="0" marL="457200" marR="0" rtl="0" algn="l">
+              <a:lnSpc>
+                <a:spcPct val="100000"/>
+              </a:lnSpc>
+              <a:spcBef>
+                <a:spcPts val="0"/>
+              </a:spcBef>
+              <a:spcAft>
+                <a:spcPts val="0"/>
+              </a:spcAft>
+              <a:buClr>
+                <a:schemeClr val="dk1"/>
+              </a:buClr>
+              <a:buSzPts val="1400"/>
+              <a:buFont typeface="Arial"/>
+              <a:buChar char="●"/>
+            </a:pPr>
+            <a:r>
+              <a:rPr b="0" i="0" lang="de" sz="1600" u="none" cap="none" strike="noStrike">
+                <a:solidFill>
+                  <a:schemeClr val="dk1"/>
+                </a:solidFill>
+                <a:latin typeface="Arial"/>
+                <a:ea typeface="Arial"/>
+                <a:cs typeface="Arial"/>
+                <a:sym typeface="Arial"/>
+              </a:rPr>
+              <a:t>Atom</a:t>
+            </a:r>
+            <a:endParaRPr b="0" i="0" sz="1600" u="none" cap="none" strike="noStrike">
+              <a:solidFill>
+                <a:schemeClr val="dk1"/>
+              </a:solidFill>
+              <a:latin typeface="Arial"/>
+              <a:ea typeface="Arial"/>
+              <a:cs typeface="Arial"/>
+              <a:sym typeface="Arial"/>
+            </a:endParaRPr>
+          </a:p>
+          <a:p>
+            <a:pPr indent="-317500" lvl="0" marL="457200" marR="0" rtl="0" algn="l">
+              <a:lnSpc>
+                <a:spcPct val="100000"/>
+              </a:lnSpc>
+              <a:spcBef>
+                <a:spcPts val="0"/>
+              </a:spcBef>
+              <a:spcAft>
+                <a:spcPts val="0"/>
+              </a:spcAft>
+              <a:buClr>
+                <a:schemeClr val="dk1"/>
+              </a:buClr>
+              <a:buSzPts val="1400"/>
+              <a:buFont typeface="Arial"/>
+              <a:buChar char="●"/>
+            </a:pPr>
+            <a:r>
+              <a:rPr b="0" i="0" lang="de" sz="1600" u="none" cap="none" strike="noStrike">
+                <a:solidFill>
+                  <a:schemeClr val="dk1"/>
+                </a:solidFill>
+                <a:latin typeface="Arial"/>
+                <a:ea typeface="Arial"/>
+                <a:cs typeface="Arial"/>
+                <a:sym typeface="Arial"/>
+              </a:rPr>
+              <a:t>Notepad++</a:t>
+            </a:r>
+            <a:endParaRPr b="0" i="0" sz="1600" u="none" cap="none" strike="noStrike">
+              <a:solidFill>
+                <a:schemeClr val="dk1"/>
+              </a:solidFill>
+              <a:latin typeface="Arial"/>
+              <a:ea typeface="Arial"/>
+              <a:cs typeface="Arial"/>
+              <a:sym typeface="Arial"/>
+            </a:endParaRPr>
+          </a:p>
+          <a:p>
+            <a:pPr indent="-317500" lvl="0" marL="457200" marR="0" rtl="0" algn="l">
+              <a:lnSpc>
+                <a:spcPct val="100000"/>
+              </a:lnSpc>
+              <a:spcBef>
+                <a:spcPts val="0"/>
+              </a:spcBef>
+              <a:spcAft>
+                <a:spcPts val="0"/>
+              </a:spcAft>
+              <a:buClr>
+                <a:schemeClr val="dk1"/>
+              </a:buClr>
+              <a:buSzPts val="1400"/>
+              <a:buFont typeface="Arial"/>
+              <a:buChar char="●"/>
+            </a:pPr>
+            <a:r>
+              <a:rPr b="0" i="0" lang="de" sz="1600" u="none" cap="none" strike="noStrike">
+                <a:solidFill>
+                  <a:schemeClr val="dk1"/>
+                </a:solidFill>
+                <a:latin typeface="Arial"/>
+                <a:ea typeface="Arial"/>
+                <a:cs typeface="Arial"/>
+                <a:sym typeface="Arial"/>
+              </a:rPr>
+              <a:t>gedit (Linux)</a:t>
+            </a:r>
+            <a:endParaRPr b="0" i="0" sz="1600" u="none" cap="none" strike="noStrike">
+              <a:solidFill>
+                <a:schemeClr val="dk1"/>
+              </a:solidFill>
+              <a:latin typeface="Arial"/>
+              <a:ea typeface="Arial"/>
+              <a:cs typeface="Arial"/>
+              <a:sym typeface="Arial"/>
+            </a:endParaRPr>
+          </a:p>
+          <a:p>
+            <a:pPr indent="-317500" lvl="0" marL="457200" marR="0" rtl="0" algn="l">
+              <a:lnSpc>
+                <a:spcPct val="100000"/>
+              </a:lnSpc>
+              <a:spcBef>
+                <a:spcPts val="0"/>
+              </a:spcBef>
+              <a:spcAft>
+                <a:spcPts val="0"/>
+              </a:spcAft>
+              <a:buClr>
+                <a:schemeClr val="dk1"/>
+              </a:buClr>
+              <a:buSzPts val="1400"/>
+              <a:buFont typeface="Arial"/>
+              <a:buChar char="●"/>
+            </a:pPr>
+            <a:r>
+              <a:rPr b="0" i="0" lang="de" sz="1600" u="none" cap="none" strike="noStrike">
+                <a:solidFill>
+                  <a:schemeClr val="dk1"/>
+                </a:solidFill>
+                <a:latin typeface="Arial"/>
+                <a:ea typeface="Arial"/>
+                <a:cs typeface="Arial"/>
+                <a:sym typeface="Arial"/>
+              </a:rPr>
+              <a:t>Editor (Windows)</a:t>
+            </a:r>
+            <a:endParaRPr b="0" i="0" sz="1600" u="none" cap="none" strike="noStrike">
+              <a:solidFill>
+                <a:schemeClr val="dk1"/>
+              </a:solidFill>
+              <a:latin typeface="Arial"/>
+              <a:ea typeface="Arial"/>
+              <a:cs typeface="Arial"/>
+              <a:sym typeface="Arial"/>
+            </a:endParaRPr>
+          </a:p>
+          <a:p>
+            <a:pPr indent="0" lvl="0" marL="457200" marR="0" rtl="0" algn="l">
+              <a:lnSpc>
+                <a:spcPct val="100000"/>
+              </a:lnSpc>
+              <a:spcBef>
+                <a:spcPts val="320"/>
+              </a:spcBef>
+              <a:spcAft>
+                <a:spcPts val="0"/>
+              </a:spcAft>
+              <a:buClr>
+                <a:srgbClr val="000000"/>
+              </a:buClr>
+              <a:buSzPts val="1600"/>
+              <a:buFont typeface="Arial"/>
+              <a:buNone/>
+            </a:pPr>
+            <a:r>
+              <a:t/>
+            </a:r>
+            <a:endParaRPr b="0" i="0" sz="1600" u="none" cap="none" strike="noStrike">
+              <a:solidFill>
+                <a:schemeClr val="dk1"/>
+              </a:solidFill>
+              <a:latin typeface="Arial"/>
+              <a:ea typeface="Arial"/>
+              <a:cs typeface="Arial"/>
+              <a:sym typeface="Arial"/>
+            </a:endParaRPr>
+          </a:p>
+          <a:p>
+            <a:pPr indent="0" lvl="0" marL="0" marR="0" rtl="0" algn="l">
+              <a:lnSpc>
+                <a:spcPct val="100000"/>
+              </a:lnSpc>
+              <a:spcBef>
+                <a:spcPts val="320"/>
+              </a:spcBef>
+              <a:spcAft>
+                <a:spcPts val="0"/>
+              </a:spcAft>
+              <a:buClr>
+                <a:srgbClr val="000000"/>
+              </a:buClr>
+              <a:buSzPts val="1600"/>
+              <a:buFont typeface="Arial"/>
+              <a:buNone/>
+            </a:pPr>
+            <a:r>
+              <a:t/>
+            </a:r>
+            <a:endParaRPr b="0" i="0" sz="1600" u="none" cap="none" strike="noStrike">
+              <a:solidFill>
+                <a:schemeClr val="dk1"/>
+              </a:solidFill>
+              <a:latin typeface="Arial"/>
+              <a:ea typeface="Arial"/>
+              <a:cs typeface="Arial"/>
+              <a:sym typeface="Arial"/>
+            </a:endParaRPr>
+          </a:p>
+        </p:txBody>
+      </p:sp>
+    </p:spTree>
+  </p:cSld>
+  <p:clrMapOvr>
+    <a:masterClrMapping/>
+  </p:clrMapOvr>
+</p:sld>
+</file>
+
+<file path=ppt/slides/slide11.xml><?xml version="1.0" encoding="utf-8"?>
+<p:sld xmlns:a="http://schemas.openxmlformats.org/drawingml/2006/main" xmlns:r="http://schemas.openxmlformats.org/officeDocument/2006/relationships" xmlns:mc="http://schemas.openxmlformats.org/markup-compatibility/2006" xmlns:mv="urn:schemas-microsoft-com:mac:vml" xmlns:p="http://schemas.openxmlformats.org/presentationml/2006/main" xmlns:c="http://schemas.openxmlformats.org/drawingml/2006/chart" xmlns:dgm="http://schemas.openxmlformats.org/drawingml/2006/diagram" xmlns:o="urn:schemas-microsoft-com:office:office" xmlns:v="urn:schemas-microsoft-com:vml" xmlns:pvml="urn:schemas-microsoft-com:office:powerpoint" xmlns:com="http://schemas.openxmlformats.org/drawingml/2006/compatibility" xmlns:p14="http://schemas.microsoft.com/office/powerpoint/2010/main" xmlns:p15="http://schemas.microsoft.com/office/powerpoint/2012/main" xmlns:ahyp="http://schemas.microsoft.com/office/drawing/2018/hyperlinkcolor">
+  <p:cSld>
+    <p:spTree>
+      <p:nvGrpSpPr>
+        <p:cNvPr id="161" name="Shape 161"/>
+        <p:cNvGrpSpPr/>
+        <p:nvPr/>
+      </p:nvGrpSpPr>
+      <p:grpSpPr>
+        <a:xfrm>
+          <a:off x="0" y="0"/>
+          <a:ext cx="0" cy="0"/>
+          <a:chOff x="0" y="0"/>
+          <a:chExt cx="0" cy="0"/>
+        </a:xfrm>
+      </p:grpSpPr>
+      <p:sp>
+        <p:nvSpPr>
+          <p:cNvPr id="162" name="Google Shape;162;p26"/>
+          <p:cNvSpPr txBox="1"/>
+          <p:nvPr>
+            <p:ph type="title"/>
+          </p:nvPr>
+        </p:nvSpPr>
+        <p:spPr>
+          <a:xfrm>
+            <a:off x="431800" y="83344"/>
+            <a:ext cx="8375700" cy="531000"/>
+          </a:xfrm>
+          <a:prstGeom prst="rect">
+            <a:avLst/>
+          </a:prstGeom>
+          <a:noFill/>
+          <a:ln>
+            <a:noFill/>
+          </a:ln>
+        </p:spPr>
+        <p:txBody>
+          <a:bodyPr anchorCtr="0" anchor="b" bIns="0" lIns="0" spcFirstLastPara="1" rIns="0" wrap="square" tIns="0">
+            <a:noAutofit/>
+          </a:bodyPr>
+          <a:lstStyle/>
+          <a:p>
+            <a:pPr indent="0" lvl="0" marL="0" rtl="0" algn="l">
+              <a:lnSpc>
+                <a:spcPct val="100000"/>
+              </a:lnSpc>
+              <a:spcBef>
+                <a:spcPts val="0"/>
+              </a:spcBef>
+              <a:spcAft>
+                <a:spcPts val="0"/>
+              </a:spcAft>
+              <a:buSzPts val="1400"/>
+              <a:buNone/>
+            </a:pPr>
+            <a:r>
+              <a:rPr lang="de"/>
+              <a:t>2.1. Sprachkonzepte von Java</a:t>
+            </a:r>
+            <a:endParaRPr/>
+          </a:p>
+        </p:txBody>
+      </p:sp>
+      <p:sp>
+        <p:nvSpPr>
+          <p:cNvPr id="163" name="Google Shape;163;p26"/>
+          <p:cNvSpPr txBox="1"/>
+          <p:nvPr>
+            <p:ph idx="1" type="body"/>
+          </p:nvPr>
+        </p:nvSpPr>
+        <p:spPr>
+          <a:xfrm>
+            <a:off x="431800" y="945000"/>
+            <a:ext cx="8375700" cy="3375000"/>
+          </a:xfrm>
+          <a:prstGeom prst="rect">
+            <a:avLst/>
+          </a:prstGeom>
+          <a:noFill/>
+          <a:ln>
+            <a:noFill/>
+          </a:ln>
+        </p:spPr>
+        <p:txBody>
+          <a:bodyPr anchorCtr="0" anchor="t" bIns="0" lIns="0" spcFirstLastPara="1" rIns="0" wrap="square" tIns="0">
+            <a:noAutofit/>
+          </a:bodyPr>
+          <a:lstStyle/>
+          <a:p>
+            <a:pPr indent="-317500" lvl="0" marL="457200" rtl="0" algn="l">
+              <a:lnSpc>
+                <a:spcPct val="100000"/>
+              </a:lnSpc>
+              <a:spcBef>
+                <a:spcPts val="320"/>
+              </a:spcBef>
+              <a:spcAft>
+                <a:spcPts val="0"/>
+              </a:spcAft>
+              <a:buSzPts val="1400"/>
+              <a:buChar char="●"/>
+            </a:pPr>
+            <a:r>
+              <a:rPr b="1" lang="de"/>
+              <a:t>Objektorientiert</a:t>
+            </a:r>
+            <a:endParaRPr b="1"/>
+          </a:p>
+          <a:p>
+            <a:pPr indent="-342900" lvl="1" marL="914400" rtl="0" algn="l">
+              <a:lnSpc>
+                <a:spcPct val="100000"/>
+              </a:lnSpc>
+              <a:spcBef>
+                <a:spcPts val="0"/>
+              </a:spcBef>
+              <a:spcAft>
+                <a:spcPts val="0"/>
+              </a:spcAft>
+              <a:buSzPts val="1800"/>
+              <a:buChar char="-"/>
+            </a:pPr>
+            <a:r>
+              <a:rPr lang="de"/>
+              <a:t>Für euch in den ersten zwei Wochen noch nicht so wichtig, aber hier ganz passend</a:t>
+            </a:r>
+            <a:endParaRPr/>
+          </a:p>
+          <a:p>
+            <a:pPr indent="-342900" lvl="1" marL="914400" rtl="0" algn="l">
+              <a:lnSpc>
+                <a:spcPct val="100000"/>
+              </a:lnSpc>
+              <a:spcBef>
+                <a:spcPts val="0"/>
+              </a:spcBef>
+              <a:spcAft>
+                <a:spcPts val="0"/>
+              </a:spcAft>
+              <a:buSzPts val="1800"/>
+              <a:buChar char="-"/>
+            </a:pPr>
+            <a:r>
+              <a:rPr lang="de"/>
+              <a:t>In Java ist (nahezu) </a:t>
+            </a:r>
+            <a:r>
+              <a:rPr b="1" lang="de"/>
+              <a:t>alles ein Objekt.</a:t>
+            </a:r>
+            <a:endParaRPr b="1"/>
+          </a:p>
+          <a:p>
+            <a:pPr indent="-342900" lvl="1" marL="914400" rtl="0" algn="l">
+              <a:lnSpc>
+                <a:spcPct val="100000"/>
+              </a:lnSpc>
+              <a:spcBef>
+                <a:spcPts val="0"/>
+              </a:spcBef>
+              <a:spcAft>
+                <a:spcPts val="0"/>
+              </a:spcAft>
+              <a:buSzPts val="1800"/>
+              <a:buChar char="-"/>
+            </a:pPr>
+            <a:r>
+              <a:rPr lang="de"/>
+              <a:t>Ein Klasse ist ein Datentyp, welcher bestimmte Attribute und Verhalten kapselt</a:t>
+            </a:r>
+            <a:endParaRPr/>
+          </a:p>
+          <a:p>
+            <a:pPr indent="-342900" lvl="1" marL="914400" rtl="0" algn="l">
+              <a:lnSpc>
+                <a:spcPct val="100000"/>
+              </a:lnSpc>
+              <a:spcBef>
+                <a:spcPts val="0"/>
+              </a:spcBef>
+              <a:spcAft>
+                <a:spcPts val="0"/>
+              </a:spcAft>
+              <a:buSzPts val="1800"/>
+              <a:buChar char="-"/>
+            </a:pPr>
+            <a:r>
+              <a:rPr lang="de"/>
+              <a:t>Eine Instanz einer Klasse nennt sich Objekt </a:t>
+            </a:r>
+            <a:endParaRPr/>
+          </a:p>
+          <a:p>
+            <a:pPr indent="-342900" lvl="2" marL="1371600" rtl="0" algn="l">
+              <a:lnSpc>
+                <a:spcPct val="100000"/>
+              </a:lnSpc>
+              <a:spcBef>
+                <a:spcPts val="0"/>
+              </a:spcBef>
+              <a:spcAft>
+                <a:spcPts val="0"/>
+              </a:spcAft>
+              <a:buSzPts val="1800"/>
+              <a:buChar char="■"/>
+            </a:pPr>
+            <a:r>
+              <a:rPr lang="de"/>
+              <a:t>Klasse: Person, Objekt/Instanz: Die Person David Gemen</a:t>
+            </a:r>
+            <a:endParaRPr/>
+          </a:p>
+          <a:p>
+            <a:pPr indent="-342900" lvl="1" marL="914400" rtl="0" algn="l">
+              <a:lnSpc>
+                <a:spcPct val="100000"/>
+              </a:lnSpc>
+              <a:spcBef>
+                <a:spcPts val="0"/>
+              </a:spcBef>
+              <a:spcAft>
+                <a:spcPts val="0"/>
+              </a:spcAft>
+              <a:buSzPts val="1800"/>
+              <a:buChar char="-"/>
+            </a:pPr>
+            <a:r>
+              <a:rPr lang="de"/>
+              <a:t>Komplexere Java-Programme sind ein Zusammenspiel kooperierender Objekte</a:t>
+            </a:r>
+            <a:endParaRPr/>
+          </a:p>
+          <a:p>
+            <a:pPr indent="0" lvl="0" marL="914400" rtl="0" algn="l">
+              <a:lnSpc>
+                <a:spcPct val="100000"/>
+              </a:lnSpc>
+              <a:spcBef>
+                <a:spcPts val="320"/>
+              </a:spcBef>
+              <a:spcAft>
+                <a:spcPts val="0"/>
+              </a:spcAft>
+              <a:buSzPts val="1400"/>
+              <a:buNone/>
+            </a:pPr>
+            <a:r>
+              <a:t/>
+            </a:r>
+            <a:endParaRPr/>
+          </a:p>
+          <a:p>
+            <a:pPr indent="-317500" lvl="0" marL="457200" rtl="0" algn="l">
+              <a:lnSpc>
+                <a:spcPct val="100000"/>
+              </a:lnSpc>
+              <a:spcBef>
+                <a:spcPts val="320"/>
+              </a:spcBef>
+              <a:spcAft>
+                <a:spcPts val="0"/>
+              </a:spcAft>
+              <a:buSzPts val="1400"/>
+              <a:buChar char="●"/>
+            </a:pPr>
+            <a:r>
+              <a:rPr b="1" lang="de"/>
+              <a:t>Imperativ</a:t>
+            </a:r>
+            <a:endParaRPr b="1"/>
+          </a:p>
+          <a:p>
+            <a:pPr indent="-342900" lvl="1" marL="914400" rtl="0" algn="l">
+              <a:lnSpc>
+                <a:spcPct val="100000"/>
+              </a:lnSpc>
+              <a:spcBef>
+                <a:spcPts val="0"/>
+              </a:spcBef>
+              <a:spcAft>
+                <a:spcPts val="0"/>
+              </a:spcAft>
+              <a:buSzPts val="1800"/>
+              <a:buChar char="-"/>
+            </a:pPr>
+            <a:r>
+              <a:rPr lang="de"/>
+              <a:t>Java-Programmcode ist eine Reihe von Anweisungen an den Computer, die dieser in </a:t>
+            </a:r>
+            <a:r>
+              <a:rPr b="1" lang="de"/>
+              <a:t>vorgegebener Reihenfolge</a:t>
+            </a:r>
+            <a:r>
+              <a:rPr lang="de"/>
+              <a:t> (</a:t>
+            </a:r>
+            <a:r>
+              <a:rPr b="1" lang="de"/>
+              <a:t>von oben nach unten</a:t>
+            </a:r>
+            <a:r>
+              <a:rPr lang="de"/>
+              <a:t>, ggf. mit expliziten Sprüngen) ausführt.</a:t>
+            </a:r>
+            <a:endParaRPr/>
+          </a:p>
+          <a:p>
+            <a:pPr indent="0" lvl="0" marL="914400" rtl="0" algn="l">
+              <a:lnSpc>
+                <a:spcPct val="100000"/>
+              </a:lnSpc>
+              <a:spcBef>
+                <a:spcPts val="320"/>
+              </a:spcBef>
+              <a:spcAft>
+                <a:spcPts val="0"/>
+              </a:spcAft>
+              <a:buSzPts val="1400"/>
+              <a:buNone/>
+            </a:pPr>
+            <a:r>
+              <a:t/>
+            </a:r>
+            <a:endParaRPr/>
+          </a:p>
+        </p:txBody>
+      </p:sp>
+    </p:spTree>
+  </p:cSld>
+  <p:clrMapOvr>
+    <a:masterClrMapping/>
+  </p:clrMapOvr>
+</p:sld>
+</file>
+
+<file path=ppt/slides/slide12.xml><?xml version="1.0" encoding="utf-8"?>
+<p:sld xmlns:a="http://schemas.openxmlformats.org/drawingml/2006/main" xmlns:r="http://schemas.openxmlformats.org/officeDocument/2006/relationships" xmlns:mc="http://schemas.openxmlformats.org/markup-compatibility/2006" xmlns:mv="urn:schemas-microsoft-com:mac:vml" xmlns:p="http://schemas.openxmlformats.org/presentationml/2006/main" xmlns:c="http://schemas.openxmlformats.org/drawingml/2006/chart" xmlns:dgm="http://schemas.openxmlformats.org/drawingml/2006/diagram" xmlns:o="urn:schemas-microsoft-com:office:office" xmlns:v="urn:schemas-microsoft-com:vml" xmlns:pvml="urn:schemas-microsoft-com:office:powerpoint" xmlns:com="http://schemas.openxmlformats.org/drawingml/2006/compatibility" xmlns:p14="http://schemas.microsoft.com/office/powerpoint/2010/main" xmlns:p15="http://schemas.microsoft.com/office/powerpoint/2012/main" xmlns:ahyp="http://schemas.microsoft.com/office/drawing/2018/hyperlinkcolor">
+  <p:cSld>
+    <p:spTree>
+      <p:nvGrpSpPr>
+        <p:cNvPr id="167" name="Shape 167"/>
+        <p:cNvGrpSpPr/>
+        <p:nvPr/>
+      </p:nvGrpSpPr>
+      <p:grpSpPr>
+        <a:xfrm>
+          <a:off x="0" y="0"/>
+          <a:ext cx="0" cy="0"/>
+          <a:chOff x="0" y="0"/>
+          <a:chExt cx="0" cy="0"/>
+        </a:xfrm>
+      </p:grpSpPr>
+      <p:sp>
+        <p:nvSpPr>
+          <p:cNvPr id="168" name="Google Shape;168;p27"/>
+          <p:cNvSpPr txBox="1"/>
+          <p:nvPr>
+            <p:ph type="title"/>
+          </p:nvPr>
+        </p:nvSpPr>
+        <p:spPr>
+          <a:xfrm>
+            <a:off x="431800" y="83344"/>
+            <a:ext cx="8375700" cy="531000"/>
+          </a:xfrm>
+          <a:prstGeom prst="rect">
+            <a:avLst/>
+          </a:prstGeom>
+          <a:noFill/>
+          <a:ln>
+            <a:noFill/>
+          </a:ln>
+        </p:spPr>
+        <p:txBody>
+          <a:bodyPr anchorCtr="0" anchor="b" bIns="0" lIns="0" spcFirstLastPara="1" rIns="0" wrap="square" tIns="0">
+            <a:noAutofit/>
+          </a:bodyPr>
+          <a:lstStyle/>
+          <a:p>
+            <a:pPr indent="0" lvl="0" marL="0" rtl="0" algn="l">
+              <a:lnSpc>
+                <a:spcPct val="100000"/>
+              </a:lnSpc>
+              <a:spcBef>
+                <a:spcPts val="0"/>
+              </a:spcBef>
+              <a:spcAft>
+                <a:spcPts val="0"/>
+              </a:spcAft>
+              <a:buSzPts val="1400"/>
+              <a:buNone/>
+            </a:pPr>
+            <a:r>
+              <a:rPr lang="de"/>
+              <a:t>2.2. Workflow</a:t>
+            </a:r>
+            <a:endParaRPr/>
+          </a:p>
+        </p:txBody>
+      </p:sp>
+      <p:sp>
+        <p:nvSpPr>
+          <p:cNvPr id="169" name="Google Shape;169;p27"/>
           <p:cNvSpPr txBox="1"/>
           <p:nvPr>
             <p:ph idx="1" type="body"/>
@@ -10341,7 +11646,7 @@
       </p:sp>
       <p:pic>
         <p:nvPicPr>
-          <p:cNvPr id="142" name="Google Shape;142;p25"/>
+          <p:cNvPr id="170" name="Google Shape;170;p27"/>
           <p:cNvPicPr preferRelativeResize="0"/>
           <p:nvPr/>
         </p:nvPicPr>
@@ -10374,12 +11679,12 @@
 </p:sld>
 </file>
 
-<file path=ppt/slides/slide11.xml><?xml version="1.0" encoding="utf-8"?>
+<file path=ppt/slides/slide13.xml><?xml version="1.0" encoding="utf-8"?>
 <p:sld xmlns:a="http://schemas.openxmlformats.org/drawingml/2006/main" xmlns:r="http://schemas.openxmlformats.org/officeDocument/2006/relationships" xmlns:mc="http://schemas.openxmlformats.org/markup-compatibility/2006" xmlns:mv="urn:schemas-microsoft-com:mac:vml" xmlns:p="http://schemas.openxmlformats.org/presentationml/2006/main" xmlns:c="http://schemas.openxmlformats.org/drawingml/2006/chart" xmlns:dgm="http://schemas.openxmlformats.org/drawingml/2006/diagram" xmlns:o="urn:schemas-microsoft-com:office:office" xmlns:v="urn:schemas-microsoft-com:vml" xmlns:pvml="urn:schemas-microsoft-com:office:powerpoint" xmlns:com="http://schemas.openxmlformats.org/drawingml/2006/compatibility" xmlns:p14="http://schemas.microsoft.com/office/powerpoint/2010/main" xmlns:p15="http://schemas.microsoft.com/office/powerpoint/2012/main" xmlns:ahyp="http://schemas.microsoft.com/office/drawing/2018/hyperlinkcolor">
   <p:cSld>
     <p:spTree>
       <p:nvGrpSpPr>
-        <p:cNvPr id="146" name="Shape 146"/>
+        <p:cNvPr id="174" name="Shape 174"/>
         <p:cNvGrpSpPr/>
         <p:nvPr/>
       </p:nvGrpSpPr>
@@ -10393,7 +11698,7 @@
       </p:grpSpPr>
       <p:sp>
         <p:nvSpPr>
-          <p:cNvPr id="147" name="Google Shape;147;p26"/>
+          <p:cNvPr id="175" name="Google Shape;175;p28"/>
           <p:cNvSpPr txBox="1"/>
           <p:nvPr>
             <p:ph type="title"/>
@@ -10441,7 +11746,7 @@
       </p:sp>
       <p:sp>
         <p:nvSpPr>
-          <p:cNvPr id="148" name="Google Shape;148;p26"/>
+          <p:cNvPr id="176" name="Google Shape;176;p28"/>
           <p:cNvSpPr txBox="1"/>
           <p:nvPr>
             <p:ph idx="1" type="body"/>
@@ -10620,12 +11925,12 @@
 </p:sld>
 </file>
 
-<file path=ppt/slides/slide12.xml><?xml version="1.0" encoding="utf-8"?>
+<file path=ppt/slides/slide14.xml><?xml version="1.0" encoding="utf-8"?>
 <p:sld xmlns:a="http://schemas.openxmlformats.org/drawingml/2006/main" xmlns:r="http://schemas.openxmlformats.org/officeDocument/2006/relationships" xmlns:mc="http://schemas.openxmlformats.org/markup-compatibility/2006" xmlns:mv="urn:schemas-microsoft-com:mac:vml" xmlns:p="http://schemas.openxmlformats.org/presentationml/2006/main" xmlns:c="http://schemas.openxmlformats.org/drawingml/2006/chart" xmlns:dgm="http://schemas.openxmlformats.org/drawingml/2006/diagram" xmlns:o="urn:schemas-microsoft-com:office:office" xmlns:v="urn:schemas-microsoft-com:vml" xmlns:pvml="urn:schemas-microsoft-com:office:powerpoint" xmlns:com="http://schemas.openxmlformats.org/drawingml/2006/compatibility" xmlns:p14="http://schemas.microsoft.com/office/powerpoint/2010/main" xmlns:p15="http://schemas.microsoft.com/office/powerpoint/2012/main" xmlns:ahyp="http://schemas.microsoft.com/office/drawing/2018/hyperlinkcolor">
   <p:cSld>
     <p:spTree>
       <p:nvGrpSpPr>
-        <p:cNvPr id="152" name="Shape 152"/>
+        <p:cNvPr id="180" name="Shape 180"/>
         <p:cNvGrpSpPr/>
         <p:nvPr/>
       </p:nvGrpSpPr>
@@ -10639,7 +11944,7 @@
       </p:grpSpPr>
       <p:sp>
         <p:nvSpPr>
-          <p:cNvPr id="153" name="Google Shape;153;p27"/>
+          <p:cNvPr id="181" name="Google Shape;181;p29"/>
           <p:cNvSpPr txBox="1"/>
           <p:nvPr>
             <p:ph type="title"/>
@@ -10687,7 +11992,7 @@
       </p:sp>
       <p:sp>
         <p:nvSpPr>
-          <p:cNvPr id="154" name="Google Shape;154;p27"/>
+          <p:cNvPr id="182" name="Google Shape;182;p29"/>
           <p:cNvSpPr txBox="1"/>
           <p:nvPr>
             <p:ph idx="1" type="body"/>
@@ -11336,6 +12641,26 @@
             <a:endParaRPr/>
           </a:p>
           <a:p>
+            <a:pPr indent="-330200" lvl="2" marL="1371600" rtl="0" algn="l">
+              <a:lnSpc>
+                <a:spcPct val="100000"/>
+              </a:lnSpc>
+              <a:spcBef>
+                <a:spcPts val="0"/>
+              </a:spcBef>
+              <a:spcAft>
+                <a:spcPts val="0"/>
+              </a:spcAft>
+              <a:buSzPts val="1600"/>
+              <a:buAutoNum type="arabicPeriod"/>
+            </a:pPr>
+            <a:r>
+              <a:rPr lang="de"/>
+              <a:t>Repository klonen</a:t>
+            </a:r>
+            <a:endParaRPr/>
+          </a:p>
+          <a:p>
             <a:pPr indent="-330200" lvl="1" marL="914400" rtl="0" algn="l">
               <a:lnSpc>
                 <a:spcPct val="100000"/>
@@ -12643,10 +13968,6 @@
           <a:prstGeom prst="rect">
             <a:avLst/>
           </a:prstGeom>
-          <a:noFill/>
-          <a:ln>
-            <a:noFill/>
-          </a:ln>
         </p:spPr>
         <p:txBody>
           <a:bodyPr anchorCtr="0" anchor="b" bIns="0" lIns="0" spcFirstLastPara="1" rIns="0" wrap="square" tIns="0">
@@ -12655,21 +13976,17 @@
           <a:lstStyle/>
           <a:p>
             <a:pPr indent="0" lvl="0" marL="0" rtl="0" algn="l">
-              <a:lnSpc>
-                <a:spcPct val="100000"/>
-              </a:lnSpc>
-              <a:spcBef>
-                <a:spcPts val="0"/>
-              </a:spcBef>
-              <a:spcAft>
-                <a:spcPts val="0"/>
-              </a:spcAft>
-              <a:buSzPts val="1400"/>
+              <a:spcBef>
+                <a:spcPts val="0"/>
+              </a:spcBef>
+              <a:spcAft>
+                <a:spcPts val="0"/>
+              </a:spcAft>
               <a:buNone/>
             </a:pPr>
             <a:r>
               <a:rPr lang="de"/>
-              <a:t>1.4. Was du sonst noch brauchst</a:t>
+              <a:t>1.3. Installation von Git</a:t>
             </a:r>
             <a:endParaRPr/>
           </a:p>
@@ -12685,8 +14002,93 @@
         </p:nvSpPr>
         <p:spPr>
           <a:xfrm>
-            <a:off x="431800" y="945000"/>
+            <a:off x="431800" y="920300"/>
             <a:ext cx="8375700" cy="3375000"/>
+          </a:xfrm>
+          <a:prstGeom prst="rect">
+            <a:avLst/>
+          </a:prstGeom>
+        </p:spPr>
+        <p:txBody>
+          <a:bodyPr anchorCtr="0" anchor="t" bIns="0" lIns="0" spcFirstLastPara="1" rIns="0" wrap="square" tIns="0">
+            <a:noAutofit/>
+          </a:bodyPr>
+          <a:lstStyle/>
+          <a:p>
+            <a:pPr indent="0" lvl="0" marL="0" rtl="0" algn="l">
+              <a:spcBef>
+                <a:spcPts val="320"/>
+              </a:spcBef>
+              <a:spcAft>
+                <a:spcPts val="0"/>
+              </a:spcAft>
+              <a:buNone/>
+            </a:pPr>
+            <a:r>
+              <a:rPr lang="de"/>
+              <a:t>Richte dir außerdem ein Nutzerkonto bei Gitlab ein: </a:t>
+            </a:r>
+            <a:r>
+              <a:rPr lang="de" u="sng">
+                <a:solidFill>
+                  <a:schemeClr val="hlink"/>
+                </a:solidFill>
+                <a:hlinkClick r:id="rId3"/>
+              </a:rPr>
+              <a:t>https://gitlab.com/users/sign_in</a:t>
+            </a:r>
+            <a:endParaRPr/>
+          </a:p>
+          <a:p>
+            <a:pPr indent="0" lvl="0" marL="0" rtl="0" algn="l">
+              <a:spcBef>
+                <a:spcPts val="320"/>
+              </a:spcBef>
+              <a:spcAft>
+                <a:spcPts val="0"/>
+              </a:spcAft>
+              <a:buNone/>
+            </a:pPr>
+            <a:r>
+              <a:t/>
+            </a:r>
+            <a:endParaRPr/>
+          </a:p>
+          <a:p>
+            <a:pPr indent="0" lvl="0" marL="0" rtl="0" algn="l">
+              <a:spcBef>
+                <a:spcPts val="320"/>
+              </a:spcBef>
+              <a:spcAft>
+                <a:spcPts val="0"/>
+              </a:spcAft>
+              <a:buNone/>
+            </a:pPr>
+            <a:r>
+              <a:rPr lang="de"/>
+              <a:t>Daraufhin kannst du zu deinem Gitlab Konto deinen öffentlichen SSH-Schlüssel hinzufügen, um problemlos mit deinen Remote Repositories interagieren können.</a:t>
+            </a:r>
+            <a:endParaRPr/>
+          </a:p>
+        </p:txBody>
+      </p:sp>
+      <p:pic>
+        <p:nvPicPr>
+          <p:cNvPr id="128" name="Google Shape;128;p23"/>
+          <p:cNvPicPr preferRelativeResize="0"/>
+          <p:nvPr/>
+        </p:nvPicPr>
+        <p:blipFill rotWithShape="1">
+          <a:blip r:embed="rId4">
+            <a:alphaModFix/>
+          </a:blip>
+          <a:srcRect b="-6450" l="0" r="-6450" t="0"/>
+          <a:stretch/>
+        </p:blipFill>
+        <p:spPr>
+          <a:xfrm>
+            <a:off x="431804" y="2082100"/>
+            <a:ext cx="3870925" cy="2579976"/>
           </a:xfrm>
           <a:prstGeom prst="rect">
             <a:avLst/>
@@ -12696,143 +14098,151 @@
             <a:noFill/>
           </a:ln>
         </p:spPr>
-        <p:txBody>
-          <a:bodyPr anchorCtr="0" anchor="t" bIns="0" lIns="0" spcFirstLastPara="1" rIns="0" wrap="square" tIns="0">
-            <a:noAutofit/>
-          </a:bodyPr>
-          <a:lstStyle/>
-          <a:p>
-            <a:pPr indent="0" lvl="0" marL="0" rtl="0" algn="l">
-              <a:lnSpc>
-                <a:spcPct val="100000"/>
-              </a:lnSpc>
-              <a:spcBef>
-                <a:spcPts val="320"/>
-              </a:spcBef>
-              <a:spcAft>
-                <a:spcPts val="0"/>
-              </a:spcAft>
-              <a:buSzPts val="1400"/>
-              <a:buNone/>
-            </a:pPr>
-            <a:r>
-              <a:rPr lang="de"/>
-              <a:t>Programmieren ist ein Tätigkeit mit nahezu keinen speziellen Erfordernissen.</a:t>
-            </a:r>
-            <a:endParaRPr/>
-          </a:p>
-          <a:p>
-            <a:pPr indent="0" lvl="0" marL="0" rtl="0" algn="l">
-              <a:lnSpc>
-                <a:spcPct val="100000"/>
-              </a:lnSpc>
-              <a:spcBef>
-                <a:spcPts val="320"/>
-              </a:spcBef>
-              <a:spcAft>
-                <a:spcPts val="0"/>
-              </a:spcAft>
-              <a:buSzPts val="1400"/>
-              <a:buNone/>
-            </a:pPr>
-            <a:r>
-              <a:rPr lang="de"/>
-              <a:t>Du brauchst:</a:t>
-            </a:r>
-            <a:endParaRPr/>
-          </a:p>
-          <a:p>
-            <a:pPr indent="-317500" lvl="0" marL="457200" rtl="0" algn="l">
-              <a:lnSpc>
-                <a:spcPct val="100000"/>
-              </a:lnSpc>
-              <a:spcBef>
-                <a:spcPts val="320"/>
-              </a:spcBef>
-              <a:spcAft>
-                <a:spcPts val="0"/>
-              </a:spcAft>
-              <a:buSzPts val="1400"/>
-              <a:buChar char="●"/>
-            </a:pPr>
-            <a:r>
-              <a:rPr lang="de"/>
-              <a:t>Deinen Laptop</a:t>
-            </a:r>
-            <a:endParaRPr/>
-          </a:p>
-          <a:p>
-            <a:pPr indent="-342900" lvl="1" marL="914400" rtl="0" algn="l">
-              <a:lnSpc>
-                <a:spcPct val="100000"/>
-              </a:lnSpc>
-              <a:spcBef>
-                <a:spcPts val="0"/>
-              </a:spcBef>
-              <a:spcAft>
-                <a:spcPts val="0"/>
-              </a:spcAft>
-              <a:buSzPts val="1800"/>
-              <a:buChar char="-"/>
-            </a:pPr>
-            <a:r>
-              <a:rPr lang="de"/>
-              <a:t>Einen Texteditor oder IDE (bitte nehmt zunächst einen Texteditor)</a:t>
-            </a:r>
-            <a:endParaRPr/>
-          </a:p>
-          <a:p>
-            <a:pPr indent="-342900" lvl="1" marL="914400" rtl="0" algn="l">
-              <a:lnSpc>
-                <a:spcPct val="100000"/>
-              </a:lnSpc>
-              <a:spcBef>
-                <a:spcPts val="0"/>
-              </a:spcBef>
-              <a:spcAft>
-                <a:spcPts val="0"/>
-              </a:spcAft>
-              <a:buSzPts val="1800"/>
-              <a:buChar char="-"/>
-            </a:pPr>
-            <a:r>
-              <a:rPr lang="de"/>
-              <a:t>Eine Konsole / Terminal </a:t>
-            </a:r>
-            <a:endParaRPr/>
-          </a:p>
-          <a:p>
-            <a:pPr indent="-317500" lvl="0" marL="457200" rtl="0" algn="l">
-              <a:lnSpc>
-                <a:spcPct val="100000"/>
-              </a:lnSpc>
-              <a:spcBef>
-                <a:spcPts val="0"/>
-              </a:spcBef>
-              <a:spcAft>
-                <a:spcPts val="0"/>
-              </a:spcAft>
-              <a:buSzPts val="1400"/>
-              <a:buChar char="●"/>
-            </a:pPr>
-            <a:r>
-              <a:rPr lang="de"/>
-              <a:t>Deinen Kopf</a:t>
-            </a:r>
-            <a:endParaRPr/>
-          </a:p>
-        </p:txBody>
-      </p:sp>
+      </p:pic>
+      <p:pic>
+        <p:nvPicPr>
+          <p:cNvPr id="129" name="Google Shape;129;p23"/>
+          <p:cNvPicPr preferRelativeResize="0"/>
+          <p:nvPr/>
+        </p:nvPicPr>
+        <p:blipFill>
+          <a:blip r:embed="rId5">
+            <a:alphaModFix/>
+          </a:blip>
+          <a:stretch>
+            <a:fillRect/>
+          </a:stretch>
+        </p:blipFill>
+        <p:spPr>
+          <a:xfrm>
+            <a:off x="5262649" y="2082100"/>
+            <a:ext cx="3636301" cy="2423598"/>
+          </a:xfrm>
+          <a:prstGeom prst="rect">
+            <a:avLst/>
+          </a:prstGeom>
+          <a:noFill/>
+          <a:ln>
+            <a:noFill/>
+          </a:ln>
+        </p:spPr>
+      </p:pic>
+      <p:cxnSp>
+        <p:nvCxnSpPr>
+          <p:cNvPr id="130" name="Google Shape;130;p23"/>
+          <p:cNvCxnSpPr/>
+          <p:nvPr/>
+        </p:nvCxnSpPr>
+        <p:spPr>
+          <a:xfrm flipH="1">
+            <a:off x="3900800" y="2682850"/>
+            <a:ext cx="436200" cy="279900"/>
+          </a:xfrm>
+          <a:prstGeom prst="straightConnector1">
+            <a:avLst/>
+          </a:prstGeom>
+          <a:noFill/>
+          <a:ln cap="flat" cmpd="sng" w="9525">
+            <a:solidFill>
+              <a:srgbClr val="FF0000"/>
+            </a:solidFill>
+            <a:prstDash val="solid"/>
+            <a:round/>
+            <a:headEnd len="med" w="med" type="none"/>
+            <a:tailEnd len="med" w="med" type="triangle"/>
+          </a:ln>
+        </p:spPr>
+      </p:cxnSp>
+      <p:cxnSp>
+        <p:nvCxnSpPr>
+          <p:cNvPr id="131" name="Google Shape;131;p23"/>
+          <p:cNvCxnSpPr>
+            <a:stCxn id="132" idx="3"/>
+          </p:cNvCxnSpPr>
+          <p:nvPr/>
+        </p:nvCxnSpPr>
+        <p:spPr>
+          <a:xfrm>
+            <a:off x="5145425" y="2938025"/>
+            <a:ext cx="582300" cy="436200"/>
+          </a:xfrm>
+          <a:prstGeom prst="straightConnector1">
+            <a:avLst/>
+          </a:prstGeom>
+          <a:noFill/>
+          <a:ln cap="flat" cmpd="sng" w="9525">
+            <a:solidFill>
+              <a:srgbClr val="FF0000"/>
+            </a:solidFill>
+            <a:prstDash val="solid"/>
+            <a:round/>
+            <a:headEnd len="med" w="med" type="none"/>
+            <a:tailEnd len="med" w="med" type="triangle"/>
+          </a:ln>
+        </p:spPr>
+      </p:cxnSp>
+      <p:cxnSp>
+        <p:nvCxnSpPr>
+          <p:cNvPr id="133" name="Google Shape;133;p23"/>
+          <p:cNvCxnSpPr/>
+          <p:nvPr/>
+        </p:nvCxnSpPr>
+        <p:spPr>
+          <a:xfrm flipH="1" rot="10800000">
+            <a:off x="4814325" y="3390750"/>
+            <a:ext cx="2452500" cy="296100"/>
+          </a:xfrm>
+          <a:prstGeom prst="straightConnector1">
+            <a:avLst/>
+          </a:prstGeom>
+          <a:noFill/>
+          <a:ln cap="flat" cmpd="sng" w="9525">
+            <a:solidFill>
+              <a:srgbClr val="FF0000"/>
+            </a:solidFill>
+            <a:prstDash val="solid"/>
+            <a:round/>
+            <a:headEnd len="med" w="med" type="none"/>
+            <a:tailEnd len="med" w="med" type="triangle"/>
+          </a:ln>
+        </p:spPr>
+      </p:cxnSp>
+      <p:cxnSp>
+        <p:nvCxnSpPr>
+          <p:cNvPr id="134" name="Google Shape;134;p23"/>
+          <p:cNvCxnSpPr/>
+          <p:nvPr/>
+        </p:nvCxnSpPr>
+        <p:spPr>
+          <a:xfrm flipH="1" rot="10800000">
+            <a:off x="4978900" y="3999575"/>
+            <a:ext cx="2098500" cy="189300"/>
+          </a:xfrm>
+          <a:prstGeom prst="straightConnector1">
+            <a:avLst/>
+          </a:prstGeom>
+          <a:noFill/>
+          <a:ln cap="flat" cmpd="sng" w="9525">
+            <a:solidFill>
+              <a:srgbClr val="FF0000"/>
+            </a:solidFill>
+            <a:prstDash val="solid"/>
+            <a:round/>
+            <a:headEnd len="med" w="med" type="none"/>
+            <a:tailEnd len="med" w="med" type="triangle"/>
+          </a:ln>
+        </p:spPr>
+      </p:cxnSp>
       <p:sp>
         <p:nvSpPr>
-          <p:cNvPr id="128" name="Google Shape;128;p23"/>
+          <p:cNvPr id="135" name="Google Shape;135;p23"/>
           <p:cNvSpPr txBox="1"/>
           <p:nvPr/>
         </p:nvSpPr>
         <p:spPr>
           <a:xfrm>
-            <a:off x="5186500" y="2686975"/>
-            <a:ext cx="3621000" cy="1744500"/>
+            <a:off x="4226400" y="2387100"/>
+            <a:ext cx="691200" cy="369300"/>
           </a:xfrm>
           <a:prstGeom prst="rect">
             <a:avLst/>
@@ -12848,208 +14258,33 @@
           </a:bodyPr>
           <a:lstStyle/>
           <a:p>
-            <a:pPr indent="0" lvl="0" marL="0" marR="0" rtl="0" algn="l">
-              <a:lnSpc>
-                <a:spcPct val="100000"/>
-              </a:lnSpc>
-              <a:spcBef>
-                <a:spcPts val="320"/>
-              </a:spcBef>
-              <a:spcAft>
-                <a:spcPts val="0"/>
-              </a:spcAft>
-              <a:buClr>
-                <a:srgbClr val="000000"/>
-              </a:buClr>
-              <a:buSzPts val="1600"/>
-              <a:buFont typeface="Arial"/>
-              <a:buNone/>
-            </a:pPr>
-            <a:r>
-              <a:rPr b="0" i="0" lang="de" sz="1600" u="none" cap="none" strike="noStrike">
-                <a:solidFill>
-                  <a:schemeClr val="dk1"/>
-                </a:solidFill>
-                <a:latin typeface="Arial"/>
-                <a:ea typeface="Arial"/>
-                <a:cs typeface="Arial"/>
-                <a:sym typeface="Arial"/>
-              </a:rPr>
-              <a:t>Gute IDEs (für später):</a:t>
-            </a:r>
-            <a:endParaRPr b="0" i="0" sz="1600" u="none" cap="none" strike="noStrike">
-              <a:solidFill>
-                <a:schemeClr val="dk1"/>
-              </a:solidFill>
-              <a:latin typeface="Arial"/>
-              <a:ea typeface="Arial"/>
-              <a:cs typeface="Arial"/>
-              <a:sym typeface="Arial"/>
-            </a:endParaRPr>
-          </a:p>
-          <a:p>
-            <a:pPr indent="-330200" lvl="0" marL="457200" marR="0" rtl="0" algn="l">
-              <a:lnSpc>
-                <a:spcPct val="100000"/>
-              </a:lnSpc>
-              <a:spcBef>
-                <a:spcPts val="320"/>
-              </a:spcBef>
-              <a:spcAft>
-                <a:spcPts val="0"/>
-              </a:spcAft>
-              <a:buClr>
-                <a:schemeClr val="dk1"/>
-              </a:buClr>
-              <a:buSzPts val="1600"/>
-              <a:buFont typeface="Arial"/>
-              <a:buChar char="●"/>
-            </a:pPr>
-            <a:r>
-              <a:rPr b="0" i="0" lang="de" sz="1600" u="none" cap="none" strike="noStrike">
-                <a:solidFill>
-                  <a:schemeClr val="dk1"/>
-                </a:solidFill>
-                <a:latin typeface="Arial"/>
-                <a:ea typeface="Arial"/>
-                <a:cs typeface="Arial"/>
-                <a:sym typeface="Arial"/>
-              </a:rPr>
-              <a:t>Eclipse</a:t>
-            </a:r>
-            <a:endParaRPr b="0" i="0" sz="1600" u="none" cap="none" strike="noStrike">
-              <a:solidFill>
-                <a:schemeClr val="dk1"/>
-              </a:solidFill>
-              <a:latin typeface="Arial"/>
-              <a:ea typeface="Arial"/>
-              <a:cs typeface="Arial"/>
-              <a:sym typeface="Arial"/>
-            </a:endParaRPr>
-          </a:p>
-          <a:p>
-            <a:pPr indent="-330200" lvl="0" marL="457200" marR="0" rtl="0" algn="l">
-              <a:lnSpc>
-                <a:spcPct val="100000"/>
-              </a:lnSpc>
-              <a:spcBef>
-                <a:spcPts val="0"/>
-              </a:spcBef>
-              <a:spcAft>
-                <a:spcPts val="0"/>
-              </a:spcAft>
-              <a:buClr>
-                <a:schemeClr val="dk1"/>
-              </a:buClr>
-              <a:buSzPts val="1600"/>
-              <a:buFont typeface="Arial"/>
-              <a:buChar char="●"/>
-            </a:pPr>
-            <a:r>
-              <a:rPr b="0" i="0" lang="de" sz="1600" u="none" cap="none" strike="noStrike">
-                <a:solidFill>
-                  <a:schemeClr val="dk1"/>
-                </a:solidFill>
-                <a:latin typeface="Arial"/>
-                <a:ea typeface="Arial"/>
-                <a:cs typeface="Arial"/>
-                <a:sym typeface="Arial"/>
-              </a:rPr>
-              <a:t>VS Code</a:t>
-            </a:r>
-            <a:endParaRPr b="0" i="0" sz="1600" u="none" cap="none" strike="noStrike">
-              <a:solidFill>
-                <a:schemeClr val="dk1"/>
-              </a:solidFill>
-              <a:latin typeface="Arial"/>
-              <a:ea typeface="Arial"/>
-              <a:cs typeface="Arial"/>
-              <a:sym typeface="Arial"/>
-            </a:endParaRPr>
-          </a:p>
-          <a:p>
-            <a:pPr indent="-330200" lvl="0" marL="457200" marR="0" rtl="0" algn="l">
-              <a:lnSpc>
-                <a:spcPct val="100000"/>
-              </a:lnSpc>
-              <a:spcBef>
-                <a:spcPts val="0"/>
-              </a:spcBef>
-              <a:spcAft>
-                <a:spcPts val="0"/>
-              </a:spcAft>
-              <a:buClr>
-                <a:schemeClr val="dk1"/>
-              </a:buClr>
-              <a:buSzPts val="1600"/>
-              <a:buFont typeface="Arial"/>
-              <a:buChar char="●"/>
-            </a:pPr>
-            <a:r>
-              <a:rPr b="0" i="0" lang="de" sz="1600" u="none" cap="none" strike="noStrike">
-                <a:solidFill>
-                  <a:schemeClr val="dk1"/>
-                </a:solidFill>
-                <a:latin typeface="Arial"/>
-                <a:ea typeface="Arial"/>
-                <a:cs typeface="Arial"/>
-                <a:sym typeface="Arial"/>
-              </a:rPr>
-              <a:t>IntelliJ IDEA (Community Edition / Education Edition)</a:t>
-            </a:r>
-            <a:endParaRPr b="0" i="0" sz="1600" u="none" cap="none" strike="noStrike">
-              <a:solidFill>
-                <a:schemeClr val="dk1"/>
-              </a:solidFill>
-              <a:latin typeface="Arial"/>
-              <a:ea typeface="Arial"/>
-              <a:cs typeface="Arial"/>
-              <a:sym typeface="Arial"/>
-            </a:endParaRPr>
-          </a:p>
-          <a:p>
-            <a:pPr indent="0" lvl="0" marL="457200" marR="0" rtl="0" algn="l">
-              <a:lnSpc>
-                <a:spcPct val="100000"/>
-              </a:lnSpc>
-              <a:spcBef>
-                <a:spcPts val="320"/>
-              </a:spcBef>
-              <a:spcAft>
-                <a:spcPts val="0"/>
-              </a:spcAft>
-              <a:buClr>
-                <a:srgbClr val="000000"/>
-              </a:buClr>
-              <a:buSzPts val="1600"/>
-              <a:buFont typeface="Arial"/>
-              <a:buNone/>
-            </a:pPr>
-            <a:r>
-              <a:t/>
-            </a:r>
-            <a:endParaRPr b="0" i="0" sz="1600" u="none" cap="none" strike="noStrike">
-              <a:solidFill>
-                <a:schemeClr val="dk1"/>
-              </a:solidFill>
-              <a:latin typeface="Arial"/>
-              <a:ea typeface="Arial"/>
-              <a:cs typeface="Arial"/>
-              <a:sym typeface="Arial"/>
-            </a:endParaRPr>
+            <a:pPr indent="0" lvl="0" marL="0" rtl="0" algn="l">
+              <a:spcBef>
+                <a:spcPts val="0"/>
+              </a:spcBef>
+              <a:spcAft>
+                <a:spcPts val="0"/>
+              </a:spcAft>
+              <a:buNone/>
+            </a:pPr>
+            <a:r>
+              <a:rPr lang="de" sz="600"/>
+              <a:t>Einstellungen öffnen</a:t>
+            </a:r>
+            <a:endParaRPr sz="500"/>
           </a:p>
         </p:txBody>
       </p:sp>
       <p:sp>
         <p:nvSpPr>
-          <p:cNvPr id="129" name="Google Shape;129;p23"/>
+          <p:cNvPr id="132" name="Google Shape;132;p23"/>
           <p:cNvSpPr txBox="1"/>
           <p:nvPr/>
         </p:nvSpPr>
         <p:spPr>
           <a:xfrm>
-            <a:off x="431800" y="2686975"/>
-            <a:ext cx="3621000" cy="2277900"/>
+            <a:off x="4454225" y="2799575"/>
+            <a:ext cx="691200" cy="276900"/>
           </a:xfrm>
           <a:prstGeom prst="rect">
             <a:avLst/>
@@ -13065,306 +14300,104 @@
           </a:bodyPr>
           <a:lstStyle/>
           <a:p>
-            <a:pPr indent="0" lvl="0" marL="0" marR="0" rtl="0" algn="l">
-              <a:lnSpc>
-                <a:spcPct val="100000"/>
-              </a:lnSpc>
-              <a:spcBef>
-                <a:spcPts val="320"/>
-              </a:spcBef>
-              <a:spcAft>
-                <a:spcPts val="0"/>
-              </a:spcAft>
-              <a:buClr>
-                <a:srgbClr val="000000"/>
-              </a:buClr>
-              <a:buSzPts val="1600"/>
-              <a:buFont typeface="Arial"/>
-              <a:buNone/>
-            </a:pPr>
-            <a:r>
-              <a:rPr b="0" i="0" lang="de" sz="1600" u="none" cap="none" strike="noStrike">
-                <a:solidFill>
-                  <a:schemeClr val="dk1"/>
-                </a:solidFill>
-                <a:latin typeface="Arial"/>
-                <a:ea typeface="Arial"/>
-                <a:cs typeface="Arial"/>
-                <a:sym typeface="Arial"/>
-              </a:rPr>
-              <a:t>Gute Texteditoren für den Anfang:</a:t>
-            </a:r>
-            <a:endParaRPr b="0" i="0" sz="1600" u="none" cap="none" strike="noStrike">
-              <a:solidFill>
-                <a:schemeClr val="dk1"/>
-              </a:solidFill>
-              <a:latin typeface="Arial"/>
-              <a:ea typeface="Arial"/>
-              <a:cs typeface="Arial"/>
-              <a:sym typeface="Arial"/>
-            </a:endParaRPr>
-          </a:p>
-          <a:p>
-            <a:pPr indent="-317500" lvl="0" marL="457200" marR="0" rtl="0" algn="l">
-              <a:lnSpc>
-                <a:spcPct val="100000"/>
-              </a:lnSpc>
-              <a:spcBef>
-                <a:spcPts val="320"/>
-              </a:spcBef>
-              <a:spcAft>
-                <a:spcPts val="0"/>
-              </a:spcAft>
-              <a:buClr>
-                <a:schemeClr val="dk1"/>
-              </a:buClr>
-              <a:buSzPts val="1400"/>
-              <a:buFont typeface="Arial"/>
-              <a:buChar char="●"/>
-            </a:pPr>
-            <a:r>
-              <a:rPr b="0" i="0" lang="de" sz="1600" u="none" cap="none" strike="noStrike">
-                <a:solidFill>
-                  <a:schemeClr val="dk1"/>
-                </a:solidFill>
-                <a:latin typeface="Arial"/>
-                <a:ea typeface="Arial"/>
-                <a:cs typeface="Arial"/>
-                <a:sym typeface="Arial"/>
-              </a:rPr>
-              <a:t>Sublime Text</a:t>
-            </a:r>
-            <a:endParaRPr b="0" i="0" sz="1600" u="none" cap="none" strike="noStrike">
-              <a:solidFill>
-                <a:schemeClr val="dk1"/>
-              </a:solidFill>
-              <a:latin typeface="Arial"/>
-              <a:ea typeface="Arial"/>
-              <a:cs typeface="Arial"/>
-              <a:sym typeface="Arial"/>
-            </a:endParaRPr>
-          </a:p>
-          <a:p>
-            <a:pPr indent="-317500" lvl="0" marL="457200" marR="0" rtl="0" algn="l">
-              <a:lnSpc>
-                <a:spcPct val="100000"/>
-              </a:lnSpc>
-              <a:spcBef>
-                <a:spcPts val="0"/>
-              </a:spcBef>
-              <a:spcAft>
-                <a:spcPts val="0"/>
-              </a:spcAft>
-              <a:buClr>
-                <a:schemeClr val="dk1"/>
-              </a:buClr>
-              <a:buSzPts val="1400"/>
-              <a:buFont typeface="Arial"/>
-              <a:buChar char="●"/>
-            </a:pPr>
-            <a:r>
-              <a:rPr b="0" i="0" lang="de" sz="1600" u="none" cap="none" strike="noStrike">
-                <a:solidFill>
-                  <a:schemeClr val="dk1"/>
-                </a:solidFill>
-                <a:latin typeface="Arial"/>
-                <a:ea typeface="Arial"/>
-                <a:cs typeface="Arial"/>
-                <a:sym typeface="Arial"/>
-              </a:rPr>
-              <a:t>Atom</a:t>
-            </a:r>
-            <a:endParaRPr b="0" i="0" sz="1600" u="none" cap="none" strike="noStrike">
-              <a:solidFill>
-                <a:schemeClr val="dk1"/>
-              </a:solidFill>
-              <a:latin typeface="Arial"/>
-              <a:ea typeface="Arial"/>
-              <a:cs typeface="Arial"/>
-              <a:sym typeface="Arial"/>
-            </a:endParaRPr>
-          </a:p>
-          <a:p>
-            <a:pPr indent="-317500" lvl="0" marL="457200" marR="0" rtl="0" algn="l">
-              <a:lnSpc>
-                <a:spcPct val="100000"/>
-              </a:lnSpc>
-              <a:spcBef>
-                <a:spcPts val="0"/>
-              </a:spcBef>
-              <a:spcAft>
-                <a:spcPts val="0"/>
-              </a:spcAft>
-              <a:buClr>
-                <a:schemeClr val="dk1"/>
-              </a:buClr>
-              <a:buSzPts val="1400"/>
-              <a:buFont typeface="Arial"/>
-              <a:buChar char="●"/>
-            </a:pPr>
-            <a:r>
-              <a:rPr b="0" i="0" lang="de" sz="1600" u="none" cap="none" strike="noStrike">
-                <a:solidFill>
-                  <a:schemeClr val="dk1"/>
-                </a:solidFill>
-                <a:latin typeface="Arial"/>
-                <a:ea typeface="Arial"/>
-                <a:cs typeface="Arial"/>
-                <a:sym typeface="Arial"/>
-              </a:rPr>
-              <a:t>Notepad++</a:t>
-            </a:r>
-            <a:endParaRPr b="0" i="0" sz="1600" u="none" cap="none" strike="noStrike">
-              <a:solidFill>
-                <a:schemeClr val="dk1"/>
-              </a:solidFill>
-              <a:latin typeface="Arial"/>
-              <a:ea typeface="Arial"/>
-              <a:cs typeface="Arial"/>
-              <a:sym typeface="Arial"/>
-            </a:endParaRPr>
-          </a:p>
-          <a:p>
-            <a:pPr indent="-317500" lvl="0" marL="457200" marR="0" rtl="0" algn="l">
-              <a:lnSpc>
-                <a:spcPct val="100000"/>
-              </a:lnSpc>
-              <a:spcBef>
-                <a:spcPts val="0"/>
-              </a:spcBef>
-              <a:spcAft>
-                <a:spcPts val="0"/>
-              </a:spcAft>
-              <a:buClr>
-                <a:schemeClr val="dk1"/>
-              </a:buClr>
-              <a:buSzPts val="1400"/>
-              <a:buFont typeface="Arial"/>
-              <a:buChar char="●"/>
-            </a:pPr>
-            <a:r>
-              <a:rPr b="0" i="0" lang="de" sz="1600" u="none" cap="none" strike="noStrike">
-                <a:solidFill>
-                  <a:schemeClr val="dk1"/>
-                </a:solidFill>
-                <a:latin typeface="Arial"/>
-                <a:ea typeface="Arial"/>
-                <a:cs typeface="Arial"/>
-                <a:sym typeface="Arial"/>
-              </a:rPr>
-              <a:t>gedit (Linux)</a:t>
-            </a:r>
-            <a:endParaRPr b="0" i="0" sz="1600" u="none" cap="none" strike="noStrike">
-              <a:solidFill>
-                <a:schemeClr val="dk1"/>
-              </a:solidFill>
-              <a:latin typeface="Arial"/>
-              <a:ea typeface="Arial"/>
-              <a:cs typeface="Arial"/>
-              <a:sym typeface="Arial"/>
-            </a:endParaRPr>
-          </a:p>
-          <a:p>
-            <a:pPr indent="-317500" lvl="0" marL="457200" marR="0" rtl="0" algn="l">
-              <a:lnSpc>
-                <a:spcPct val="100000"/>
-              </a:lnSpc>
-              <a:spcBef>
-                <a:spcPts val="0"/>
-              </a:spcBef>
-              <a:spcAft>
-                <a:spcPts val="0"/>
-              </a:spcAft>
-              <a:buClr>
-                <a:schemeClr val="dk1"/>
-              </a:buClr>
-              <a:buSzPts val="1400"/>
-              <a:buFont typeface="Arial"/>
-              <a:buChar char="●"/>
-            </a:pPr>
-            <a:r>
-              <a:rPr b="0" i="0" lang="de" sz="1600" u="none" cap="none" strike="noStrike">
-                <a:solidFill>
-                  <a:schemeClr val="dk1"/>
-                </a:solidFill>
-                <a:latin typeface="Arial"/>
-                <a:ea typeface="Arial"/>
-                <a:cs typeface="Arial"/>
-                <a:sym typeface="Arial"/>
-              </a:rPr>
-              <a:t>Editor (Windows)</a:t>
-            </a:r>
-            <a:endParaRPr b="0" i="0" sz="1600" u="none" cap="none" strike="noStrike">
-              <a:solidFill>
-                <a:schemeClr val="dk1"/>
-              </a:solidFill>
-              <a:latin typeface="Arial"/>
-              <a:ea typeface="Arial"/>
-              <a:cs typeface="Arial"/>
-              <a:sym typeface="Arial"/>
-            </a:endParaRPr>
-          </a:p>
-          <a:p>
-            <a:pPr indent="0" lvl="0" marL="457200" marR="0" rtl="0" algn="l">
-              <a:lnSpc>
-                <a:spcPct val="100000"/>
-              </a:lnSpc>
-              <a:spcBef>
-                <a:spcPts val="320"/>
-              </a:spcBef>
-              <a:spcAft>
-                <a:spcPts val="0"/>
-              </a:spcAft>
-              <a:buClr>
-                <a:srgbClr val="000000"/>
-              </a:buClr>
-              <a:buSzPts val="1600"/>
-              <a:buFont typeface="Arial"/>
-              <a:buNone/>
-            </a:pPr>
-            <a:r>
-              <a:t/>
-            </a:r>
-            <a:endParaRPr b="0" i="0" sz="1600" u="none" cap="none" strike="noStrike">
-              <a:solidFill>
-                <a:schemeClr val="dk1"/>
-              </a:solidFill>
-              <a:latin typeface="Arial"/>
-              <a:ea typeface="Arial"/>
-              <a:cs typeface="Arial"/>
-              <a:sym typeface="Arial"/>
-            </a:endParaRPr>
-          </a:p>
-          <a:p>
-            <a:pPr indent="0" lvl="0" marL="0" marR="0" rtl="0" algn="l">
-              <a:lnSpc>
-                <a:spcPct val="100000"/>
-              </a:lnSpc>
-              <a:spcBef>
-                <a:spcPts val="320"/>
-              </a:spcBef>
-              <a:spcAft>
-                <a:spcPts val="0"/>
-              </a:spcAft>
-              <a:buClr>
-                <a:srgbClr val="000000"/>
-              </a:buClr>
-              <a:buSzPts val="1600"/>
-              <a:buFont typeface="Arial"/>
-              <a:buNone/>
-            </a:pPr>
-            <a:r>
-              <a:t/>
-            </a:r>
-            <a:endParaRPr b="0" i="0" sz="1600" u="none" cap="none" strike="noStrike">
-              <a:solidFill>
-                <a:schemeClr val="dk1"/>
-              </a:solidFill>
-              <a:latin typeface="Arial"/>
-              <a:ea typeface="Arial"/>
-              <a:cs typeface="Arial"/>
-              <a:sym typeface="Arial"/>
-            </a:endParaRPr>
+            <a:pPr indent="0" lvl="0" marL="0" rtl="0" algn="l">
+              <a:spcBef>
+                <a:spcPts val="0"/>
+              </a:spcBef>
+              <a:spcAft>
+                <a:spcPts val="0"/>
+              </a:spcAft>
+              <a:buNone/>
+            </a:pPr>
+            <a:r>
+              <a:rPr lang="de" sz="600"/>
+              <a:t>SSH Schlüssel</a:t>
+            </a:r>
+            <a:endParaRPr sz="500"/>
+          </a:p>
+        </p:txBody>
+      </p:sp>
+      <p:sp>
+        <p:nvSpPr>
+          <p:cNvPr id="136" name="Google Shape;136;p23"/>
+          <p:cNvSpPr txBox="1"/>
+          <p:nvPr/>
+        </p:nvSpPr>
+        <p:spPr>
+          <a:xfrm>
+            <a:off x="4226400" y="3445475"/>
+            <a:ext cx="691200" cy="554100"/>
+          </a:xfrm>
+          <a:prstGeom prst="rect">
+            <a:avLst/>
+          </a:prstGeom>
+          <a:noFill/>
+          <a:ln>
+            <a:noFill/>
+          </a:ln>
+        </p:spPr>
+        <p:txBody>
+          <a:bodyPr anchorCtr="0" anchor="t" bIns="91425" lIns="91425" spcFirstLastPara="1" rIns="91425" wrap="square" tIns="91425">
+            <a:spAutoFit/>
+          </a:bodyPr>
+          <a:lstStyle/>
+          <a:p>
+            <a:pPr indent="0" lvl="0" marL="0" rtl="0" algn="l">
+              <a:spcBef>
+                <a:spcPts val="0"/>
+              </a:spcBef>
+              <a:spcAft>
+                <a:spcPts val="0"/>
+              </a:spcAft>
+              <a:buNone/>
+            </a:pPr>
+            <a:r>
+              <a:rPr lang="de" sz="600"/>
+              <a:t>Deinen öffentlichen Schlüssel einfügen</a:t>
+            </a:r>
+            <a:endParaRPr sz="500"/>
+          </a:p>
+        </p:txBody>
+      </p:sp>
+      <p:sp>
+        <p:nvSpPr>
+          <p:cNvPr id="137" name="Google Shape;137;p23"/>
+          <p:cNvSpPr txBox="1"/>
+          <p:nvPr/>
+        </p:nvSpPr>
+        <p:spPr>
+          <a:xfrm>
+            <a:off x="4372800" y="4067250"/>
+            <a:ext cx="691200" cy="369300"/>
+          </a:xfrm>
+          <a:prstGeom prst="rect">
+            <a:avLst/>
+          </a:prstGeom>
+          <a:noFill/>
+          <a:ln>
+            <a:noFill/>
+          </a:ln>
+        </p:spPr>
+        <p:txBody>
+          <a:bodyPr anchorCtr="0" anchor="t" bIns="91425" lIns="91425" spcFirstLastPara="1" rIns="91425" wrap="square" tIns="91425">
+            <a:spAutoFit/>
+          </a:bodyPr>
+          <a:lstStyle/>
+          <a:p>
+            <a:pPr indent="0" lvl="0" marL="0" rtl="0" algn="l">
+              <a:spcBef>
+                <a:spcPts val="0"/>
+              </a:spcBef>
+              <a:spcAft>
+                <a:spcPts val="0"/>
+              </a:spcAft>
+              <a:buNone/>
+            </a:pPr>
+            <a:r>
+              <a:rPr lang="de" sz="600"/>
+              <a:t>Schlüssel hinzufügen</a:t>
+            </a:r>
+            <a:endParaRPr sz="500"/>
           </a:p>
         </p:txBody>
       </p:sp>
@@ -13381,7 +14414,7 @@
   <p:cSld>
     <p:spTree>
       <p:nvGrpSpPr>
-        <p:cNvPr id="133" name="Shape 133"/>
+        <p:cNvPr id="141" name="Shape 141"/>
         <p:cNvGrpSpPr/>
         <p:nvPr/>
       </p:nvGrpSpPr>
@@ -13395,7 +14428,7 @@
       </p:grpSpPr>
       <p:sp>
         <p:nvSpPr>
-          <p:cNvPr id="134" name="Google Shape;134;p24"/>
+          <p:cNvPr id="142" name="Google Shape;142;p24"/>
           <p:cNvSpPr txBox="1"/>
           <p:nvPr>
             <p:ph type="title"/>
@@ -13409,10 +14442,6 @@
           <a:prstGeom prst="rect">
             <a:avLst/>
           </a:prstGeom>
-          <a:noFill/>
-          <a:ln>
-            <a:noFill/>
-          </a:ln>
         </p:spPr>
         <p:txBody>
           <a:bodyPr anchorCtr="0" anchor="b" bIns="0" lIns="0" spcFirstLastPara="1" rIns="0" wrap="square" tIns="0">
@@ -13421,21 +14450,17 @@
           <a:lstStyle/>
           <a:p>
             <a:pPr indent="0" lvl="0" marL="0" rtl="0" algn="l">
-              <a:lnSpc>
-                <a:spcPct val="100000"/>
-              </a:lnSpc>
-              <a:spcBef>
-                <a:spcPts val="0"/>
-              </a:spcBef>
-              <a:spcAft>
-                <a:spcPts val="0"/>
-              </a:spcAft>
-              <a:buSzPts val="1400"/>
+              <a:spcBef>
+                <a:spcPts val="0"/>
+              </a:spcBef>
+              <a:spcAft>
+                <a:spcPts val="0"/>
+              </a:spcAft>
               <a:buNone/>
             </a:pPr>
             <a:r>
               <a:rPr lang="de"/>
-              <a:t>2.1. Sprachkonzepte von Java</a:t>
+              <a:t>1.3.1 Repository klonen</a:t>
             </a:r>
             <a:endParaRPr/>
           </a:p>
@@ -13443,7 +14468,7 @@
       </p:sp>
       <p:sp>
         <p:nvSpPr>
-          <p:cNvPr id="135" name="Google Shape;135;p24"/>
+          <p:cNvPr id="143" name="Google Shape;143;p24"/>
           <p:cNvSpPr txBox="1"/>
           <p:nvPr>
             <p:ph idx="1" type="body"/>
@@ -13457,251 +14482,217 @@
           <a:prstGeom prst="rect">
             <a:avLst/>
           </a:prstGeom>
+        </p:spPr>
+        <p:txBody>
+          <a:bodyPr anchorCtr="0" anchor="t" bIns="0" lIns="0" spcFirstLastPara="1" rIns="0" wrap="square" tIns="0">
+            <a:noAutofit/>
+          </a:bodyPr>
+          <a:lstStyle/>
+          <a:p>
+            <a:pPr indent="0" lvl="0" marL="0" rtl="0" algn="l">
+              <a:spcBef>
+                <a:spcPts val="320"/>
+              </a:spcBef>
+              <a:spcAft>
+                <a:spcPts val="0"/>
+              </a:spcAft>
+              <a:buNone/>
+            </a:pPr>
+            <a:r>
+              <a:rPr lang="de"/>
+              <a:t>Danach kannst du das Repository mit SSH klonen:</a:t>
+            </a:r>
+            <a:endParaRPr/>
+          </a:p>
+        </p:txBody>
+      </p:sp>
+      <p:pic>
+        <p:nvPicPr>
+          <p:cNvPr id="144" name="Google Shape;144;p24"/>
+          <p:cNvPicPr preferRelativeResize="0"/>
+          <p:nvPr/>
+        </p:nvPicPr>
+        <p:blipFill>
+          <a:blip r:embed="rId3">
+            <a:alphaModFix/>
+          </a:blip>
+          <a:stretch>
+            <a:fillRect/>
+          </a:stretch>
+        </p:blipFill>
+        <p:spPr>
+          <a:xfrm>
+            <a:off x="431800" y="1305488"/>
+            <a:ext cx="3982024" cy="2654024"/>
+          </a:xfrm>
+          <a:prstGeom prst="rect">
+            <a:avLst/>
+          </a:prstGeom>
+          <a:noFill/>
+          <a:ln>
+            <a:noFill/>
+          </a:ln>
+        </p:spPr>
+      </p:pic>
+      <p:pic>
+        <p:nvPicPr>
+          <p:cNvPr id="145" name="Google Shape;145;p24"/>
+          <p:cNvPicPr preferRelativeResize="0"/>
+          <p:nvPr/>
+        </p:nvPicPr>
+        <p:blipFill>
+          <a:blip r:embed="rId4">
+            <a:alphaModFix/>
+          </a:blip>
+          <a:stretch>
+            <a:fillRect/>
+          </a:stretch>
+        </p:blipFill>
+        <p:spPr>
+          <a:xfrm>
+            <a:off x="2316175" y="4188873"/>
+            <a:ext cx="6023475" cy="170775"/>
+          </a:xfrm>
+          <a:prstGeom prst="rect">
+            <a:avLst/>
+          </a:prstGeom>
+          <a:noFill/>
+          <a:ln>
+            <a:noFill/>
+          </a:ln>
+        </p:spPr>
+      </p:pic>
+      <p:cxnSp>
+        <p:nvCxnSpPr>
+          <p:cNvPr id="146" name="Google Shape;146;p24"/>
+          <p:cNvCxnSpPr/>
+          <p:nvPr/>
+        </p:nvCxnSpPr>
+        <p:spPr>
+          <a:xfrm flipH="1">
+            <a:off x="4131100" y="2271375"/>
+            <a:ext cx="847800" cy="1094400"/>
+          </a:xfrm>
+          <a:prstGeom prst="straightConnector1">
+            <a:avLst/>
+          </a:prstGeom>
+          <a:noFill/>
+          <a:ln cap="flat" cmpd="sng" w="9525">
+            <a:solidFill>
+              <a:srgbClr val="FF0000"/>
+            </a:solidFill>
+            <a:prstDash val="solid"/>
+            <a:round/>
+            <a:headEnd len="med" w="med" type="none"/>
+            <a:tailEnd len="med" w="med" type="triangle"/>
+          </a:ln>
+        </p:spPr>
+      </p:cxnSp>
+      <p:cxnSp>
+        <p:nvCxnSpPr>
+          <p:cNvPr id="147" name="Google Shape;147;p24"/>
+          <p:cNvCxnSpPr/>
+          <p:nvPr/>
+        </p:nvCxnSpPr>
+        <p:spPr>
+          <a:xfrm flipH="1">
+            <a:off x="4032550" y="2098550"/>
+            <a:ext cx="765300" cy="633600"/>
+          </a:xfrm>
+          <a:prstGeom prst="straightConnector1">
+            <a:avLst/>
+          </a:prstGeom>
+          <a:noFill/>
+          <a:ln cap="flat" cmpd="sng" w="9525">
+            <a:solidFill>
+              <a:srgbClr val="FF0000"/>
+            </a:solidFill>
+            <a:prstDash val="solid"/>
+            <a:round/>
+            <a:headEnd len="med" w="med" type="none"/>
+            <a:tailEnd len="med" w="med" type="triangle"/>
+          </a:ln>
+        </p:spPr>
+      </p:cxnSp>
+      <p:sp>
+        <p:nvSpPr>
+          <p:cNvPr id="148" name="Google Shape;148;p24"/>
+          <p:cNvSpPr txBox="1"/>
+          <p:nvPr/>
+        </p:nvSpPr>
+        <p:spPr>
+          <a:xfrm>
+            <a:off x="4851850" y="1902075"/>
+            <a:ext cx="691200" cy="276900"/>
+          </a:xfrm>
+          <a:prstGeom prst="rect">
+            <a:avLst/>
+          </a:prstGeom>
           <a:noFill/>
           <a:ln>
             <a:noFill/>
           </a:ln>
         </p:spPr>
         <p:txBody>
-          <a:bodyPr anchorCtr="0" anchor="t" bIns="0" lIns="0" spcFirstLastPara="1" rIns="0" wrap="square" tIns="0">
-            <a:noAutofit/>
+          <a:bodyPr anchorCtr="0" anchor="t" bIns="91425" lIns="91425" spcFirstLastPara="1" rIns="91425" wrap="square" tIns="91425">
+            <a:spAutoFit/>
           </a:bodyPr>
           <a:lstStyle/>
           <a:p>
-            <a:pPr indent="-317500" lvl="0" marL="457200" rtl="0" algn="l">
-              <a:lnSpc>
-                <a:spcPct val="100000"/>
-              </a:lnSpc>
-              <a:spcBef>
-                <a:spcPts val="320"/>
-              </a:spcBef>
-              <a:spcAft>
-                <a:spcPts val="0"/>
-              </a:spcAft>
-              <a:buSzPts val="1400"/>
-              <a:buChar char="●"/>
-            </a:pPr>
-            <a:r>
-              <a:rPr b="1" lang="de"/>
-              <a:t>Objektorientiert</a:t>
-            </a:r>
-            <a:endParaRPr b="1"/>
-          </a:p>
-          <a:p>
-            <a:pPr indent="-342900" lvl="1" marL="914400" rtl="0" algn="l">
-              <a:lnSpc>
-                <a:spcPct val="100000"/>
-              </a:lnSpc>
-              <a:spcBef>
-                <a:spcPts val="0"/>
-              </a:spcBef>
-              <a:spcAft>
-                <a:spcPts val="0"/>
-              </a:spcAft>
-              <a:buSzPts val="1800"/>
-              <a:buChar char="-"/>
+            <a:pPr indent="0" lvl="0" marL="0" rtl="0" algn="l">
+              <a:spcBef>
+                <a:spcPts val="0"/>
+              </a:spcBef>
+              <a:spcAft>
+                <a:spcPts val="0"/>
+              </a:spcAft>
+              <a:buNone/>
+            </a:pPr>
+            <a:r>
+              <a:rPr lang="de" sz="600"/>
+              <a:t>Link kopieren</a:t>
+            </a:r>
+            <a:endParaRPr sz="500"/>
+          </a:p>
+        </p:txBody>
+      </p:sp>
+      <p:sp>
+        <p:nvSpPr>
+          <p:cNvPr id="149" name="Google Shape;149;p24"/>
+          <p:cNvSpPr txBox="1"/>
+          <p:nvPr/>
+        </p:nvSpPr>
+        <p:spPr>
+          <a:xfrm>
+            <a:off x="5085900" y="2814500"/>
+            <a:ext cx="3316500" cy="1262100"/>
+          </a:xfrm>
+          <a:prstGeom prst="rect">
+            <a:avLst/>
+          </a:prstGeom>
+          <a:noFill/>
+          <a:ln>
+            <a:noFill/>
+          </a:ln>
+        </p:spPr>
+        <p:txBody>
+          <a:bodyPr anchorCtr="0" anchor="t" bIns="91425" lIns="91425" spcFirstLastPara="1" rIns="91425" wrap="square" tIns="91425">
+            <a:spAutoFit/>
+          </a:bodyPr>
+          <a:lstStyle/>
+          <a:p>
+            <a:pPr indent="0" lvl="0" marL="0" rtl="0" algn="l">
+              <a:spcBef>
+                <a:spcPts val="0"/>
+              </a:spcBef>
+              <a:spcAft>
+                <a:spcPts val="0"/>
+              </a:spcAft>
+              <a:buNone/>
             </a:pPr>
             <a:r>
               <a:rPr lang="de"/>
-              <a:t>Für euch in den ersten zwei Wochen noch nicht so wichtig, aber hier ganz passend</a:t>
-            </a:r>
-            <a:endParaRPr/>
-          </a:p>
-          <a:p>
-            <a:pPr indent="-342900" lvl="1" marL="914400" rtl="0" algn="l">
-              <a:lnSpc>
-                <a:spcPct val="100000"/>
-              </a:lnSpc>
-              <a:spcBef>
-                <a:spcPts val="0"/>
-              </a:spcBef>
-              <a:spcAft>
-                <a:spcPts val="0"/>
-              </a:spcAft>
-              <a:buSzPts val="1800"/>
-              <a:buChar char="-"/>
-            </a:pPr>
-            <a:r>
-              <a:rPr lang="de"/>
-              <a:t>In Java ist (nahezu) </a:t>
-            </a:r>
-            <a:r>
-              <a:rPr b="1" lang="de"/>
-              <a:t>alles ein Objekt.</a:t>
-            </a:r>
-            <a:endParaRPr b="1"/>
-          </a:p>
-          <a:p>
-            <a:pPr indent="-342900" lvl="1" marL="914400" rtl="0" algn="l">
-              <a:lnSpc>
-                <a:spcPct val="100000"/>
-              </a:lnSpc>
-              <a:spcBef>
-                <a:spcPts val="0"/>
-              </a:spcBef>
-              <a:spcAft>
-                <a:spcPts val="0"/>
-              </a:spcAft>
-              <a:buSzPts val="1800"/>
-              <a:buChar char="-"/>
-            </a:pPr>
-            <a:r>
-              <a:rPr lang="de"/>
-              <a:t>Ein Klasse ist ein Datentyp, welcher bestimmte Attribute und Verhalten kapselt</a:t>
-            </a:r>
-            <a:endParaRPr/>
-          </a:p>
-          <a:p>
-            <a:pPr indent="-342900" lvl="1" marL="914400" rtl="0" algn="l">
-              <a:lnSpc>
-                <a:spcPct val="100000"/>
-              </a:lnSpc>
-              <a:spcBef>
-                <a:spcPts val="0"/>
-              </a:spcBef>
-              <a:spcAft>
-                <a:spcPts val="0"/>
-              </a:spcAft>
-              <a:buSzPts val="1800"/>
-              <a:buChar char="-"/>
-            </a:pPr>
-            <a:r>
-              <a:rPr lang="de"/>
-              <a:t>Eine Instanz einer Klasse nennt sich Objekt </a:t>
-            </a:r>
-            <a:endParaRPr/>
-          </a:p>
-          <a:p>
-            <a:pPr indent="-342900" lvl="2" marL="1371600" rtl="0" algn="l">
-              <a:lnSpc>
-                <a:spcPct val="100000"/>
-              </a:lnSpc>
-              <a:spcBef>
-                <a:spcPts val="0"/>
-              </a:spcBef>
-              <a:spcAft>
-                <a:spcPts val="0"/>
-              </a:spcAft>
-              <a:buSzPts val="1800"/>
-              <a:buChar char="■"/>
-            </a:pPr>
-            <a:r>
-              <a:rPr lang="de"/>
-              <a:t>Klasse: Person, Objekt/Instanz: Die Person David Gemen</a:t>
-            </a:r>
-            <a:endParaRPr/>
-          </a:p>
-          <a:p>
-            <a:pPr indent="-342900" lvl="1" marL="914400" rtl="0" algn="l">
-              <a:lnSpc>
-                <a:spcPct val="100000"/>
-              </a:lnSpc>
-              <a:spcBef>
-                <a:spcPts val="0"/>
-              </a:spcBef>
-              <a:spcAft>
-                <a:spcPts val="0"/>
-              </a:spcAft>
-              <a:buSzPts val="1800"/>
-              <a:buChar char="-"/>
-            </a:pPr>
-            <a:r>
-              <a:rPr lang="de"/>
-              <a:t>Komplexere Java-Programme sind ein Zusammenspiel kooperierender Objekte</a:t>
-            </a:r>
-            <a:endParaRPr/>
-          </a:p>
-          <a:p>
-            <a:pPr indent="0" lvl="0" marL="914400" rtl="0" algn="l">
-              <a:lnSpc>
-                <a:spcPct val="100000"/>
-              </a:lnSpc>
-              <a:spcBef>
-                <a:spcPts val="320"/>
-              </a:spcBef>
-              <a:spcAft>
-                <a:spcPts val="0"/>
-              </a:spcAft>
-              <a:buSzPts val="1400"/>
-              <a:buNone/>
-            </a:pPr>
-            <a:r>
-              <a:t/>
-            </a:r>
-            <a:endParaRPr/>
-          </a:p>
-          <a:p>
-            <a:pPr indent="-317500" lvl="0" marL="457200" rtl="0" algn="l">
-              <a:lnSpc>
-                <a:spcPct val="100000"/>
-              </a:lnSpc>
-              <a:spcBef>
-                <a:spcPts val="320"/>
-              </a:spcBef>
-              <a:spcAft>
-                <a:spcPts val="0"/>
-              </a:spcAft>
-              <a:buSzPts val="1400"/>
-              <a:buChar char="●"/>
-            </a:pPr>
-            <a:r>
-              <a:rPr b="1" lang="de"/>
-              <a:t>Imperativ</a:t>
-            </a:r>
-            <a:endParaRPr b="1"/>
-          </a:p>
-          <a:p>
-            <a:pPr indent="-342900" lvl="1" marL="914400" rtl="0" algn="l">
-              <a:lnSpc>
-                <a:spcPct val="100000"/>
-              </a:lnSpc>
-              <a:spcBef>
-                <a:spcPts val="0"/>
-              </a:spcBef>
-              <a:spcAft>
-                <a:spcPts val="0"/>
-              </a:spcAft>
-              <a:buSzPts val="1800"/>
-              <a:buChar char="-"/>
-            </a:pPr>
-            <a:r>
-              <a:rPr lang="de"/>
-              <a:t>Java-Programmcode ist eine Reihe von Anweisungen an den Computer, die dieser in </a:t>
-            </a:r>
-            <a:r>
-              <a:rPr b="1" lang="de"/>
-              <a:t>vorgegebener Reihenfolge</a:t>
-            </a:r>
-            <a:r>
-              <a:rPr lang="de"/>
-              <a:t> (</a:t>
-            </a:r>
-            <a:r>
-              <a:rPr b="1" lang="de"/>
-              <a:t>von oben nach unten</a:t>
-            </a:r>
-            <a:r>
-              <a:rPr lang="de"/>
-              <a:t>, ggf. mit expliziten Sprüngen) ausführt.</a:t>
-            </a:r>
-            <a:endParaRPr/>
-          </a:p>
-          <a:p>
-            <a:pPr indent="0" lvl="0" marL="914400" rtl="0" algn="l">
-              <a:lnSpc>
-                <a:spcPct val="100000"/>
-              </a:lnSpc>
-              <a:spcBef>
-                <a:spcPts val="320"/>
-              </a:spcBef>
-              <a:spcAft>
-                <a:spcPts val="0"/>
-              </a:spcAft>
-              <a:buSzPts val="1400"/>
-              <a:buNone/>
-            </a:pPr>
-            <a:r>
-              <a:t/>
+              <a:t>Danach kannst du das Repository mit “git clone &lt;link&gt;” klonen. Mit “git pull” innerhalb des Verzeichnisses kannst du dir die Updates vom Remote Repository herunterladen.</a:t>
             </a:r>
             <a:endParaRPr/>
           </a:p>
@@ -13716,6 +14707,285 @@
 </file>
 
 <file path=ppt/theme/theme1.xml><?xml version="1.0" encoding="utf-8"?>
+<a:theme xmlns:a="http://schemas.openxmlformats.org/drawingml/2006/main" xmlns:r="http://schemas.openxmlformats.org/officeDocument/2006/relationships" name="TUBraunschweig_PPT2007_Folienpool_pptx">
+  <a:themeElements>
+    <a:clrScheme name="TU Braunschweig">
+      <a:dk1>
+        <a:srgbClr val="000000"/>
+      </a:dk1>
+      <a:lt1>
+        <a:srgbClr val="FFFFFF"/>
+      </a:lt1>
+      <a:dk2>
+        <a:srgbClr val="000000"/>
+      </a:dk2>
+      <a:lt2>
+        <a:srgbClr val="DDDDDD"/>
+      </a:lt2>
+      <a:accent1>
+        <a:srgbClr val="BE1E3C"/>
+      </a:accent1>
+      <a:accent2>
+        <a:srgbClr val="4DA6CB"/>
+      </a:accent2>
+      <a:accent3>
+        <a:srgbClr val="ADBF4D"/>
+      </a:accent3>
+      <a:accent4>
+        <a:srgbClr val="FA6E00"/>
+      </a:accent4>
+      <a:accent5>
+        <a:srgbClr val="407E97"/>
+      </a:accent5>
+      <a:accent6>
+        <a:srgbClr val="984098"/>
+      </a:accent6>
+      <a:hlink>
+        <a:srgbClr val="BE1E3C"/>
+      </a:hlink>
+      <a:folHlink>
+        <a:srgbClr val="760054"/>
+      </a:folHlink>
+    </a:clrScheme>
+    <a:fontScheme name="Office">
+      <a:majorFont>
+        <a:latin typeface="Arial"/>
+        <a:ea typeface=""/>
+        <a:cs typeface=""/>
+        <a:font script="Jpan" typeface="ＭＳ Ｐゴシック"/>
+        <a:font script="Hang" typeface="맑은 고딕"/>
+        <a:font script="Hans" typeface="宋体"/>
+        <a:font script="Hant" typeface="新細明體"/>
+        <a:font script="Arab" typeface="Times New Roman"/>
+        <a:font script="Hebr" typeface="Times New Roman"/>
+        <a:font script="Thai" typeface="Angsana New"/>
+        <a:font script="Ethi" typeface="Nyala"/>
+        <a:font script="Beng" typeface="Vrinda"/>
+        <a:font script="Gujr" typeface="Shruti"/>
+        <a:font script="Khmr" typeface="MoolBoran"/>
+        <a:font script="Knda" typeface="Tunga"/>
+        <a:font script="Guru" typeface="Raavi"/>
+        <a:font script="Cans" typeface="Euphemia"/>
+        <a:font script="Cher" typeface="Plantagenet Cherokee"/>
+        <a:font script="Yiii" typeface="Microsoft Yi Baiti"/>
+        <a:font script="Tibt" typeface="Microsoft Himalaya"/>
+        <a:font script="Thaa" typeface="MV Boli"/>
+        <a:font script="Deva" typeface="Mangal"/>
+        <a:font script="Telu" typeface="Gautami"/>
+        <a:font script="Taml" typeface="Latha"/>
+        <a:font script="Syrc" typeface="Estrangelo Edessa"/>
+        <a:font script="Orya" typeface="Kalinga"/>
+        <a:font script="Mlym" typeface="Kartika"/>
+        <a:font script="Laoo" typeface="DokChampa"/>
+        <a:font script="Sinh" typeface="Iskoola Pota"/>
+        <a:font script="Mong" typeface="Mongolian Baiti"/>
+        <a:font script="Viet" typeface="Times New Roman"/>
+        <a:font script="Uigh" typeface="Microsoft Uighur"/>
+        <a:font script="Geor" typeface="Sylfaen"/>
+      </a:majorFont>
+      <a:minorFont>
+        <a:latin typeface="Arial"/>
+        <a:ea typeface=""/>
+        <a:cs typeface=""/>
+        <a:font script="Jpan" typeface="ＭＳ Ｐゴシック"/>
+        <a:font script="Hang" typeface="맑은 고딕"/>
+        <a:font script="Hans" typeface="宋体"/>
+        <a:font script="Hant" typeface="新細明體"/>
+        <a:font script="Arab" typeface="Arial"/>
+        <a:font script="Hebr" typeface="Arial"/>
+        <a:font script="Thai" typeface="Cordia New"/>
+        <a:font script="Ethi" typeface="Nyala"/>
+        <a:font script="Beng" typeface="Vrinda"/>
+        <a:font script="Gujr" typeface="Shruti"/>
+        <a:font script="Khmr" typeface="DaunPenh"/>
+        <a:font script="Knda" typeface="Tunga"/>
+        <a:font script="Guru" typeface="Raavi"/>
+        <a:font script="Cans" typeface="Euphemia"/>
+        <a:font script="Cher" typeface="Plantagenet Cherokee"/>
+        <a:font script="Yiii" typeface="Microsoft Yi Baiti"/>
+        <a:font script="Tibt" typeface="Microsoft Himalaya"/>
+        <a:font script="Thaa" typeface="MV Boli"/>
+        <a:font script="Deva" typeface="Mangal"/>
+        <a:font script="Telu" typeface="Gautami"/>
+        <a:font script="Taml" typeface="Latha"/>
+        <a:font script="Syrc" typeface="Estrangelo Edessa"/>
+        <a:font script="Orya" typeface="Kalinga"/>
+        <a:font script="Mlym" typeface="Kartika"/>
+        <a:font script="Laoo" typeface="DokChampa"/>
+        <a:font script="Sinh" typeface="Iskoola Pota"/>
+        <a:font script="Mong" typeface="Mongolian Baiti"/>
+        <a:font script="Viet" typeface="Arial"/>
+        <a:font script="Uigh" typeface="Microsoft Uighur"/>
+        <a:font script="Geor" typeface="Sylfaen"/>
+      </a:minorFont>
+    </a:fontScheme>
+    <a:fmtScheme name="Office">
+      <a:fillStyleLst>
+        <a:solidFill>
+          <a:schemeClr val="phClr"/>
+        </a:solidFill>
+        <a:gradFill rotWithShape="1">
+          <a:gsLst>
+            <a:gs pos="0">
+              <a:schemeClr val="phClr">
+                <a:tint val="50000"/>
+                <a:satMod val="300000"/>
+              </a:schemeClr>
+            </a:gs>
+            <a:gs pos="35000">
+              <a:schemeClr val="phClr">
+                <a:tint val="37000"/>
+                <a:satMod val="300000"/>
+              </a:schemeClr>
+            </a:gs>
+            <a:gs pos="100000">
+              <a:schemeClr val="phClr">
+                <a:tint val="15000"/>
+                <a:satMod val="350000"/>
+              </a:schemeClr>
+            </a:gs>
+          </a:gsLst>
+          <a:lin ang="16200000" scaled="1"/>
+        </a:gradFill>
+        <a:gradFill rotWithShape="1">
+          <a:gsLst>
+            <a:gs pos="0">
+              <a:schemeClr val="phClr">
+                <a:tint val="100000"/>
+                <a:shade val="100000"/>
+                <a:satMod val="130000"/>
+              </a:schemeClr>
+            </a:gs>
+            <a:gs pos="100000">
+              <a:schemeClr val="phClr">
+                <a:tint val="50000"/>
+                <a:shade val="100000"/>
+                <a:satMod val="350000"/>
+              </a:schemeClr>
+            </a:gs>
+          </a:gsLst>
+          <a:lin ang="16200000" scaled="0"/>
+        </a:gradFill>
+      </a:fillStyleLst>
+      <a:lnStyleLst>
+        <a:ln w="9525" cap="flat" cmpd="sng" algn="ctr">
+          <a:solidFill>
+            <a:schemeClr val="phClr">
+              <a:shade val="95000"/>
+              <a:satMod val="105000"/>
+            </a:schemeClr>
+          </a:solidFill>
+          <a:prstDash val="solid"/>
+        </a:ln>
+        <a:ln w="25400" cap="flat" cmpd="sng" algn="ctr">
+          <a:solidFill>
+            <a:schemeClr val="phClr"/>
+          </a:solidFill>
+          <a:prstDash val="solid"/>
+        </a:ln>
+        <a:ln w="38100" cap="flat" cmpd="sng" algn="ctr">
+          <a:solidFill>
+            <a:schemeClr val="phClr"/>
+          </a:solidFill>
+          <a:prstDash val="solid"/>
+        </a:ln>
+      </a:lnStyleLst>
+      <a:effectStyleLst>
+        <a:effectStyle>
+          <a:effectLst>
+            <a:outerShdw blurRad="40000" dist="20000" dir="5400000" rotWithShape="0">
+              <a:srgbClr val="000000">
+                <a:alpha val="38000"/>
+              </a:srgbClr>
+            </a:outerShdw>
+          </a:effectLst>
+        </a:effectStyle>
+        <a:effectStyle>
+          <a:effectLst>
+            <a:outerShdw blurRad="40000" dist="23000" dir="5400000" rotWithShape="0">
+              <a:srgbClr val="000000">
+                <a:alpha val="35000"/>
+              </a:srgbClr>
+            </a:outerShdw>
+          </a:effectLst>
+        </a:effectStyle>
+        <a:effectStyle>
+          <a:effectLst>
+            <a:outerShdw blurRad="40000" dist="23000" dir="5400000" rotWithShape="0">
+              <a:srgbClr val="000000">
+                <a:alpha val="35000"/>
+              </a:srgbClr>
+            </a:outerShdw>
+          </a:effectLst>
+          <a:scene3d>
+            <a:camera prst="orthographicFront">
+              <a:rot lat="0" lon="0" rev="0"/>
+            </a:camera>
+            <a:lightRig rig="threePt" dir="t">
+              <a:rot lat="0" lon="0" rev="1200000"/>
+            </a:lightRig>
+          </a:scene3d>
+          <a:sp3d>
+            <a:bevelT w="63500" h="25400"/>
+          </a:sp3d>
+        </a:effectStyle>
+      </a:effectStyleLst>
+      <a:bgFillStyleLst>
+        <a:solidFill>
+          <a:schemeClr val="phClr"/>
+        </a:solidFill>
+        <a:gradFill rotWithShape="1">
+          <a:gsLst>
+            <a:gs pos="0">
+              <a:schemeClr val="phClr">
+                <a:tint val="40000"/>
+                <a:satMod val="350000"/>
+              </a:schemeClr>
+            </a:gs>
+            <a:gs pos="40000">
+              <a:schemeClr val="phClr">
+                <a:tint val="45000"/>
+                <a:shade val="99000"/>
+                <a:satMod val="350000"/>
+              </a:schemeClr>
+            </a:gs>
+            <a:gs pos="100000">
+              <a:schemeClr val="phClr">
+                <a:shade val="20000"/>
+                <a:satMod val="255000"/>
+              </a:schemeClr>
+            </a:gs>
+          </a:gsLst>
+          <a:path path="circle">
+            <a:fillToRect l="50000" t="-80000" r="50000" b="180000"/>
+          </a:path>
+        </a:gradFill>
+        <a:gradFill rotWithShape="1">
+          <a:gsLst>
+            <a:gs pos="0">
+              <a:schemeClr val="phClr">
+                <a:tint val="80000"/>
+                <a:satMod val="300000"/>
+              </a:schemeClr>
+            </a:gs>
+            <a:gs pos="100000">
+              <a:schemeClr val="phClr">
+                <a:shade val="30000"/>
+                <a:satMod val="200000"/>
+              </a:schemeClr>
+            </a:gs>
+          </a:gsLst>
+          <a:path path="circle">
+            <a:fillToRect l="50000" t="50000" r="50000" b="50000"/>
+          </a:path>
+        </a:gradFill>
+      </a:bgFillStyleLst>
+    </a:fmtScheme>
+  </a:themeElements>
+</a:theme>
+</file>
+
+<file path=ppt/theme/theme2.xml><?xml version="1.0" encoding="utf-8"?>
 <a:theme xmlns:a="http://schemas.openxmlformats.org/drawingml/2006/main" xmlns:r="http://schemas.openxmlformats.org/officeDocument/2006/relationships">
   <a:themeElements>
     <a:clrScheme name="Default">
@@ -13992,283 +15262,4 @@
     </a:fmtScheme>
   </a:themeElements>
 </a:theme>
-</file>
-
-<file path=ppt/theme/theme2.xml><?xml version="1.0" encoding="utf-8"?>
-<a:theme xmlns:a="http://schemas.openxmlformats.org/drawingml/2006/main" xmlns:r="http://schemas.openxmlformats.org/officeDocument/2006/relationships" name="TUBraunschweig_PPT2007_Folienpool_pptx">
-  <a:themeElements>
-    <a:clrScheme name="TU Braunschweig">
-      <a:dk1>
-        <a:srgbClr val="000000"/>
-      </a:dk1>
-      <a:lt1>
-        <a:srgbClr val="FFFFFF"/>
-      </a:lt1>
-      <a:dk2>
-        <a:srgbClr val="000000"/>
-      </a:dk2>
-      <a:lt2>
-        <a:srgbClr val="DDDDDD"/>
-      </a:lt2>
-      <a:accent1>
-        <a:srgbClr val="BE1E3C"/>
-      </a:accent1>
-      <a:accent2>
-        <a:srgbClr val="4DA6CB"/>
-      </a:accent2>
-      <a:accent3>
-        <a:srgbClr val="ADBF4D"/>
-      </a:accent3>
-      <a:accent4>
-        <a:srgbClr val="FA6E00"/>
-      </a:accent4>
-      <a:accent5>
-        <a:srgbClr val="407E97"/>
-      </a:accent5>
-      <a:accent6>
-        <a:srgbClr val="984098"/>
-      </a:accent6>
-      <a:hlink>
-        <a:srgbClr val="BE1E3C"/>
-      </a:hlink>
-      <a:folHlink>
-        <a:srgbClr val="760054"/>
-      </a:folHlink>
-    </a:clrScheme>
-    <a:fontScheme name="Office">
-      <a:majorFont>
-        <a:latin typeface="Arial"/>
-        <a:ea typeface=""/>
-        <a:cs typeface=""/>
-        <a:font script="Jpan" typeface="ＭＳ Ｐゴシック"/>
-        <a:font script="Hang" typeface="맑은 고딕"/>
-        <a:font script="Hans" typeface="宋体"/>
-        <a:font script="Hant" typeface="新細明體"/>
-        <a:font script="Arab" typeface="Times New Roman"/>
-        <a:font script="Hebr" typeface="Times New Roman"/>
-        <a:font script="Thai" typeface="Angsana New"/>
-        <a:font script="Ethi" typeface="Nyala"/>
-        <a:font script="Beng" typeface="Vrinda"/>
-        <a:font script="Gujr" typeface="Shruti"/>
-        <a:font script="Khmr" typeface="MoolBoran"/>
-        <a:font script="Knda" typeface="Tunga"/>
-        <a:font script="Guru" typeface="Raavi"/>
-        <a:font script="Cans" typeface="Euphemia"/>
-        <a:font script="Cher" typeface="Plantagenet Cherokee"/>
-        <a:font script="Yiii" typeface="Microsoft Yi Baiti"/>
-        <a:font script="Tibt" typeface="Microsoft Himalaya"/>
-        <a:font script="Thaa" typeface="MV Boli"/>
-        <a:font script="Deva" typeface="Mangal"/>
-        <a:font script="Telu" typeface="Gautami"/>
-        <a:font script="Taml" typeface="Latha"/>
-        <a:font script="Syrc" typeface="Estrangelo Edessa"/>
-        <a:font script="Orya" typeface="Kalinga"/>
-        <a:font script="Mlym" typeface="Kartika"/>
-        <a:font script="Laoo" typeface="DokChampa"/>
-        <a:font script="Sinh" typeface="Iskoola Pota"/>
-        <a:font script="Mong" typeface="Mongolian Baiti"/>
-        <a:font script="Viet" typeface="Times New Roman"/>
-        <a:font script="Uigh" typeface="Microsoft Uighur"/>
-        <a:font script="Geor" typeface="Sylfaen"/>
-      </a:majorFont>
-      <a:minorFont>
-        <a:latin typeface="Arial"/>
-        <a:ea typeface=""/>
-        <a:cs typeface=""/>
-        <a:font script="Jpan" typeface="ＭＳ Ｐゴシック"/>
-        <a:font script="Hang" typeface="맑은 고딕"/>
-        <a:font script="Hans" typeface="宋体"/>
-        <a:font script="Hant" typeface="新細明體"/>
-        <a:font script="Arab" typeface="Arial"/>
-        <a:font script="Hebr" typeface="Arial"/>
-        <a:font script="Thai" typeface="Cordia New"/>
-        <a:font script="Ethi" typeface="Nyala"/>
-        <a:font script="Beng" typeface="Vrinda"/>
-        <a:font script="Gujr" typeface="Shruti"/>
-        <a:font script="Khmr" typeface="DaunPenh"/>
-        <a:font script="Knda" typeface="Tunga"/>
-        <a:font script="Guru" typeface="Raavi"/>
-        <a:font script="Cans" typeface="Euphemia"/>
-        <a:font script="Cher" typeface="Plantagenet Cherokee"/>
-        <a:font script="Yiii" typeface="Microsoft Yi Baiti"/>
-        <a:font script="Tibt" typeface="Microsoft Himalaya"/>
-        <a:font script="Thaa" typeface="MV Boli"/>
-        <a:font script="Deva" typeface="Mangal"/>
-        <a:font script="Telu" typeface="Gautami"/>
-        <a:font script="Taml" typeface="Latha"/>
-        <a:font script="Syrc" typeface="Estrangelo Edessa"/>
-        <a:font script="Orya" typeface="Kalinga"/>
-        <a:font script="Mlym" typeface="Kartika"/>
-        <a:font script="Laoo" typeface="DokChampa"/>
-        <a:font script="Sinh" typeface="Iskoola Pota"/>
-        <a:font script="Mong" typeface="Mongolian Baiti"/>
-        <a:font script="Viet" typeface="Arial"/>
-        <a:font script="Uigh" typeface="Microsoft Uighur"/>
-        <a:font script="Geor" typeface="Sylfaen"/>
-      </a:minorFont>
-    </a:fontScheme>
-    <a:fmtScheme name="Office">
-      <a:fillStyleLst>
-        <a:solidFill>
-          <a:schemeClr val="phClr"/>
-        </a:solidFill>
-        <a:gradFill rotWithShape="1">
-          <a:gsLst>
-            <a:gs pos="0">
-              <a:schemeClr val="phClr">
-                <a:tint val="50000"/>
-                <a:satMod val="300000"/>
-              </a:schemeClr>
-            </a:gs>
-            <a:gs pos="35000">
-              <a:schemeClr val="phClr">
-                <a:tint val="37000"/>
-                <a:satMod val="300000"/>
-              </a:schemeClr>
-            </a:gs>
-            <a:gs pos="100000">
-              <a:schemeClr val="phClr">
-                <a:tint val="15000"/>
-                <a:satMod val="350000"/>
-              </a:schemeClr>
-            </a:gs>
-          </a:gsLst>
-          <a:lin ang="16200000" scaled="1"/>
-        </a:gradFill>
-        <a:gradFill rotWithShape="1">
-          <a:gsLst>
-            <a:gs pos="0">
-              <a:schemeClr val="phClr">
-                <a:tint val="100000"/>
-                <a:shade val="100000"/>
-                <a:satMod val="130000"/>
-              </a:schemeClr>
-            </a:gs>
-            <a:gs pos="100000">
-              <a:schemeClr val="phClr">
-                <a:tint val="50000"/>
-                <a:shade val="100000"/>
-                <a:satMod val="350000"/>
-              </a:schemeClr>
-            </a:gs>
-          </a:gsLst>
-          <a:lin ang="16200000" scaled="0"/>
-        </a:gradFill>
-      </a:fillStyleLst>
-      <a:lnStyleLst>
-        <a:ln w="9525" cap="flat" cmpd="sng" algn="ctr">
-          <a:solidFill>
-            <a:schemeClr val="phClr">
-              <a:shade val="95000"/>
-              <a:satMod val="105000"/>
-            </a:schemeClr>
-          </a:solidFill>
-          <a:prstDash val="solid"/>
-        </a:ln>
-        <a:ln w="25400" cap="flat" cmpd="sng" algn="ctr">
-          <a:solidFill>
-            <a:schemeClr val="phClr"/>
-          </a:solidFill>
-          <a:prstDash val="solid"/>
-        </a:ln>
-        <a:ln w="38100" cap="flat" cmpd="sng" algn="ctr">
-          <a:solidFill>
-            <a:schemeClr val="phClr"/>
-          </a:solidFill>
-          <a:prstDash val="solid"/>
-        </a:ln>
-      </a:lnStyleLst>
-      <a:effectStyleLst>
-        <a:effectStyle>
-          <a:effectLst>
-            <a:outerShdw blurRad="40000" dist="20000" dir="5400000" rotWithShape="0">
-              <a:srgbClr val="000000">
-                <a:alpha val="38000"/>
-              </a:srgbClr>
-            </a:outerShdw>
-          </a:effectLst>
-        </a:effectStyle>
-        <a:effectStyle>
-          <a:effectLst>
-            <a:outerShdw blurRad="40000" dist="23000" dir="5400000" rotWithShape="0">
-              <a:srgbClr val="000000">
-                <a:alpha val="35000"/>
-              </a:srgbClr>
-            </a:outerShdw>
-          </a:effectLst>
-        </a:effectStyle>
-        <a:effectStyle>
-          <a:effectLst>
-            <a:outerShdw blurRad="40000" dist="23000" dir="5400000" rotWithShape="0">
-              <a:srgbClr val="000000">
-                <a:alpha val="35000"/>
-              </a:srgbClr>
-            </a:outerShdw>
-          </a:effectLst>
-          <a:scene3d>
-            <a:camera prst="orthographicFront">
-              <a:rot lat="0" lon="0" rev="0"/>
-            </a:camera>
-            <a:lightRig rig="threePt" dir="t">
-              <a:rot lat="0" lon="0" rev="1200000"/>
-            </a:lightRig>
-          </a:scene3d>
-          <a:sp3d>
-            <a:bevelT w="63500" h="25400"/>
-          </a:sp3d>
-        </a:effectStyle>
-      </a:effectStyleLst>
-      <a:bgFillStyleLst>
-        <a:solidFill>
-          <a:schemeClr val="phClr"/>
-        </a:solidFill>
-        <a:gradFill rotWithShape="1">
-          <a:gsLst>
-            <a:gs pos="0">
-              <a:schemeClr val="phClr">
-                <a:tint val="40000"/>
-                <a:satMod val="350000"/>
-              </a:schemeClr>
-            </a:gs>
-            <a:gs pos="40000">
-              <a:schemeClr val="phClr">
-                <a:tint val="45000"/>
-                <a:shade val="99000"/>
-                <a:satMod val="350000"/>
-              </a:schemeClr>
-            </a:gs>
-            <a:gs pos="100000">
-              <a:schemeClr val="phClr">
-                <a:shade val="20000"/>
-                <a:satMod val="255000"/>
-              </a:schemeClr>
-            </a:gs>
-          </a:gsLst>
-          <a:path path="circle">
-            <a:fillToRect l="50000" t="-80000" r="50000" b="180000"/>
-          </a:path>
-        </a:gradFill>
-        <a:gradFill rotWithShape="1">
-          <a:gsLst>
-            <a:gs pos="0">
-              <a:schemeClr val="phClr">
-                <a:tint val="80000"/>
-                <a:satMod val="300000"/>
-              </a:schemeClr>
-            </a:gs>
-            <a:gs pos="100000">
-              <a:schemeClr val="phClr">
-                <a:shade val="30000"/>
-                <a:satMod val="200000"/>
-              </a:schemeClr>
-            </a:gs>
-          </a:gsLst>
-          <a:path path="circle">
-            <a:fillToRect l="50000" t="50000" r="50000" b="50000"/>
-          </a:path>
-        </a:gradFill>
-      </a:bgFillStyleLst>
-    </a:fmtScheme>
-  </a:themeElements>
-</a:theme>
 </file>
--- a/slides/00_installation_introduction.pptx
+++ b/slides/00_installation_introduction.pptx
@@ -12986,7 +12986,7 @@
             </a:pPr>
             <a:r>
               <a:rPr lang="de"/>
-              <a:t>notwendig zum Entwickeln von Java Programmen, enthält u.A. dem Compiler und Bibliotheken</a:t>
+              <a:t>notwendig zum Entwickeln von Java Programmen, enthält u.A. den Compiler und Bibliotheken</a:t>
             </a:r>
             <a:endParaRPr/>
           </a:p>
@@ -14707,6 +14707,285 @@
 </file>
 
 <file path=ppt/theme/theme1.xml><?xml version="1.0" encoding="utf-8"?>
+<a:theme xmlns:a="http://schemas.openxmlformats.org/drawingml/2006/main" xmlns:r="http://schemas.openxmlformats.org/officeDocument/2006/relationships">
+  <a:themeElements>
+    <a:clrScheme name="Default">
+      <a:dk1>
+        <a:srgbClr val="000000"/>
+      </a:dk1>
+      <a:lt1>
+        <a:srgbClr val="FFFFFF"/>
+      </a:lt1>
+      <a:dk2>
+        <a:srgbClr val="158158"/>
+      </a:dk2>
+      <a:lt2>
+        <a:srgbClr val="F3F3F3"/>
+      </a:lt2>
+      <a:accent1>
+        <a:srgbClr val="058DC7"/>
+      </a:accent1>
+      <a:accent2>
+        <a:srgbClr val="50B432"/>
+      </a:accent2>
+      <a:accent3>
+        <a:srgbClr val="ED561B"/>
+      </a:accent3>
+      <a:accent4>
+        <a:srgbClr val="EDEF00"/>
+      </a:accent4>
+      <a:accent5>
+        <a:srgbClr val="24CBE5"/>
+      </a:accent5>
+      <a:accent6>
+        <a:srgbClr val="64E572"/>
+      </a:accent6>
+      <a:hlink>
+        <a:srgbClr val="2200CC"/>
+      </a:hlink>
+      <a:folHlink>
+        <a:srgbClr val="551A8B"/>
+      </a:folHlink>
+    </a:clrScheme>
+    <a:fontScheme name="Office">
+      <a:majorFont>
+        <a:latin typeface="Arial"/>
+        <a:ea typeface=""/>
+        <a:cs typeface=""/>
+        <a:font script="Jpan" typeface="ＭＳ Ｐゴシック"/>
+        <a:font script="Hang" typeface="맑은 고딕"/>
+        <a:font script="Hans" typeface="宋体"/>
+        <a:font script="Hant" typeface="新細明體"/>
+        <a:font script="Arab" typeface="Times New Roman"/>
+        <a:font script="Hebr" typeface="Times New Roman"/>
+        <a:font script="Thai" typeface="Angsana New"/>
+        <a:font script="Ethi" typeface="Nyala"/>
+        <a:font script="Beng" typeface="Vrinda"/>
+        <a:font script="Gujr" typeface="Shruti"/>
+        <a:font script="Khmr" typeface="MoolBoran"/>
+        <a:font script="Knda" typeface="Tunga"/>
+        <a:font script="Guru" typeface="Raavi"/>
+        <a:font script="Cans" typeface="Euphemia"/>
+        <a:font script="Cher" typeface="Plantagenet Cherokee"/>
+        <a:font script="Yiii" typeface="Microsoft Yi Baiti"/>
+        <a:font script="Tibt" typeface="Microsoft Himalaya"/>
+        <a:font script="Thaa" typeface="MV Boli"/>
+        <a:font script="Deva" typeface="Mangal"/>
+        <a:font script="Telu" typeface="Gautami"/>
+        <a:font script="Taml" typeface="Latha"/>
+        <a:font script="Syrc" typeface="Estrangelo Edessa"/>
+        <a:font script="Orya" typeface="Kalinga"/>
+        <a:font script="Mlym" typeface="Kartika"/>
+        <a:font script="Laoo" typeface="DokChampa"/>
+        <a:font script="Sinh" typeface="Iskoola Pota"/>
+        <a:font script="Mong" typeface="Mongolian Baiti"/>
+        <a:font script="Viet" typeface="Times New Roman"/>
+        <a:font script="Uigh" typeface="Microsoft Uighur"/>
+        <a:font script="Geor" typeface="Sylfaen"/>
+      </a:majorFont>
+      <a:minorFont>
+        <a:latin typeface="Arial"/>
+        <a:ea typeface=""/>
+        <a:cs typeface=""/>
+        <a:font script="Jpan" typeface="ＭＳ Ｐゴシック"/>
+        <a:font script="Hang" typeface="맑은 고딕"/>
+        <a:font script="Hans" typeface="宋体"/>
+        <a:font script="Hant" typeface="新細明體"/>
+        <a:font script="Arab" typeface="Arial"/>
+        <a:font script="Hebr" typeface="Arial"/>
+        <a:font script="Thai" typeface="Cordia New"/>
+        <a:font script="Ethi" typeface="Nyala"/>
+        <a:font script="Beng" typeface="Vrinda"/>
+        <a:font script="Gujr" typeface="Shruti"/>
+        <a:font script="Khmr" typeface="DaunPenh"/>
+        <a:font script="Knda" typeface="Tunga"/>
+        <a:font script="Guru" typeface="Raavi"/>
+        <a:font script="Cans" typeface="Euphemia"/>
+        <a:font script="Cher" typeface="Plantagenet Cherokee"/>
+        <a:font script="Yiii" typeface="Microsoft Yi Baiti"/>
+        <a:font script="Tibt" typeface="Microsoft Himalaya"/>
+        <a:font script="Thaa" typeface="MV Boli"/>
+        <a:font script="Deva" typeface="Mangal"/>
+        <a:font script="Telu" typeface="Gautami"/>
+        <a:font script="Taml" typeface="Latha"/>
+        <a:font script="Syrc" typeface="Estrangelo Edessa"/>
+        <a:font script="Orya" typeface="Kalinga"/>
+        <a:font script="Mlym" typeface="Kartika"/>
+        <a:font script="Laoo" typeface="DokChampa"/>
+        <a:font script="Sinh" typeface="Iskoola Pota"/>
+        <a:font script="Mong" typeface="Mongolian Baiti"/>
+        <a:font script="Viet" typeface="Arial"/>
+        <a:font script="Uigh" typeface="Microsoft Uighur"/>
+        <a:font script="Geor" typeface="Sylfaen"/>
+      </a:minorFont>
+    </a:fontScheme>
+    <a:fmtScheme name="Office">
+      <a:fillStyleLst>
+        <a:solidFill>
+          <a:schemeClr val="phClr"/>
+        </a:solidFill>
+        <a:gradFill rotWithShape="1">
+          <a:gsLst>
+            <a:gs pos="0">
+              <a:schemeClr val="phClr">
+                <a:tint val="50000"/>
+                <a:satMod val="300000"/>
+              </a:schemeClr>
+            </a:gs>
+            <a:gs pos="35000">
+              <a:schemeClr val="phClr">
+                <a:tint val="37000"/>
+                <a:satMod val="300000"/>
+              </a:schemeClr>
+            </a:gs>
+            <a:gs pos="100000">
+              <a:schemeClr val="phClr">
+                <a:tint val="15000"/>
+                <a:satMod val="350000"/>
+              </a:schemeClr>
+            </a:gs>
+          </a:gsLst>
+          <a:lin ang="16200000" scaled="1"/>
+        </a:gradFill>
+        <a:gradFill rotWithShape="1">
+          <a:gsLst>
+            <a:gs pos="0">
+              <a:schemeClr val="phClr">
+                <a:tint val="100000"/>
+                <a:shade val="100000"/>
+                <a:satMod val="130000"/>
+              </a:schemeClr>
+            </a:gs>
+            <a:gs pos="100000">
+              <a:schemeClr val="phClr">
+                <a:tint val="50000"/>
+                <a:shade val="100000"/>
+                <a:satMod val="350000"/>
+              </a:schemeClr>
+            </a:gs>
+          </a:gsLst>
+          <a:lin ang="16200000" scaled="0"/>
+        </a:gradFill>
+      </a:fillStyleLst>
+      <a:lnStyleLst>
+        <a:ln w="9525" cap="flat" cmpd="sng" algn="ctr">
+          <a:solidFill>
+            <a:schemeClr val="phClr">
+              <a:shade val="95000"/>
+              <a:satMod val="105000"/>
+            </a:schemeClr>
+          </a:solidFill>
+          <a:prstDash val="solid"/>
+        </a:ln>
+        <a:ln w="25400" cap="flat" cmpd="sng" algn="ctr">
+          <a:solidFill>
+            <a:schemeClr val="phClr"/>
+          </a:solidFill>
+          <a:prstDash val="solid"/>
+        </a:ln>
+        <a:ln w="38100" cap="flat" cmpd="sng" algn="ctr">
+          <a:solidFill>
+            <a:schemeClr val="phClr"/>
+          </a:solidFill>
+          <a:prstDash val="solid"/>
+        </a:ln>
+      </a:lnStyleLst>
+      <a:effectStyleLst>
+        <a:effectStyle>
+          <a:effectLst>
+            <a:outerShdw blurRad="40000" dist="20000" dir="5400000" rotWithShape="0">
+              <a:srgbClr val="000000">
+                <a:alpha val="38000"/>
+              </a:srgbClr>
+            </a:outerShdw>
+          </a:effectLst>
+        </a:effectStyle>
+        <a:effectStyle>
+          <a:effectLst>
+            <a:outerShdw blurRad="40000" dist="23000" dir="5400000" rotWithShape="0">
+              <a:srgbClr val="000000">
+                <a:alpha val="35000"/>
+              </a:srgbClr>
+            </a:outerShdw>
+          </a:effectLst>
+        </a:effectStyle>
+        <a:effectStyle>
+          <a:effectLst>
+            <a:outerShdw blurRad="40000" dist="23000" dir="5400000" rotWithShape="0">
+              <a:srgbClr val="000000">
+                <a:alpha val="35000"/>
+              </a:srgbClr>
+            </a:outerShdw>
+          </a:effectLst>
+          <a:scene3d>
+            <a:camera prst="orthographicFront">
+              <a:rot lat="0" lon="0" rev="0"/>
+            </a:camera>
+            <a:lightRig rig="threePt" dir="t">
+              <a:rot lat="0" lon="0" rev="1200000"/>
+            </a:lightRig>
+          </a:scene3d>
+          <a:sp3d>
+            <a:bevelT w="63500" h="25400"/>
+          </a:sp3d>
+        </a:effectStyle>
+      </a:effectStyleLst>
+      <a:bgFillStyleLst>
+        <a:solidFill>
+          <a:schemeClr val="phClr"/>
+        </a:solidFill>
+        <a:gradFill rotWithShape="1">
+          <a:gsLst>
+            <a:gs pos="0">
+              <a:schemeClr val="phClr">
+                <a:tint val="40000"/>
+                <a:satMod val="350000"/>
+              </a:schemeClr>
+            </a:gs>
+            <a:gs pos="40000">
+              <a:schemeClr val="phClr">
+                <a:tint val="45000"/>
+                <a:shade val="99000"/>
+                <a:satMod val="350000"/>
+              </a:schemeClr>
+            </a:gs>
+            <a:gs pos="100000">
+              <a:schemeClr val="phClr">
+                <a:shade val="20000"/>
+                <a:satMod val="255000"/>
+              </a:schemeClr>
+            </a:gs>
+          </a:gsLst>
+          <a:path path="circle">
+            <a:fillToRect l="50000" t="-80000" r="50000" b="180000"/>
+          </a:path>
+        </a:gradFill>
+        <a:gradFill rotWithShape="1">
+          <a:gsLst>
+            <a:gs pos="0">
+              <a:schemeClr val="phClr">
+                <a:tint val="80000"/>
+                <a:satMod val="300000"/>
+              </a:schemeClr>
+            </a:gs>
+            <a:gs pos="100000">
+              <a:schemeClr val="phClr">
+                <a:shade val="30000"/>
+                <a:satMod val="200000"/>
+              </a:schemeClr>
+            </a:gs>
+          </a:gsLst>
+          <a:path path="circle">
+            <a:fillToRect l="50000" t="50000" r="50000" b="50000"/>
+          </a:path>
+        </a:gradFill>
+      </a:bgFillStyleLst>
+    </a:fmtScheme>
+  </a:themeElements>
+</a:theme>
+</file>
+
+<file path=ppt/theme/theme2.xml><?xml version="1.0" encoding="utf-8"?>
 <a:theme xmlns:a="http://schemas.openxmlformats.org/drawingml/2006/main" xmlns:r="http://schemas.openxmlformats.org/officeDocument/2006/relationships" name="TUBraunschweig_PPT2007_Folienpool_pptx">
   <a:themeElements>
     <a:clrScheme name="TU Braunschweig">
@@ -14983,283 +15262,4 @@
     </a:fmtScheme>
   </a:themeElements>
 </a:theme>
-</file>
-
-<file path=ppt/theme/theme2.xml><?xml version="1.0" encoding="utf-8"?>
-<a:theme xmlns:a="http://schemas.openxmlformats.org/drawingml/2006/main" xmlns:r="http://schemas.openxmlformats.org/officeDocument/2006/relationships">
-  <a:themeElements>
-    <a:clrScheme name="Default">
-      <a:dk1>
-        <a:srgbClr val="000000"/>
-      </a:dk1>
-      <a:lt1>
-        <a:srgbClr val="FFFFFF"/>
-      </a:lt1>
-      <a:dk2>
-        <a:srgbClr val="158158"/>
-      </a:dk2>
-      <a:lt2>
-        <a:srgbClr val="F3F3F3"/>
-      </a:lt2>
-      <a:accent1>
-        <a:srgbClr val="058DC7"/>
-      </a:accent1>
-      <a:accent2>
-        <a:srgbClr val="50B432"/>
-      </a:accent2>
-      <a:accent3>
-        <a:srgbClr val="ED561B"/>
-      </a:accent3>
-      <a:accent4>
-        <a:srgbClr val="EDEF00"/>
-      </a:accent4>
-      <a:accent5>
-        <a:srgbClr val="24CBE5"/>
-      </a:accent5>
-      <a:accent6>
-        <a:srgbClr val="64E572"/>
-      </a:accent6>
-      <a:hlink>
-        <a:srgbClr val="2200CC"/>
-      </a:hlink>
-      <a:folHlink>
-        <a:srgbClr val="551A8B"/>
-      </a:folHlink>
-    </a:clrScheme>
-    <a:fontScheme name="Office">
-      <a:majorFont>
-        <a:latin typeface="Arial"/>
-        <a:ea typeface=""/>
-        <a:cs typeface=""/>
-        <a:font script="Jpan" typeface="ＭＳ Ｐゴシック"/>
-        <a:font script="Hang" typeface="맑은 고딕"/>
-        <a:font script="Hans" typeface="宋体"/>
-        <a:font script="Hant" typeface="新細明體"/>
-        <a:font script="Arab" typeface="Times New Roman"/>
-        <a:font script="Hebr" typeface="Times New Roman"/>
-        <a:font script="Thai" typeface="Angsana New"/>
-        <a:font script="Ethi" typeface="Nyala"/>
-        <a:font script="Beng" typeface="Vrinda"/>
-        <a:font script="Gujr" typeface="Shruti"/>
-        <a:font script="Khmr" typeface="MoolBoran"/>
-        <a:font script="Knda" typeface="Tunga"/>
-        <a:font script="Guru" typeface="Raavi"/>
-        <a:font script="Cans" typeface="Euphemia"/>
-        <a:font script="Cher" typeface="Plantagenet Cherokee"/>
-        <a:font script="Yiii" typeface="Microsoft Yi Baiti"/>
-        <a:font script="Tibt" typeface="Microsoft Himalaya"/>
-        <a:font script="Thaa" typeface="MV Boli"/>
-        <a:font script="Deva" typeface="Mangal"/>
-        <a:font script="Telu" typeface="Gautami"/>
-        <a:font script="Taml" typeface="Latha"/>
-        <a:font script="Syrc" typeface="Estrangelo Edessa"/>
-        <a:font script="Orya" typeface="Kalinga"/>
-        <a:font script="Mlym" typeface="Kartika"/>
-        <a:font script="Laoo" typeface="DokChampa"/>
-        <a:font script="Sinh" typeface="Iskoola Pota"/>
-        <a:font script="Mong" typeface="Mongolian Baiti"/>
-        <a:font script="Viet" typeface="Times New Roman"/>
-        <a:font script="Uigh" typeface="Microsoft Uighur"/>
-        <a:font script="Geor" typeface="Sylfaen"/>
-      </a:majorFont>
-      <a:minorFont>
-        <a:latin typeface="Arial"/>
-        <a:ea typeface=""/>
-        <a:cs typeface=""/>
-        <a:font script="Jpan" typeface="ＭＳ Ｐゴシック"/>
-        <a:font script="Hang" typeface="맑은 고딕"/>
-        <a:font script="Hans" typeface="宋体"/>
-        <a:font script="Hant" typeface="新細明體"/>
-        <a:font script="Arab" typeface="Arial"/>
-        <a:font script="Hebr" typeface="Arial"/>
-        <a:font script="Thai" typeface="Cordia New"/>
-        <a:font script="Ethi" typeface="Nyala"/>
-        <a:font script="Beng" typeface="Vrinda"/>
-        <a:font script="Gujr" typeface="Shruti"/>
-        <a:font script="Khmr" typeface="DaunPenh"/>
-        <a:font script="Knda" typeface="Tunga"/>
-        <a:font script="Guru" typeface="Raavi"/>
-        <a:font script="Cans" typeface="Euphemia"/>
-        <a:font script="Cher" typeface="Plantagenet Cherokee"/>
-        <a:font script="Yiii" typeface="Microsoft Yi Baiti"/>
-        <a:font script="Tibt" typeface="Microsoft Himalaya"/>
-        <a:font script="Thaa" typeface="MV Boli"/>
-        <a:font script="Deva" typeface="Mangal"/>
-        <a:font script="Telu" typeface="Gautami"/>
-        <a:font script="Taml" typeface="Latha"/>
-        <a:font script="Syrc" typeface="Estrangelo Edessa"/>
-        <a:font script="Orya" typeface="Kalinga"/>
-        <a:font script="Mlym" typeface="Kartika"/>
-        <a:font script="Laoo" typeface="DokChampa"/>
-        <a:font script="Sinh" typeface="Iskoola Pota"/>
-        <a:font script="Mong" typeface="Mongolian Baiti"/>
-        <a:font script="Viet" typeface="Arial"/>
-        <a:font script="Uigh" typeface="Microsoft Uighur"/>
-        <a:font script="Geor" typeface="Sylfaen"/>
-      </a:minorFont>
-    </a:fontScheme>
-    <a:fmtScheme name="Office">
-      <a:fillStyleLst>
-        <a:solidFill>
-          <a:schemeClr val="phClr"/>
-        </a:solidFill>
-        <a:gradFill rotWithShape="1">
-          <a:gsLst>
-            <a:gs pos="0">
-              <a:schemeClr val="phClr">
-                <a:tint val="50000"/>
-                <a:satMod val="300000"/>
-              </a:schemeClr>
-            </a:gs>
-            <a:gs pos="35000">
-              <a:schemeClr val="phClr">
-                <a:tint val="37000"/>
-                <a:satMod val="300000"/>
-              </a:schemeClr>
-            </a:gs>
-            <a:gs pos="100000">
-              <a:schemeClr val="phClr">
-                <a:tint val="15000"/>
-                <a:satMod val="350000"/>
-              </a:schemeClr>
-            </a:gs>
-          </a:gsLst>
-          <a:lin ang="16200000" scaled="1"/>
-        </a:gradFill>
-        <a:gradFill rotWithShape="1">
-          <a:gsLst>
-            <a:gs pos="0">
-              <a:schemeClr val="phClr">
-                <a:tint val="100000"/>
-                <a:shade val="100000"/>
-                <a:satMod val="130000"/>
-              </a:schemeClr>
-            </a:gs>
-            <a:gs pos="100000">
-              <a:schemeClr val="phClr">
-                <a:tint val="50000"/>
-                <a:shade val="100000"/>
-                <a:satMod val="350000"/>
-              </a:schemeClr>
-            </a:gs>
-          </a:gsLst>
-          <a:lin ang="16200000" scaled="0"/>
-        </a:gradFill>
-      </a:fillStyleLst>
-      <a:lnStyleLst>
-        <a:ln w="9525" cap="flat" cmpd="sng" algn="ctr">
-          <a:solidFill>
-            <a:schemeClr val="phClr">
-              <a:shade val="95000"/>
-              <a:satMod val="105000"/>
-            </a:schemeClr>
-          </a:solidFill>
-          <a:prstDash val="solid"/>
-        </a:ln>
-        <a:ln w="25400" cap="flat" cmpd="sng" algn="ctr">
-          <a:solidFill>
-            <a:schemeClr val="phClr"/>
-          </a:solidFill>
-          <a:prstDash val="solid"/>
-        </a:ln>
-        <a:ln w="38100" cap="flat" cmpd="sng" algn="ctr">
-          <a:solidFill>
-            <a:schemeClr val="phClr"/>
-          </a:solidFill>
-          <a:prstDash val="solid"/>
-        </a:ln>
-      </a:lnStyleLst>
-      <a:effectStyleLst>
-        <a:effectStyle>
-          <a:effectLst>
-            <a:outerShdw blurRad="40000" dist="20000" dir="5400000" rotWithShape="0">
-              <a:srgbClr val="000000">
-                <a:alpha val="38000"/>
-              </a:srgbClr>
-            </a:outerShdw>
-          </a:effectLst>
-        </a:effectStyle>
-        <a:effectStyle>
-          <a:effectLst>
-            <a:outerShdw blurRad="40000" dist="23000" dir="5400000" rotWithShape="0">
-              <a:srgbClr val="000000">
-                <a:alpha val="35000"/>
-              </a:srgbClr>
-            </a:outerShdw>
-          </a:effectLst>
-        </a:effectStyle>
-        <a:effectStyle>
-          <a:effectLst>
-            <a:outerShdw blurRad="40000" dist="23000" dir="5400000" rotWithShape="0">
-              <a:srgbClr val="000000">
-                <a:alpha val="35000"/>
-              </a:srgbClr>
-            </a:outerShdw>
-          </a:effectLst>
-          <a:scene3d>
-            <a:camera prst="orthographicFront">
-              <a:rot lat="0" lon="0" rev="0"/>
-            </a:camera>
-            <a:lightRig rig="threePt" dir="t">
-              <a:rot lat="0" lon="0" rev="1200000"/>
-            </a:lightRig>
-          </a:scene3d>
-          <a:sp3d>
-            <a:bevelT w="63500" h="25400"/>
-          </a:sp3d>
-        </a:effectStyle>
-      </a:effectStyleLst>
-      <a:bgFillStyleLst>
-        <a:solidFill>
-          <a:schemeClr val="phClr"/>
-        </a:solidFill>
-        <a:gradFill rotWithShape="1">
-          <a:gsLst>
-            <a:gs pos="0">
-              <a:schemeClr val="phClr">
-                <a:tint val="40000"/>
-                <a:satMod val="350000"/>
-              </a:schemeClr>
-            </a:gs>
-            <a:gs pos="40000">
-              <a:schemeClr val="phClr">
-                <a:tint val="45000"/>
-                <a:shade val="99000"/>
-                <a:satMod val="350000"/>
-              </a:schemeClr>
-            </a:gs>
-            <a:gs pos="100000">
-              <a:schemeClr val="phClr">
-                <a:shade val="20000"/>
-                <a:satMod val="255000"/>
-              </a:schemeClr>
-            </a:gs>
-          </a:gsLst>
-          <a:path path="circle">
-            <a:fillToRect l="50000" t="-80000" r="50000" b="180000"/>
-          </a:path>
-        </a:gradFill>
-        <a:gradFill rotWithShape="1">
-          <a:gsLst>
-            <a:gs pos="0">
-              <a:schemeClr val="phClr">
-                <a:tint val="80000"/>
-                <a:satMod val="300000"/>
-              </a:schemeClr>
-            </a:gs>
-            <a:gs pos="100000">
-              <a:schemeClr val="phClr">
-                <a:shade val="30000"/>
-                <a:satMod val="200000"/>
-              </a:schemeClr>
-            </a:gs>
-          </a:gsLst>
-          <a:path path="circle">
-            <a:fillToRect l="50000" t="50000" r="50000" b="50000"/>
-          </a:path>
-        </a:gradFill>
-      </a:bgFillStyleLst>
-    </a:fmtScheme>
-  </a:themeElements>
-</a:theme>
 </file>
--- a/slides/00_installation_introduction.pptx
+++ b/slides/00_installation_introduction.pptx
@@ -2,26 +2,25 @@
 <file path=ppt/presentation.xml><?xml version="1.0" encoding="utf-8"?>
 <p:presentation xmlns:a="http://schemas.openxmlformats.org/drawingml/2006/main" xmlns:r="http://schemas.openxmlformats.org/officeDocument/2006/relationships" xmlns:mc="http://schemas.openxmlformats.org/markup-compatibility/2006" xmlns:mv="urn:schemas-microsoft-com:mac:vml" xmlns:p="http://schemas.openxmlformats.org/presentationml/2006/main" xmlns:c="http://schemas.openxmlformats.org/drawingml/2006/chart" xmlns:dgm="http://schemas.openxmlformats.org/drawingml/2006/diagram" xmlns:o="urn:schemas-microsoft-com:office:office" xmlns:v="urn:schemas-microsoft-com:vml" xmlns:pvml="urn:schemas-microsoft-com:office:powerpoint" xmlns:com="http://schemas.openxmlformats.org/drawingml/2006/compatibility" xmlns:p14="http://schemas.microsoft.com/office/powerpoint/2010/main" xmlns:p15="http://schemas.microsoft.com/office/powerpoint/2012/main" xmlns:ahyp="http://schemas.microsoft.com/office/drawing/2018/hyperlinkcolor" autoCompressPictures="0" strictFirstAndLastChars="0" saveSubsetFonts="1">
   <p:sldMasterIdLst>
-    <p:sldMasterId id="2147483662" r:id="rId4"/>
+    <p:sldMasterId id="2147483662" r:id="rId5"/>
   </p:sldMasterIdLst>
   <p:notesMasterIdLst>
-    <p:notesMasterId r:id="rId5"/>
+    <p:notesMasterId r:id="rId6"/>
   </p:notesMasterIdLst>
   <p:sldIdLst>
-    <p:sldId id="256" r:id="rId6"/>
-    <p:sldId id="257" r:id="rId7"/>
-    <p:sldId id="258" r:id="rId8"/>
-    <p:sldId id="259" r:id="rId9"/>
-    <p:sldId id="260" r:id="rId10"/>
-    <p:sldId id="261" r:id="rId11"/>
-    <p:sldId id="262" r:id="rId12"/>
-    <p:sldId id="263" r:id="rId13"/>
-    <p:sldId id="264" r:id="rId14"/>
-    <p:sldId id="265" r:id="rId15"/>
-    <p:sldId id="266" r:id="rId16"/>
-    <p:sldId id="267" r:id="rId17"/>
-    <p:sldId id="268" r:id="rId18"/>
-    <p:sldId id="269" r:id="rId19"/>
+    <p:sldId id="256" r:id="rId7"/>
+    <p:sldId id="257" r:id="rId8"/>
+    <p:sldId id="258" r:id="rId9"/>
+    <p:sldId id="259" r:id="rId10"/>
+    <p:sldId id="260" r:id="rId11"/>
+    <p:sldId id="261" r:id="rId12"/>
+    <p:sldId id="262" r:id="rId13"/>
+    <p:sldId id="263" r:id="rId14"/>
+    <p:sldId id="264" r:id="rId15"/>
+    <p:sldId id="265" r:id="rId16"/>
+    <p:sldId id="266" r:id="rId17"/>
+    <p:sldId id="267" r:id="rId18"/>
+    <p:sldId id="268" r:id="rId19"/>
   </p:sldIdLst>
   <p:sldSz cy="5143500" cx="9144000"/>
   <p:notesSz cx="6858000" cy="9144000"/>
@@ -956,7 +955,7 @@
   <p:cSld>
     <p:spTree>
       <p:nvGrpSpPr>
-        <p:cNvPr id="150" name="Shape 150"/>
+        <p:cNvPr id="145" name="Shape 145"/>
         <p:cNvGrpSpPr/>
         <p:nvPr/>
       </p:nvGrpSpPr>
@@ -970,7 +969,106 @@
       </p:grpSpPr>
       <p:sp>
         <p:nvSpPr>
-          <p:cNvPr id="151" name="Google Shape;151;p7:notes"/>
+          <p:cNvPr id="146" name="Google Shape;146;gf652c19c62_0_5:notes"/>
+          <p:cNvSpPr/>
+          <p:nvPr>
+            <p:ph idx="2" type="sldImg"/>
+          </p:nvPr>
+        </p:nvSpPr>
+        <p:spPr>
+          <a:xfrm>
+            <a:off x="381300" y="685800"/>
+            <a:ext cx="6096000" cy="3429000"/>
+          </a:xfrm>
+          <a:custGeom>
+            <a:rect b="b" l="l" r="r" t="t"/>
+            <a:pathLst>
+              <a:path extrusionOk="0" h="120000" w="120000">
+                <a:moveTo>
+                  <a:pt x="0" y="0"/>
+                </a:moveTo>
+                <a:lnTo>
+                  <a:pt x="120000" y="0"/>
+                </a:lnTo>
+                <a:lnTo>
+                  <a:pt x="120000" y="120000"/>
+                </a:lnTo>
+                <a:lnTo>
+                  <a:pt x="0" y="120000"/>
+                </a:lnTo>
+                <a:close/>
+              </a:path>
+            </a:pathLst>
+          </a:custGeom>
+        </p:spPr>
+      </p:sp>
+      <p:sp>
+        <p:nvSpPr>
+          <p:cNvPr id="147" name="Google Shape;147;gf652c19c62_0_5:notes"/>
+          <p:cNvSpPr txBox="1"/>
+          <p:nvPr>
+            <p:ph idx="1" type="body"/>
+          </p:nvPr>
+        </p:nvSpPr>
+        <p:spPr>
+          <a:xfrm>
+            <a:off x="685800" y="4343400"/>
+            <a:ext cx="5486400" cy="4114800"/>
+          </a:xfrm>
+          <a:prstGeom prst="rect">
+            <a:avLst/>
+          </a:prstGeom>
+        </p:spPr>
+        <p:txBody>
+          <a:bodyPr anchorCtr="0" anchor="t" bIns="91425" lIns="91425" spcFirstLastPara="1" rIns="91425" wrap="square" tIns="91425">
+            <a:noAutofit/>
+          </a:bodyPr>
+          <a:lstStyle/>
+          <a:p>
+            <a:pPr indent="0" lvl="0" marL="0" rtl="0" algn="l">
+              <a:spcBef>
+                <a:spcPts val="0"/>
+              </a:spcBef>
+              <a:spcAft>
+                <a:spcPts val="0"/>
+              </a:spcAft>
+              <a:buNone/>
+            </a:pPr>
+            <a:r>
+              <a:t/>
+            </a:r>
+            <a:endParaRPr/>
+          </a:p>
+        </p:txBody>
+      </p:sp>
+    </p:spTree>
+  </p:cSld>
+  <p:clrMapOvr>
+    <a:masterClrMapping/>
+  </p:clrMapOvr>
+</p:notes>
+</file>
+
+<file path=ppt/notesSlides/notesSlide11.xml><?xml version="1.0" encoding="utf-8"?>
+<p:notes xmlns:a="http://schemas.openxmlformats.org/drawingml/2006/main" xmlns:r="http://schemas.openxmlformats.org/officeDocument/2006/relationships" xmlns:mc="http://schemas.openxmlformats.org/markup-compatibility/2006" xmlns:mv="urn:schemas-microsoft-com:mac:vml" xmlns:p="http://schemas.openxmlformats.org/presentationml/2006/main" xmlns:c="http://schemas.openxmlformats.org/drawingml/2006/chart" xmlns:dgm="http://schemas.openxmlformats.org/drawingml/2006/diagram" xmlns:o="urn:schemas-microsoft-com:office:office" xmlns:v="urn:schemas-microsoft-com:vml" xmlns:pvml="urn:schemas-microsoft-com:office:powerpoint" xmlns:com="http://schemas.openxmlformats.org/drawingml/2006/compatibility" xmlns:p14="http://schemas.microsoft.com/office/powerpoint/2010/main" xmlns:p15="http://schemas.microsoft.com/office/powerpoint/2012/main" xmlns:ahyp="http://schemas.microsoft.com/office/drawing/2018/hyperlinkcolor" showMasterPhAnim="0" showMasterSp="0">
+  <p:cSld>
+    <p:spTree>
+      <p:nvGrpSpPr>
+        <p:cNvPr id="157" name="Shape 157"/>
+        <p:cNvGrpSpPr/>
+        <p:nvPr/>
+      </p:nvGrpSpPr>
+      <p:grpSpPr>
+        <a:xfrm>
+          <a:off x="0" y="0"/>
+          <a:ext cx="0" cy="0"/>
+          <a:chOff x="0" y="0"/>
+          <a:chExt cx="0" cy="0"/>
+        </a:xfrm>
+      </p:grpSpPr>
+      <p:sp>
+        <p:nvSpPr>
+          <p:cNvPr id="158" name="Google Shape;158;p7:notes"/>
           <p:cNvSpPr/>
           <p:nvPr>
             <p:ph idx="2" type="sldImg"/>
@@ -1015,7 +1113,7 @@
       </p:sp>
       <p:sp>
         <p:nvSpPr>
-          <p:cNvPr id="152" name="Google Shape;152;p7:notes"/>
+          <p:cNvPr id="159" name="Google Shape;159;p7:notes"/>
           <p:cNvSpPr txBox="1"/>
           <p:nvPr>
             <p:ph idx="1" type="body"/>
@@ -1068,12 +1166,12 @@
 </p:notes>
 </file>
 
-<file path=ppt/notesSlides/notesSlide11.xml><?xml version="1.0" encoding="utf-8"?>
+<file path=ppt/notesSlides/notesSlide12.xml><?xml version="1.0" encoding="utf-8"?>
 <p:notes xmlns:a="http://schemas.openxmlformats.org/drawingml/2006/main" xmlns:r="http://schemas.openxmlformats.org/officeDocument/2006/relationships" xmlns:mc="http://schemas.openxmlformats.org/markup-compatibility/2006" xmlns:mv="urn:schemas-microsoft-com:mac:vml" xmlns:p="http://schemas.openxmlformats.org/presentationml/2006/main" xmlns:c="http://schemas.openxmlformats.org/drawingml/2006/chart" xmlns:dgm="http://schemas.openxmlformats.org/drawingml/2006/diagram" xmlns:o="urn:schemas-microsoft-com:office:office" xmlns:v="urn:schemas-microsoft-com:vml" xmlns:pvml="urn:schemas-microsoft-com:office:powerpoint" xmlns:com="http://schemas.openxmlformats.org/drawingml/2006/compatibility" xmlns:p14="http://schemas.microsoft.com/office/powerpoint/2010/main" xmlns:p15="http://schemas.microsoft.com/office/powerpoint/2012/main" xmlns:ahyp="http://schemas.microsoft.com/office/drawing/2018/hyperlinkcolor" showMasterPhAnim="0" showMasterSp="0">
   <p:cSld>
     <p:spTree>
       <p:nvGrpSpPr>
-        <p:cNvPr id="158" name="Shape 158"/>
+        <p:cNvPr id="165" name="Shape 165"/>
         <p:cNvGrpSpPr/>
         <p:nvPr/>
       </p:nvGrpSpPr>
@@ -1087,7 +1185,7 @@
       </p:grpSpPr>
       <p:sp>
         <p:nvSpPr>
-          <p:cNvPr id="159" name="Google Shape;159;p8:notes"/>
+          <p:cNvPr id="166" name="Google Shape;166;p10:notes"/>
           <p:cNvSpPr/>
           <p:nvPr>
             <p:ph idx="2" type="sldImg"/>
@@ -1132,7 +1230,7 @@
       </p:sp>
       <p:sp>
         <p:nvSpPr>
-          <p:cNvPr id="160" name="Google Shape;160;p8:notes"/>
+          <p:cNvPr id="167" name="Google Shape;167;p10:notes"/>
           <p:cNvSpPr txBox="1"/>
           <p:nvPr>
             <p:ph idx="1" type="body"/>
@@ -1185,12 +1283,12 @@
 </p:notes>
 </file>
 
-<file path=ppt/notesSlides/notesSlide12.xml><?xml version="1.0" encoding="utf-8"?>
+<file path=ppt/notesSlides/notesSlide13.xml><?xml version="1.0" encoding="utf-8"?>
 <p:notes xmlns:a="http://schemas.openxmlformats.org/drawingml/2006/main" xmlns:r="http://schemas.openxmlformats.org/officeDocument/2006/relationships" xmlns:mc="http://schemas.openxmlformats.org/markup-compatibility/2006" xmlns:mv="urn:schemas-microsoft-com:mac:vml" xmlns:p="http://schemas.openxmlformats.org/presentationml/2006/main" xmlns:c="http://schemas.openxmlformats.org/drawingml/2006/chart" xmlns:dgm="http://schemas.openxmlformats.org/drawingml/2006/diagram" xmlns:o="urn:schemas-microsoft-com:office:office" xmlns:v="urn:schemas-microsoft-com:vml" xmlns:pvml="urn:schemas-microsoft-com:office:powerpoint" xmlns:com="http://schemas.openxmlformats.org/drawingml/2006/compatibility" xmlns:p14="http://schemas.microsoft.com/office/powerpoint/2010/main" xmlns:p15="http://schemas.microsoft.com/office/powerpoint/2012/main" xmlns:ahyp="http://schemas.microsoft.com/office/drawing/2018/hyperlinkcolor" showMasterPhAnim="0" showMasterSp="0">
   <p:cSld>
     <p:spTree>
       <p:nvGrpSpPr>
-        <p:cNvPr id="164" name="Shape 164"/>
+        <p:cNvPr id="171" name="Shape 171"/>
         <p:cNvGrpSpPr/>
         <p:nvPr/>
       </p:nvGrpSpPr>
@@ -1204,7 +1302,7 @@
       </p:grpSpPr>
       <p:sp>
         <p:nvSpPr>
-          <p:cNvPr id="165" name="Google Shape;165;p9:notes"/>
+          <p:cNvPr id="172" name="Google Shape;172;p11:notes"/>
           <p:cNvSpPr/>
           <p:nvPr>
             <p:ph idx="2" type="sldImg"/>
@@ -1249,241 +1347,7 @@
       </p:sp>
       <p:sp>
         <p:nvSpPr>
-          <p:cNvPr id="166" name="Google Shape;166;p9:notes"/>
-          <p:cNvSpPr txBox="1"/>
-          <p:nvPr>
-            <p:ph idx="1" type="body"/>
-          </p:nvPr>
-        </p:nvSpPr>
-        <p:spPr>
-          <a:xfrm>
-            <a:off x="685800" y="4343400"/>
-            <a:ext cx="5486400" cy="4114800"/>
-          </a:xfrm>
-          <a:prstGeom prst="rect">
-            <a:avLst/>
-          </a:prstGeom>
-          <a:noFill/>
-          <a:ln>
-            <a:noFill/>
-          </a:ln>
-        </p:spPr>
-        <p:txBody>
-          <a:bodyPr anchorCtr="0" anchor="t" bIns="91425" lIns="91425" spcFirstLastPara="1" rIns="91425" wrap="square" tIns="91425">
-            <a:noAutofit/>
-          </a:bodyPr>
-          <a:lstStyle/>
-          <a:p>
-            <a:pPr indent="0" lvl="0" marL="0" rtl="0" algn="l">
-              <a:lnSpc>
-                <a:spcPct val="100000"/>
-              </a:lnSpc>
-              <a:spcBef>
-                <a:spcPts val="0"/>
-              </a:spcBef>
-              <a:spcAft>
-                <a:spcPts val="0"/>
-              </a:spcAft>
-              <a:buSzPts val="1100"/>
-              <a:buNone/>
-            </a:pPr>
-            <a:r>
-              <a:t/>
-            </a:r>
-            <a:endParaRPr/>
-          </a:p>
-        </p:txBody>
-      </p:sp>
-    </p:spTree>
-  </p:cSld>
-  <p:clrMapOvr>
-    <a:masterClrMapping/>
-  </p:clrMapOvr>
-</p:notes>
-</file>
-
-<file path=ppt/notesSlides/notesSlide13.xml><?xml version="1.0" encoding="utf-8"?>
-<p:notes xmlns:a="http://schemas.openxmlformats.org/drawingml/2006/main" xmlns:r="http://schemas.openxmlformats.org/officeDocument/2006/relationships" xmlns:mc="http://schemas.openxmlformats.org/markup-compatibility/2006" xmlns:mv="urn:schemas-microsoft-com:mac:vml" xmlns:p="http://schemas.openxmlformats.org/presentationml/2006/main" xmlns:c="http://schemas.openxmlformats.org/drawingml/2006/chart" xmlns:dgm="http://schemas.openxmlformats.org/drawingml/2006/diagram" xmlns:o="urn:schemas-microsoft-com:office:office" xmlns:v="urn:schemas-microsoft-com:vml" xmlns:pvml="urn:schemas-microsoft-com:office:powerpoint" xmlns:com="http://schemas.openxmlformats.org/drawingml/2006/compatibility" xmlns:p14="http://schemas.microsoft.com/office/powerpoint/2010/main" xmlns:p15="http://schemas.microsoft.com/office/powerpoint/2012/main" xmlns:ahyp="http://schemas.microsoft.com/office/drawing/2018/hyperlinkcolor" showMasterPhAnim="0" showMasterSp="0">
-  <p:cSld>
-    <p:spTree>
-      <p:nvGrpSpPr>
-        <p:cNvPr id="171" name="Shape 171"/>
-        <p:cNvGrpSpPr/>
-        <p:nvPr/>
-      </p:nvGrpSpPr>
-      <p:grpSpPr>
-        <a:xfrm>
-          <a:off x="0" y="0"/>
-          <a:ext cx="0" cy="0"/>
-          <a:chOff x="0" y="0"/>
-          <a:chExt cx="0" cy="0"/>
-        </a:xfrm>
-      </p:grpSpPr>
-      <p:sp>
-        <p:nvSpPr>
-          <p:cNvPr id="172" name="Google Shape;172;p10:notes"/>
-          <p:cNvSpPr/>
-          <p:nvPr>
-            <p:ph idx="2" type="sldImg"/>
-          </p:nvPr>
-        </p:nvSpPr>
-        <p:spPr>
-          <a:xfrm>
-            <a:off x="381300" y="685800"/>
-            <a:ext cx="6096000" cy="3429000"/>
-          </a:xfrm>
-          <a:custGeom>
-            <a:rect b="b" l="l" r="r" t="t"/>
-            <a:pathLst>
-              <a:path extrusionOk="0" h="120000" w="120000">
-                <a:moveTo>
-                  <a:pt x="0" y="0"/>
-                </a:moveTo>
-                <a:lnTo>
-                  <a:pt x="120000" y="0"/>
-                </a:lnTo>
-                <a:lnTo>
-                  <a:pt x="120000" y="120000"/>
-                </a:lnTo>
-                <a:lnTo>
-                  <a:pt x="0" y="120000"/>
-                </a:lnTo>
-                <a:close/>
-              </a:path>
-            </a:pathLst>
-          </a:custGeom>
-          <a:noFill/>
-          <a:ln cap="flat" cmpd="sng" w="9525">
-            <a:solidFill>
-              <a:srgbClr val="000000"/>
-            </a:solidFill>
-            <a:prstDash val="solid"/>
-            <a:round/>
-            <a:headEnd len="sm" w="sm" type="none"/>
-            <a:tailEnd len="sm" w="sm" type="none"/>
-          </a:ln>
-        </p:spPr>
-      </p:sp>
-      <p:sp>
-        <p:nvSpPr>
-          <p:cNvPr id="173" name="Google Shape;173;p10:notes"/>
-          <p:cNvSpPr txBox="1"/>
-          <p:nvPr>
-            <p:ph idx="1" type="body"/>
-          </p:nvPr>
-        </p:nvSpPr>
-        <p:spPr>
-          <a:xfrm>
-            <a:off x="685800" y="4343400"/>
-            <a:ext cx="5486400" cy="4114800"/>
-          </a:xfrm>
-          <a:prstGeom prst="rect">
-            <a:avLst/>
-          </a:prstGeom>
-          <a:noFill/>
-          <a:ln>
-            <a:noFill/>
-          </a:ln>
-        </p:spPr>
-        <p:txBody>
-          <a:bodyPr anchorCtr="0" anchor="t" bIns="91425" lIns="91425" spcFirstLastPara="1" rIns="91425" wrap="square" tIns="91425">
-            <a:noAutofit/>
-          </a:bodyPr>
-          <a:lstStyle/>
-          <a:p>
-            <a:pPr indent="0" lvl="0" marL="0" rtl="0" algn="l">
-              <a:lnSpc>
-                <a:spcPct val="100000"/>
-              </a:lnSpc>
-              <a:spcBef>
-                <a:spcPts val="0"/>
-              </a:spcBef>
-              <a:spcAft>
-                <a:spcPts val="0"/>
-              </a:spcAft>
-              <a:buSzPts val="1100"/>
-              <a:buNone/>
-            </a:pPr>
-            <a:r>
-              <a:t/>
-            </a:r>
-            <a:endParaRPr/>
-          </a:p>
-        </p:txBody>
-      </p:sp>
-    </p:spTree>
-  </p:cSld>
-  <p:clrMapOvr>
-    <a:masterClrMapping/>
-  </p:clrMapOvr>
-</p:notes>
-</file>
-
-<file path=ppt/notesSlides/notesSlide14.xml><?xml version="1.0" encoding="utf-8"?>
-<p:notes xmlns:a="http://schemas.openxmlformats.org/drawingml/2006/main" xmlns:r="http://schemas.openxmlformats.org/officeDocument/2006/relationships" xmlns:mc="http://schemas.openxmlformats.org/markup-compatibility/2006" xmlns:mv="urn:schemas-microsoft-com:mac:vml" xmlns:p="http://schemas.openxmlformats.org/presentationml/2006/main" xmlns:c="http://schemas.openxmlformats.org/drawingml/2006/chart" xmlns:dgm="http://schemas.openxmlformats.org/drawingml/2006/diagram" xmlns:o="urn:schemas-microsoft-com:office:office" xmlns:v="urn:schemas-microsoft-com:vml" xmlns:pvml="urn:schemas-microsoft-com:office:powerpoint" xmlns:com="http://schemas.openxmlformats.org/drawingml/2006/compatibility" xmlns:p14="http://schemas.microsoft.com/office/powerpoint/2010/main" xmlns:p15="http://schemas.microsoft.com/office/powerpoint/2012/main" xmlns:ahyp="http://schemas.microsoft.com/office/drawing/2018/hyperlinkcolor" showMasterPhAnim="0" showMasterSp="0">
-  <p:cSld>
-    <p:spTree>
-      <p:nvGrpSpPr>
-        <p:cNvPr id="177" name="Shape 177"/>
-        <p:cNvGrpSpPr/>
-        <p:nvPr/>
-      </p:nvGrpSpPr>
-      <p:grpSpPr>
-        <a:xfrm>
-          <a:off x="0" y="0"/>
-          <a:ext cx="0" cy="0"/>
-          <a:chOff x="0" y="0"/>
-          <a:chExt cx="0" cy="0"/>
-        </a:xfrm>
-      </p:grpSpPr>
-      <p:sp>
-        <p:nvSpPr>
-          <p:cNvPr id="178" name="Google Shape;178;p11:notes"/>
-          <p:cNvSpPr/>
-          <p:nvPr>
-            <p:ph idx="2" type="sldImg"/>
-          </p:nvPr>
-        </p:nvSpPr>
-        <p:spPr>
-          <a:xfrm>
-            <a:off x="381300" y="685800"/>
-            <a:ext cx="6096000" cy="3429000"/>
-          </a:xfrm>
-          <a:custGeom>
-            <a:rect b="b" l="l" r="r" t="t"/>
-            <a:pathLst>
-              <a:path extrusionOk="0" h="120000" w="120000">
-                <a:moveTo>
-                  <a:pt x="0" y="0"/>
-                </a:moveTo>
-                <a:lnTo>
-                  <a:pt x="120000" y="0"/>
-                </a:lnTo>
-                <a:lnTo>
-                  <a:pt x="120000" y="120000"/>
-                </a:lnTo>
-                <a:lnTo>
-                  <a:pt x="0" y="120000"/>
-                </a:lnTo>
-                <a:close/>
-              </a:path>
-            </a:pathLst>
-          </a:custGeom>
-          <a:noFill/>
-          <a:ln cap="flat" cmpd="sng" w="9525">
-            <a:solidFill>
-              <a:srgbClr val="000000"/>
-            </a:solidFill>
-            <a:prstDash val="solid"/>
-            <a:round/>
-            <a:headEnd len="sm" w="sm" type="none"/>
-            <a:tailEnd len="sm" w="sm" type="none"/>
-          </a:ln>
-        </p:spPr>
-      </p:sp>
-      <p:sp>
-        <p:nvSpPr>
-          <p:cNvPr id="179" name="Google Shape;179;p11:notes"/>
+          <p:cNvPr id="173" name="Google Shape;173;p11:notes"/>
           <p:cNvSpPr txBox="1"/>
           <p:nvPr>
             <p:ph idx="1" type="body"/>
@@ -1771,7 +1635,106 @@
       </p:grpSpPr>
       <p:sp>
         <p:nvSpPr>
-          <p:cNvPr id="99" name="Google Shape;99;p3:notes"/>
+          <p:cNvPr id="99" name="Google Shape;99;g100fe144729_0_0:notes"/>
+          <p:cNvSpPr/>
+          <p:nvPr>
+            <p:ph idx="2" type="sldImg"/>
+          </p:nvPr>
+        </p:nvSpPr>
+        <p:spPr>
+          <a:xfrm>
+            <a:off x="381300" y="685800"/>
+            <a:ext cx="6096000" cy="3429000"/>
+          </a:xfrm>
+          <a:custGeom>
+            <a:rect b="b" l="l" r="r" t="t"/>
+            <a:pathLst>
+              <a:path extrusionOk="0" h="120000" w="120000">
+                <a:moveTo>
+                  <a:pt x="0" y="0"/>
+                </a:moveTo>
+                <a:lnTo>
+                  <a:pt x="120000" y="0"/>
+                </a:lnTo>
+                <a:lnTo>
+                  <a:pt x="120000" y="120000"/>
+                </a:lnTo>
+                <a:lnTo>
+                  <a:pt x="0" y="120000"/>
+                </a:lnTo>
+                <a:close/>
+              </a:path>
+            </a:pathLst>
+          </a:custGeom>
+        </p:spPr>
+      </p:sp>
+      <p:sp>
+        <p:nvSpPr>
+          <p:cNvPr id="100" name="Google Shape;100;g100fe144729_0_0:notes"/>
+          <p:cNvSpPr txBox="1"/>
+          <p:nvPr>
+            <p:ph idx="1" type="body"/>
+          </p:nvPr>
+        </p:nvSpPr>
+        <p:spPr>
+          <a:xfrm>
+            <a:off x="685800" y="4343400"/>
+            <a:ext cx="5486400" cy="4114800"/>
+          </a:xfrm>
+          <a:prstGeom prst="rect">
+            <a:avLst/>
+          </a:prstGeom>
+        </p:spPr>
+        <p:txBody>
+          <a:bodyPr anchorCtr="0" anchor="t" bIns="91425" lIns="91425" spcFirstLastPara="1" rIns="91425" wrap="square" tIns="91425">
+            <a:noAutofit/>
+          </a:bodyPr>
+          <a:lstStyle/>
+          <a:p>
+            <a:pPr indent="0" lvl="0" marL="0" rtl="0" algn="l">
+              <a:spcBef>
+                <a:spcPts val="0"/>
+              </a:spcBef>
+              <a:spcAft>
+                <a:spcPts val="0"/>
+              </a:spcAft>
+              <a:buNone/>
+            </a:pPr>
+            <a:r>
+              <a:t/>
+            </a:r>
+            <a:endParaRPr/>
+          </a:p>
+        </p:txBody>
+      </p:sp>
+    </p:spTree>
+  </p:cSld>
+  <p:clrMapOvr>
+    <a:masterClrMapping/>
+  </p:clrMapOvr>
+</p:notes>
+</file>
+
+<file path=ppt/notesSlides/notesSlide5.xml><?xml version="1.0" encoding="utf-8"?>
+<p:notes xmlns:a="http://schemas.openxmlformats.org/drawingml/2006/main" xmlns:r="http://schemas.openxmlformats.org/officeDocument/2006/relationships" xmlns:mc="http://schemas.openxmlformats.org/markup-compatibility/2006" xmlns:mv="urn:schemas-microsoft-com:mac:vml" xmlns:p="http://schemas.openxmlformats.org/presentationml/2006/main" xmlns:c="http://schemas.openxmlformats.org/drawingml/2006/chart" xmlns:dgm="http://schemas.openxmlformats.org/drawingml/2006/diagram" xmlns:o="urn:schemas-microsoft-com:office:office" xmlns:v="urn:schemas-microsoft-com:vml" xmlns:pvml="urn:schemas-microsoft-com:office:powerpoint" xmlns:com="http://schemas.openxmlformats.org/drawingml/2006/compatibility" xmlns:p14="http://schemas.microsoft.com/office/powerpoint/2010/main" xmlns:p15="http://schemas.microsoft.com/office/powerpoint/2012/main" xmlns:ahyp="http://schemas.microsoft.com/office/drawing/2018/hyperlinkcolor" showMasterPhAnim="0" showMasterSp="0">
+  <p:cSld>
+    <p:spTree>
+      <p:nvGrpSpPr>
+        <p:cNvPr id="105" name="Shape 105"/>
+        <p:cNvGrpSpPr/>
+        <p:nvPr/>
+      </p:nvGrpSpPr>
+      <p:grpSpPr>
+        <a:xfrm>
+          <a:off x="0" y="0"/>
+          <a:ext cx="0" cy="0"/>
+          <a:chOff x="0" y="0"/>
+          <a:chExt cx="0" cy="0"/>
+        </a:xfrm>
+      </p:grpSpPr>
+      <p:sp>
+        <p:nvSpPr>
+          <p:cNvPr id="106" name="Google Shape;106;p3:notes"/>
           <p:cNvSpPr/>
           <p:nvPr>
             <p:ph idx="2" type="sldImg"/>
@@ -1816,7 +1779,7 @@
       </p:sp>
       <p:sp>
         <p:nvSpPr>
-          <p:cNvPr id="100" name="Google Shape;100;p3:notes"/>
+          <p:cNvPr id="107" name="Google Shape;107;p3:notes"/>
           <p:cNvSpPr txBox="1"/>
           <p:nvPr>
             <p:ph idx="1" type="body"/>
@@ -1869,12 +1832,12 @@
 </p:notes>
 </file>
 
-<file path=ppt/notesSlides/notesSlide5.xml><?xml version="1.0" encoding="utf-8"?>
+<file path=ppt/notesSlides/notesSlide6.xml><?xml version="1.0" encoding="utf-8"?>
 <p:notes xmlns:a="http://schemas.openxmlformats.org/drawingml/2006/main" xmlns:r="http://schemas.openxmlformats.org/officeDocument/2006/relationships" xmlns:mc="http://schemas.openxmlformats.org/markup-compatibility/2006" xmlns:mv="urn:schemas-microsoft-com:mac:vml" xmlns:p="http://schemas.openxmlformats.org/presentationml/2006/main" xmlns:c="http://schemas.openxmlformats.org/drawingml/2006/chart" xmlns:dgm="http://schemas.openxmlformats.org/drawingml/2006/diagram" xmlns:o="urn:schemas-microsoft-com:office:office" xmlns:v="urn:schemas-microsoft-com:vml" xmlns:pvml="urn:schemas-microsoft-com:office:powerpoint" xmlns:com="http://schemas.openxmlformats.org/drawingml/2006/compatibility" xmlns:p14="http://schemas.microsoft.com/office/powerpoint/2010/main" xmlns:p15="http://schemas.microsoft.com/office/powerpoint/2012/main" xmlns:ahyp="http://schemas.microsoft.com/office/drawing/2018/hyperlinkcolor" showMasterPhAnim="0" showMasterSp="0">
   <p:cSld>
     <p:spTree>
       <p:nvGrpSpPr>
-        <p:cNvPr id="104" name="Shape 104"/>
+        <p:cNvPr id="111" name="Shape 111"/>
         <p:cNvGrpSpPr/>
         <p:nvPr/>
       </p:nvGrpSpPr>
@@ -1888,7 +1851,7 @@
       </p:grpSpPr>
       <p:sp>
         <p:nvSpPr>
-          <p:cNvPr id="105" name="Google Shape;105;p4:notes"/>
+          <p:cNvPr id="112" name="Google Shape;112;p4:notes"/>
           <p:cNvSpPr/>
           <p:nvPr>
             <p:ph idx="2" type="sldImg"/>
@@ -1933,7 +1896,7 @@
       </p:sp>
       <p:sp>
         <p:nvSpPr>
-          <p:cNvPr id="106" name="Google Shape;106;p4:notes"/>
+          <p:cNvPr id="113" name="Google Shape;113;p4:notes"/>
           <p:cNvSpPr txBox="1"/>
           <p:nvPr>
             <p:ph idx="1" type="body"/>
@@ -1986,12 +1949,12 @@
 </p:notes>
 </file>
 
-<file path=ppt/notesSlides/notesSlide6.xml><?xml version="1.0" encoding="utf-8"?>
+<file path=ppt/notesSlides/notesSlide7.xml><?xml version="1.0" encoding="utf-8"?>
 <p:notes xmlns:a="http://schemas.openxmlformats.org/drawingml/2006/main" xmlns:r="http://schemas.openxmlformats.org/officeDocument/2006/relationships" xmlns:mc="http://schemas.openxmlformats.org/markup-compatibility/2006" xmlns:mv="urn:schemas-microsoft-com:mac:vml" xmlns:p="http://schemas.openxmlformats.org/presentationml/2006/main" xmlns:c="http://schemas.openxmlformats.org/drawingml/2006/chart" xmlns:dgm="http://schemas.openxmlformats.org/drawingml/2006/diagram" xmlns:o="urn:schemas-microsoft-com:office:office" xmlns:v="urn:schemas-microsoft-com:vml" xmlns:pvml="urn:schemas-microsoft-com:office:powerpoint" xmlns:com="http://schemas.openxmlformats.org/drawingml/2006/compatibility" xmlns:p14="http://schemas.microsoft.com/office/powerpoint/2010/main" xmlns:p15="http://schemas.microsoft.com/office/powerpoint/2012/main" xmlns:ahyp="http://schemas.microsoft.com/office/drawing/2018/hyperlinkcolor" showMasterPhAnim="0" showMasterSp="0">
   <p:cSld>
     <p:spTree>
       <p:nvGrpSpPr>
-        <p:cNvPr id="110" name="Shape 110"/>
+        <p:cNvPr id="117" name="Shape 117"/>
         <p:cNvGrpSpPr/>
         <p:nvPr/>
       </p:nvGrpSpPr>
@@ -2005,7 +1968,7 @@
       </p:grpSpPr>
       <p:sp>
         <p:nvSpPr>
-          <p:cNvPr id="111" name="Google Shape;111;p5:notes"/>
+          <p:cNvPr id="118" name="Google Shape;118;p5:notes"/>
           <p:cNvSpPr/>
           <p:nvPr>
             <p:ph idx="2" type="sldImg"/>
@@ -2050,7 +2013,7 @@
       </p:sp>
       <p:sp>
         <p:nvSpPr>
-          <p:cNvPr id="112" name="Google Shape;112;p5:notes"/>
+          <p:cNvPr id="119" name="Google Shape;119;p5:notes"/>
           <p:cNvSpPr txBox="1"/>
           <p:nvPr>
             <p:ph idx="1" type="body"/>
@@ -2103,12 +2066,12 @@
 </p:notes>
 </file>
 
-<file path=ppt/notesSlides/notesSlide7.xml><?xml version="1.0" encoding="utf-8"?>
+<file path=ppt/notesSlides/notesSlide8.xml><?xml version="1.0" encoding="utf-8"?>
 <p:notes xmlns:a="http://schemas.openxmlformats.org/drawingml/2006/main" xmlns:r="http://schemas.openxmlformats.org/officeDocument/2006/relationships" xmlns:mc="http://schemas.openxmlformats.org/markup-compatibility/2006" xmlns:mv="urn:schemas-microsoft-com:mac:vml" xmlns:p="http://schemas.openxmlformats.org/presentationml/2006/main" xmlns:c="http://schemas.openxmlformats.org/drawingml/2006/chart" xmlns:dgm="http://schemas.openxmlformats.org/drawingml/2006/diagram" xmlns:o="urn:schemas-microsoft-com:office:office" xmlns:v="urn:schemas-microsoft-com:vml" xmlns:pvml="urn:schemas-microsoft-com:office:powerpoint" xmlns:com="http://schemas.openxmlformats.org/drawingml/2006/compatibility" xmlns:p14="http://schemas.microsoft.com/office/powerpoint/2010/main" xmlns:p15="http://schemas.microsoft.com/office/powerpoint/2012/main" xmlns:ahyp="http://schemas.microsoft.com/office/drawing/2018/hyperlinkcolor" showMasterPhAnim="0" showMasterSp="0">
   <p:cSld>
     <p:spTree>
       <p:nvGrpSpPr>
-        <p:cNvPr id="116" name="Shape 116"/>
+        <p:cNvPr id="123" name="Shape 123"/>
         <p:cNvGrpSpPr/>
         <p:nvPr/>
       </p:nvGrpSpPr>
@@ -2122,7 +2085,7 @@
       </p:grpSpPr>
       <p:sp>
         <p:nvSpPr>
-          <p:cNvPr id="117" name="Google Shape;117;p6:notes"/>
+          <p:cNvPr id="124" name="Google Shape;124;p6:notes"/>
           <p:cNvSpPr/>
           <p:nvPr>
             <p:ph idx="2" type="sldImg"/>
@@ -2167,7 +2130,7 @@
       </p:sp>
       <p:sp>
         <p:nvSpPr>
-          <p:cNvPr id="118" name="Google Shape;118;p6:notes"/>
+          <p:cNvPr id="125" name="Google Shape;125;p6:notes"/>
           <p:cNvSpPr txBox="1"/>
           <p:nvPr>
             <p:ph idx="1" type="body"/>
@@ -2220,12 +2183,12 @@
 </p:notes>
 </file>
 
-<file path=ppt/notesSlides/notesSlide8.xml><?xml version="1.0" encoding="utf-8"?>
+<file path=ppt/notesSlides/notesSlide9.xml><?xml version="1.0" encoding="utf-8"?>
 <p:notes xmlns:a="http://schemas.openxmlformats.org/drawingml/2006/main" xmlns:r="http://schemas.openxmlformats.org/officeDocument/2006/relationships" xmlns:mc="http://schemas.openxmlformats.org/markup-compatibility/2006" xmlns:mv="urn:schemas-microsoft-com:mac:vml" xmlns:p="http://schemas.openxmlformats.org/presentationml/2006/main" xmlns:c="http://schemas.openxmlformats.org/drawingml/2006/chart" xmlns:dgm="http://schemas.openxmlformats.org/drawingml/2006/diagram" xmlns:o="urn:schemas-microsoft-com:office:office" xmlns:v="urn:schemas-microsoft-com:vml" xmlns:pvml="urn:schemas-microsoft-com:office:powerpoint" xmlns:com="http://schemas.openxmlformats.org/drawingml/2006/compatibility" xmlns:p14="http://schemas.microsoft.com/office/powerpoint/2010/main" xmlns:p15="http://schemas.microsoft.com/office/powerpoint/2012/main" xmlns:ahyp="http://schemas.microsoft.com/office/drawing/2018/hyperlinkcolor" showMasterPhAnim="0" showMasterSp="0">
   <p:cSld>
     <p:spTree>
       <p:nvGrpSpPr>
-        <p:cNvPr id="122" name="Shape 122"/>
+        <p:cNvPr id="129" name="Shape 129"/>
         <p:cNvGrpSpPr/>
         <p:nvPr/>
       </p:nvGrpSpPr>
@@ -2239,7 +2202,7 @@
       </p:grpSpPr>
       <p:sp>
         <p:nvSpPr>
-          <p:cNvPr id="123" name="Google Shape;123;gf652c19c62_0_10:notes"/>
+          <p:cNvPr id="130" name="Google Shape;130;gf652c19c62_0_10:notes"/>
           <p:cNvSpPr/>
           <p:nvPr>
             <p:ph idx="2" type="sldImg"/>
@@ -2274,106 +2237,7 @@
       </p:sp>
       <p:sp>
         <p:nvSpPr>
-          <p:cNvPr id="124" name="Google Shape;124;gf652c19c62_0_10:notes"/>
-          <p:cNvSpPr txBox="1"/>
-          <p:nvPr>
-            <p:ph idx="1" type="body"/>
-          </p:nvPr>
-        </p:nvSpPr>
-        <p:spPr>
-          <a:xfrm>
-            <a:off x="685800" y="4343400"/>
-            <a:ext cx="5486400" cy="4114800"/>
-          </a:xfrm>
-          <a:prstGeom prst="rect">
-            <a:avLst/>
-          </a:prstGeom>
-        </p:spPr>
-        <p:txBody>
-          <a:bodyPr anchorCtr="0" anchor="t" bIns="91425" lIns="91425" spcFirstLastPara="1" rIns="91425" wrap="square" tIns="91425">
-            <a:noAutofit/>
-          </a:bodyPr>
-          <a:lstStyle/>
-          <a:p>
-            <a:pPr indent="0" lvl="0" marL="0" rtl="0" algn="l">
-              <a:spcBef>
-                <a:spcPts val="0"/>
-              </a:spcBef>
-              <a:spcAft>
-                <a:spcPts val="0"/>
-              </a:spcAft>
-              <a:buNone/>
-            </a:pPr>
-            <a:r>
-              <a:t/>
-            </a:r>
-            <a:endParaRPr/>
-          </a:p>
-        </p:txBody>
-      </p:sp>
-    </p:spTree>
-  </p:cSld>
-  <p:clrMapOvr>
-    <a:masterClrMapping/>
-  </p:clrMapOvr>
-</p:notes>
-</file>
-
-<file path=ppt/notesSlides/notesSlide9.xml><?xml version="1.0" encoding="utf-8"?>
-<p:notes xmlns:a="http://schemas.openxmlformats.org/drawingml/2006/main" xmlns:r="http://schemas.openxmlformats.org/officeDocument/2006/relationships" xmlns:mc="http://schemas.openxmlformats.org/markup-compatibility/2006" xmlns:mv="urn:schemas-microsoft-com:mac:vml" xmlns:p="http://schemas.openxmlformats.org/presentationml/2006/main" xmlns:c="http://schemas.openxmlformats.org/drawingml/2006/chart" xmlns:dgm="http://schemas.openxmlformats.org/drawingml/2006/diagram" xmlns:o="urn:schemas-microsoft-com:office:office" xmlns:v="urn:schemas-microsoft-com:vml" xmlns:pvml="urn:schemas-microsoft-com:office:powerpoint" xmlns:com="http://schemas.openxmlformats.org/drawingml/2006/compatibility" xmlns:p14="http://schemas.microsoft.com/office/powerpoint/2010/main" xmlns:p15="http://schemas.microsoft.com/office/powerpoint/2012/main" xmlns:ahyp="http://schemas.microsoft.com/office/drawing/2018/hyperlinkcolor" showMasterPhAnim="0" showMasterSp="0">
-  <p:cSld>
-    <p:spTree>
-      <p:nvGrpSpPr>
-        <p:cNvPr id="138" name="Shape 138"/>
-        <p:cNvGrpSpPr/>
-        <p:nvPr/>
-      </p:nvGrpSpPr>
-      <p:grpSpPr>
-        <a:xfrm>
-          <a:off x="0" y="0"/>
-          <a:ext cx="0" cy="0"/>
-          <a:chOff x="0" y="0"/>
-          <a:chExt cx="0" cy="0"/>
-        </a:xfrm>
-      </p:grpSpPr>
-      <p:sp>
-        <p:nvSpPr>
-          <p:cNvPr id="139" name="Google Shape;139;gf652c19c62_0_5:notes"/>
-          <p:cNvSpPr/>
-          <p:nvPr>
-            <p:ph idx="2" type="sldImg"/>
-          </p:nvPr>
-        </p:nvSpPr>
-        <p:spPr>
-          <a:xfrm>
-            <a:off x="381300" y="685800"/>
-            <a:ext cx="6096000" cy="3429000"/>
-          </a:xfrm>
-          <a:custGeom>
-            <a:rect b="b" l="l" r="r" t="t"/>
-            <a:pathLst>
-              <a:path extrusionOk="0" h="120000" w="120000">
-                <a:moveTo>
-                  <a:pt x="0" y="0"/>
-                </a:moveTo>
-                <a:lnTo>
-                  <a:pt x="120000" y="0"/>
-                </a:lnTo>
-                <a:lnTo>
-                  <a:pt x="120000" y="120000"/>
-                </a:lnTo>
-                <a:lnTo>
-                  <a:pt x="0" y="120000"/>
-                </a:lnTo>
-                <a:close/>
-              </a:path>
-            </a:pathLst>
-          </a:custGeom>
-        </p:spPr>
-      </p:sp>
-      <p:sp>
-        <p:nvSpPr>
-          <p:cNvPr id="140" name="Google Shape;140;gf652c19c62_0_5:notes"/>
+          <p:cNvPr id="131" name="Google Shape;131;gf652c19c62_0_10:notes"/>
           <p:cNvSpPr txBox="1"/>
           <p:nvPr>
             <p:ph idx="1" type="body"/>
@@ -10357,7 +10221,7 @@
   <p:cSld>
     <p:spTree>
       <p:nvGrpSpPr>
-        <p:cNvPr id="153" name="Shape 153"/>
+        <p:cNvPr id="148" name="Shape 148"/>
         <p:cNvGrpSpPr/>
         <p:nvPr/>
       </p:nvGrpSpPr>
@@ -10371,7 +10235,304 @@
       </p:grpSpPr>
       <p:sp>
         <p:nvSpPr>
+          <p:cNvPr id="149" name="Google Shape;149;p25"/>
+          <p:cNvSpPr txBox="1"/>
+          <p:nvPr>
+            <p:ph type="title"/>
+          </p:nvPr>
+        </p:nvSpPr>
+        <p:spPr>
+          <a:xfrm>
+            <a:off x="431800" y="83344"/>
+            <a:ext cx="8375700" cy="531000"/>
+          </a:xfrm>
+          <a:prstGeom prst="rect">
+            <a:avLst/>
+          </a:prstGeom>
+        </p:spPr>
+        <p:txBody>
+          <a:bodyPr anchorCtr="0" anchor="b" bIns="0" lIns="0" spcFirstLastPara="1" rIns="0" wrap="square" tIns="0">
+            <a:noAutofit/>
+          </a:bodyPr>
+          <a:lstStyle/>
+          <a:p>
+            <a:pPr indent="0" lvl="0" marL="0" rtl="0" algn="l">
+              <a:spcBef>
+                <a:spcPts val="0"/>
+              </a:spcBef>
+              <a:spcAft>
+                <a:spcPts val="0"/>
+              </a:spcAft>
+              <a:buNone/>
+            </a:pPr>
+            <a:r>
+              <a:rPr lang="de"/>
+              <a:t>2.3.1 Repository klonen</a:t>
+            </a:r>
+            <a:endParaRPr/>
+          </a:p>
+        </p:txBody>
+      </p:sp>
+      <p:sp>
+        <p:nvSpPr>
+          <p:cNvPr id="150" name="Google Shape;150;p25"/>
+          <p:cNvSpPr txBox="1"/>
+          <p:nvPr>
+            <p:ph idx="1" type="body"/>
+          </p:nvPr>
+        </p:nvSpPr>
+        <p:spPr>
+          <a:xfrm>
+            <a:off x="431800" y="945000"/>
+            <a:ext cx="8375700" cy="3375000"/>
+          </a:xfrm>
+          <a:prstGeom prst="rect">
+            <a:avLst/>
+          </a:prstGeom>
+        </p:spPr>
+        <p:txBody>
+          <a:bodyPr anchorCtr="0" anchor="t" bIns="0" lIns="0" spcFirstLastPara="1" rIns="0" wrap="square" tIns="0">
+            <a:noAutofit/>
+          </a:bodyPr>
+          <a:lstStyle/>
+          <a:p>
+            <a:pPr indent="0" lvl="0" marL="0" rtl="0" algn="l">
+              <a:spcBef>
+                <a:spcPts val="320"/>
+              </a:spcBef>
+              <a:spcAft>
+                <a:spcPts val="0"/>
+              </a:spcAft>
+              <a:buNone/>
+            </a:pPr>
+            <a:r>
+              <a:rPr lang="de"/>
+              <a:t>Danach kannst du das Repository mit SSH klonen:</a:t>
+            </a:r>
+            <a:endParaRPr/>
+          </a:p>
+        </p:txBody>
+      </p:sp>
+      <p:pic>
+        <p:nvPicPr>
+          <p:cNvPr id="151" name="Google Shape;151;p25"/>
+          <p:cNvPicPr preferRelativeResize="0"/>
+          <p:nvPr/>
+        </p:nvPicPr>
+        <p:blipFill>
+          <a:blip r:embed="rId3">
+            <a:alphaModFix/>
+          </a:blip>
+          <a:stretch>
+            <a:fillRect/>
+          </a:stretch>
+        </p:blipFill>
+        <p:spPr>
+          <a:xfrm>
+            <a:off x="431800" y="1305488"/>
+            <a:ext cx="3982024" cy="2654024"/>
+          </a:xfrm>
+          <a:prstGeom prst="rect">
+            <a:avLst/>
+          </a:prstGeom>
+          <a:noFill/>
+          <a:ln>
+            <a:noFill/>
+          </a:ln>
+        </p:spPr>
+      </p:pic>
+      <p:pic>
+        <p:nvPicPr>
+          <p:cNvPr id="152" name="Google Shape;152;p25"/>
+          <p:cNvPicPr preferRelativeResize="0"/>
+          <p:nvPr/>
+        </p:nvPicPr>
+        <p:blipFill>
+          <a:blip r:embed="rId4">
+            <a:alphaModFix/>
+          </a:blip>
+          <a:stretch>
+            <a:fillRect/>
+          </a:stretch>
+        </p:blipFill>
+        <p:spPr>
+          <a:xfrm>
+            <a:off x="2316175" y="4188873"/>
+            <a:ext cx="6023475" cy="170775"/>
+          </a:xfrm>
+          <a:prstGeom prst="rect">
+            <a:avLst/>
+          </a:prstGeom>
+          <a:noFill/>
+          <a:ln>
+            <a:noFill/>
+          </a:ln>
+        </p:spPr>
+      </p:pic>
+      <p:cxnSp>
+        <p:nvCxnSpPr>
+          <p:cNvPr id="153" name="Google Shape;153;p25"/>
+          <p:cNvCxnSpPr/>
+          <p:nvPr/>
+        </p:nvCxnSpPr>
+        <p:spPr>
+          <a:xfrm flipH="1">
+            <a:off x="4131100" y="2271375"/>
+            <a:ext cx="847800" cy="1094400"/>
+          </a:xfrm>
+          <a:prstGeom prst="straightConnector1">
+            <a:avLst/>
+          </a:prstGeom>
+          <a:noFill/>
+          <a:ln cap="flat" cmpd="sng" w="9525">
+            <a:solidFill>
+              <a:srgbClr val="FF0000"/>
+            </a:solidFill>
+            <a:prstDash val="solid"/>
+            <a:round/>
+            <a:headEnd len="med" w="med" type="none"/>
+            <a:tailEnd len="med" w="med" type="triangle"/>
+          </a:ln>
+        </p:spPr>
+      </p:cxnSp>
+      <p:cxnSp>
+        <p:nvCxnSpPr>
           <p:cNvPr id="154" name="Google Shape;154;p25"/>
+          <p:cNvCxnSpPr/>
+          <p:nvPr/>
+        </p:nvCxnSpPr>
+        <p:spPr>
+          <a:xfrm flipH="1">
+            <a:off x="4032550" y="2098550"/>
+            <a:ext cx="765300" cy="633600"/>
+          </a:xfrm>
+          <a:prstGeom prst="straightConnector1">
+            <a:avLst/>
+          </a:prstGeom>
+          <a:noFill/>
+          <a:ln cap="flat" cmpd="sng" w="9525">
+            <a:solidFill>
+              <a:srgbClr val="FF0000"/>
+            </a:solidFill>
+            <a:prstDash val="solid"/>
+            <a:round/>
+            <a:headEnd len="med" w="med" type="none"/>
+            <a:tailEnd len="med" w="med" type="triangle"/>
+          </a:ln>
+        </p:spPr>
+      </p:cxnSp>
+      <p:sp>
+        <p:nvSpPr>
+          <p:cNvPr id="155" name="Google Shape;155;p25"/>
+          <p:cNvSpPr txBox="1"/>
+          <p:nvPr/>
+        </p:nvSpPr>
+        <p:spPr>
+          <a:xfrm>
+            <a:off x="4851850" y="1902075"/>
+            <a:ext cx="691200" cy="276900"/>
+          </a:xfrm>
+          <a:prstGeom prst="rect">
+            <a:avLst/>
+          </a:prstGeom>
+          <a:noFill/>
+          <a:ln>
+            <a:noFill/>
+          </a:ln>
+        </p:spPr>
+        <p:txBody>
+          <a:bodyPr anchorCtr="0" anchor="t" bIns="91425" lIns="91425" spcFirstLastPara="1" rIns="91425" wrap="square" tIns="91425">
+            <a:spAutoFit/>
+          </a:bodyPr>
+          <a:lstStyle/>
+          <a:p>
+            <a:pPr indent="0" lvl="0" marL="0" rtl="0" algn="l">
+              <a:spcBef>
+                <a:spcPts val="0"/>
+              </a:spcBef>
+              <a:spcAft>
+                <a:spcPts val="0"/>
+              </a:spcAft>
+              <a:buNone/>
+            </a:pPr>
+            <a:r>
+              <a:rPr lang="de" sz="600"/>
+              <a:t>Link kopieren</a:t>
+            </a:r>
+            <a:endParaRPr sz="500"/>
+          </a:p>
+        </p:txBody>
+      </p:sp>
+      <p:sp>
+        <p:nvSpPr>
+          <p:cNvPr id="156" name="Google Shape;156;p25"/>
+          <p:cNvSpPr txBox="1"/>
+          <p:nvPr/>
+        </p:nvSpPr>
+        <p:spPr>
+          <a:xfrm>
+            <a:off x="5085900" y="2814500"/>
+            <a:ext cx="3316500" cy="1262100"/>
+          </a:xfrm>
+          <a:prstGeom prst="rect">
+            <a:avLst/>
+          </a:prstGeom>
+          <a:noFill/>
+          <a:ln>
+            <a:noFill/>
+          </a:ln>
+        </p:spPr>
+        <p:txBody>
+          <a:bodyPr anchorCtr="0" anchor="t" bIns="91425" lIns="91425" spcFirstLastPara="1" rIns="91425" wrap="square" tIns="91425">
+            <a:spAutoFit/>
+          </a:bodyPr>
+          <a:lstStyle/>
+          <a:p>
+            <a:pPr indent="0" lvl="0" marL="0" rtl="0" algn="l">
+              <a:spcBef>
+                <a:spcPts val="0"/>
+              </a:spcBef>
+              <a:spcAft>
+                <a:spcPts val="0"/>
+              </a:spcAft>
+              <a:buNone/>
+            </a:pPr>
+            <a:r>
+              <a:rPr lang="de"/>
+              <a:t>Danach kannst du das Repository mit “git clone &lt;link&gt;” klonen. Mit “git pull” innerhalb des Verzeichnisses kannst du dir die Updates vom Remote Repository herunterladen.</a:t>
+            </a:r>
+            <a:endParaRPr/>
+          </a:p>
+        </p:txBody>
+      </p:sp>
+    </p:spTree>
+  </p:cSld>
+  <p:clrMapOvr>
+    <a:masterClrMapping/>
+  </p:clrMapOvr>
+</p:sld>
+</file>
+
+<file path=ppt/slides/slide11.xml><?xml version="1.0" encoding="utf-8"?>
+<p:sld xmlns:a="http://schemas.openxmlformats.org/drawingml/2006/main" xmlns:r="http://schemas.openxmlformats.org/officeDocument/2006/relationships" xmlns:mc="http://schemas.openxmlformats.org/markup-compatibility/2006" xmlns:mv="urn:schemas-microsoft-com:mac:vml" xmlns:p="http://schemas.openxmlformats.org/presentationml/2006/main" xmlns:c="http://schemas.openxmlformats.org/drawingml/2006/chart" xmlns:dgm="http://schemas.openxmlformats.org/drawingml/2006/diagram" xmlns:o="urn:schemas-microsoft-com:office:office" xmlns:v="urn:schemas-microsoft-com:vml" xmlns:pvml="urn:schemas-microsoft-com:office:powerpoint" xmlns:com="http://schemas.openxmlformats.org/drawingml/2006/compatibility" xmlns:p14="http://schemas.microsoft.com/office/powerpoint/2010/main" xmlns:p15="http://schemas.microsoft.com/office/powerpoint/2012/main" xmlns:ahyp="http://schemas.microsoft.com/office/drawing/2018/hyperlinkcolor">
+  <p:cSld>
+    <p:spTree>
+      <p:nvGrpSpPr>
+        <p:cNvPr id="160" name="Shape 160"/>
+        <p:cNvGrpSpPr/>
+        <p:nvPr/>
+      </p:nvGrpSpPr>
+      <p:grpSpPr>
+        <a:xfrm>
+          <a:off x="0" y="0"/>
+          <a:ext cx="0" cy="0"/>
+          <a:chOff x="0" y="0"/>
+          <a:chExt cx="0" cy="0"/>
+        </a:xfrm>
+      </p:grpSpPr>
+      <p:sp>
+        <p:nvSpPr>
+          <p:cNvPr id="161" name="Google Shape;161;p26"/>
           <p:cNvSpPr txBox="1"/>
           <p:nvPr>
             <p:ph type="title"/>
@@ -10411,7 +10572,7 @@
             </a:pPr>
             <a:r>
               <a:rPr lang="de"/>
-              <a:t>1.4. Was du sonst noch brauchst</a:t>
+              <a:t>2.4. Was du sonst noch brauchst</a:t>
             </a:r>
             <a:endParaRPr/>
           </a:p>
@@ -10419,7 +10580,7 @@
       </p:sp>
       <p:sp>
         <p:nvSpPr>
-          <p:cNvPr id="155" name="Google Shape;155;p25"/>
+          <p:cNvPr id="162" name="Google Shape;162;p26"/>
           <p:cNvSpPr txBox="1"/>
           <p:nvPr>
             <p:ph idx="1" type="body"/>
@@ -10567,7 +10728,7 @@
       </p:sp>
       <p:sp>
         <p:nvSpPr>
-          <p:cNvPr id="156" name="Google Shape;156;p25"/>
+          <p:cNvPr id="163" name="Google Shape;163;p26"/>
           <p:cNvSpPr txBox="1"/>
           <p:nvPr/>
         </p:nvSpPr>
@@ -10784,7 +10945,7 @@
       </p:sp>
       <p:sp>
         <p:nvSpPr>
-          <p:cNvPr id="157" name="Google Shape;157;p25"/>
+          <p:cNvPr id="164" name="Google Shape;164;p26"/>
           <p:cNvSpPr txBox="1"/>
           <p:nvPr/>
         </p:nvSpPr>
@@ -11118,12 +11279,12 @@
 </p:sld>
 </file>
 
-<file path=ppt/slides/slide11.xml><?xml version="1.0" encoding="utf-8"?>
+<file path=ppt/slides/slide12.xml><?xml version="1.0" encoding="utf-8"?>
 <p:sld xmlns:a="http://schemas.openxmlformats.org/drawingml/2006/main" xmlns:r="http://schemas.openxmlformats.org/officeDocument/2006/relationships" xmlns:mc="http://schemas.openxmlformats.org/markup-compatibility/2006" xmlns:mv="urn:schemas-microsoft-com:mac:vml" xmlns:p="http://schemas.openxmlformats.org/presentationml/2006/main" xmlns:c="http://schemas.openxmlformats.org/drawingml/2006/chart" xmlns:dgm="http://schemas.openxmlformats.org/drawingml/2006/diagram" xmlns:o="urn:schemas-microsoft-com:office:office" xmlns:v="urn:schemas-microsoft-com:vml" xmlns:pvml="urn:schemas-microsoft-com:office:powerpoint" xmlns:com="http://schemas.openxmlformats.org/drawingml/2006/compatibility" xmlns:p14="http://schemas.microsoft.com/office/powerpoint/2010/main" xmlns:p15="http://schemas.microsoft.com/office/powerpoint/2012/main" xmlns:ahyp="http://schemas.microsoft.com/office/drawing/2018/hyperlinkcolor">
   <p:cSld>
     <p:spTree>
       <p:nvGrpSpPr>
-        <p:cNvPr id="161" name="Shape 161"/>
+        <p:cNvPr id="168" name="Shape 168"/>
         <p:cNvGrpSpPr/>
         <p:nvPr/>
       </p:nvGrpSpPr>
@@ -11137,7 +11298,7 @@
       </p:grpSpPr>
       <p:sp>
         <p:nvSpPr>
-          <p:cNvPr id="162" name="Google Shape;162;p26"/>
+          <p:cNvPr id="169" name="Google Shape;169;p27"/>
           <p:cNvSpPr txBox="1"/>
           <p:nvPr>
             <p:ph type="title"/>
@@ -11177,7 +11338,7 @@
             </a:pPr>
             <a:r>
               <a:rPr lang="de"/>
-              <a:t>2.1. Sprachkonzepte von Java</a:t>
+              <a:t>3. Fragen</a:t>
             </a:r>
             <a:endParaRPr/>
           </a:p>
@@ -11185,7 +11346,7 @@
       </p:sp>
       <p:sp>
         <p:nvSpPr>
-          <p:cNvPr id="163" name="Google Shape;163;p26"/>
+          <p:cNvPr id="170" name="Google Shape;170;p27"/>
           <p:cNvSpPr txBox="1"/>
           <p:nvPr>
             <p:ph idx="1" type="body"/>
@@ -11224,28 +11385,54 @@
               <a:buChar char="●"/>
             </a:pPr>
             <a:r>
-              <a:rPr b="1" lang="de"/>
-              <a:t>Objektorientiert</a:t>
-            </a:r>
-            <a:endParaRPr b="1"/>
+              <a:rPr lang="de"/>
+              <a:t>Es gibt keine dummen Fragen, Programmieren ist für die meisten hier Neuland</a:t>
+            </a:r>
+            <a:br>
+              <a:rPr lang="de"/>
+            </a:br>
+            <a:endParaRPr/>
           </a:p>
           <a:p>
-            <a:pPr indent="-342900" lvl="1" marL="914400" rtl="0" algn="l">
-              <a:lnSpc>
-                <a:spcPct val="100000"/>
-              </a:lnSpc>
-              <a:spcBef>
-                <a:spcPts val="0"/>
-              </a:spcBef>
-              <a:spcAft>
-                <a:spcPts val="0"/>
-              </a:spcAft>
-              <a:buSzPts val="1800"/>
-              <a:buChar char="-"/>
+            <a:pPr indent="-317500" lvl="0" marL="457200" rtl="0" algn="l">
+              <a:lnSpc>
+                <a:spcPct val="100000"/>
+              </a:lnSpc>
+              <a:spcBef>
+                <a:spcPts val="0"/>
+              </a:spcBef>
+              <a:spcAft>
+                <a:spcPts val="0"/>
+              </a:spcAft>
+              <a:buSzPts val="1400"/>
+              <a:buChar char="●"/>
             </a:pPr>
             <a:r>
               <a:rPr lang="de"/>
-              <a:t>Für euch in den ersten zwei Wochen noch nicht so wichtig, aber hier ganz passend</a:t>
+              <a:t>Fragen hilft auch den anderen</a:t>
+            </a:r>
+            <a:br>
+              <a:rPr lang="de"/>
+            </a:br>
+            <a:endParaRPr/>
+          </a:p>
+          <a:p>
+            <a:pPr indent="-317500" lvl="0" marL="457200" rtl="0" algn="l">
+              <a:lnSpc>
+                <a:spcPct val="100000"/>
+              </a:lnSpc>
+              <a:spcBef>
+                <a:spcPts val="0"/>
+              </a:spcBef>
+              <a:spcAft>
+                <a:spcPts val="0"/>
+              </a:spcAft>
+              <a:buSzPts val="1400"/>
+              <a:buChar char="●"/>
+            </a:pPr>
+            <a:r>
+              <a:rPr lang="de"/>
+              <a:t>Ihr könnt fachliche und organisatorische Fragen jeglicher Art stellen</a:t>
             </a:r>
             <a:endParaRPr/>
           </a:p>
@@ -11265,31 +11452,7 @@
             </a:pPr>
             <a:r>
               <a:rPr lang="de"/>
-              <a:t>In Java ist (nahezu) </a:t>
-            </a:r>
-            <a:r>
-              <a:rPr b="1" lang="de"/>
-              <a:t>alles ein Objekt.</a:t>
-            </a:r>
-            <a:endParaRPr b="1"/>
-          </a:p>
-          <a:p>
-            <a:pPr indent="-342900" lvl="1" marL="914400" rtl="0" algn="l">
-              <a:lnSpc>
-                <a:spcPct val="100000"/>
-              </a:lnSpc>
-              <a:spcBef>
-                <a:spcPts val="0"/>
-              </a:spcBef>
-              <a:spcAft>
-                <a:spcPts val="0"/>
-              </a:spcAft>
-              <a:buSzPts val="1800"/>
-              <a:buChar char="-"/>
-            </a:pPr>
-            <a:r>
-              <a:rPr lang="de"/>
-              <a:t>Ein Klasse ist ein Datentyp, welcher bestimmte Attribute und Verhalten kapselt</a:t>
+              <a:t>zur Vorlesung</a:t>
             </a:r>
             <a:endParaRPr/>
           </a:p>
@@ -11309,27 +11472,7 @@
             </a:pPr>
             <a:r>
               <a:rPr lang="de"/>
-              <a:t>Eine Instanz einer Klasse nennt sich Objekt </a:t>
-            </a:r>
-            <a:endParaRPr/>
-          </a:p>
-          <a:p>
-            <a:pPr indent="-342900" lvl="2" marL="1371600" rtl="0" algn="l">
-              <a:lnSpc>
-                <a:spcPct val="100000"/>
-              </a:lnSpc>
-              <a:spcBef>
-                <a:spcPts val="0"/>
-              </a:spcBef>
-              <a:spcAft>
-                <a:spcPts val="0"/>
-              </a:spcAft>
-              <a:buSzPts val="1800"/>
-              <a:buChar char="■"/>
-            </a:pPr>
-            <a:r>
-              <a:rPr lang="de"/>
-              <a:t>Klasse: Person, Objekt/Instanz: Die Person David Gemen</a:t>
+              <a:t>zum Tutorium</a:t>
             </a:r>
             <a:endParaRPr/>
           </a:p>
@@ -11349,87 +11492,12 @@
             </a:pPr>
             <a:r>
               <a:rPr lang="de"/>
-              <a:t>Komplexere Java-Programme sind ein Zusammenspiel kooperierender Objekte</a:t>
+              <a:t>zu den Hausaufgaben (es gibt dann ggf. Hinweise, nicht die Lösungen)</a:t>
             </a:r>
             <a:endParaRPr/>
           </a:p>
           <a:p>
-            <a:pPr indent="0" lvl="0" marL="914400" rtl="0" algn="l">
-              <a:lnSpc>
-                <a:spcPct val="100000"/>
-              </a:lnSpc>
-              <a:spcBef>
-                <a:spcPts val="320"/>
-              </a:spcBef>
-              <a:spcAft>
-                <a:spcPts val="0"/>
-              </a:spcAft>
-              <a:buSzPts val="1400"/>
-              <a:buNone/>
-            </a:pPr>
-            <a:r>
-              <a:t/>
-            </a:r>
-            <a:endParaRPr/>
-          </a:p>
-          <a:p>
-            <a:pPr indent="-317500" lvl="0" marL="457200" rtl="0" algn="l">
-              <a:lnSpc>
-                <a:spcPct val="100000"/>
-              </a:lnSpc>
-              <a:spcBef>
-                <a:spcPts val="320"/>
-              </a:spcBef>
-              <a:spcAft>
-                <a:spcPts val="0"/>
-              </a:spcAft>
-              <a:buSzPts val="1400"/>
-              <a:buChar char="●"/>
-            </a:pPr>
-            <a:r>
-              <a:rPr b="1" lang="de"/>
-              <a:t>Imperativ</a:t>
-            </a:r>
-            <a:endParaRPr b="1"/>
-          </a:p>
-          <a:p>
-            <a:pPr indent="-342900" lvl="1" marL="914400" rtl="0" algn="l">
-              <a:lnSpc>
-                <a:spcPct val="100000"/>
-              </a:lnSpc>
-              <a:spcBef>
-                <a:spcPts val="0"/>
-              </a:spcBef>
-              <a:spcAft>
-                <a:spcPts val="0"/>
-              </a:spcAft>
-              <a:buSzPts val="1800"/>
-              <a:buChar char="-"/>
-            </a:pPr>
-            <a:r>
-              <a:rPr lang="de"/>
-              <a:t>Java-Programmcode ist eine Reihe von Anweisungen an den Computer, die dieser in </a:t>
-            </a:r>
-            <a:r>
-              <a:rPr b="1" lang="de"/>
-              <a:t>vorgegebener Reihenfolge</a:t>
-            </a:r>
-            <a:r>
-              <a:rPr lang="de"/>
-              <a:t> (</a:t>
-            </a:r>
-            <a:r>
-              <a:rPr b="1" lang="de"/>
-              <a:t>von oben nach unten</a:t>
-            </a:r>
-            <a:r>
-              <a:rPr lang="de"/>
-              <a:t>, ggf. mit expliziten Sprüngen) ausführt.</a:t>
-            </a:r>
-            <a:endParaRPr/>
-          </a:p>
-          <a:p>
-            <a:pPr indent="0" lvl="0" marL="914400" rtl="0" algn="l">
+            <a:pPr indent="0" lvl="0" marL="0" rtl="0" algn="l">
               <a:lnSpc>
                 <a:spcPct val="100000"/>
               </a:lnSpc>
@@ -11449,228 +11517,6 @@
           </a:p>
         </p:txBody>
       </p:sp>
-    </p:spTree>
-  </p:cSld>
-  <p:clrMapOvr>
-    <a:masterClrMapping/>
-  </p:clrMapOvr>
-</p:sld>
-</file>
-
-<file path=ppt/slides/slide12.xml><?xml version="1.0" encoding="utf-8"?>
-<p:sld xmlns:a="http://schemas.openxmlformats.org/drawingml/2006/main" xmlns:r="http://schemas.openxmlformats.org/officeDocument/2006/relationships" xmlns:mc="http://schemas.openxmlformats.org/markup-compatibility/2006" xmlns:mv="urn:schemas-microsoft-com:mac:vml" xmlns:p="http://schemas.openxmlformats.org/presentationml/2006/main" xmlns:c="http://schemas.openxmlformats.org/drawingml/2006/chart" xmlns:dgm="http://schemas.openxmlformats.org/drawingml/2006/diagram" xmlns:o="urn:schemas-microsoft-com:office:office" xmlns:v="urn:schemas-microsoft-com:vml" xmlns:pvml="urn:schemas-microsoft-com:office:powerpoint" xmlns:com="http://schemas.openxmlformats.org/drawingml/2006/compatibility" xmlns:p14="http://schemas.microsoft.com/office/powerpoint/2010/main" xmlns:p15="http://schemas.microsoft.com/office/powerpoint/2012/main" xmlns:ahyp="http://schemas.microsoft.com/office/drawing/2018/hyperlinkcolor">
-  <p:cSld>
-    <p:spTree>
-      <p:nvGrpSpPr>
-        <p:cNvPr id="167" name="Shape 167"/>
-        <p:cNvGrpSpPr/>
-        <p:nvPr/>
-      </p:nvGrpSpPr>
-      <p:grpSpPr>
-        <a:xfrm>
-          <a:off x="0" y="0"/>
-          <a:ext cx="0" cy="0"/>
-          <a:chOff x="0" y="0"/>
-          <a:chExt cx="0" cy="0"/>
-        </a:xfrm>
-      </p:grpSpPr>
-      <p:sp>
-        <p:nvSpPr>
-          <p:cNvPr id="168" name="Google Shape;168;p27"/>
-          <p:cNvSpPr txBox="1"/>
-          <p:nvPr>
-            <p:ph type="title"/>
-          </p:nvPr>
-        </p:nvSpPr>
-        <p:spPr>
-          <a:xfrm>
-            <a:off x="431800" y="83344"/>
-            <a:ext cx="8375700" cy="531000"/>
-          </a:xfrm>
-          <a:prstGeom prst="rect">
-            <a:avLst/>
-          </a:prstGeom>
-          <a:noFill/>
-          <a:ln>
-            <a:noFill/>
-          </a:ln>
-        </p:spPr>
-        <p:txBody>
-          <a:bodyPr anchorCtr="0" anchor="b" bIns="0" lIns="0" spcFirstLastPara="1" rIns="0" wrap="square" tIns="0">
-            <a:noAutofit/>
-          </a:bodyPr>
-          <a:lstStyle/>
-          <a:p>
-            <a:pPr indent="0" lvl="0" marL="0" rtl="0" algn="l">
-              <a:lnSpc>
-                <a:spcPct val="100000"/>
-              </a:lnSpc>
-              <a:spcBef>
-                <a:spcPts val="0"/>
-              </a:spcBef>
-              <a:spcAft>
-                <a:spcPts val="0"/>
-              </a:spcAft>
-              <a:buSzPts val="1400"/>
-              <a:buNone/>
-            </a:pPr>
-            <a:r>
-              <a:rPr lang="de"/>
-              <a:t>2.2. Workflow</a:t>
-            </a:r>
-            <a:endParaRPr/>
-          </a:p>
-        </p:txBody>
-      </p:sp>
-      <p:sp>
-        <p:nvSpPr>
-          <p:cNvPr id="169" name="Google Shape;169;p27"/>
-          <p:cNvSpPr txBox="1"/>
-          <p:nvPr>
-            <p:ph idx="1" type="body"/>
-          </p:nvPr>
-        </p:nvSpPr>
-        <p:spPr>
-          <a:xfrm>
-            <a:off x="481175" y="884250"/>
-            <a:ext cx="8375700" cy="3375000"/>
-          </a:xfrm>
-          <a:prstGeom prst="rect">
-            <a:avLst/>
-          </a:prstGeom>
-          <a:noFill/>
-          <a:ln>
-            <a:noFill/>
-          </a:ln>
-        </p:spPr>
-        <p:txBody>
-          <a:bodyPr anchorCtr="0" anchor="t" bIns="0" lIns="0" spcFirstLastPara="1" rIns="0" wrap="square" tIns="0">
-            <a:noAutofit/>
-          </a:bodyPr>
-          <a:lstStyle/>
-          <a:p>
-            <a:pPr indent="0" lvl="0" marL="0" rtl="0" algn="l">
-              <a:lnSpc>
-                <a:spcPct val="100000"/>
-              </a:lnSpc>
-              <a:spcBef>
-                <a:spcPts val="320"/>
-              </a:spcBef>
-              <a:spcAft>
-                <a:spcPts val="0"/>
-              </a:spcAft>
-              <a:buSzPts val="1400"/>
-              <a:buNone/>
-            </a:pPr>
-            <a:r>
-              <a:rPr lang="de"/>
-              <a:t>Die meisten Programmiersprachen sind entweder </a:t>
-            </a:r>
-            <a:r>
-              <a:rPr b="1" lang="de"/>
-              <a:t>kompiliert</a:t>
-            </a:r>
-            <a:r>
-              <a:rPr lang="de"/>
-              <a:t> (Umwandlung des Programmcodes in Maschinencode, der dann ausgeführt wird) oder </a:t>
-            </a:r>
-            <a:r>
-              <a:rPr b="1" lang="de"/>
-              <a:t>interpretiert</a:t>
-            </a:r>
-            <a:r>
-              <a:rPr lang="de"/>
-              <a:t> (Direkte Ausführung des Programmcodes). Java hat beides: Kompilierung und Interpretation. </a:t>
-            </a:r>
-            <a:endParaRPr/>
-          </a:p>
-          <a:p>
-            <a:pPr indent="-317500" lvl="0" marL="457200" rtl="0" algn="l">
-              <a:lnSpc>
-                <a:spcPct val="100000"/>
-              </a:lnSpc>
-              <a:spcBef>
-                <a:spcPts val="320"/>
-              </a:spcBef>
-              <a:spcAft>
-                <a:spcPts val="0"/>
-              </a:spcAft>
-              <a:buSzPts val="1400"/>
-              <a:buChar char="➔"/>
-            </a:pPr>
-            <a:r>
-              <a:rPr lang="de"/>
-              <a:t>Der Vorteil: Plattformunabhängigkeit.</a:t>
-            </a:r>
-            <a:endParaRPr/>
-          </a:p>
-          <a:p>
-            <a:pPr indent="0" lvl="0" marL="0" rtl="0" algn="l">
-              <a:lnSpc>
-                <a:spcPct val="100000"/>
-              </a:lnSpc>
-              <a:spcBef>
-                <a:spcPts val="320"/>
-              </a:spcBef>
-              <a:spcAft>
-                <a:spcPts val="0"/>
-              </a:spcAft>
-              <a:buSzPts val="1400"/>
-              <a:buNone/>
-            </a:pPr>
-            <a:r>
-              <a:t/>
-            </a:r>
-            <a:endParaRPr/>
-          </a:p>
-          <a:p>
-            <a:pPr indent="0" lvl="0" marL="0" rtl="0" algn="l">
-              <a:lnSpc>
-                <a:spcPct val="100000"/>
-              </a:lnSpc>
-              <a:spcBef>
-                <a:spcPts val="320"/>
-              </a:spcBef>
-              <a:spcAft>
-                <a:spcPts val="0"/>
-              </a:spcAft>
-              <a:buSzPts val="1400"/>
-              <a:buNone/>
-            </a:pPr>
-            <a:r>
-              <a:t/>
-            </a:r>
-            <a:endParaRPr/>
-          </a:p>
-        </p:txBody>
-      </p:sp>
-      <p:pic>
-        <p:nvPicPr>
-          <p:cNvPr id="170" name="Google Shape;170;p27"/>
-          <p:cNvPicPr preferRelativeResize="0"/>
-          <p:nvPr/>
-        </p:nvPicPr>
-        <p:blipFill rotWithShape="1">
-          <a:blip r:embed="rId3">
-            <a:alphaModFix/>
-          </a:blip>
-          <a:srcRect b="0" l="0" r="0" t="0"/>
-          <a:stretch/>
-        </p:blipFill>
-        <p:spPr>
-          <a:xfrm>
-            <a:off x="2019300" y="2097063"/>
-            <a:ext cx="5105400" cy="2162175"/>
-          </a:xfrm>
-          <a:prstGeom prst="rect">
-            <a:avLst/>
-          </a:prstGeom>
-          <a:noFill/>
-          <a:ln>
-            <a:noFill/>
-          </a:ln>
-        </p:spPr>
-      </p:pic>
     </p:spTree>
   </p:cSld>
   <p:clrMapOvr>
@@ -11738,7 +11584,7 @@
             </a:pPr>
             <a:r>
               <a:rPr lang="de"/>
-              <a:t>3. Fragen</a:t>
+              <a:t>4. Installation auf euren Geräten</a:t>
             </a:r>
             <a:endParaRPr/>
           </a:p>
@@ -11747,252 +11593,6 @@
       <p:sp>
         <p:nvSpPr>
           <p:cNvPr id="176" name="Google Shape;176;p28"/>
-          <p:cNvSpPr txBox="1"/>
-          <p:nvPr>
-            <p:ph idx="1" type="body"/>
-          </p:nvPr>
-        </p:nvSpPr>
-        <p:spPr>
-          <a:xfrm>
-            <a:off x="431800" y="945000"/>
-            <a:ext cx="8375700" cy="3375000"/>
-          </a:xfrm>
-          <a:prstGeom prst="rect">
-            <a:avLst/>
-          </a:prstGeom>
-          <a:noFill/>
-          <a:ln>
-            <a:noFill/>
-          </a:ln>
-        </p:spPr>
-        <p:txBody>
-          <a:bodyPr anchorCtr="0" anchor="t" bIns="0" lIns="0" spcFirstLastPara="1" rIns="0" wrap="square" tIns="0">
-            <a:noAutofit/>
-          </a:bodyPr>
-          <a:lstStyle/>
-          <a:p>
-            <a:pPr indent="-317500" lvl="0" marL="457200" rtl="0" algn="l">
-              <a:lnSpc>
-                <a:spcPct val="100000"/>
-              </a:lnSpc>
-              <a:spcBef>
-                <a:spcPts val="320"/>
-              </a:spcBef>
-              <a:spcAft>
-                <a:spcPts val="0"/>
-              </a:spcAft>
-              <a:buSzPts val="1400"/>
-              <a:buChar char="●"/>
-            </a:pPr>
-            <a:r>
-              <a:rPr lang="de"/>
-              <a:t>Es gibt keine dummen Fragen, Programmieren ist für die meisten hier Neuland</a:t>
-            </a:r>
-            <a:br>
-              <a:rPr lang="de"/>
-            </a:br>
-            <a:endParaRPr/>
-          </a:p>
-          <a:p>
-            <a:pPr indent="-317500" lvl="0" marL="457200" rtl="0" algn="l">
-              <a:lnSpc>
-                <a:spcPct val="100000"/>
-              </a:lnSpc>
-              <a:spcBef>
-                <a:spcPts val="0"/>
-              </a:spcBef>
-              <a:spcAft>
-                <a:spcPts val="0"/>
-              </a:spcAft>
-              <a:buSzPts val="1400"/>
-              <a:buChar char="●"/>
-            </a:pPr>
-            <a:r>
-              <a:rPr lang="de"/>
-              <a:t>Fragen hilft auch den anderen</a:t>
-            </a:r>
-            <a:br>
-              <a:rPr lang="de"/>
-            </a:br>
-            <a:endParaRPr/>
-          </a:p>
-          <a:p>
-            <a:pPr indent="-317500" lvl="0" marL="457200" rtl="0" algn="l">
-              <a:lnSpc>
-                <a:spcPct val="100000"/>
-              </a:lnSpc>
-              <a:spcBef>
-                <a:spcPts val="0"/>
-              </a:spcBef>
-              <a:spcAft>
-                <a:spcPts val="0"/>
-              </a:spcAft>
-              <a:buSzPts val="1400"/>
-              <a:buChar char="●"/>
-            </a:pPr>
-            <a:r>
-              <a:rPr lang="de"/>
-              <a:t>Ihr könnt fachliche und organisatorische Fragen jeglicher Art stellen</a:t>
-            </a:r>
-            <a:endParaRPr/>
-          </a:p>
-          <a:p>
-            <a:pPr indent="-342900" lvl="1" marL="914400" rtl="0" algn="l">
-              <a:lnSpc>
-                <a:spcPct val="100000"/>
-              </a:lnSpc>
-              <a:spcBef>
-                <a:spcPts val="0"/>
-              </a:spcBef>
-              <a:spcAft>
-                <a:spcPts val="0"/>
-              </a:spcAft>
-              <a:buSzPts val="1800"/>
-              <a:buChar char="-"/>
-            </a:pPr>
-            <a:r>
-              <a:rPr lang="de"/>
-              <a:t>zur Vorlesung</a:t>
-            </a:r>
-            <a:endParaRPr/>
-          </a:p>
-          <a:p>
-            <a:pPr indent="-342900" lvl="1" marL="914400" rtl="0" algn="l">
-              <a:lnSpc>
-                <a:spcPct val="100000"/>
-              </a:lnSpc>
-              <a:spcBef>
-                <a:spcPts val="0"/>
-              </a:spcBef>
-              <a:spcAft>
-                <a:spcPts val="0"/>
-              </a:spcAft>
-              <a:buSzPts val="1800"/>
-              <a:buChar char="-"/>
-            </a:pPr>
-            <a:r>
-              <a:rPr lang="de"/>
-              <a:t>zum Tutorium</a:t>
-            </a:r>
-            <a:endParaRPr/>
-          </a:p>
-          <a:p>
-            <a:pPr indent="-342900" lvl="1" marL="914400" rtl="0" algn="l">
-              <a:lnSpc>
-                <a:spcPct val="100000"/>
-              </a:lnSpc>
-              <a:spcBef>
-                <a:spcPts val="0"/>
-              </a:spcBef>
-              <a:spcAft>
-                <a:spcPts val="0"/>
-              </a:spcAft>
-              <a:buSzPts val="1800"/>
-              <a:buChar char="-"/>
-            </a:pPr>
-            <a:r>
-              <a:rPr lang="de"/>
-              <a:t>zu den Hausaufgaben (es gibt dann ggf. Hinweise, nicht die Lösungen)</a:t>
-            </a:r>
-            <a:endParaRPr/>
-          </a:p>
-          <a:p>
-            <a:pPr indent="0" lvl="0" marL="0" rtl="0" algn="l">
-              <a:lnSpc>
-                <a:spcPct val="100000"/>
-              </a:lnSpc>
-              <a:spcBef>
-                <a:spcPts val="320"/>
-              </a:spcBef>
-              <a:spcAft>
-                <a:spcPts val="0"/>
-              </a:spcAft>
-              <a:buSzPts val="1400"/>
-              <a:buNone/>
-            </a:pPr>
-            <a:r>
-              <a:t/>
-            </a:r>
-            <a:endParaRPr/>
-          </a:p>
-        </p:txBody>
-      </p:sp>
-    </p:spTree>
-  </p:cSld>
-  <p:clrMapOvr>
-    <a:masterClrMapping/>
-  </p:clrMapOvr>
-</p:sld>
-</file>
-
-<file path=ppt/slides/slide14.xml><?xml version="1.0" encoding="utf-8"?>
-<p:sld xmlns:a="http://schemas.openxmlformats.org/drawingml/2006/main" xmlns:r="http://schemas.openxmlformats.org/officeDocument/2006/relationships" xmlns:mc="http://schemas.openxmlformats.org/markup-compatibility/2006" xmlns:mv="urn:schemas-microsoft-com:mac:vml" xmlns:p="http://schemas.openxmlformats.org/presentationml/2006/main" xmlns:c="http://schemas.openxmlformats.org/drawingml/2006/chart" xmlns:dgm="http://schemas.openxmlformats.org/drawingml/2006/diagram" xmlns:o="urn:schemas-microsoft-com:office:office" xmlns:v="urn:schemas-microsoft-com:vml" xmlns:pvml="urn:schemas-microsoft-com:office:powerpoint" xmlns:com="http://schemas.openxmlformats.org/drawingml/2006/compatibility" xmlns:p14="http://schemas.microsoft.com/office/powerpoint/2010/main" xmlns:p15="http://schemas.microsoft.com/office/powerpoint/2012/main" xmlns:ahyp="http://schemas.microsoft.com/office/drawing/2018/hyperlinkcolor">
-  <p:cSld>
-    <p:spTree>
-      <p:nvGrpSpPr>
-        <p:cNvPr id="180" name="Shape 180"/>
-        <p:cNvGrpSpPr/>
-        <p:nvPr/>
-      </p:nvGrpSpPr>
-      <p:grpSpPr>
-        <a:xfrm>
-          <a:off x="0" y="0"/>
-          <a:ext cx="0" cy="0"/>
-          <a:chOff x="0" y="0"/>
-          <a:chExt cx="0" cy="0"/>
-        </a:xfrm>
-      </p:grpSpPr>
-      <p:sp>
-        <p:nvSpPr>
-          <p:cNvPr id="181" name="Google Shape;181;p29"/>
-          <p:cNvSpPr txBox="1"/>
-          <p:nvPr>
-            <p:ph type="title"/>
-          </p:nvPr>
-        </p:nvSpPr>
-        <p:spPr>
-          <a:xfrm>
-            <a:off x="431800" y="83344"/>
-            <a:ext cx="8375700" cy="531000"/>
-          </a:xfrm>
-          <a:prstGeom prst="rect">
-            <a:avLst/>
-          </a:prstGeom>
-          <a:noFill/>
-          <a:ln>
-            <a:noFill/>
-          </a:ln>
-        </p:spPr>
-        <p:txBody>
-          <a:bodyPr anchorCtr="0" anchor="b" bIns="0" lIns="0" spcFirstLastPara="1" rIns="0" wrap="square" tIns="0">
-            <a:noAutofit/>
-          </a:bodyPr>
-          <a:lstStyle/>
-          <a:p>
-            <a:pPr indent="0" lvl="0" marL="0" rtl="0" algn="l">
-              <a:lnSpc>
-                <a:spcPct val="100000"/>
-              </a:lnSpc>
-              <a:spcBef>
-                <a:spcPts val="0"/>
-              </a:spcBef>
-              <a:spcAft>
-                <a:spcPts val="0"/>
-              </a:spcAft>
-              <a:buSzPts val="1400"/>
-              <a:buNone/>
-            </a:pPr>
-            <a:r>
-              <a:rPr lang="de"/>
-              <a:t>4. Installation auf euren Geräten</a:t>
-            </a:r>
-            <a:endParaRPr/>
-          </a:p>
-        </p:txBody>
-      </p:sp>
-      <p:sp>
-        <p:nvSpPr>
-          <p:cNvPr id="182" name="Google Shape;182;p29"/>
           <p:cNvSpPr txBox="1"/>
           <p:nvPr>
             <p:ph idx="1" type="body"/>
@@ -12255,7 +11855,24 @@
             </a:pPr>
             <a:r>
               <a:rPr lang="de"/>
-              <a:t>Arrays, Schleifen und Parametrisierung</a:t>
+              <a:t>Bedingungen und Parametrisierung</a:t>
+            </a:r>
+            <a:endParaRPr/>
+          </a:p>
+          <a:p>
+            <a:pPr indent="-330200" lvl="0" marL="457200" rtl="0" algn="l">
+              <a:spcBef>
+                <a:spcPts val="0"/>
+              </a:spcBef>
+              <a:spcAft>
+                <a:spcPts val="0"/>
+              </a:spcAft>
+              <a:buSzPts val="1600"/>
+              <a:buAutoNum type="arabicPeriod"/>
+            </a:pPr>
+            <a:r>
+              <a:rPr lang="de"/>
+              <a:t>Arrays und Schleifen</a:t>
             </a:r>
             <a:endParaRPr/>
           </a:p>
@@ -12576,107 +12193,7 @@
             </a:pPr>
             <a:r>
               <a:rPr lang="de"/>
-              <a:t>Installation</a:t>
-            </a:r>
-            <a:endParaRPr/>
-          </a:p>
-          <a:p>
-            <a:pPr indent="-330200" lvl="1" marL="914400" rtl="0" algn="l">
-              <a:lnSpc>
-                <a:spcPct val="100000"/>
-              </a:lnSpc>
-              <a:spcBef>
-                <a:spcPts val="0"/>
-              </a:spcBef>
-              <a:spcAft>
-                <a:spcPts val="0"/>
-              </a:spcAft>
-              <a:buSzPts val="1600"/>
-              <a:buAutoNum type="arabicPeriod"/>
-            </a:pPr>
-            <a:r>
-              <a:rPr lang="de"/>
-              <a:t>Java</a:t>
-            </a:r>
-            <a:endParaRPr/>
-          </a:p>
-          <a:p>
-            <a:pPr indent="-330200" lvl="1" marL="914400" rtl="0" algn="l">
-              <a:lnSpc>
-                <a:spcPct val="100000"/>
-              </a:lnSpc>
-              <a:spcBef>
-                <a:spcPts val="0"/>
-              </a:spcBef>
-              <a:spcAft>
-                <a:spcPts val="0"/>
-              </a:spcAft>
-              <a:buSzPts val="1600"/>
-              <a:buAutoNum type="arabicPeriod"/>
-            </a:pPr>
-            <a:r>
-              <a:rPr lang="de"/>
-              <a:t>SSH</a:t>
-            </a:r>
-            <a:endParaRPr/>
-          </a:p>
-          <a:p>
-            <a:pPr indent="-330200" lvl="1" marL="914400" rtl="0" algn="l">
-              <a:lnSpc>
-                <a:spcPct val="100000"/>
-              </a:lnSpc>
-              <a:spcBef>
-                <a:spcPts val="0"/>
-              </a:spcBef>
-              <a:spcAft>
-                <a:spcPts val="0"/>
-              </a:spcAft>
-              <a:buSzPts val="1600"/>
-              <a:buAutoNum type="arabicPeriod"/>
-            </a:pPr>
-            <a:r>
-              <a:rPr lang="de"/>
-              <a:t>Git</a:t>
-            </a:r>
-            <a:endParaRPr/>
-          </a:p>
-          <a:p>
-            <a:pPr indent="-330200" lvl="2" marL="1371600" rtl="0" algn="l">
-              <a:lnSpc>
-                <a:spcPct val="100000"/>
-              </a:lnSpc>
-              <a:spcBef>
-                <a:spcPts val="0"/>
-              </a:spcBef>
-              <a:spcAft>
-                <a:spcPts val="0"/>
-              </a:spcAft>
-              <a:buSzPts val="1600"/>
-              <a:buAutoNum type="arabicPeriod"/>
-            </a:pPr>
-            <a:r>
-              <a:rPr lang="de"/>
-              <a:t>Repository klonen</a:t>
-            </a:r>
-            <a:endParaRPr/>
-          </a:p>
-          <a:p>
-            <a:pPr indent="-330200" lvl="1" marL="914400" rtl="0" algn="l">
-              <a:lnSpc>
-                <a:spcPct val="100000"/>
-              </a:lnSpc>
-              <a:spcBef>
-                <a:spcPts val="0"/>
-              </a:spcBef>
-              <a:spcAft>
-                <a:spcPts val="0"/>
-              </a:spcAft>
-              <a:buSzPts val="1600"/>
-              <a:buAutoNum type="arabicPeriod"/>
-            </a:pPr>
-            <a:r>
-              <a:rPr lang="de"/>
-              <a:t>Was du sonst noch brauchst</a:t>
+              <a:t>Die Kommandozeile</a:t>
             </a:r>
             <a:br>
               <a:rPr lang="de"/>
@@ -12689,7 +12206,7 @@
                 <a:spcPct val="100000"/>
               </a:lnSpc>
               <a:spcBef>
-                <a:spcPts val="0"/>
+                <a:spcPts val="320"/>
               </a:spcBef>
               <a:spcAft>
                 <a:spcPts val="0"/>
@@ -12699,7 +12216,7 @@
             </a:pPr>
             <a:r>
               <a:rPr lang="de"/>
-              <a:t>Funktionsweise von Java</a:t>
+              <a:t>Installation</a:t>
             </a:r>
             <a:endParaRPr/>
           </a:p>
@@ -12719,7 +12236,7 @@
             </a:pPr>
             <a:r>
               <a:rPr lang="de"/>
-              <a:t>Sprachkonzepte von Java</a:t>
+              <a:t>Java</a:t>
             </a:r>
             <a:endParaRPr/>
           </a:p>
@@ -12739,7 +12256,67 @@
             </a:pPr>
             <a:r>
               <a:rPr lang="de"/>
-              <a:t>Workflow</a:t>
+              <a:t>SSH</a:t>
+            </a:r>
+            <a:endParaRPr/>
+          </a:p>
+          <a:p>
+            <a:pPr indent="-330200" lvl="1" marL="914400" rtl="0" algn="l">
+              <a:lnSpc>
+                <a:spcPct val="100000"/>
+              </a:lnSpc>
+              <a:spcBef>
+                <a:spcPts val="0"/>
+              </a:spcBef>
+              <a:spcAft>
+                <a:spcPts val="0"/>
+              </a:spcAft>
+              <a:buSzPts val="1600"/>
+              <a:buAutoNum type="arabicPeriod"/>
+            </a:pPr>
+            <a:r>
+              <a:rPr lang="de"/>
+              <a:t>Git</a:t>
+            </a:r>
+            <a:endParaRPr/>
+          </a:p>
+          <a:p>
+            <a:pPr indent="-330200" lvl="2" marL="1371600" rtl="0" algn="l">
+              <a:lnSpc>
+                <a:spcPct val="100000"/>
+              </a:lnSpc>
+              <a:spcBef>
+                <a:spcPts val="0"/>
+              </a:spcBef>
+              <a:spcAft>
+                <a:spcPts val="0"/>
+              </a:spcAft>
+              <a:buSzPts val="1600"/>
+              <a:buAutoNum type="arabicPeriod"/>
+            </a:pPr>
+            <a:r>
+              <a:rPr lang="de"/>
+              <a:t>Repository klonen</a:t>
+            </a:r>
+            <a:endParaRPr/>
+          </a:p>
+          <a:p>
+            <a:pPr indent="-330200" lvl="1" marL="914400" rtl="0" algn="l">
+              <a:lnSpc>
+                <a:spcPct val="100000"/>
+              </a:lnSpc>
+              <a:spcBef>
+                <a:spcPts val="0"/>
+              </a:spcBef>
+              <a:spcAft>
+                <a:spcPts val="0"/>
+              </a:spcAft>
+              <a:buSzPts val="1600"/>
+              <a:buAutoNum type="arabicPeriod"/>
+            </a:pPr>
+            <a:r>
+              <a:rPr lang="de"/>
+              <a:t>Was du sonst noch brauchst</a:t>
             </a:r>
             <a:br>
               <a:rPr lang="de"/>
@@ -12832,6 +12409,536 @@
           <a:prstGeom prst="rect">
             <a:avLst/>
           </a:prstGeom>
+        </p:spPr>
+        <p:txBody>
+          <a:bodyPr anchorCtr="0" anchor="b" bIns="0" lIns="0" spcFirstLastPara="1" rIns="0" wrap="square" tIns="0">
+            <a:noAutofit/>
+          </a:bodyPr>
+          <a:lstStyle/>
+          <a:p>
+            <a:pPr indent="0" lvl="0" marL="0" rtl="0" algn="l">
+              <a:spcBef>
+                <a:spcPts val="0"/>
+              </a:spcBef>
+              <a:spcAft>
+                <a:spcPts val="0"/>
+              </a:spcAft>
+              <a:buNone/>
+            </a:pPr>
+            <a:r>
+              <a:rPr lang="de"/>
+              <a:t>1. Die Kommandozeile</a:t>
+            </a:r>
+            <a:endParaRPr/>
+          </a:p>
+        </p:txBody>
+      </p:sp>
+      <p:sp>
+        <p:nvSpPr>
+          <p:cNvPr id="103" name="Google Shape;103;p19"/>
+          <p:cNvSpPr txBox="1"/>
+          <p:nvPr>
+            <p:ph idx="1" type="body"/>
+          </p:nvPr>
+        </p:nvSpPr>
+        <p:spPr>
+          <a:xfrm>
+            <a:off x="431800" y="945000"/>
+            <a:ext cx="8375700" cy="3375000"/>
+          </a:xfrm>
+          <a:prstGeom prst="rect">
+            <a:avLst/>
+          </a:prstGeom>
+        </p:spPr>
+        <p:txBody>
+          <a:bodyPr anchorCtr="0" anchor="t" bIns="0" lIns="0" spcFirstLastPara="1" rIns="0" wrap="square" tIns="0">
+            <a:noAutofit/>
+          </a:bodyPr>
+          <a:lstStyle/>
+          <a:p>
+            <a:pPr indent="0" lvl="0" marL="0" rtl="0" algn="l">
+              <a:spcBef>
+                <a:spcPts val="320"/>
+              </a:spcBef>
+              <a:spcAft>
+                <a:spcPts val="0"/>
+              </a:spcAft>
+              <a:buNone/>
+            </a:pPr>
+            <a:r>
+              <a:rPr lang="de"/>
+              <a:t>Synonyme: </a:t>
+            </a:r>
+            <a:endParaRPr/>
+          </a:p>
+          <a:p>
+            <a:pPr indent="457200" lvl="0" marL="0" rtl="0" algn="l">
+              <a:spcBef>
+                <a:spcPts val="320"/>
+              </a:spcBef>
+              <a:spcAft>
+                <a:spcPts val="0"/>
+              </a:spcAft>
+              <a:buNone/>
+            </a:pPr>
+            <a:r>
+              <a:rPr lang="de"/>
+              <a:t>Terminal, Eingabeaufforderung, Command line, CLI</a:t>
+            </a:r>
+            <a:endParaRPr/>
+          </a:p>
+          <a:p>
+            <a:pPr indent="0" lvl="0" marL="0" rtl="0" algn="l">
+              <a:spcBef>
+                <a:spcPts val="320"/>
+              </a:spcBef>
+              <a:spcAft>
+                <a:spcPts val="0"/>
+              </a:spcAft>
+              <a:buNone/>
+            </a:pPr>
+            <a:r>
+              <a:t/>
+            </a:r>
+            <a:endParaRPr/>
+          </a:p>
+          <a:p>
+            <a:pPr indent="0" lvl="0" marL="0" rtl="0" algn="l">
+              <a:spcBef>
+                <a:spcPts val="320"/>
+              </a:spcBef>
+              <a:spcAft>
+                <a:spcPts val="0"/>
+              </a:spcAft>
+              <a:buNone/>
+            </a:pPr>
+            <a:r>
+              <a:rPr lang="de"/>
+              <a:t>Befehle: </a:t>
+            </a:r>
+            <a:endParaRPr/>
+          </a:p>
+          <a:p>
+            <a:pPr indent="0" lvl="0" marL="0" rtl="0" algn="l">
+              <a:spcBef>
+                <a:spcPts val="320"/>
+              </a:spcBef>
+              <a:spcAft>
+                <a:spcPts val="0"/>
+              </a:spcAft>
+              <a:buNone/>
+            </a:pPr>
+            <a:r>
+              <a:rPr lang="de"/>
+              <a:t>	</a:t>
+            </a:r>
+            <a:endParaRPr/>
+          </a:p>
+        </p:txBody>
+      </p:sp>
+      <p:graphicFrame>
+        <p:nvGraphicFramePr>
+          <p:cNvPr id="104" name="Google Shape;104;p19"/>
+          <p:cNvGraphicFramePr/>
+          <p:nvPr/>
+        </p:nvGraphicFramePr>
+        <p:xfrm>
+          <a:off x="919500" y="2198310"/>
+          <a:ext cx="3000000" cy="3000000"/>
+        </p:xfrm>
+        <a:graphic>
+          <a:graphicData uri="http://schemas.openxmlformats.org/drawingml/2006/table">
+            <a:tbl>
+              <a:tblPr>
+                <a:noFill/>
+                <a:tableStyleId>{4B589F85-201E-4314-A1F2-5297FA2F00AE}</a:tableStyleId>
+              </a:tblPr>
+              <a:tblGrid>
+                <a:gridCol w="2731250"/>
+                <a:gridCol w="2262125"/>
+                <a:gridCol w="2212775"/>
+              </a:tblGrid>
+              <a:tr h="330975">
+                <a:tc>
+                  <a:txBody>
+                    <a:bodyPr/>
+                    <a:lstStyle/>
+                    <a:p>
+                      <a:pPr indent="0" lvl="0" marL="0" rtl="0" algn="l">
+                        <a:spcBef>
+                          <a:spcPts val="0"/>
+                        </a:spcBef>
+                        <a:spcAft>
+                          <a:spcPts val="0"/>
+                        </a:spcAft>
+                        <a:buNone/>
+                      </a:pPr>
+                      <a:r>
+                        <a:t/>
+                      </a:r>
+                      <a:endParaRPr sz="1000"/>
+                    </a:p>
+                  </a:txBody>
+                  <a:tcPr marT="91425" marB="91425" marR="91425" marL="91425"/>
+                </a:tc>
+                <a:tc>
+                  <a:txBody>
+                    <a:bodyPr/>
+                    <a:lstStyle/>
+                    <a:p>
+                      <a:pPr indent="0" lvl="0" marL="0" rtl="0" algn="l">
+                        <a:spcBef>
+                          <a:spcPts val="0"/>
+                        </a:spcBef>
+                        <a:spcAft>
+                          <a:spcPts val="0"/>
+                        </a:spcAft>
+                        <a:buNone/>
+                      </a:pPr>
+                      <a:r>
+                        <a:rPr lang="de" sz="1000"/>
+                        <a:t>Linux / MacOS</a:t>
+                      </a:r>
+                      <a:endParaRPr sz="1000"/>
+                    </a:p>
+                  </a:txBody>
+                  <a:tcPr marT="91425" marB="91425" marR="91425" marL="91425"/>
+                </a:tc>
+                <a:tc>
+                  <a:txBody>
+                    <a:bodyPr/>
+                    <a:lstStyle/>
+                    <a:p>
+                      <a:pPr indent="0" lvl="0" marL="0" rtl="0" algn="l">
+                        <a:spcBef>
+                          <a:spcPts val="0"/>
+                        </a:spcBef>
+                        <a:spcAft>
+                          <a:spcPts val="0"/>
+                        </a:spcAft>
+                        <a:buNone/>
+                      </a:pPr>
+                      <a:r>
+                        <a:rPr lang="de" sz="1000"/>
+                        <a:t>Windows</a:t>
+                      </a:r>
+                      <a:endParaRPr sz="1000"/>
+                    </a:p>
+                  </a:txBody>
+                  <a:tcPr marT="91425" marB="91425" marR="91425" marL="91425"/>
+                </a:tc>
+              </a:tr>
+              <a:tr h="301250">
+                <a:tc>
+                  <a:txBody>
+                    <a:bodyPr/>
+                    <a:lstStyle/>
+                    <a:p>
+                      <a:pPr indent="0" lvl="0" marL="0" rtl="0" algn="l">
+                        <a:spcBef>
+                          <a:spcPts val="0"/>
+                        </a:spcBef>
+                        <a:spcAft>
+                          <a:spcPts val="0"/>
+                        </a:spcAft>
+                        <a:buNone/>
+                      </a:pPr>
+                      <a:r>
+                        <a:rPr b="1" lang="de" sz="1000"/>
+                        <a:t>Verzeichnis wechseln</a:t>
+                      </a:r>
+                      <a:endParaRPr b="1" sz="1000"/>
+                    </a:p>
+                  </a:txBody>
+                  <a:tcPr marT="91425" marB="91425" marR="91425" marL="91425"/>
+                </a:tc>
+                <a:tc gridSpan="2">
+                  <a:txBody>
+                    <a:bodyPr/>
+                    <a:lstStyle/>
+                    <a:p>
+                      <a:pPr indent="0" lvl="0" marL="0" rtl="0" algn="ctr">
+                        <a:spcBef>
+                          <a:spcPts val="0"/>
+                        </a:spcBef>
+                        <a:spcAft>
+                          <a:spcPts val="0"/>
+                        </a:spcAft>
+                        <a:buNone/>
+                      </a:pPr>
+                      <a:r>
+                        <a:rPr lang="de" sz="1000"/>
+                        <a:t>cd &lt;Verzeichnis&gt;</a:t>
+                      </a:r>
+                      <a:endParaRPr sz="1000"/>
+                    </a:p>
+                  </a:txBody>
+                  <a:tcPr marT="91425" marB="91425" marR="91425" marL="91425"/>
+                </a:tc>
+                <a:tc hMerge="1"/>
+              </a:tr>
+              <a:tr h="301250">
+                <a:tc>
+                  <a:txBody>
+                    <a:bodyPr/>
+                    <a:lstStyle/>
+                    <a:p>
+                      <a:pPr indent="0" lvl="0" marL="0" rtl="0" algn="l">
+                        <a:spcBef>
+                          <a:spcPts val="0"/>
+                        </a:spcBef>
+                        <a:spcAft>
+                          <a:spcPts val="0"/>
+                        </a:spcAft>
+                        <a:buNone/>
+                      </a:pPr>
+                      <a:r>
+                        <a:rPr b="1" lang="de" sz="1000"/>
+                        <a:t>Elemente im Verzeichnis anzeigen</a:t>
+                      </a:r>
+                      <a:endParaRPr b="1" sz="1000"/>
+                    </a:p>
+                  </a:txBody>
+                  <a:tcPr marT="91425" marB="91425" marR="91425" marL="91425"/>
+                </a:tc>
+                <a:tc>
+                  <a:txBody>
+                    <a:bodyPr/>
+                    <a:lstStyle/>
+                    <a:p>
+                      <a:pPr indent="0" lvl="0" marL="0" rtl="0" algn="ctr">
+                        <a:spcBef>
+                          <a:spcPts val="0"/>
+                        </a:spcBef>
+                        <a:spcAft>
+                          <a:spcPts val="0"/>
+                        </a:spcAft>
+                        <a:buNone/>
+                      </a:pPr>
+                      <a:r>
+                        <a:rPr lang="de" sz="1000"/>
+                        <a:t>ls</a:t>
+                      </a:r>
+                      <a:endParaRPr sz="1000"/>
+                    </a:p>
+                  </a:txBody>
+                  <a:tcPr marT="91425" marB="91425" marR="91425" marL="91425"/>
+                </a:tc>
+                <a:tc>
+                  <a:txBody>
+                    <a:bodyPr/>
+                    <a:lstStyle/>
+                    <a:p>
+                      <a:pPr indent="0" lvl="0" marL="0" rtl="0" algn="ctr">
+                        <a:spcBef>
+                          <a:spcPts val="0"/>
+                        </a:spcBef>
+                        <a:spcAft>
+                          <a:spcPts val="0"/>
+                        </a:spcAft>
+                        <a:buNone/>
+                      </a:pPr>
+                      <a:r>
+                        <a:rPr lang="de" sz="1000"/>
+                        <a:t>dir</a:t>
+                      </a:r>
+                      <a:endParaRPr sz="1000"/>
+                    </a:p>
+                  </a:txBody>
+                  <a:tcPr marT="91425" marB="91425" marR="91425" marL="91425"/>
+                </a:tc>
+              </a:tr>
+              <a:tr h="301250">
+                <a:tc>
+                  <a:txBody>
+                    <a:bodyPr/>
+                    <a:lstStyle/>
+                    <a:p>
+                      <a:pPr indent="0" lvl="0" marL="0" rtl="0" algn="l">
+                        <a:spcBef>
+                          <a:spcPts val="0"/>
+                        </a:spcBef>
+                        <a:spcAft>
+                          <a:spcPts val="0"/>
+                        </a:spcAft>
+                        <a:buNone/>
+                      </a:pPr>
+                      <a:r>
+                        <a:rPr b="1" lang="de" sz="1000"/>
+                        <a:t>Information über weitere Kommandos</a:t>
+                      </a:r>
+                      <a:endParaRPr b="1" sz="1000"/>
+                    </a:p>
+                  </a:txBody>
+                  <a:tcPr marT="91425" marB="91425" marR="91425" marL="91425"/>
+                </a:tc>
+                <a:tc gridSpan="2">
+                  <a:txBody>
+                    <a:bodyPr/>
+                    <a:lstStyle/>
+                    <a:p>
+                      <a:pPr indent="0" lvl="0" marL="0" rtl="0" algn="ctr">
+                        <a:spcBef>
+                          <a:spcPts val="0"/>
+                        </a:spcBef>
+                        <a:spcAft>
+                          <a:spcPts val="0"/>
+                        </a:spcAft>
+                        <a:buNone/>
+                      </a:pPr>
+                      <a:r>
+                        <a:rPr lang="de" sz="1000"/>
+                        <a:t>help</a:t>
+                      </a:r>
+                      <a:endParaRPr sz="1000"/>
+                    </a:p>
+                  </a:txBody>
+                  <a:tcPr marT="91425" marB="91425" marR="91425" marL="91425"/>
+                </a:tc>
+                <a:tc hMerge="1"/>
+              </a:tr>
+              <a:tr h="301250">
+                <a:tc>
+                  <a:txBody>
+                    <a:bodyPr/>
+                    <a:lstStyle/>
+                    <a:p>
+                      <a:pPr indent="0" lvl="0" marL="0" rtl="0" algn="l">
+                        <a:spcBef>
+                          <a:spcPts val="0"/>
+                        </a:spcBef>
+                        <a:spcAft>
+                          <a:spcPts val="0"/>
+                        </a:spcAft>
+                        <a:buNone/>
+                      </a:pPr>
+                      <a:r>
+                        <a:rPr b="1" lang="de" sz="1000"/>
+                        <a:t>Java-Datei kompilieren</a:t>
+                      </a:r>
+                      <a:endParaRPr b="1" sz="1000"/>
+                    </a:p>
+                  </a:txBody>
+                  <a:tcPr marT="91425" marB="91425" marR="91425" marL="91425"/>
+                </a:tc>
+                <a:tc gridSpan="2">
+                  <a:txBody>
+                    <a:bodyPr/>
+                    <a:lstStyle/>
+                    <a:p>
+                      <a:pPr indent="0" lvl="0" marL="0" rtl="0" algn="ctr">
+                        <a:spcBef>
+                          <a:spcPts val="0"/>
+                        </a:spcBef>
+                        <a:spcAft>
+                          <a:spcPts val="0"/>
+                        </a:spcAft>
+                        <a:buNone/>
+                      </a:pPr>
+                      <a:r>
+                        <a:rPr lang="de" sz="1000"/>
+                        <a:t>javac &lt;Programm&gt;.java</a:t>
+                      </a:r>
+                      <a:endParaRPr sz="1000"/>
+                    </a:p>
+                  </a:txBody>
+                  <a:tcPr marT="91425" marB="91425" marR="91425" marL="91425"/>
+                </a:tc>
+                <a:tc hMerge="1"/>
+              </a:tr>
+              <a:tr h="301250">
+                <a:tc>
+                  <a:txBody>
+                    <a:bodyPr/>
+                    <a:lstStyle/>
+                    <a:p>
+                      <a:pPr indent="0" lvl="0" marL="0" rtl="0" algn="l">
+                        <a:spcBef>
+                          <a:spcPts val="0"/>
+                        </a:spcBef>
+                        <a:spcAft>
+                          <a:spcPts val="0"/>
+                        </a:spcAft>
+                        <a:buNone/>
+                      </a:pPr>
+                      <a:r>
+                        <a:t/>
+                      </a:r>
+                      <a:endParaRPr sz="1000"/>
+                    </a:p>
+                  </a:txBody>
+                  <a:tcPr marT="91425" marB="91425" marR="91425" marL="91425"/>
+                </a:tc>
+                <a:tc gridSpan="2">
+                  <a:txBody>
+                    <a:bodyPr/>
+                    <a:lstStyle/>
+                    <a:p>
+                      <a:pPr indent="0" lvl="0" marL="0" rtl="0" algn="ctr">
+                        <a:spcBef>
+                          <a:spcPts val="0"/>
+                        </a:spcBef>
+                        <a:spcAft>
+                          <a:spcPts val="0"/>
+                        </a:spcAft>
+                        <a:buNone/>
+                      </a:pPr>
+                      <a:r>
+                        <a:rPr lang="de" sz="1000"/>
+                        <a:t>java &lt;Programm&gt;</a:t>
+                      </a:r>
+                      <a:endParaRPr sz="1000"/>
+                    </a:p>
+                  </a:txBody>
+                  <a:tcPr marT="91425" marB="91425" marR="91425" marL="91425"/>
+                </a:tc>
+                <a:tc hMerge="1"/>
+              </a:tr>
+            </a:tbl>
+          </a:graphicData>
+        </a:graphic>
+      </p:graphicFrame>
+    </p:spTree>
+  </p:cSld>
+  <p:clrMapOvr>
+    <a:masterClrMapping/>
+  </p:clrMapOvr>
+</p:sld>
+</file>
+
+<file path=ppt/slides/slide5.xml><?xml version="1.0" encoding="utf-8"?>
+<p:sld xmlns:a="http://schemas.openxmlformats.org/drawingml/2006/main" xmlns:r="http://schemas.openxmlformats.org/officeDocument/2006/relationships" xmlns:mc="http://schemas.openxmlformats.org/markup-compatibility/2006" xmlns:mv="urn:schemas-microsoft-com:mac:vml" xmlns:p="http://schemas.openxmlformats.org/presentationml/2006/main" xmlns:c="http://schemas.openxmlformats.org/drawingml/2006/chart" xmlns:dgm="http://schemas.openxmlformats.org/drawingml/2006/diagram" xmlns:o="urn:schemas-microsoft-com:office:office" xmlns:v="urn:schemas-microsoft-com:vml" xmlns:pvml="urn:schemas-microsoft-com:office:powerpoint" xmlns:com="http://schemas.openxmlformats.org/drawingml/2006/compatibility" xmlns:p14="http://schemas.microsoft.com/office/powerpoint/2010/main" xmlns:p15="http://schemas.microsoft.com/office/powerpoint/2012/main" xmlns:ahyp="http://schemas.microsoft.com/office/drawing/2018/hyperlinkcolor">
+  <p:cSld>
+    <p:spTree>
+      <p:nvGrpSpPr>
+        <p:cNvPr id="108" name="Shape 108"/>
+        <p:cNvGrpSpPr/>
+        <p:nvPr/>
+      </p:nvGrpSpPr>
+      <p:grpSpPr>
+        <a:xfrm>
+          <a:off x="0" y="0"/>
+          <a:ext cx="0" cy="0"/>
+          <a:chOff x="0" y="0"/>
+          <a:chExt cx="0" cy="0"/>
+        </a:xfrm>
+      </p:grpSpPr>
+      <p:sp>
+        <p:nvSpPr>
+          <p:cNvPr id="109" name="Google Shape;109;p20"/>
+          <p:cNvSpPr txBox="1"/>
+          <p:nvPr>
+            <p:ph type="title"/>
+          </p:nvPr>
+        </p:nvSpPr>
+        <p:spPr>
+          <a:xfrm>
+            <a:off x="431800" y="83344"/>
+            <a:ext cx="8375700" cy="531000"/>
+          </a:xfrm>
+          <a:prstGeom prst="rect">
+            <a:avLst/>
+          </a:prstGeom>
           <a:noFill/>
           <a:ln>
             <a:noFill/>
@@ -12858,7 +12965,7 @@
             </a:pPr>
             <a:r>
               <a:rPr lang="de"/>
-              <a:t>1.1. Installation von Java</a:t>
+              <a:t>2.1. Installation von Java</a:t>
             </a:r>
             <a:endParaRPr/>
           </a:p>
@@ -12866,7 +12973,7 @@
       </p:sp>
       <p:sp>
         <p:nvSpPr>
-          <p:cNvPr id="103" name="Google Shape;103;p19"/>
+          <p:cNvPr id="110" name="Google Shape;110;p20"/>
           <p:cNvSpPr txBox="1"/>
           <p:nvPr>
             <p:ph idx="1" type="body"/>
@@ -13055,12 +13162,12 @@
 </p:sld>
 </file>
 
-<file path=ppt/slides/slide5.xml><?xml version="1.0" encoding="utf-8"?>
+<file path=ppt/slides/slide6.xml><?xml version="1.0" encoding="utf-8"?>
 <p:sld xmlns:a="http://schemas.openxmlformats.org/drawingml/2006/main" xmlns:r="http://schemas.openxmlformats.org/officeDocument/2006/relationships" xmlns:mc="http://schemas.openxmlformats.org/markup-compatibility/2006" xmlns:mv="urn:schemas-microsoft-com:mac:vml" xmlns:p="http://schemas.openxmlformats.org/presentationml/2006/main" xmlns:c="http://schemas.openxmlformats.org/drawingml/2006/chart" xmlns:dgm="http://schemas.openxmlformats.org/drawingml/2006/diagram" xmlns:o="urn:schemas-microsoft-com:office:office" xmlns:v="urn:schemas-microsoft-com:vml" xmlns:pvml="urn:schemas-microsoft-com:office:powerpoint" xmlns:com="http://schemas.openxmlformats.org/drawingml/2006/compatibility" xmlns:p14="http://schemas.microsoft.com/office/powerpoint/2010/main" xmlns:p15="http://schemas.microsoft.com/office/powerpoint/2012/main" xmlns:ahyp="http://schemas.microsoft.com/office/drawing/2018/hyperlinkcolor">
   <p:cSld>
     <p:spTree>
       <p:nvGrpSpPr>
-        <p:cNvPr id="107" name="Shape 107"/>
+        <p:cNvPr id="114" name="Shape 114"/>
         <p:cNvGrpSpPr/>
         <p:nvPr/>
       </p:nvGrpSpPr>
@@ -13074,7 +13181,7 @@
       </p:grpSpPr>
       <p:sp>
         <p:nvSpPr>
-          <p:cNvPr id="108" name="Google Shape;108;p20"/>
+          <p:cNvPr id="115" name="Google Shape;115;p21"/>
           <p:cNvSpPr txBox="1"/>
           <p:nvPr>
             <p:ph type="title"/>
@@ -13114,7 +13221,7 @@
             </a:pPr>
             <a:r>
               <a:rPr lang="de"/>
-              <a:t>1.1. Installation von Java</a:t>
+              <a:t>2.1. Installation von Java</a:t>
             </a:r>
             <a:endParaRPr/>
           </a:p>
@@ -13122,7 +13229,7 @@
       </p:sp>
       <p:sp>
         <p:nvSpPr>
-          <p:cNvPr id="109" name="Google Shape;109;p20"/>
+          <p:cNvPr id="116" name="Google Shape;116;p21"/>
           <p:cNvSpPr txBox="1"/>
           <p:nvPr>
             <p:ph idx="1" type="body"/>
@@ -13406,12 +13513,12 @@
 </p:sld>
 </file>
 
-<file path=ppt/slides/slide6.xml><?xml version="1.0" encoding="utf-8"?>
+<file path=ppt/slides/slide7.xml><?xml version="1.0" encoding="utf-8"?>
 <p:sld xmlns:a="http://schemas.openxmlformats.org/drawingml/2006/main" xmlns:r="http://schemas.openxmlformats.org/officeDocument/2006/relationships" xmlns:mc="http://schemas.openxmlformats.org/markup-compatibility/2006" xmlns:mv="urn:schemas-microsoft-com:mac:vml" xmlns:p="http://schemas.openxmlformats.org/presentationml/2006/main" xmlns:c="http://schemas.openxmlformats.org/drawingml/2006/chart" xmlns:dgm="http://schemas.openxmlformats.org/drawingml/2006/diagram" xmlns:o="urn:schemas-microsoft-com:office:office" xmlns:v="urn:schemas-microsoft-com:vml" xmlns:pvml="urn:schemas-microsoft-com:office:powerpoint" xmlns:com="http://schemas.openxmlformats.org/drawingml/2006/compatibility" xmlns:p14="http://schemas.microsoft.com/office/powerpoint/2010/main" xmlns:p15="http://schemas.microsoft.com/office/powerpoint/2012/main" xmlns:ahyp="http://schemas.microsoft.com/office/drawing/2018/hyperlinkcolor">
   <p:cSld>
     <p:spTree>
       <p:nvGrpSpPr>
-        <p:cNvPr id="113" name="Shape 113"/>
+        <p:cNvPr id="120" name="Shape 120"/>
         <p:cNvGrpSpPr/>
         <p:nvPr/>
       </p:nvGrpSpPr>
@@ -13425,7 +13532,7 @@
       </p:grpSpPr>
       <p:sp>
         <p:nvSpPr>
-          <p:cNvPr id="114" name="Google Shape;114;p21"/>
+          <p:cNvPr id="121" name="Google Shape;121;p22"/>
           <p:cNvSpPr txBox="1"/>
           <p:nvPr>
             <p:ph type="title"/>
@@ -13465,7 +13572,7 @@
             </a:pPr>
             <a:r>
               <a:rPr lang="de"/>
-              <a:t>1.2. SSH Schlüsselpaar generieren</a:t>
+              <a:t>2.2. SSH Schlüsselpaar generieren</a:t>
             </a:r>
             <a:endParaRPr/>
           </a:p>
@@ -13473,7 +13580,7 @@
       </p:sp>
       <p:sp>
         <p:nvSpPr>
-          <p:cNvPr id="115" name="Google Shape;115;p21"/>
+          <p:cNvPr id="122" name="Google Shape;122;p22"/>
           <p:cNvSpPr txBox="1"/>
           <p:nvPr>
             <p:ph idx="1" type="body"/>
@@ -13631,12 +13738,12 @@
 </p:sld>
 </file>
 
-<file path=ppt/slides/slide7.xml><?xml version="1.0" encoding="utf-8"?>
+<file path=ppt/slides/slide8.xml><?xml version="1.0" encoding="utf-8"?>
 <p:sld xmlns:a="http://schemas.openxmlformats.org/drawingml/2006/main" xmlns:r="http://schemas.openxmlformats.org/officeDocument/2006/relationships" xmlns:mc="http://schemas.openxmlformats.org/markup-compatibility/2006" xmlns:mv="urn:schemas-microsoft-com:mac:vml" xmlns:p="http://schemas.openxmlformats.org/presentationml/2006/main" xmlns:c="http://schemas.openxmlformats.org/drawingml/2006/chart" xmlns:dgm="http://schemas.openxmlformats.org/drawingml/2006/diagram" xmlns:o="urn:schemas-microsoft-com:office:office" xmlns:v="urn:schemas-microsoft-com:vml" xmlns:pvml="urn:schemas-microsoft-com:office:powerpoint" xmlns:com="http://schemas.openxmlformats.org/drawingml/2006/compatibility" xmlns:p14="http://schemas.microsoft.com/office/powerpoint/2010/main" xmlns:p15="http://schemas.microsoft.com/office/powerpoint/2012/main" xmlns:ahyp="http://schemas.microsoft.com/office/drawing/2018/hyperlinkcolor">
   <p:cSld>
     <p:spTree>
       <p:nvGrpSpPr>
-        <p:cNvPr id="119" name="Shape 119"/>
+        <p:cNvPr id="126" name="Shape 126"/>
         <p:cNvGrpSpPr/>
         <p:nvPr/>
       </p:nvGrpSpPr>
@@ -13650,7 +13757,7 @@
       </p:grpSpPr>
       <p:sp>
         <p:nvSpPr>
-          <p:cNvPr id="120" name="Google Shape;120;p22"/>
+          <p:cNvPr id="127" name="Google Shape;127;p23"/>
           <p:cNvSpPr txBox="1"/>
           <p:nvPr>
             <p:ph type="title"/>
@@ -13690,7 +13797,7 @@
             </a:pPr>
             <a:r>
               <a:rPr lang="de"/>
-              <a:t>1.3. Installation von Git</a:t>
+              <a:t>2.3. Installation von Git</a:t>
             </a:r>
             <a:endParaRPr/>
           </a:p>
@@ -13698,7 +13805,7 @@
       </p:sp>
       <p:sp>
         <p:nvSpPr>
-          <p:cNvPr id="121" name="Google Shape;121;p22"/>
+          <p:cNvPr id="128" name="Google Shape;128;p23"/>
           <p:cNvSpPr txBox="1"/>
           <p:nvPr>
             <p:ph idx="1" type="body"/>
@@ -13935,12 +14042,12 @@
 </p:sld>
 </file>
 
-<file path=ppt/slides/slide8.xml><?xml version="1.0" encoding="utf-8"?>
+<file path=ppt/slides/slide9.xml><?xml version="1.0" encoding="utf-8"?>
 <p:sld xmlns:a="http://schemas.openxmlformats.org/drawingml/2006/main" xmlns:r="http://schemas.openxmlformats.org/officeDocument/2006/relationships" xmlns:mc="http://schemas.openxmlformats.org/markup-compatibility/2006" xmlns:mv="urn:schemas-microsoft-com:mac:vml" xmlns:p="http://schemas.openxmlformats.org/presentationml/2006/main" xmlns:c="http://schemas.openxmlformats.org/drawingml/2006/chart" xmlns:dgm="http://schemas.openxmlformats.org/drawingml/2006/diagram" xmlns:o="urn:schemas-microsoft-com:office:office" xmlns:v="urn:schemas-microsoft-com:vml" xmlns:pvml="urn:schemas-microsoft-com:office:powerpoint" xmlns:com="http://schemas.openxmlformats.org/drawingml/2006/compatibility" xmlns:p14="http://schemas.microsoft.com/office/powerpoint/2010/main" xmlns:p15="http://schemas.microsoft.com/office/powerpoint/2012/main" xmlns:ahyp="http://schemas.microsoft.com/office/drawing/2018/hyperlinkcolor">
   <p:cSld>
     <p:spTree>
       <p:nvGrpSpPr>
-        <p:cNvPr id="125" name="Shape 125"/>
+        <p:cNvPr id="132" name="Shape 132"/>
         <p:cNvGrpSpPr/>
         <p:nvPr/>
       </p:nvGrpSpPr>
@@ -13954,7 +14061,7 @@
       </p:grpSpPr>
       <p:sp>
         <p:nvSpPr>
-          <p:cNvPr id="126" name="Google Shape;126;p23"/>
+          <p:cNvPr id="133" name="Google Shape;133;p24"/>
           <p:cNvSpPr txBox="1"/>
           <p:nvPr>
             <p:ph type="title"/>
@@ -13986,7 +14093,7 @@
             </a:pPr>
             <a:r>
               <a:rPr lang="de"/>
-              <a:t>1.3. Installation von Git</a:t>
+              <a:t>2.3. Installation von Git</a:t>
             </a:r>
             <a:endParaRPr/>
           </a:p>
@@ -13994,7 +14101,7 @@
       </p:sp>
       <p:sp>
         <p:nvSpPr>
-          <p:cNvPr id="127" name="Google Shape;127;p23"/>
+          <p:cNvPr id="134" name="Google Shape;134;p24"/>
           <p:cNvSpPr txBox="1"/>
           <p:nvPr>
             <p:ph idx="1" type="body"/>
@@ -14074,7 +14181,7 @@
       </p:sp>
       <p:pic>
         <p:nvPicPr>
-          <p:cNvPr id="128" name="Google Shape;128;p23"/>
+          <p:cNvPr id="135" name="Google Shape;135;p24"/>
           <p:cNvPicPr preferRelativeResize="0"/>
           <p:nvPr/>
         </p:nvPicPr>
@@ -14101,7 +14208,7 @@
       </p:pic>
       <p:pic>
         <p:nvPicPr>
-          <p:cNvPr id="129" name="Google Shape;129;p23"/>
+          <p:cNvPr id="136" name="Google Shape;136;p24"/>
           <p:cNvPicPr preferRelativeResize="0"/>
           <p:nvPr/>
         </p:nvPicPr>
@@ -14129,7 +14236,7 @@
       </p:pic>
       <p:cxnSp>
         <p:nvCxnSpPr>
-          <p:cNvPr id="130" name="Google Shape;130;p23"/>
+          <p:cNvPr id="137" name="Google Shape;137;p24"/>
           <p:cNvCxnSpPr/>
           <p:nvPr/>
         </p:nvCxnSpPr>
@@ -14155,9 +14262,9 @@
       </p:cxnSp>
       <p:cxnSp>
         <p:nvCxnSpPr>
-          <p:cNvPr id="131" name="Google Shape;131;p23"/>
+          <p:cNvPr id="138" name="Google Shape;138;p24"/>
           <p:cNvCxnSpPr>
-            <a:stCxn id="132" idx="3"/>
+            <a:stCxn id="139" idx="3"/>
           </p:cNvCxnSpPr>
           <p:nvPr/>
         </p:nvCxnSpPr>
@@ -14183,7 +14290,7 @@
       </p:cxnSp>
       <p:cxnSp>
         <p:nvCxnSpPr>
-          <p:cNvPr id="133" name="Google Shape;133;p23"/>
+          <p:cNvPr id="140" name="Google Shape;140;p24"/>
           <p:cNvCxnSpPr/>
           <p:nvPr/>
         </p:nvCxnSpPr>
@@ -14209,7 +14316,7 @@
       </p:cxnSp>
       <p:cxnSp>
         <p:nvCxnSpPr>
-          <p:cNvPr id="134" name="Google Shape;134;p23"/>
+          <p:cNvPr id="141" name="Google Shape;141;p24"/>
           <p:cNvCxnSpPr/>
           <p:nvPr/>
         </p:nvCxnSpPr>
@@ -14235,7 +14342,7 @@
       </p:cxnSp>
       <p:sp>
         <p:nvSpPr>
-          <p:cNvPr id="135" name="Google Shape;135;p23"/>
+          <p:cNvPr id="142" name="Google Shape;142;p24"/>
           <p:cNvSpPr txBox="1"/>
           <p:nvPr/>
         </p:nvSpPr>
@@ -14277,7 +14384,7 @@
       </p:sp>
       <p:sp>
         <p:nvSpPr>
-          <p:cNvPr id="132" name="Google Shape;132;p23"/>
+          <p:cNvPr id="139" name="Google Shape;139;p24"/>
           <p:cNvSpPr txBox="1"/>
           <p:nvPr/>
         </p:nvSpPr>
@@ -14319,7 +14426,7 @@
       </p:sp>
       <p:sp>
         <p:nvSpPr>
-          <p:cNvPr id="136" name="Google Shape;136;p23"/>
+          <p:cNvPr id="143" name="Google Shape;143;p24"/>
           <p:cNvSpPr txBox="1"/>
           <p:nvPr/>
         </p:nvSpPr>
@@ -14361,7 +14468,7 @@
       </p:sp>
       <p:sp>
         <p:nvSpPr>
-          <p:cNvPr id="137" name="Google Shape;137;p23"/>
+          <p:cNvPr id="144" name="Google Shape;144;p24"/>
           <p:cNvSpPr txBox="1"/>
           <p:nvPr/>
         </p:nvSpPr>
@@ -14409,304 +14516,286 @@
 </p:sld>
 </file>
 
-<file path=ppt/slides/slide9.xml><?xml version="1.0" encoding="utf-8"?>
-<p:sld xmlns:a="http://schemas.openxmlformats.org/drawingml/2006/main" xmlns:r="http://schemas.openxmlformats.org/officeDocument/2006/relationships" xmlns:mc="http://schemas.openxmlformats.org/markup-compatibility/2006" xmlns:mv="urn:schemas-microsoft-com:mac:vml" xmlns:p="http://schemas.openxmlformats.org/presentationml/2006/main" xmlns:c="http://schemas.openxmlformats.org/drawingml/2006/chart" xmlns:dgm="http://schemas.openxmlformats.org/drawingml/2006/diagram" xmlns:o="urn:schemas-microsoft-com:office:office" xmlns:v="urn:schemas-microsoft-com:vml" xmlns:pvml="urn:schemas-microsoft-com:office:powerpoint" xmlns:com="http://schemas.openxmlformats.org/drawingml/2006/compatibility" xmlns:p14="http://schemas.microsoft.com/office/powerpoint/2010/main" xmlns:p15="http://schemas.microsoft.com/office/powerpoint/2012/main" xmlns:ahyp="http://schemas.microsoft.com/office/drawing/2018/hyperlinkcolor">
-  <p:cSld>
-    <p:spTree>
-      <p:nvGrpSpPr>
-        <p:cNvPr id="141" name="Shape 141"/>
-        <p:cNvGrpSpPr/>
-        <p:nvPr/>
-      </p:nvGrpSpPr>
-      <p:grpSpPr>
-        <a:xfrm>
-          <a:off x="0" y="0"/>
-          <a:ext cx="0" cy="0"/>
-          <a:chOff x="0" y="0"/>
-          <a:chExt cx="0" cy="0"/>
-        </a:xfrm>
-      </p:grpSpPr>
-      <p:sp>
-        <p:nvSpPr>
-          <p:cNvPr id="142" name="Google Shape;142;p24"/>
-          <p:cNvSpPr txBox="1"/>
-          <p:nvPr>
-            <p:ph type="title"/>
-          </p:nvPr>
-        </p:nvSpPr>
-        <p:spPr>
-          <a:xfrm>
-            <a:off x="431800" y="83344"/>
-            <a:ext cx="8375700" cy="531000"/>
-          </a:xfrm>
-          <a:prstGeom prst="rect">
-            <a:avLst/>
-          </a:prstGeom>
-        </p:spPr>
-        <p:txBody>
-          <a:bodyPr anchorCtr="0" anchor="b" bIns="0" lIns="0" spcFirstLastPara="1" rIns="0" wrap="square" tIns="0">
-            <a:noAutofit/>
-          </a:bodyPr>
-          <a:lstStyle/>
-          <a:p>
-            <a:pPr indent="0" lvl="0" marL="0" rtl="0" algn="l">
-              <a:spcBef>
-                <a:spcPts val="0"/>
-              </a:spcBef>
-              <a:spcAft>
-                <a:spcPts val="0"/>
-              </a:spcAft>
-              <a:buNone/>
-            </a:pPr>
-            <a:r>
-              <a:rPr lang="de"/>
-              <a:t>1.3.1 Repository klonen</a:t>
-            </a:r>
-            <a:endParaRPr/>
-          </a:p>
-        </p:txBody>
-      </p:sp>
-      <p:sp>
-        <p:nvSpPr>
-          <p:cNvPr id="143" name="Google Shape;143;p24"/>
-          <p:cNvSpPr txBox="1"/>
-          <p:nvPr>
-            <p:ph idx="1" type="body"/>
-          </p:nvPr>
-        </p:nvSpPr>
-        <p:spPr>
-          <a:xfrm>
-            <a:off x="431800" y="945000"/>
-            <a:ext cx="8375700" cy="3375000"/>
-          </a:xfrm>
-          <a:prstGeom prst="rect">
-            <a:avLst/>
-          </a:prstGeom>
-        </p:spPr>
-        <p:txBody>
-          <a:bodyPr anchorCtr="0" anchor="t" bIns="0" lIns="0" spcFirstLastPara="1" rIns="0" wrap="square" tIns="0">
-            <a:noAutofit/>
-          </a:bodyPr>
-          <a:lstStyle/>
-          <a:p>
-            <a:pPr indent="0" lvl="0" marL="0" rtl="0" algn="l">
-              <a:spcBef>
-                <a:spcPts val="320"/>
-              </a:spcBef>
-              <a:spcAft>
-                <a:spcPts val="0"/>
-              </a:spcAft>
-              <a:buNone/>
-            </a:pPr>
-            <a:r>
-              <a:rPr lang="de"/>
-              <a:t>Danach kannst du das Repository mit SSH klonen:</a:t>
-            </a:r>
-            <a:endParaRPr/>
-          </a:p>
-        </p:txBody>
-      </p:sp>
-      <p:pic>
-        <p:nvPicPr>
-          <p:cNvPr id="144" name="Google Shape;144;p24"/>
-          <p:cNvPicPr preferRelativeResize="0"/>
-          <p:nvPr/>
-        </p:nvPicPr>
-        <p:blipFill>
-          <a:blip r:embed="rId3">
-            <a:alphaModFix/>
-          </a:blip>
-          <a:stretch>
-            <a:fillRect/>
-          </a:stretch>
-        </p:blipFill>
-        <p:spPr>
-          <a:xfrm>
-            <a:off x="431800" y="1305488"/>
-            <a:ext cx="3982024" cy="2654024"/>
-          </a:xfrm>
-          <a:prstGeom prst="rect">
-            <a:avLst/>
-          </a:prstGeom>
-          <a:noFill/>
-          <a:ln>
-            <a:noFill/>
-          </a:ln>
-        </p:spPr>
-      </p:pic>
-      <p:pic>
-        <p:nvPicPr>
-          <p:cNvPr id="145" name="Google Shape;145;p24"/>
-          <p:cNvPicPr preferRelativeResize="0"/>
-          <p:nvPr/>
-        </p:nvPicPr>
-        <p:blipFill>
-          <a:blip r:embed="rId4">
-            <a:alphaModFix/>
-          </a:blip>
-          <a:stretch>
-            <a:fillRect/>
-          </a:stretch>
-        </p:blipFill>
-        <p:spPr>
-          <a:xfrm>
-            <a:off x="2316175" y="4188873"/>
-            <a:ext cx="6023475" cy="170775"/>
-          </a:xfrm>
-          <a:prstGeom prst="rect">
-            <a:avLst/>
-          </a:prstGeom>
-          <a:noFill/>
-          <a:ln>
-            <a:noFill/>
-          </a:ln>
-        </p:spPr>
-      </p:pic>
-      <p:cxnSp>
-        <p:nvCxnSpPr>
-          <p:cNvPr id="146" name="Google Shape;146;p24"/>
-          <p:cNvCxnSpPr/>
-          <p:nvPr/>
-        </p:nvCxnSpPr>
-        <p:spPr>
-          <a:xfrm flipH="1">
-            <a:off x="4131100" y="2271375"/>
-            <a:ext cx="847800" cy="1094400"/>
-          </a:xfrm>
-          <a:prstGeom prst="straightConnector1">
-            <a:avLst/>
-          </a:prstGeom>
-          <a:noFill/>
-          <a:ln cap="flat" cmpd="sng" w="9525">
-            <a:solidFill>
-              <a:srgbClr val="FF0000"/>
-            </a:solidFill>
-            <a:prstDash val="solid"/>
-            <a:round/>
-            <a:headEnd len="med" w="med" type="none"/>
-            <a:tailEnd len="med" w="med" type="triangle"/>
-          </a:ln>
-        </p:spPr>
-      </p:cxnSp>
-      <p:cxnSp>
-        <p:nvCxnSpPr>
-          <p:cNvPr id="147" name="Google Shape;147;p24"/>
-          <p:cNvCxnSpPr/>
-          <p:nvPr/>
-        </p:nvCxnSpPr>
-        <p:spPr>
-          <a:xfrm flipH="1">
-            <a:off x="4032550" y="2098550"/>
-            <a:ext cx="765300" cy="633600"/>
-          </a:xfrm>
-          <a:prstGeom prst="straightConnector1">
-            <a:avLst/>
-          </a:prstGeom>
-          <a:noFill/>
-          <a:ln cap="flat" cmpd="sng" w="9525">
-            <a:solidFill>
-              <a:srgbClr val="FF0000"/>
-            </a:solidFill>
-            <a:prstDash val="solid"/>
-            <a:round/>
-            <a:headEnd len="med" w="med" type="none"/>
-            <a:tailEnd len="med" w="med" type="triangle"/>
-          </a:ln>
-        </p:spPr>
-      </p:cxnSp>
-      <p:sp>
-        <p:nvSpPr>
-          <p:cNvPr id="148" name="Google Shape;148;p24"/>
-          <p:cNvSpPr txBox="1"/>
-          <p:nvPr/>
-        </p:nvSpPr>
-        <p:spPr>
-          <a:xfrm>
-            <a:off x="4851850" y="1902075"/>
-            <a:ext cx="691200" cy="276900"/>
-          </a:xfrm>
-          <a:prstGeom prst="rect">
-            <a:avLst/>
-          </a:prstGeom>
-          <a:noFill/>
-          <a:ln>
-            <a:noFill/>
-          </a:ln>
-        </p:spPr>
-        <p:txBody>
-          <a:bodyPr anchorCtr="0" anchor="t" bIns="91425" lIns="91425" spcFirstLastPara="1" rIns="91425" wrap="square" tIns="91425">
-            <a:spAutoFit/>
-          </a:bodyPr>
-          <a:lstStyle/>
-          <a:p>
-            <a:pPr indent="0" lvl="0" marL="0" rtl="0" algn="l">
-              <a:spcBef>
-                <a:spcPts val="0"/>
-              </a:spcBef>
-              <a:spcAft>
-                <a:spcPts val="0"/>
-              </a:spcAft>
-              <a:buNone/>
-            </a:pPr>
-            <a:r>
-              <a:rPr lang="de" sz="600"/>
-              <a:t>Link kopieren</a:t>
-            </a:r>
-            <a:endParaRPr sz="500"/>
-          </a:p>
-        </p:txBody>
-      </p:sp>
-      <p:sp>
-        <p:nvSpPr>
-          <p:cNvPr id="149" name="Google Shape;149;p24"/>
-          <p:cNvSpPr txBox="1"/>
-          <p:nvPr/>
-        </p:nvSpPr>
-        <p:spPr>
-          <a:xfrm>
-            <a:off x="5085900" y="2814500"/>
-            <a:ext cx="3316500" cy="1262100"/>
-          </a:xfrm>
-          <a:prstGeom prst="rect">
-            <a:avLst/>
-          </a:prstGeom>
-          <a:noFill/>
-          <a:ln>
-            <a:noFill/>
-          </a:ln>
-        </p:spPr>
-        <p:txBody>
-          <a:bodyPr anchorCtr="0" anchor="t" bIns="91425" lIns="91425" spcFirstLastPara="1" rIns="91425" wrap="square" tIns="91425">
-            <a:spAutoFit/>
-          </a:bodyPr>
-          <a:lstStyle/>
-          <a:p>
-            <a:pPr indent="0" lvl="0" marL="0" rtl="0" algn="l">
-              <a:spcBef>
-                <a:spcPts val="0"/>
-              </a:spcBef>
-              <a:spcAft>
-                <a:spcPts val="0"/>
-              </a:spcAft>
-              <a:buNone/>
-            </a:pPr>
-            <a:r>
-              <a:rPr lang="de"/>
-              <a:t>Danach kannst du das Repository mit “git clone &lt;link&gt;” klonen. Mit “git pull” innerhalb des Verzeichnisses kannst du dir die Updates vom Remote Repository herunterladen.</a:t>
-            </a:r>
-            <a:endParaRPr/>
-          </a:p>
-        </p:txBody>
-      </p:sp>
-    </p:spTree>
-  </p:cSld>
-  <p:clrMapOvr>
-    <a:masterClrMapping/>
-  </p:clrMapOvr>
-</p:sld>
+<file path=ppt/theme/theme1.xml><?xml version="1.0" encoding="utf-8"?>
+<a:theme xmlns:a="http://schemas.openxmlformats.org/drawingml/2006/main" xmlns:r="http://schemas.openxmlformats.org/officeDocument/2006/relationships" name="TUBraunschweig_PPT2007_Folienpool_pptx">
+  <a:themeElements>
+    <a:clrScheme name="TU Braunschweig">
+      <a:dk1>
+        <a:srgbClr val="000000"/>
+      </a:dk1>
+      <a:lt1>
+        <a:srgbClr val="FFFFFF"/>
+      </a:lt1>
+      <a:dk2>
+        <a:srgbClr val="000000"/>
+      </a:dk2>
+      <a:lt2>
+        <a:srgbClr val="DDDDDD"/>
+      </a:lt2>
+      <a:accent1>
+        <a:srgbClr val="BE1E3C"/>
+      </a:accent1>
+      <a:accent2>
+        <a:srgbClr val="4DA6CB"/>
+      </a:accent2>
+      <a:accent3>
+        <a:srgbClr val="ADBF4D"/>
+      </a:accent3>
+      <a:accent4>
+        <a:srgbClr val="FA6E00"/>
+      </a:accent4>
+      <a:accent5>
+        <a:srgbClr val="407E97"/>
+      </a:accent5>
+      <a:accent6>
+        <a:srgbClr val="984098"/>
+      </a:accent6>
+      <a:hlink>
+        <a:srgbClr val="BE1E3C"/>
+      </a:hlink>
+      <a:folHlink>
+        <a:srgbClr val="760054"/>
+      </a:folHlink>
+    </a:clrScheme>
+    <a:fontScheme name="Office">
+      <a:majorFont>
+        <a:latin typeface="Arial"/>
+        <a:ea typeface=""/>
+        <a:cs typeface=""/>
+        <a:font script="Jpan" typeface="ＭＳ Ｐゴシック"/>
+        <a:font script="Hang" typeface="맑은 고딕"/>
+        <a:font script="Hans" typeface="宋体"/>
+        <a:font script="Hant" typeface="新細明體"/>
+        <a:font script="Arab" typeface="Times New Roman"/>
+        <a:font script="Hebr" typeface="Times New Roman"/>
+        <a:font script="Thai" typeface="Angsana New"/>
+        <a:font script="Ethi" typeface="Nyala"/>
+        <a:font script="Beng" typeface="Vrinda"/>
+        <a:font script="Gujr" typeface="Shruti"/>
+        <a:font script="Khmr" typeface="MoolBoran"/>
+        <a:font script="Knda" typeface="Tunga"/>
+        <a:font script="Guru" typeface="Raavi"/>
+        <a:font script="Cans" typeface="Euphemia"/>
+        <a:font script="Cher" typeface="Plantagenet Cherokee"/>
+        <a:font script="Yiii" typeface="Microsoft Yi Baiti"/>
+        <a:font script="Tibt" typeface="Microsoft Himalaya"/>
+        <a:font script="Thaa" typeface="MV Boli"/>
+        <a:font script="Deva" typeface="Mangal"/>
+        <a:font script="Telu" typeface="Gautami"/>
+        <a:font script="Taml" typeface="Latha"/>
+        <a:font script="Syrc" typeface="Estrangelo Edessa"/>
+        <a:font script="Orya" typeface="Kalinga"/>
+        <a:font script="Mlym" typeface="Kartika"/>
+        <a:font script="Laoo" typeface="DokChampa"/>
+        <a:font script="Sinh" typeface="Iskoola Pota"/>
+        <a:font script="Mong" typeface="Mongolian Baiti"/>
+        <a:font script="Viet" typeface="Times New Roman"/>
+        <a:font script="Uigh" typeface="Microsoft Uighur"/>
+        <a:font script="Geor" typeface="Sylfaen"/>
+      </a:majorFont>
+      <a:minorFont>
+        <a:latin typeface="Arial"/>
+        <a:ea typeface=""/>
+        <a:cs typeface=""/>
+        <a:font script="Jpan" typeface="ＭＳ Ｐゴシック"/>
+        <a:font script="Hang" typeface="맑은 고딕"/>
+        <a:font script="Hans" typeface="宋体"/>
+        <a:font script="Hant" typeface="新細明體"/>
+        <a:font script="Arab" typeface="Arial"/>
+        <a:font script="Hebr" typeface="Arial"/>
+        <a:font script="Thai" typeface="Cordia New"/>
+        <a:font script="Ethi" typeface="Nyala"/>
+        <a:font script="Beng" typeface="Vrinda"/>
+        <a:font script="Gujr" typeface="Shruti"/>
+        <a:font script="Khmr" typeface="DaunPenh"/>
+        <a:font script="Knda" typeface="Tunga"/>
+        <a:font script="Guru" typeface="Raavi"/>
+        <a:font script="Cans" typeface="Euphemia"/>
+        <a:font script="Cher" typeface="Plantagenet Cherokee"/>
+        <a:font script="Yiii" typeface="Microsoft Yi Baiti"/>
+        <a:font script="Tibt" typeface="Microsoft Himalaya"/>
+        <a:font script="Thaa" typeface="MV Boli"/>
+        <a:font script="Deva" typeface="Mangal"/>
+        <a:font script="Telu" typeface="Gautami"/>
+        <a:font script="Taml" typeface="Latha"/>
+        <a:font script="Syrc" typeface="Estrangelo Edessa"/>
+        <a:font script="Orya" typeface="Kalinga"/>
+        <a:font script="Mlym" typeface="Kartika"/>
+        <a:font script="Laoo" typeface="DokChampa"/>
+        <a:font script="Sinh" typeface="Iskoola Pota"/>
+        <a:font script="Mong" typeface="Mongolian Baiti"/>
+        <a:font script="Viet" typeface="Arial"/>
+        <a:font script="Uigh" typeface="Microsoft Uighur"/>
+        <a:font script="Geor" typeface="Sylfaen"/>
+      </a:minorFont>
+    </a:fontScheme>
+    <a:fmtScheme name="Office">
+      <a:fillStyleLst>
+        <a:solidFill>
+          <a:schemeClr val="phClr"/>
+        </a:solidFill>
+        <a:gradFill rotWithShape="1">
+          <a:gsLst>
+            <a:gs pos="0">
+              <a:schemeClr val="phClr">
+                <a:tint val="50000"/>
+                <a:satMod val="300000"/>
+              </a:schemeClr>
+            </a:gs>
+            <a:gs pos="35000">
+              <a:schemeClr val="phClr">
+                <a:tint val="37000"/>
+                <a:satMod val="300000"/>
+              </a:schemeClr>
+            </a:gs>
+            <a:gs pos="100000">
+              <a:schemeClr val="phClr">
+                <a:tint val="15000"/>
+                <a:satMod val="350000"/>
+              </a:schemeClr>
+            </a:gs>
+          </a:gsLst>
+          <a:lin ang="16200000" scaled="1"/>
+        </a:gradFill>
+        <a:gradFill rotWithShape="1">
+          <a:gsLst>
+            <a:gs pos="0">
+              <a:schemeClr val="phClr">
+                <a:tint val="100000"/>
+                <a:shade val="100000"/>
+                <a:satMod val="130000"/>
+              </a:schemeClr>
+            </a:gs>
+            <a:gs pos="100000">
+              <a:schemeClr val="phClr">
+                <a:tint val="50000"/>
+                <a:shade val="100000"/>
+                <a:satMod val="350000"/>
+              </a:schemeClr>
+            </a:gs>
+          </a:gsLst>
+          <a:lin ang="16200000" scaled="0"/>
+        </a:gradFill>
+      </a:fillStyleLst>
+      <a:lnStyleLst>
+        <a:ln w="9525" cap="flat" cmpd="sng" algn="ctr">
+          <a:solidFill>
+            <a:schemeClr val="phClr">
+              <a:shade val="95000"/>
+              <a:satMod val="105000"/>
+            </a:schemeClr>
+          </a:solidFill>
+          <a:prstDash val="solid"/>
+        </a:ln>
+        <a:ln w="25400" cap="flat" cmpd="sng" algn="ctr">
+          <a:solidFill>
+            <a:schemeClr val="phClr"/>
+          </a:solidFill>
+          <a:prstDash val="solid"/>
+        </a:ln>
+        <a:ln w="38100" cap="flat" cmpd="sng" algn="ctr">
+          <a:solidFill>
+            <a:schemeClr val="phClr"/>
+          </a:solidFill>
+          <a:prstDash val="solid"/>
+        </a:ln>
+      </a:lnStyleLst>
+      <a:effectStyleLst>
+        <a:effectStyle>
+          <a:effectLst>
+            <a:outerShdw blurRad="40000" dist="20000" dir="5400000" rotWithShape="0">
+              <a:srgbClr val="000000">
+                <a:alpha val="38000"/>
+              </a:srgbClr>
+            </a:outerShdw>
+          </a:effectLst>
+        </a:effectStyle>
+        <a:effectStyle>
+          <a:effectLst>
+            <a:outerShdw blurRad="40000" dist="23000" dir="5400000" rotWithShape="0">
+              <a:srgbClr val="000000">
+                <a:alpha val="35000"/>
+              </a:srgbClr>
+            </a:outerShdw>
+          </a:effectLst>
+        </a:effectStyle>
+        <a:effectStyle>
+          <a:effectLst>
+            <a:outerShdw blurRad="40000" dist="23000" dir="5400000" rotWithShape="0">
+              <a:srgbClr val="000000">
+                <a:alpha val="35000"/>
+              </a:srgbClr>
+            </a:outerShdw>
+          </a:effectLst>
+          <a:scene3d>
+            <a:camera prst="orthographicFront">
+              <a:rot lat="0" lon="0" rev="0"/>
+            </a:camera>
+            <a:lightRig rig="threePt" dir="t">
+              <a:rot lat="0" lon="0" rev="1200000"/>
+            </a:lightRig>
+          </a:scene3d>
+          <a:sp3d>
+            <a:bevelT w="63500" h="25400"/>
+          </a:sp3d>
+        </a:effectStyle>
+      </a:effectStyleLst>
+      <a:bgFillStyleLst>
+        <a:solidFill>
+          <a:schemeClr val="phClr"/>
+        </a:solidFill>
+        <a:gradFill rotWithShape="1">
+          <a:gsLst>
+            <a:gs pos="0">
+              <a:schemeClr val="phClr">
+                <a:tint val="40000"/>
+                <a:satMod val="350000"/>
+              </a:schemeClr>
+            </a:gs>
+            <a:gs pos="40000">
+              <a:schemeClr val="phClr">
+                <a:tint val="45000"/>
+                <a:shade val="99000"/>
+                <a:satMod val="350000"/>
+              </a:schemeClr>
+            </a:gs>
+            <a:gs pos="100000">
+              <a:schemeClr val="phClr">
+                <a:shade val="20000"/>
+                <a:satMod val="255000"/>
+              </a:schemeClr>
+            </a:gs>
+          </a:gsLst>
+          <a:path path="circle">
+            <a:fillToRect l="50000" t="-80000" r="50000" b="180000"/>
+          </a:path>
+        </a:gradFill>
+        <a:gradFill rotWithShape="1">
+          <a:gsLst>
+            <a:gs pos="0">
+              <a:schemeClr val="phClr">
+                <a:tint val="80000"/>
+                <a:satMod val="300000"/>
+              </a:schemeClr>
+            </a:gs>
+            <a:gs pos="100000">
+              <a:schemeClr val="phClr">
+                <a:shade val="30000"/>
+                <a:satMod val="200000"/>
+              </a:schemeClr>
+            </a:gs>
+          </a:gsLst>
+          <a:path path="circle">
+            <a:fillToRect l="50000" t="50000" r="50000" b="50000"/>
+          </a:path>
+        </a:gradFill>
+      </a:bgFillStyleLst>
+    </a:fmtScheme>
+  </a:themeElements>
+</a:theme>
 </file>
 
-<file path=ppt/theme/theme1.xml><?xml version="1.0" encoding="utf-8"?>
+<file path=ppt/theme/theme2.xml><?xml version="1.0" encoding="utf-8"?>
 <a:theme xmlns:a="http://schemas.openxmlformats.org/drawingml/2006/main" xmlns:r="http://schemas.openxmlformats.org/officeDocument/2006/relationships">
   <a:themeElements>
     <a:clrScheme name="Default">
@@ -14983,283 +15072,4 @@
     </a:fmtScheme>
   </a:themeElements>
 </a:theme>
-</file>
-
-<file path=ppt/theme/theme2.xml><?xml version="1.0" encoding="utf-8"?>
-<a:theme xmlns:a="http://schemas.openxmlformats.org/drawingml/2006/main" xmlns:r="http://schemas.openxmlformats.org/officeDocument/2006/relationships" name="TUBraunschweig_PPT2007_Folienpool_pptx">
-  <a:themeElements>
-    <a:clrScheme name="TU Braunschweig">
-      <a:dk1>
-        <a:srgbClr val="000000"/>
-      </a:dk1>
-      <a:lt1>
-        <a:srgbClr val="FFFFFF"/>
-      </a:lt1>
-      <a:dk2>
-        <a:srgbClr val="000000"/>
-      </a:dk2>
-      <a:lt2>
-        <a:srgbClr val="DDDDDD"/>
-      </a:lt2>
-      <a:accent1>
-        <a:srgbClr val="BE1E3C"/>
-      </a:accent1>
-      <a:accent2>
-        <a:srgbClr val="4DA6CB"/>
-      </a:accent2>
-      <a:accent3>
-        <a:srgbClr val="ADBF4D"/>
-      </a:accent3>
-      <a:accent4>
-        <a:srgbClr val="FA6E00"/>
-      </a:accent4>
-      <a:accent5>
-        <a:srgbClr val="407E97"/>
-      </a:accent5>
-      <a:accent6>
-        <a:srgbClr val="984098"/>
-      </a:accent6>
-      <a:hlink>
-        <a:srgbClr val="BE1E3C"/>
-      </a:hlink>
-      <a:folHlink>
-        <a:srgbClr val="760054"/>
-      </a:folHlink>
-    </a:clrScheme>
-    <a:fontScheme name="Office">
-      <a:majorFont>
-        <a:latin typeface="Arial"/>
-        <a:ea typeface=""/>
-        <a:cs typeface=""/>
-        <a:font script="Jpan" typeface="ＭＳ Ｐゴシック"/>
-        <a:font script="Hang" typeface="맑은 고딕"/>
-        <a:font script="Hans" typeface="宋体"/>
-        <a:font script="Hant" typeface="新細明體"/>
-        <a:font script="Arab" typeface="Times New Roman"/>
-        <a:font script="Hebr" typeface="Times New Roman"/>
-        <a:font script="Thai" typeface="Angsana New"/>
-        <a:font script="Ethi" typeface="Nyala"/>
-        <a:font script="Beng" typeface="Vrinda"/>
-        <a:font script="Gujr" typeface="Shruti"/>
-        <a:font script="Khmr" typeface="MoolBoran"/>
-        <a:font script="Knda" typeface="Tunga"/>
-        <a:font script="Guru" typeface="Raavi"/>
-        <a:font script="Cans" typeface="Euphemia"/>
-        <a:font script="Cher" typeface="Plantagenet Cherokee"/>
-        <a:font script="Yiii" typeface="Microsoft Yi Baiti"/>
-        <a:font script="Tibt" typeface="Microsoft Himalaya"/>
-        <a:font script="Thaa" typeface="MV Boli"/>
-        <a:font script="Deva" typeface="Mangal"/>
-        <a:font script="Telu" typeface="Gautami"/>
-        <a:font script="Taml" typeface="Latha"/>
-        <a:font script="Syrc" typeface="Estrangelo Edessa"/>
-        <a:font script="Orya" typeface="Kalinga"/>
-        <a:font script="Mlym" typeface="Kartika"/>
-        <a:font script="Laoo" typeface="DokChampa"/>
-        <a:font script="Sinh" typeface="Iskoola Pota"/>
-        <a:font script="Mong" typeface="Mongolian Baiti"/>
-        <a:font script="Viet" typeface="Times New Roman"/>
-        <a:font script="Uigh" typeface="Microsoft Uighur"/>
-        <a:font script="Geor" typeface="Sylfaen"/>
-      </a:majorFont>
-      <a:minorFont>
-        <a:latin typeface="Arial"/>
-        <a:ea typeface=""/>
-        <a:cs typeface=""/>
-        <a:font script="Jpan" typeface="ＭＳ Ｐゴシック"/>
-        <a:font script="Hang" typeface="맑은 고딕"/>
-        <a:font script="Hans" typeface="宋体"/>
-        <a:font script="Hant" typeface="新細明體"/>
-        <a:font script="Arab" typeface="Arial"/>
-        <a:font script="Hebr" typeface="Arial"/>
-        <a:font script="Thai" typeface="Cordia New"/>
-        <a:font script="Ethi" typeface="Nyala"/>
-        <a:font script="Beng" typeface="Vrinda"/>
-        <a:font script="Gujr" typeface="Shruti"/>
-        <a:font script="Khmr" typeface="DaunPenh"/>
-        <a:font script="Knda" typeface="Tunga"/>
-        <a:font script="Guru" typeface="Raavi"/>
-        <a:font script="Cans" typeface="Euphemia"/>
-        <a:font script="Cher" typeface="Plantagenet Cherokee"/>
-        <a:font script="Yiii" typeface="Microsoft Yi Baiti"/>
-        <a:font script="Tibt" typeface="Microsoft Himalaya"/>
-        <a:font script="Thaa" typeface="MV Boli"/>
-        <a:font script="Deva" typeface="Mangal"/>
-        <a:font script="Telu" typeface="Gautami"/>
-        <a:font script="Taml" typeface="Latha"/>
-        <a:font script="Syrc" typeface="Estrangelo Edessa"/>
-        <a:font script="Orya" typeface="Kalinga"/>
-        <a:font script="Mlym" typeface="Kartika"/>
-        <a:font script="Laoo" typeface="DokChampa"/>
-        <a:font script="Sinh" typeface="Iskoola Pota"/>
-        <a:font script="Mong" typeface="Mongolian Baiti"/>
-        <a:font script="Viet" typeface="Arial"/>
-        <a:font script="Uigh" typeface="Microsoft Uighur"/>
-        <a:font script="Geor" typeface="Sylfaen"/>
-      </a:minorFont>
-    </a:fontScheme>
-    <a:fmtScheme name="Office">
-      <a:fillStyleLst>
-        <a:solidFill>
-          <a:schemeClr val="phClr"/>
-        </a:solidFill>
-        <a:gradFill rotWithShape="1">
-          <a:gsLst>
-            <a:gs pos="0">
-              <a:schemeClr val="phClr">
-                <a:tint val="50000"/>
-                <a:satMod val="300000"/>
-              </a:schemeClr>
-            </a:gs>
-            <a:gs pos="35000">
-              <a:schemeClr val="phClr">
-                <a:tint val="37000"/>
-                <a:satMod val="300000"/>
-              </a:schemeClr>
-            </a:gs>
-            <a:gs pos="100000">
-              <a:schemeClr val="phClr">
-                <a:tint val="15000"/>
-                <a:satMod val="350000"/>
-              </a:schemeClr>
-            </a:gs>
-          </a:gsLst>
-          <a:lin ang="16200000" scaled="1"/>
-        </a:gradFill>
-        <a:gradFill rotWithShape="1">
-          <a:gsLst>
-            <a:gs pos="0">
-              <a:schemeClr val="phClr">
-                <a:tint val="100000"/>
-                <a:shade val="100000"/>
-                <a:satMod val="130000"/>
-              </a:schemeClr>
-            </a:gs>
-            <a:gs pos="100000">
-              <a:schemeClr val="phClr">
-                <a:tint val="50000"/>
-                <a:shade val="100000"/>
-                <a:satMod val="350000"/>
-              </a:schemeClr>
-            </a:gs>
-          </a:gsLst>
-          <a:lin ang="16200000" scaled="0"/>
-        </a:gradFill>
-      </a:fillStyleLst>
-      <a:lnStyleLst>
-        <a:ln w="9525" cap="flat" cmpd="sng" algn="ctr">
-          <a:solidFill>
-            <a:schemeClr val="phClr">
-              <a:shade val="95000"/>
-              <a:satMod val="105000"/>
-            </a:schemeClr>
-          </a:solidFill>
-          <a:prstDash val="solid"/>
-        </a:ln>
-        <a:ln w="25400" cap="flat" cmpd="sng" algn="ctr">
-          <a:solidFill>
-            <a:schemeClr val="phClr"/>
-          </a:solidFill>
-          <a:prstDash val="solid"/>
-        </a:ln>
-        <a:ln w="38100" cap="flat" cmpd="sng" algn="ctr">
-          <a:solidFill>
-            <a:schemeClr val="phClr"/>
-          </a:solidFill>
-          <a:prstDash val="solid"/>
-        </a:ln>
-      </a:lnStyleLst>
-      <a:effectStyleLst>
-        <a:effectStyle>
-          <a:effectLst>
-            <a:outerShdw blurRad="40000" dist="20000" dir="5400000" rotWithShape="0">
-              <a:srgbClr val="000000">
-                <a:alpha val="38000"/>
-              </a:srgbClr>
-            </a:outerShdw>
-          </a:effectLst>
-        </a:effectStyle>
-        <a:effectStyle>
-          <a:effectLst>
-            <a:outerShdw blurRad="40000" dist="23000" dir="5400000" rotWithShape="0">
-              <a:srgbClr val="000000">
-                <a:alpha val="35000"/>
-              </a:srgbClr>
-            </a:outerShdw>
-          </a:effectLst>
-        </a:effectStyle>
-        <a:effectStyle>
-          <a:effectLst>
-            <a:outerShdw blurRad="40000" dist="23000" dir="5400000" rotWithShape="0">
-              <a:srgbClr val="000000">
-                <a:alpha val="35000"/>
-              </a:srgbClr>
-            </a:outerShdw>
-          </a:effectLst>
-          <a:scene3d>
-            <a:camera prst="orthographicFront">
-              <a:rot lat="0" lon="0" rev="0"/>
-            </a:camera>
-            <a:lightRig rig="threePt" dir="t">
-              <a:rot lat="0" lon="0" rev="1200000"/>
-            </a:lightRig>
-          </a:scene3d>
-          <a:sp3d>
-            <a:bevelT w="63500" h="25400"/>
-          </a:sp3d>
-        </a:effectStyle>
-      </a:effectStyleLst>
-      <a:bgFillStyleLst>
-        <a:solidFill>
-          <a:schemeClr val="phClr"/>
-        </a:solidFill>
-        <a:gradFill rotWithShape="1">
-          <a:gsLst>
-            <a:gs pos="0">
-              <a:schemeClr val="phClr">
-                <a:tint val="40000"/>
-                <a:satMod val="350000"/>
-              </a:schemeClr>
-            </a:gs>
-            <a:gs pos="40000">
-              <a:schemeClr val="phClr">
-                <a:tint val="45000"/>
-                <a:shade val="99000"/>
-                <a:satMod val="350000"/>
-              </a:schemeClr>
-            </a:gs>
-            <a:gs pos="100000">
-              <a:schemeClr val="phClr">
-                <a:shade val="20000"/>
-                <a:satMod val="255000"/>
-              </a:schemeClr>
-            </a:gs>
-          </a:gsLst>
-          <a:path path="circle">
-            <a:fillToRect l="50000" t="-80000" r="50000" b="180000"/>
-          </a:path>
-        </a:gradFill>
-        <a:gradFill rotWithShape="1">
-          <a:gsLst>
-            <a:gs pos="0">
-              <a:schemeClr val="phClr">
-                <a:tint val="80000"/>
-                <a:satMod val="300000"/>
-              </a:schemeClr>
-            </a:gs>
-            <a:gs pos="100000">
-              <a:schemeClr val="phClr">
-                <a:shade val="30000"/>
-                <a:satMod val="200000"/>
-              </a:schemeClr>
-            </a:gs>
-          </a:gsLst>
-          <a:path path="circle">
-            <a:fillToRect l="50000" t="50000" r="50000" b="50000"/>
-          </a:path>
-        </a:gradFill>
-      </a:bgFillStyleLst>
-    </a:fmtScheme>
-  </a:themeElements>
-</a:theme>
 </file>
--- a/slides/00_installation_introduction.pptx
+++ b/slides/00_installation_introduction.pptx
@@ -12551,7 +12551,7 @@
             <a:tbl>
               <a:tblPr>
                 <a:noFill/>
-                <a:tableStyleId>{4B589F85-201E-4314-A1F2-5297FA2F00AE}</a:tableStyleId>
+                <a:tableStyleId>{25A66414-249D-4F03-82DA-F3B13A01B985}</a:tableStyleId>
               </a:tblPr>
               <a:tblGrid>
                 <a:gridCol w="2731250"/>

--- a/slides/00_installation_introduction.pptx
+++ b/slides/00_installation_introduction.pptx
@@ -9223,7 +9223,7 @@
                 <a:cs typeface="Arial"/>
                 <a:sym typeface="Arial"/>
               </a:rPr>
-              <a:t>David Gemen und Andriyan Lapychak | Seite </a:t>
+              <a:t>David Gemen | Seite </a:t>
             </a:r>
             <a:fld id="{00000000-1234-1234-1234-123412341234}" type="slidenum">
               <a:rPr b="0" i="0" lang="de" sz="800" u="none" cap="none" strike="noStrike">
@@ -10271,6 +10271,27 @@
             </a:r>
             <a:endParaRPr/>
           </a:p>
+          <a:p>
+            <a:pPr indent="0" lvl="0" marL="0" rtl="0" algn="l">
+              <a:spcBef>
+                <a:spcPts val="0"/>
+              </a:spcBef>
+              <a:spcAft>
+                <a:spcPts val="0"/>
+              </a:spcAft>
+              <a:buClr>
+                <a:schemeClr val="dk1"/>
+              </a:buClr>
+              <a:buSzPts val="1400"/>
+              <a:buFont typeface="Arial"/>
+              <a:buNone/>
+            </a:pPr>
+            <a:r>
+              <a:rPr lang="de" sz="1100"/>
+              <a:t>(nicht wichtig für das Tutorium)</a:t>
+            </a:r>
+            <a:endParaRPr/>
+          </a:p>
         </p:txBody>
       </p:sp>
       <p:sp>
@@ -12251,14 +12272,25 @@
               <a:spcAft>
                 <a:spcPts val="0"/>
               </a:spcAft>
+              <a:buClr>
+                <a:srgbClr val="9E9E9E"/>
+              </a:buClr>
               <a:buSzPts val="1600"/>
               <a:buAutoNum type="arabicPeriod"/>
             </a:pPr>
             <a:r>
-              <a:rPr lang="de"/>
-              <a:t>SSH</a:t>
-            </a:r>
-            <a:endParaRPr/>
+              <a:rPr lang="de">
+                <a:solidFill>
+                  <a:srgbClr val="9E9E9E"/>
+                </a:solidFill>
+              </a:rPr>
+              <a:t>SSH (nicht wichtig für das Tutorium)</a:t>
+            </a:r>
+            <a:endParaRPr>
+              <a:solidFill>
+                <a:srgbClr val="9E9E9E"/>
+              </a:solidFill>
+            </a:endParaRPr>
           </a:p>
           <a:p>
             <a:pPr indent="-330200" lvl="1" marL="914400" rtl="0" algn="l">
@@ -12271,14 +12303,33 @@
               <a:spcAft>
                 <a:spcPts val="0"/>
               </a:spcAft>
+              <a:buClr>
+                <a:srgbClr val="9E9E9E"/>
+              </a:buClr>
               <a:buSzPts val="1600"/>
               <a:buAutoNum type="arabicPeriod"/>
             </a:pPr>
             <a:r>
-              <a:rPr lang="de"/>
-              <a:t>Git</a:t>
-            </a:r>
-            <a:endParaRPr/>
+              <a:rPr lang="de">
+                <a:solidFill>
+                  <a:srgbClr val="9E9E9E"/>
+                </a:solidFill>
+              </a:rPr>
+              <a:t>Git </a:t>
+            </a:r>
+            <a:r>
+              <a:rPr lang="de">
+                <a:solidFill>
+                  <a:srgbClr val="9E9E9E"/>
+                </a:solidFill>
+              </a:rPr>
+              <a:t>(nicht wichtig für das Tutorium)</a:t>
+            </a:r>
+            <a:endParaRPr>
+              <a:solidFill>
+                <a:srgbClr val="9E9E9E"/>
+              </a:solidFill>
+            </a:endParaRPr>
           </a:p>
           <a:p>
             <a:pPr indent="-330200" lvl="2" marL="1371600" rtl="0" algn="l">
@@ -12291,14 +12342,33 @@
               <a:spcAft>
                 <a:spcPts val="0"/>
               </a:spcAft>
+              <a:buClr>
+                <a:srgbClr val="9E9E9E"/>
+              </a:buClr>
               <a:buSzPts val="1600"/>
               <a:buAutoNum type="arabicPeriod"/>
             </a:pPr>
             <a:r>
-              <a:rPr lang="de"/>
+              <a:rPr lang="de">
+                <a:solidFill>
+                  <a:srgbClr val="9E9E9E"/>
+                </a:solidFill>
+              </a:rPr>
               <a:t>Repository klonen</a:t>
             </a:r>
-            <a:endParaRPr/>
+            <a:r>
+              <a:rPr lang="de">
+                <a:solidFill>
+                  <a:srgbClr val="9E9E9E"/>
+                </a:solidFill>
+              </a:rPr>
+              <a:t> (nicht wichtig für das Tutorium)</a:t>
+            </a:r>
+            <a:endParaRPr>
+              <a:solidFill>
+                <a:srgbClr val="9E9E9E"/>
+              </a:solidFill>
+            </a:endParaRPr>
           </a:p>
           <a:p>
             <a:pPr indent="-330200" lvl="1" marL="914400" rtl="0" algn="l">
@@ -12551,7 +12621,7 @@
             <a:tbl>
               <a:tblPr>
                 <a:noFill/>
-                <a:tableStyleId>{25A66414-249D-4F03-82DA-F3B13A01B985}</a:tableStyleId>
+                <a:tableStyleId>{76CAC84C-9329-4D60-9707-FE62AAB93BE5}</a:tableStyleId>
               </a:tblPr>
               <a:tblGrid>
                 <a:gridCol w="2731250"/>
@@ -13333,11 +13403,10 @@
             <a:r>
               <a:rPr lang="de" sz="1300" u="sng">
                 <a:solidFill>
-                  <a:schemeClr val="hlink"/>
+                  <a:schemeClr val="accent1"/>
                 </a:solidFill>
-                <a:hlinkClick r:id="rId3"/>
               </a:rPr>
-              <a:t>https://java.tutorials24x7.com/blog/how-to-install-java-11-on-windows</a:t>
+              <a:t>https://learn.microsoft.com/de-de/java/openjdk/install</a:t>
             </a:r>
             <a:br>
               <a:rPr lang="de" sz="1300"/>
@@ -13380,45 +13449,15 @@
             </a:pPr>
             <a:r>
               <a:rPr lang="de" sz="1300"/>
-              <a:t>Manuell : </a:t>
+              <a:t>APT: </a:t>
             </a:r>
             <a:r>
               <a:rPr lang="de" sz="1300" u="sng">
                 <a:solidFill>
-                  <a:schemeClr val="hlink"/>
+                  <a:schemeClr val="accent1"/>
                 </a:solidFill>
-                <a:hlinkClick r:id="rId4"/>
               </a:rPr>
-              <a:t>https://java.tutorials24x7.com/blog/how-to-install-java-11-on-ubuntu</a:t>
-            </a:r>
-            <a:endParaRPr sz="1300"/>
-          </a:p>
-          <a:p>
-            <a:pPr indent="-323850" lvl="1" marL="914400" rtl="0" algn="l">
-              <a:lnSpc>
-                <a:spcPct val="100000"/>
-              </a:lnSpc>
-              <a:spcBef>
-                <a:spcPts val="0"/>
-              </a:spcBef>
-              <a:spcAft>
-                <a:spcPts val="0"/>
-              </a:spcAft>
-              <a:buSzPts val="1500"/>
-              <a:buChar char="-"/>
-            </a:pPr>
-            <a:r>
-              <a:rPr lang="de" sz="1300"/>
-              <a:t>APT: </a:t>
-            </a:r>
-            <a:r>
-              <a:rPr lang="de" sz="1300" u="sng">
-                <a:solidFill>
-                  <a:schemeClr val="hlink"/>
-                </a:solidFill>
-                <a:hlinkClick r:id="rId5"/>
-              </a:rPr>
-              <a:t>https://www.digitalocean.com/community/tutorials/how-to-install-java-with-apt-on-ubuntu-18-04</a:t>
+              <a:t>https://wiki.ubuntuusers.de/Java/Installation/OpenJDK/</a:t>
             </a:r>
             <a:br>
               <a:rPr lang="de" sz="1300"/>
@@ -13461,47 +13500,21 @@
             </a:pPr>
             <a:r>
               <a:rPr lang="de" sz="1300"/>
-              <a:t>Manuell: </a:t>
+              <a:t>Brew: </a:t>
             </a:r>
             <a:r>
               <a:rPr lang="de" sz="1300" u="sng">
                 <a:solidFill>
-                  <a:schemeClr val="hlink"/>
+                  <a:schemeClr val="accent1"/>
                 </a:solidFill>
-                <a:hlinkClick r:id="rId6"/>
               </a:rPr>
-              <a:t>https://java.tutorials24x7.com/blog/how-to-install-java-11-on-mac</a:t>
-            </a:r>
-            <a:endParaRPr sz="1300"/>
-          </a:p>
-          <a:p>
-            <a:pPr indent="-323850" lvl="1" marL="914400" rtl="0" algn="l">
-              <a:lnSpc>
-                <a:spcPct val="100000"/>
-              </a:lnSpc>
-              <a:spcBef>
-                <a:spcPts val="0"/>
-              </a:spcBef>
-              <a:spcAft>
-                <a:spcPts val="0"/>
-              </a:spcAft>
-              <a:buSzPts val="1500"/>
-              <a:buChar char="-"/>
-            </a:pPr>
-            <a:r>
-              <a:rPr lang="de" sz="1300"/>
-              <a:t>Brew: </a:t>
-            </a:r>
-            <a:r>
-              <a:rPr lang="de" sz="1300" u="sng">
-                <a:solidFill>
-                  <a:schemeClr val="hlink"/>
-                </a:solidFill>
-                <a:hlinkClick r:id="rId7"/>
-              </a:rPr>
-              <a:t>https://medium.com/macoclock/using-homebrew-to-install-java-jdk11-on-macos-44b30f497b38</a:t>
-            </a:r>
-            <a:endParaRPr sz="1300"/>
+              <a:t>https://mkyong.com/java/how-to-install-java-on-mac-osx/</a:t>
+            </a:r>
+            <a:endParaRPr sz="1300" u="sng">
+              <a:solidFill>
+                <a:schemeClr val="accent1"/>
+              </a:solidFill>
+            </a:endParaRPr>
           </a:p>
         </p:txBody>
       </p:sp>
@@ -13575,6 +13588,26 @@
               <a:t>2.2. SSH Schlüsselpaar generieren</a:t>
             </a:r>
             <a:endParaRPr/>
+          </a:p>
+          <a:p>
+            <a:pPr indent="0" lvl="0" marL="0" rtl="0" algn="l">
+              <a:lnSpc>
+                <a:spcPct val="100000"/>
+              </a:lnSpc>
+              <a:spcBef>
+                <a:spcPts val="0"/>
+              </a:spcBef>
+              <a:spcAft>
+                <a:spcPts val="0"/>
+              </a:spcAft>
+              <a:buSzPts val="1400"/>
+              <a:buNone/>
+            </a:pPr>
+            <a:r>
+              <a:rPr lang="de" sz="1100"/>
+              <a:t>(nicht wichtig für das Tutorium)</a:t>
+            </a:r>
+            <a:endParaRPr sz="1100"/>
           </a:p>
         </p:txBody>
       </p:sp>
@@ -13801,6 +13834,27 @@
             </a:r>
             <a:endParaRPr/>
           </a:p>
+          <a:p>
+            <a:pPr indent="0" lvl="0" marL="0" rtl="0" algn="l">
+              <a:spcBef>
+                <a:spcPts val="0"/>
+              </a:spcBef>
+              <a:spcAft>
+                <a:spcPts val="0"/>
+              </a:spcAft>
+              <a:buClr>
+                <a:schemeClr val="dk1"/>
+              </a:buClr>
+              <a:buSzPts val="1400"/>
+              <a:buFont typeface="Arial"/>
+              <a:buNone/>
+            </a:pPr>
+            <a:r>
+              <a:rPr lang="de" sz="1100"/>
+              <a:t>(nicht wichtig für das Tutorium)</a:t>
+            </a:r>
+            <a:endParaRPr/>
+          </a:p>
         </p:txBody>
       </p:sp>
       <p:sp>
@@ -14094,6 +14148,27 @@
             <a:r>
               <a:rPr lang="de"/>
               <a:t>2.3. Installation von Git</a:t>
+            </a:r>
+            <a:endParaRPr/>
+          </a:p>
+          <a:p>
+            <a:pPr indent="0" lvl="0" marL="0" rtl="0" algn="l">
+              <a:spcBef>
+                <a:spcPts val="0"/>
+              </a:spcBef>
+              <a:spcAft>
+                <a:spcPts val="0"/>
+              </a:spcAft>
+              <a:buClr>
+                <a:schemeClr val="dk1"/>
+              </a:buClr>
+              <a:buSzPts val="1400"/>
+              <a:buFont typeface="Arial"/>
+              <a:buNone/>
+            </a:pPr>
+            <a:r>
+              <a:rPr lang="de" sz="1100"/>
+              <a:t>(nicht wichtig für das Tutorium)</a:t>
             </a:r>
             <a:endParaRPr/>
           </a:p>

--- a/slides/00_installation_introduction.pptx
+++ b/slides/00_installation_introduction.pptx
@@ -5,24 +5,25 @@
     <p:sldMasterId id="2147483662" r:id="rId1"/>
   </p:sldMasterIdLst>
   <p:notesMasterIdLst>
-    <p:notesMasterId r:id="rId17"/>
+    <p:notesMasterId r:id="rId18"/>
   </p:notesMasterIdLst>
   <p:sldIdLst>
     <p:sldId id="256" r:id="rId2"/>
     <p:sldId id="257" r:id="rId3"/>
     <p:sldId id="258" r:id="rId4"/>
     <p:sldId id="259" r:id="rId5"/>
-    <p:sldId id="269" r:id="rId6"/>
-    <p:sldId id="270" r:id="rId7"/>
-    <p:sldId id="260" r:id="rId8"/>
-    <p:sldId id="261" r:id="rId9"/>
-    <p:sldId id="262" r:id="rId10"/>
-    <p:sldId id="263" r:id="rId11"/>
-    <p:sldId id="264" r:id="rId12"/>
-    <p:sldId id="265" r:id="rId13"/>
-    <p:sldId id="266" r:id="rId14"/>
-    <p:sldId id="267" r:id="rId15"/>
-    <p:sldId id="268" r:id="rId16"/>
+    <p:sldId id="270" r:id="rId6"/>
+    <p:sldId id="260" r:id="rId7"/>
+    <p:sldId id="261" r:id="rId8"/>
+    <p:sldId id="262" r:id="rId9"/>
+    <p:sldId id="271" r:id="rId10"/>
+    <p:sldId id="272" r:id="rId11"/>
+    <p:sldId id="263" r:id="rId12"/>
+    <p:sldId id="264" r:id="rId13"/>
+    <p:sldId id="265" r:id="rId14"/>
+    <p:sldId id="266" r:id="rId15"/>
+    <p:sldId id="267" r:id="rId16"/>
+    <p:sldId id="268" r:id="rId17"/>
   </p:sldIdLst>
   <p:sldSz cx="9144000" cy="5143500" type="screen16x9"/>
   <p:notesSz cx="6858000" cy="9144000"/>
@@ -2045,7 +2046,7 @@
         </p:nvSpPr>
         <p:spPr>
           <a:xfrm>
-            <a:off x="381300" y="685800"/>
+            <a:off x="381000" y="685800"/>
             <a:ext cx="6096000" cy="3429000"/>
           </a:xfrm>
           <a:custGeom>
@@ -2167,7 +2168,7 @@
         </p:nvSpPr>
         <p:spPr>
           <a:xfrm>
-            <a:off x="381300" y="685800"/>
+            <a:off x="381000" y="685800"/>
             <a:ext cx="6096000" cy="3429000"/>
           </a:xfrm>
           <a:custGeom>
@@ -10396,6 +10397,98 @@
   <p:cSld>
     <p:spTree>
       <p:nvGrpSpPr>
+        <p:cNvPr id="1" name=""/>
+        <p:cNvGrpSpPr/>
+        <p:nvPr/>
+      </p:nvGrpSpPr>
+      <p:grpSpPr>
+        <a:xfrm>
+          <a:off x="0" y="0"/>
+          <a:ext cx="0" cy="0"/>
+          <a:chOff x="0" y="0"/>
+          <a:chExt cx="0" cy="0"/>
+        </a:xfrm>
+      </p:grpSpPr>
+      <p:sp>
+        <p:nvSpPr>
+          <p:cNvPr id="2" name="Titel 1">
+            <a:extLst>
+              <a:ext uri="{FF2B5EF4-FFF2-40B4-BE49-F238E27FC236}">
+                <a16:creationId xmlns:a16="http://schemas.microsoft.com/office/drawing/2014/main" id="{AA5372BE-C2DC-3966-10C6-A44261C2D11A}"/>
+              </a:ext>
+            </a:extLst>
+          </p:cNvPr>
+          <p:cNvSpPr>
+            <a:spLocks noGrp="1"/>
+          </p:cNvSpPr>
+          <p:nvPr>
+            <p:ph type="title"/>
+          </p:nvPr>
+        </p:nvSpPr>
+        <p:spPr/>
+        <p:txBody>
+          <a:bodyPr/>
+          <a:lstStyle/>
+          <a:p>
+            <a:r>
+              <a:rPr lang="de" dirty="0"/>
+              <a:t>2.2.2 </a:t>
+            </a:r>
+            <a:r>
+              <a:rPr lang="de-DE" dirty="0"/>
+              <a:t>SSH Schlüsselerzeugen</a:t>
+            </a:r>
+          </a:p>
+        </p:txBody>
+      </p:sp>
+      <p:pic>
+        <p:nvPicPr>
+          <p:cNvPr id="5" name="Grafik 4">
+            <a:extLst>
+              <a:ext uri="{FF2B5EF4-FFF2-40B4-BE49-F238E27FC236}">
+                <a16:creationId xmlns:a16="http://schemas.microsoft.com/office/drawing/2014/main" id="{F30D2F4A-F177-FF40-7E9C-2E9F1755CD4E}"/>
+              </a:ext>
+            </a:extLst>
+          </p:cNvPr>
+          <p:cNvPicPr>
+            <a:picLocks noChangeAspect="1"/>
+          </p:cNvPicPr>
+          <p:nvPr/>
+        </p:nvPicPr>
+        <p:blipFill>
+          <a:blip r:embed="rId2"/>
+          <a:stretch>
+            <a:fillRect/>
+          </a:stretch>
+        </p:blipFill>
+        <p:spPr>
+          <a:xfrm>
+            <a:off x="1515247" y="791484"/>
+            <a:ext cx="6208806" cy="3560532"/>
+          </a:xfrm>
+          <a:prstGeom prst="rect">
+            <a:avLst/>
+          </a:prstGeom>
+        </p:spPr>
+      </p:pic>
+    </p:spTree>
+    <p:extLst>
+      <p:ext uri="{BB962C8B-B14F-4D97-AF65-F5344CB8AC3E}">
+        <p14:creationId xmlns:p14="http://schemas.microsoft.com/office/powerpoint/2010/main" val="1463984318"/>
+      </p:ext>
+    </p:extLst>
+  </p:cSld>
+  <p:clrMapOvr>
+    <a:masterClrMapping/>
+  </p:clrMapOvr>
+</p:sld>
+</file>
+
+<file path=ppt/slides/slide11.xml><?xml version="1.0" encoding="utf-8"?>
+<p:sld xmlns:a="http://schemas.openxmlformats.org/drawingml/2006/main" xmlns:r="http://schemas.openxmlformats.org/officeDocument/2006/relationships" xmlns:p="http://schemas.openxmlformats.org/presentationml/2006/main">
+  <p:cSld>
+    <p:spTree>
+      <p:nvGrpSpPr>
         <p:cNvPr id="1" name="Shape 126"/>
         <p:cNvGrpSpPr/>
         <p:nvPr/>
@@ -10522,10 +10615,10 @@
               <a:buNone/>
             </a:pPr>
             <a:r>
-              <a:rPr lang="de"/>
+              <a:rPr lang="de" dirty="0"/>
               <a:t>Git ist ein verteiltes Versionskontrollsystem (VCS). Das bedeutet, dass die Versionsdaten auf mehreren Geräten gleichzeitig liegen. </a:t>
             </a:r>
-            <a:endParaRPr/>
+            <a:endParaRPr dirty="0"/>
           </a:p>
           <a:p>
             <a:pPr marL="0" lvl="0" indent="0" algn="l" rtl="0">
@@ -10542,10 +10635,10 @@
               <a:buNone/>
             </a:pPr>
             <a:r>
-              <a:rPr lang="de"/>
+              <a:rPr lang="de" dirty="0"/>
               <a:t>Sie liegen auf den Endgeräten der Nutzer ( =&gt; Repository) und auf einem Server, auf den die Nutzer zugreifen ( =&gt; remote Repository).</a:t>
             </a:r>
-            <a:endParaRPr/>
+            <a:endParaRPr dirty="0"/>
           </a:p>
           <a:p>
             <a:pPr marL="0" lvl="0" indent="0" algn="l" rtl="0">
@@ -10561,7 +10654,7 @@
               <a:buSzPts val="1400"/>
               <a:buNone/>
             </a:pPr>
-            <a:endParaRPr/>
+            <a:endParaRPr dirty="0"/>
           </a:p>
           <a:p>
             <a:pPr marL="0" lvl="0" indent="0" algn="l" rtl="0">
@@ -10578,10 +10671,10 @@
               <a:buNone/>
             </a:pPr>
             <a:r>
-              <a:rPr lang="de"/>
+              <a:rPr lang="de" dirty="0"/>
               <a:t>Zur Nutzung von Git gehört immer:</a:t>
             </a:r>
-            <a:endParaRPr/>
+            <a:endParaRPr dirty="0"/>
           </a:p>
           <a:p>
             <a:pPr marL="457200" lvl="0" indent="-317500" algn="l" rtl="0">
@@ -10598,10 +10691,10 @@
               <a:buChar char="●"/>
             </a:pPr>
             <a:r>
-              <a:rPr lang="de"/>
+              <a:rPr lang="de" dirty="0"/>
               <a:t>Das Programm Git auf eurem PC</a:t>
             </a:r>
-            <a:endParaRPr/>
+            <a:endParaRPr dirty="0"/>
           </a:p>
           <a:p>
             <a:pPr marL="457200" lvl="0" indent="-317500" algn="l" rtl="0">
@@ -10618,10 +10711,10 @@
               <a:buChar char="●"/>
             </a:pPr>
             <a:r>
-              <a:rPr lang="de"/>
+              <a:rPr lang="de" dirty="0"/>
               <a:t>Ein Cloud Hosting Dienst für das remote Repository (Github, Gitlab, Gitea, …)</a:t>
             </a:r>
-            <a:endParaRPr/>
+            <a:endParaRPr dirty="0"/>
           </a:p>
           <a:p>
             <a:pPr marL="457200" lvl="0" indent="-317500" algn="l" rtl="0">
@@ -10638,26 +10731,10 @@
               <a:buChar char="●"/>
             </a:pPr>
             <a:r>
-              <a:rPr lang="de"/>
+              <a:rPr lang="de" dirty="0"/>
               <a:t>=&gt; Git ≠ Github / Gitlab / Gitea</a:t>
             </a:r>
-            <a:endParaRPr/>
-          </a:p>
-          <a:p>
-            <a:pPr marL="0" lvl="0" indent="0" algn="l" rtl="0">
-              <a:lnSpc>
-                <a:spcPct val="100000"/>
-              </a:lnSpc>
-              <a:spcBef>
-                <a:spcPts val="320"/>
-              </a:spcBef>
-              <a:spcAft>
-                <a:spcPts val="0"/>
-              </a:spcAft>
-              <a:buSzPts val="1400"/>
-              <a:buNone/>
-            </a:pPr>
-            <a:endParaRPr/>
+            <a:endParaRPr dirty="0"/>
           </a:p>
           <a:p>
             <a:pPr marL="0" lvl="0" indent="0" algn="l" rtl="0">
@@ -10674,10 +10751,10 @@
               <a:buNone/>
             </a:pPr>
             <a:r>
-              <a:rPr lang="de"/>
+              <a:rPr lang="de" dirty="0"/>
               <a:t>Anleitung zur Installation von Git: </a:t>
             </a:r>
-            <a:endParaRPr/>
+            <a:endParaRPr dirty="0"/>
           </a:p>
           <a:p>
             <a:pPr marL="457200" lvl="0" indent="-317500" algn="l" rtl="0">
@@ -10694,7 +10771,7 @@
               <a:buChar char="●"/>
             </a:pPr>
             <a:r>
-              <a:rPr lang="de" u="sng">
+              <a:rPr lang="de" u="sng" dirty="0">
                 <a:solidFill>
                   <a:schemeClr val="hlink"/>
                 </a:solidFill>
@@ -10702,7 +10779,103 @@
               </a:rPr>
               <a:t>https://www.linode.com/docs/guides/how-to-install-git-on-linux-mac-and-windows/</a:t>
             </a:r>
-            <a:endParaRPr/>
+            <a:endParaRPr lang="de" u="sng" dirty="0">
+              <a:solidFill>
+                <a:schemeClr val="hlink"/>
+              </a:solidFill>
+            </a:endParaRPr>
+          </a:p>
+          <a:p>
+            <a:pPr marL="457200" lvl="0" indent="-317500" algn="l" rtl="0">
+              <a:lnSpc>
+                <a:spcPct val="100000"/>
+              </a:lnSpc>
+              <a:spcBef>
+                <a:spcPts val="320"/>
+              </a:spcBef>
+              <a:spcAft>
+                <a:spcPts val="0"/>
+              </a:spcAft>
+              <a:buSzPts val="1400"/>
+              <a:buChar char="●"/>
+            </a:pPr>
+            <a:r>
+              <a:rPr lang="de" sz="1300" dirty="0">
+                <a:solidFill>
+                  <a:schemeClr val="tx1"/>
+                </a:solidFill>
+              </a:rPr>
+              <a:t>Bei Linux meist Vorinstalliert und bei Windows mit „</a:t>
+            </a:r>
+            <a:r>
+              <a:rPr lang="de-DE" sz="1300" dirty="0" err="1">
+                <a:solidFill>
+                  <a:schemeClr val="tx1"/>
+                </a:solidFill>
+              </a:rPr>
+              <a:t>winget</a:t>
+            </a:r>
+            <a:r>
+              <a:rPr lang="de-DE" sz="1300" dirty="0">
+                <a:solidFill>
+                  <a:schemeClr val="tx1"/>
+                </a:solidFill>
+              </a:rPr>
+              <a:t> </a:t>
+            </a:r>
+            <a:r>
+              <a:rPr lang="de-DE" sz="1300" dirty="0" err="1">
+                <a:solidFill>
+                  <a:schemeClr val="tx1"/>
+                </a:solidFill>
+              </a:rPr>
+              <a:t>install</a:t>
+            </a:r>
+            <a:r>
+              <a:rPr lang="de-DE" sz="1300" dirty="0">
+                <a:solidFill>
+                  <a:schemeClr val="tx1"/>
+                </a:solidFill>
+              </a:rPr>
+              <a:t> -e --</a:t>
+            </a:r>
+            <a:r>
+              <a:rPr lang="de-DE" sz="1300" dirty="0" err="1">
+                <a:solidFill>
+                  <a:schemeClr val="tx1"/>
+                </a:solidFill>
+              </a:rPr>
+              <a:t>id</a:t>
+            </a:r>
+            <a:r>
+              <a:rPr lang="de-DE" sz="1300" dirty="0">
+                <a:solidFill>
+                  <a:schemeClr val="tx1"/>
+                </a:solidFill>
+              </a:rPr>
+              <a:t> </a:t>
+            </a:r>
+            <a:r>
+              <a:rPr lang="de-DE" sz="1300" dirty="0" err="1">
+                <a:solidFill>
+                  <a:schemeClr val="tx1"/>
+                </a:solidFill>
+              </a:rPr>
+              <a:t>Git.Git</a:t>
+            </a:r>
+            <a:r>
+              <a:rPr lang="de" sz="1300" dirty="0">
+                <a:solidFill>
+                  <a:schemeClr val="tx1"/>
+                </a:solidFill>
+              </a:rPr>
+              <a:t>“ installierbar</a:t>
+            </a:r>
+            <a:endParaRPr sz="1300" dirty="0">
+              <a:solidFill>
+                <a:schemeClr val="tx1"/>
+              </a:solidFill>
+            </a:endParaRPr>
           </a:p>
         </p:txBody>
       </p:sp>
@@ -10714,7 +10887,7 @@
 </p:sld>
 </file>
 
-<file path=ppt/slides/slide11.xml><?xml version="1.0" encoding="utf-8"?>
+<file path=ppt/slides/slide12.xml><?xml version="1.0" encoding="utf-8"?>
 <p:sld xmlns:a="http://schemas.openxmlformats.org/drawingml/2006/main" xmlns:r="http://schemas.openxmlformats.org/officeDocument/2006/relationships" xmlns:p="http://schemas.openxmlformats.org/presentationml/2006/main">
   <p:cSld>
     <p:spTree>
@@ -11210,7 +11383,7 @@
 </p:sld>
 </file>
 
-<file path=ppt/slides/slide12.xml><?xml version="1.0" encoding="utf-8"?>
+<file path=ppt/slides/slide13.xml><?xml version="1.0" encoding="utf-8"?>
 <p:sld xmlns:a="http://schemas.openxmlformats.org/drawingml/2006/main" xmlns:r="http://schemas.openxmlformats.org/officeDocument/2006/relationships" xmlns:p="http://schemas.openxmlformats.org/presentationml/2006/main">
   <p:cSld>
     <p:spTree>
@@ -11532,7 +11705,7 @@
 </p:sld>
 </file>
 
-<file path=ppt/slides/slide13.xml><?xml version="1.0" encoding="utf-8"?>
+<file path=ppt/slides/slide14.xml><?xml version="1.0" encoding="utf-8"?>
 <p:sld xmlns:a="http://schemas.openxmlformats.org/drawingml/2006/main" xmlns:r="http://schemas.openxmlformats.org/officeDocument/2006/relationships" xmlns:p="http://schemas.openxmlformats.org/presentationml/2006/main">
   <p:cSld>
     <p:spTree>
@@ -12293,7 +12466,7 @@
 </p:sld>
 </file>
 
-<file path=ppt/slides/slide14.xml><?xml version="1.0" encoding="utf-8"?>
+<file path=ppt/slides/slide15.xml><?xml version="1.0" encoding="utf-8"?>
 <p:sld xmlns:a="http://schemas.openxmlformats.org/drawingml/2006/main" xmlns:r="http://schemas.openxmlformats.org/officeDocument/2006/relationships" xmlns:p="http://schemas.openxmlformats.org/presentationml/2006/main">
   <p:cSld>
     <p:spTree>
@@ -12540,7 +12713,7 @@
 </p:sld>
 </file>
 
-<file path=ppt/slides/slide15.xml><?xml version="1.0" encoding="utf-8"?>
+<file path=ppt/slides/slide16.xml><?xml version="1.0" encoding="utf-8"?>
 <p:sld xmlns:a="http://schemas.openxmlformats.org/drawingml/2006/main" xmlns:r="http://schemas.openxmlformats.org/officeDocument/2006/relationships" xmlns:p="http://schemas.openxmlformats.org/presentationml/2006/main">
   <p:cSld>
     <p:spTree>
@@ -14060,347 +14233,6 @@
       </p:grpSpPr>
       <p:sp>
         <p:nvSpPr>
-          <p:cNvPr id="3" name="Textplatzhalter 2">
-            <a:extLst>
-              <a:ext uri="{FF2B5EF4-FFF2-40B4-BE49-F238E27FC236}">
-                <a16:creationId xmlns:a16="http://schemas.microsoft.com/office/drawing/2014/main" id="{1B9719A4-9C9F-14FE-7EE3-C38C02B6B017}"/>
-              </a:ext>
-            </a:extLst>
-          </p:cNvPr>
-          <p:cNvSpPr>
-            <a:spLocks noGrp="1"/>
-          </p:cNvSpPr>
-          <p:nvPr>
-            <p:ph type="body" idx="1"/>
-          </p:nvPr>
-        </p:nvSpPr>
-        <p:spPr/>
-        <p:txBody>
-          <a:bodyPr/>
-          <a:lstStyle/>
-          <a:p>
-            <a:pPr marL="0" lvl="0" indent="0" hangingPunct="0">
-              <a:lnSpc>
-                <a:spcPct val="100000"/>
-              </a:lnSpc>
-              <a:spcBef>
-                <a:spcPts val="320"/>
-              </a:spcBef>
-              <a:buClr>
-                <a:srgbClr val="000000"/>
-              </a:buClr>
-              <a:buSzPct val="100000"/>
-              <a:buAutoNum type="arabicPeriod"/>
-            </a:pPr>
-            <a:r>
-              <a:rPr lang="de-none" sz="1600" dirty="0">
-                <a:solidFill>
-                  <a:srgbClr val="000000"/>
-                </a:solidFill>
-                <a:highlight>
-                  <a:scrgbClr r="0" g="0" b="0">
-                    <a:alpha val="0"/>
-                  </a:scrgbClr>
-                </a:highlight>
-                <a:latin typeface="Arial"/>
-                <a:cs typeface="Arial"/>
-              </a:rPr>
-              <a:t>Windows-Terminal (ab Windows 11 Vorinstalliert)</a:t>
-            </a:r>
-          </a:p>
-          <a:p>
-            <a:pPr marL="0" lvl="1" indent="0" hangingPunct="0">
-              <a:lnSpc>
-                <a:spcPct val="100000"/>
-              </a:lnSpc>
-              <a:spcBef>
-                <a:spcPts val="1417"/>
-              </a:spcBef>
-              <a:buSzPct val="75000"/>
-              <a:buFont typeface="OpenSymbol"/>
-              <a:buChar char="–"/>
-            </a:pPr>
-            <a:r>
-              <a:rPr lang="de-none" sz="1100" dirty="0">
-                <a:solidFill>
-                  <a:srgbClr val="000000"/>
-                </a:solidFill>
-                <a:highlight>
-                  <a:scrgbClr r="0" g="0" b="0">
-                    <a:alpha val="0"/>
-                  </a:scrgbClr>
-                </a:highlight>
-                <a:latin typeface="Arial"/>
-                <a:cs typeface="Arial"/>
-              </a:rPr>
-              <a:t>Bei Windows 10 über den Microsoft Store oder „winget install -e -id Microsoft.WindowsTerminal“</a:t>
-            </a:r>
-            <a:br>
-              <a:rPr lang="de-none" sz="1600" dirty="0">
-                <a:solidFill>
-                  <a:srgbClr val="000000"/>
-                </a:solidFill>
-                <a:highlight>
-                  <a:scrgbClr r="0" g="0" b="0">
-                    <a:alpha val="0"/>
-                  </a:scrgbClr>
-                </a:highlight>
-                <a:latin typeface="Arial"/>
-                <a:cs typeface="Arial"/>
-              </a:rPr>
-            </a:br>
-            <a:endParaRPr lang="de-none" sz="1600" dirty="0">
-              <a:solidFill>
-                <a:srgbClr val="000000"/>
-              </a:solidFill>
-              <a:highlight>
-                <a:scrgbClr r="0" g="0" b="0">
-                  <a:alpha val="0"/>
-                </a:scrgbClr>
-              </a:highlight>
-              <a:latin typeface="Arial"/>
-              <a:cs typeface="Arial"/>
-            </a:endParaRPr>
-          </a:p>
-          <a:p>
-            <a:pPr marL="342900" lvl="0" indent="-342900" hangingPunct="0">
-              <a:lnSpc>
-                <a:spcPct val="100000"/>
-              </a:lnSpc>
-              <a:spcBef>
-                <a:spcPts val="320"/>
-              </a:spcBef>
-              <a:buClr>
-                <a:srgbClr val="000000"/>
-              </a:buClr>
-              <a:buSzPct val="100000"/>
-              <a:buFont typeface="+mj-lt"/>
-              <a:buAutoNum type="arabicPeriod"/>
-            </a:pPr>
-            <a:r>
-              <a:rPr lang="de-none" sz="1600" dirty="0">
-                <a:solidFill>
-                  <a:srgbClr val="000000"/>
-                </a:solidFill>
-                <a:highlight>
-                  <a:scrgbClr r="0" g="0" b="0">
-                    <a:alpha val="0"/>
-                  </a:scrgbClr>
-                </a:highlight>
-                <a:latin typeface="Arial"/>
-                <a:cs typeface="Arial"/>
-              </a:rPr>
-              <a:t>WSL 2.0 (Windows Subsystem for Linux)</a:t>
-            </a:r>
-          </a:p>
-          <a:p>
-            <a:pPr marL="342900" lvl="1" hangingPunct="0">
-              <a:lnSpc>
-                <a:spcPct val="100000"/>
-              </a:lnSpc>
-              <a:spcBef>
-                <a:spcPts val="0"/>
-              </a:spcBef>
-              <a:buClr>
-                <a:srgbClr val="000000"/>
-              </a:buClr>
-              <a:buSzPct val="100000"/>
-              <a:buFont typeface="+mj-lt"/>
-              <a:buAutoNum type="arabicPeriod"/>
-            </a:pPr>
-            <a:r>
-              <a:rPr lang="de-none" sz="1600" dirty="0">
-                <a:solidFill>
-                  <a:srgbClr val="000000"/>
-                </a:solidFill>
-                <a:highlight>
-                  <a:scrgbClr r="0" g="0" b="0">
-                    <a:alpha val="0"/>
-                  </a:scrgbClr>
-                </a:highlight>
-                <a:latin typeface="Arial"/>
-                <a:cs typeface="Arial"/>
-              </a:rPr>
-              <a:t>Linux parallel auf dem Windows nutzen</a:t>
-            </a:r>
-          </a:p>
-          <a:p>
-            <a:pPr marL="342900" lvl="1" hangingPunct="0">
-              <a:lnSpc>
-                <a:spcPct val="100000"/>
-              </a:lnSpc>
-              <a:spcBef>
-                <a:spcPts val="0"/>
-              </a:spcBef>
-              <a:buClr>
-                <a:srgbClr val="000000"/>
-              </a:buClr>
-              <a:buSzPct val="100000"/>
-              <a:buFont typeface="+mj-lt"/>
-              <a:buAutoNum type="arabicPeriod"/>
-            </a:pPr>
-            <a:r>
-              <a:rPr lang="de-none" sz="1600" dirty="0">
-                <a:solidFill>
-                  <a:srgbClr val="000000"/>
-                </a:solidFill>
-                <a:highlight>
-                  <a:scrgbClr r="0" g="0" b="0">
-                    <a:alpha val="0"/>
-                  </a:scrgbClr>
-                </a:highlight>
-                <a:latin typeface="Arial"/>
-                <a:cs typeface="Arial"/>
-              </a:rPr>
-              <a:t>Auch hier entweder über den Microsoft Store oder über winget</a:t>
-            </a:r>
-          </a:p>
-          <a:p>
-            <a:pPr marL="171450" lvl="3" indent="-171450" hangingPunct="0">
-              <a:spcBef>
-                <a:spcPts val="1417"/>
-              </a:spcBef>
-              <a:buSzPct val="45000"/>
-            </a:pPr>
-            <a:r>
-              <a:rPr lang="de-none" sz="1100" dirty="0">
-                <a:solidFill>
-                  <a:srgbClr val="000000"/>
-                </a:solidFill>
-                <a:highlight>
-                  <a:scrgbClr r="0" g="0" b="0">
-                    <a:alpha val="0"/>
-                  </a:scrgbClr>
-                </a:highlight>
-                <a:latin typeface="Arial"/>
-                <a:cs typeface="Arial"/>
-              </a:rPr>
-              <a:t>Für Ubuntu zum Beispiel „winget install -e -id Canonical.Ubuntu.2204“</a:t>
-            </a:r>
-          </a:p>
-          <a:p>
-            <a:pPr marL="171450" lvl="3" indent="-171450" hangingPunct="0">
-              <a:spcBef>
-                <a:spcPts val="1417"/>
-              </a:spcBef>
-              <a:buSzPct val="45000"/>
-            </a:pPr>
-            <a:r>
-              <a:rPr lang="de-none" sz="1100" dirty="0">
-                <a:solidFill>
-                  <a:srgbClr val="000000"/>
-                </a:solidFill>
-                <a:highlight>
-                  <a:scrgbClr r="0" g="0" b="0">
-                    <a:alpha val="0"/>
-                  </a:scrgbClr>
-                </a:highlight>
-                <a:latin typeface="Arial"/>
-                <a:cs typeface="Arial"/>
-              </a:rPr>
-              <a:t>Empfehlung: Kali Linux in seiner Full Installation, da hier auch parallel Linux GUI Anwendungen genutzt werden können </a:t>
-            </a:r>
-            <a:br>
-              <a:rPr lang="de-none" sz="1600" dirty="0">
-                <a:solidFill>
-                  <a:srgbClr val="000000"/>
-                </a:solidFill>
-                <a:highlight>
-                  <a:scrgbClr r="0" g="0" b="0">
-                    <a:alpha val="0"/>
-                  </a:scrgbClr>
-                </a:highlight>
-                <a:latin typeface="Arial"/>
-                <a:cs typeface="Arial"/>
-              </a:rPr>
-            </a:br>
-            <a:endParaRPr lang="de-none" sz="1600" dirty="0">
-              <a:solidFill>
-                <a:srgbClr val="000000"/>
-              </a:solidFill>
-              <a:highlight>
-                <a:scrgbClr r="0" g="0" b="0">
-                  <a:alpha val="0"/>
-                </a:scrgbClr>
-              </a:highlight>
-              <a:latin typeface="Arial"/>
-              <a:cs typeface="Arial"/>
-            </a:endParaRPr>
-          </a:p>
-        </p:txBody>
-      </p:sp>
-      <p:sp>
-        <p:nvSpPr>
-          <p:cNvPr id="2" name="Titel 1">
-            <a:extLst>
-              <a:ext uri="{FF2B5EF4-FFF2-40B4-BE49-F238E27FC236}">
-                <a16:creationId xmlns:a16="http://schemas.microsoft.com/office/drawing/2014/main" id="{38C4BDC4-8947-0B0B-4E5F-09032366A202}"/>
-              </a:ext>
-            </a:extLst>
-          </p:cNvPr>
-          <p:cNvSpPr>
-            <a:spLocks noGrp="1"/>
-          </p:cNvSpPr>
-          <p:nvPr>
-            <p:ph type="title"/>
-          </p:nvPr>
-        </p:nvSpPr>
-        <p:spPr/>
-        <p:txBody>
-          <a:bodyPr/>
-          <a:lstStyle/>
-          <a:p>
-            <a:r>
-              <a:rPr lang="de-none" sz="2200" b="1" dirty="0">
-                <a:solidFill>
-                  <a:srgbClr val="000000"/>
-                </a:solidFill>
-                <a:highlight>
-                  <a:scrgbClr r="0" g="0" b="0">
-                    <a:alpha val="0"/>
-                  </a:scrgbClr>
-                </a:highlight>
-                <a:latin typeface="Arial"/>
-                <a:cs typeface="Arial"/>
-              </a:rPr>
-              <a:t>1.1. Terminal und WSL (ab Windows 10)</a:t>
-            </a:r>
-            <a:endParaRPr lang="de-DE" dirty="0"/>
-          </a:p>
-        </p:txBody>
-      </p:sp>
-    </p:spTree>
-    <p:extLst>
-      <p:ext uri="{BB962C8B-B14F-4D97-AF65-F5344CB8AC3E}">
-        <p14:creationId xmlns:p14="http://schemas.microsoft.com/office/powerpoint/2010/main" val="3931121811"/>
-      </p:ext>
-    </p:extLst>
-  </p:cSld>
-  <p:clrMapOvr>
-    <a:masterClrMapping/>
-  </p:clrMapOvr>
-</p:sld>
-</file>
-
-<file path=ppt/slides/slide6.xml><?xml version="1.0" encoding="utf-8"?>
-<p:sld xmlns:a="http://schemas.openxmlformats.org/drawingml/2006/main" xmlns:r="http://schemas.openxmlformats.org/officeDocument/2006/relationships" xmlns:p="http://schemas.openxmlformats.org/presentationml/2006/main">
-  <p:cSld>
-    <p:spTree>
-      <p:nvGrpSpPr>
-        <p:cNvPr id="1" name=""/>
-        <p:cNvGrpSpPr/>
-        <p:nvPr/>
-      </p:nvGrpSpPr>
-      <p:grpSpPr>
-        <a:xfrm>
-          <a:off x="0" y="0"/>
-          <a:ext cx="0" cy="0"/>
-          <a:chOff x="0" y="0"/>
-          <a:chExt cx="0" cy="0"/>
-        </a:xfrm>
-      </p:grpSpPr>
-      <p:sp>
-        <p:nvSpPr>
           <p:cNvPr id="2" name="Titel 1">
             <a:extLst>
               <a:ext uri="{FF2B5EF4-FFF2-40B4-BE49-F238E27FC236}">
@@ -14493,14 +14325,15 @@
                   <a:alpha val="0"/>
                 </a:scrgbClr>
               </a:highlight>
-              <a:latin typeface="Arial"/>
-              <a:cs typeface="Arial"/>
             </a:endParaRPr>
           </a:p>
           <a:p>
-            <a:pPr marL="939800" lvl="1"/>
+            <a:pPr lvl="1">
+              <a:buFont typeface="Arial" panose="020B0604020202020204" pitchFamily="34" charset="0"/>
+              <a:buChar char="•"/>
+            </a:pPr>
             <a:r>
-              <a:rPr lang="de-none" sz="1200" dirty="0">
+              <a:rPr lang="de-none" sz="1300" dirty="0">
                 <a:solidFill>
                   <a:srgbClr val="000000"/>
                 </a:solidFill>
@@ -14514,7 +14347,7 @@
               </a:rPr>
               <a:t>Bei Windows 10 über den Microsoft Store oder „winget install -e -id Microsoft.WindowsTerminal“</a:t>
             </a:r>
-            <a:endParaRPr lang="de-DE" sz="1200" dirty="0">
+            <a:endParaRPr lang="de-DE" sz="1300" dirty="0">
               <a:solidFill>
                 <a:srgbClr val="000000"/>
               </a:solidFill>
@@ -14528,7 +14361,7 @@
             </a:endParaRPr>
           </a:p>
           <a:p>
-            <a:pPr marL="482600">
+            <a:pPr marL="508000" indent="-342900">
               <a:buFont typeface="+mj-lt"/>
               <a:buAutoNum type="arabicPeriod"/>
             </a:pPr>
@@ -14607,8 +14440,8 @@
         </p:nvSpPr>
         <p:spPr>
           <a:xfrm>
-            <a:off x="1029400" y="1905211"/>
-            <a:ext cx="3676757" cy="2274478"/>
+            <a:off x="979200" y="1996022"/>
+            <a:ext cx="3726957" cy="2274478"/>
           </a:xfrm>
           <a:prstGeom prst="rect">
             <a:avLst/>
@@ -14870,7 +14703,7 @@
             </a:lvl9pPr>
           </a:lstStyle>
           <a:p>
-            <a:pPr marL="342900" lvl="1" hangingPunct="0">
+            <a:pPr marL="266700" lvl="1" indent="-266700" hangingPunct="0">
               <a:spcBef>
                 <a:spcPts val="0"/>
               </a:spcBef>
@@ -14878,9 +14711,11 @@
                 <a:srgbClr val="000000"/>
               </a:buClr>
               <a:buSzPct val="100000"/>
+              <a:buFont typeface="Arial" panose="020B0604020202020204" pitchFamily="34" charset="0"/>
+              <a:buChar char="•"/>
             </a:pPr>
             <a:r>
-              <a:rPr lang="de-none" sz="1200" dirty="0">
+              <a:rPr lang="de-none" sz="1300" dirty="0">
                 <a:solidFill>
                   <a:srgbClr val="000000"/>
                 </a:solidFill>
@@ -14894,7 +14729,7 @@
               </a:rPr>
               <a:t>Linux parallel auf dem Windows nutzen</a:t>
             </a:r>
-            <a:endParaRPr lang="de-DE" sz="1200" dirty="0">
+            <a:endParaRPr lang="de-DE" sz="1300" dirty="0">
               <a:solidFill>
                 <a:srgbClr val="000000"/>
               </a:solidFill>
@@ -14908,7 +14743,7 @@
             </a:endParaRPr>
           </a:p>
           <a:p>
-            <a:pPr marL="342900" lvl="1" hangingPunct="0">
+            <a:pPr marL="266700" lvl="1" indent="-266700" hangingPunct="0">
               <a:spcBef>
                 <a:spcPts val="0"/>
               </a:spcBef>
@@ -14916,8 +14751,10 @@
                 <a:srgbClr val="000000"/>
               </a:buClr>
               <a:buSzPct val="100000"/>
+              <a:buFont typeface="Arial" panose="020B0604020202020204" pitchFamily="34" charset="0"/>
+              <a:buChar char="•"/>
             </a:pPr>
-            <a:endParaRPr lang="de-none" sz="1200" dirty="0">
+            <a:endParaRPr lang="de-none" sz="1300" dirty="0">
               <a:solidFill>
                 <a:srgbClr val="000000"/>
               </a:solidFill>
@@ -14931,7 +14768,7 @@
             </a:endParaRPr>
           </a:p>
           <a:p>
-            <a:pPr marL="342900" lvl="1" hangingPunct="0">
+            <a:pPr marL="266700" lvl="1" indent="-266700" hangingPunct="0">
               <a:spcBef>
                 <a:spcPts val="0"/>
               </a:spcBef>
@@ -14939,9 +14776,11 @@
                 <a:srgbClr val="000000"/>
               </a:buClr>
               <a:buSzPct val="100000"/>
+              <a:buFont typeface="Arial" panose="020B0604020202020204" pitchFamily="34" charset="0"/>
+              <a:buChar char="•"/>
             </a:pPr>
             <a:r>
-              <a:rPr lang="de-none" sz="1200" dirty="0">
+              <a:rPr lang="de-none" sz="1300" dirty="0">
                 <a:solidFill>
                   <a:srgbClr val="000000"/>
                 </a:solidFill>
@@ -14955,7 +14794,7 @@
               </a:rPr>
               <a:t>Auch hier entweder über den Microsoft Store oder über winget</a:t>
             </a:r>
-            <a:endParaRPr lang="de-DE" sz="1200" dirty="0">
+            <a:endParaRPr lang="de-DE" sz="1300" dirty="0">
               <a:solidFill>
                 <a:srgbClr val="000000"/>
               </a:solidFill>
@@ -14969,7 +14808,7 @@
             </a:endParaRPr>
           </a:p>
           <a:p>
-            <a:pPr marL="342900" lvl="1" hangingPunct="0">
+            <a:pPr marL="266700" lvl="1" indent="-266700" hangingPunct="0">
               <a:spcBef>
                 <a:spcPts val="0"/>
               </a:spcBef>
@@ -14977,8 +14816,10 @@
                 <a:srgbClr val="000000"/>
               </a:buClr>
               <a:buSzPct val="100000"/>
+              <a:buFont typeface="Arial" panose="020B0604020202020204" pitchFamily="34" charset="0"/>
+              <a:buChar char="•"/>
             </a:pPr>
-            <a:endParaRPr lang="de-DE" sz="1200" dirty="0">
+            <a:endParaRPr lang="de-DE" sz="1300" dirty="0">
               <a:solidFill>
                 <a:srgbClr val="000000"/>
               </a:solidFill>
@@ -14990,7 +14831,7 @@
             </a:endParaRPr>
           </a:p>
           <a:p>
-            <a:pPr marL="342900" lvl="1" hangingPunct="0">
+            <a:pPr marL="266700" lvl="1" indent="-266700" hangingPunct="0">
               <a:spcBef>
                 <a:spcPts val="0"/>
               </a:spcBef>
@@ -14998,9 +14839,11 @@
                 <a:srgbClr val="000000"/>
               </a:buClr>
               <a:buSzPct val="100000"/>
+              <a:buFont typeface="Arial" panose="020B0604020202020204" pitchFamily="34" charset="0"/>
+              <a:buChar char="•"/>
             </a:pPr>
             <a:r>
-              <a:rPr lang="de-none" sz="1200" dirty="0">
+              <a:rPr lang="de-none" sz="1300" dirty="0">
                 <a:solidFill>
                   <a:srgbClr val="000000"/>
                 </a:solidFill>
@@ -15015,7 +14858,7 @@
               <a:t>Für Ubuntu z</a:t>
             </a:r>
             <a:r>
-              <a:rPr lang="de-DE" sz="1200" dirty="0">
+              <a:rPr lang="de-DE" sz="1300" dirty="0">
                 <a:solidFill>
                   <a:srgbClr val="000000"/>
                 </a:solidFill>
@@ -15030,7 +14873,7 @@
               <a:t>.B. </a:t>
             </a:r>
             <a:r>
-              <a:rPr lang="de-none" sz="1200" dirty="0">
+              <a:rPr lang="de-none" sz="1300" dirty="0">
                 <a:solidFill>
                   <a:srgbClr val="000000"/>
                 </a:solidFill>
@@ -15046,7 +14889,7 @@
             </a:r>
           </a:p>
           <a:p>
-            <a:pPr marL="342900" lvl="1" hangingPunct="0">
+            <a:pPr marL="266700" lvl="1" indent="-266700" hangingPunct="0">
               <a:spcBef>
                 <a:spcPts val="0"/>
               </a:spcBef>
@@ -15054,8 +14897,10 @@
                 <a:srgbClr val="000000"/>
               </a:buClr>
               <a:buSzPct val="100000"/>
+              <a:buFont typeface="Arial" panose="020B0604020202020204" pitchFamily="34" charset="0"/>
+              <a:buChar char="•"/>
             </a:pPr>
-            <a:endParaRPr lang="de-DE" sz="1200" dirty="0">
+            <a:endParaRPr lang="de-DE" sz="1300" dirty="0">
               <a:solidFill>
                 <a:srgbClr val="000000"/>
               </a:solidFill>
@@ -15069,7 +14914,7 @@
             </a:endParaRPr>
           </a:p>
           <a:p>
-            <a:pPr marL="342900" lvl="1" hangingPunct="0">
+            <a:pPr marL="266700" lvl="1" indent="-266700" hangingPunct="0">
               <a:spcBef>
                 <a:spcPts val="0"/>
               </a:spcBef>
@@ -15077,9 +14922,11 @@
                 <a:srgbClr val="000000"/>
               </a:buClr>
               <a:buSzPct val="100000"/>
+              <a:buFont typeface="Arial" panose="020B0604020202020204" pitchFamily="34" charset="0"/>
+              <a:buChar char="•"/>
             </a:pPr>
             <a:r>
-              <a:rPr lang="de-none" sz="1200" dirty="0">
+              <a:rPr lang="de-none" sz="1300" dirty="0">
                 <a:solidFill>
                   <a:srgbClr val="000000"/>
                 </a:solidFill>
@@ -15094,7 +14941,7 @@
               <a:t>Empfehlung: Kali Linux</a:t>
             </a:r>
             <a:r>
-              <a:rPr lang="de-DE" sz="1200" dirty="0">
+              <a:rPr lang="de-DE" sz="1300" dirty="0">
                 <a:solidFill>
                   <a:srgbClr val="000000"/>
                 </a:solidFill>
@@ -15109,7 +14956,7 @@
               <a:t> mit </a:t>
             </a:r>
             <a:r>
-              <a:rPr lang="de-DE" sz="1200" dirty="0" err="1">
+              <a:rPr lang="de-DE" sz="1300" dirty="0" err="1">
                 <a:solidFill>
                   <a:srgbClr val="000000"/>
                 </a:solidFill>
@@ -15124,7 +14971,7 @@
               <a:t>Win-KeX</a:t>
             </a:r>
             <a:r>
-              <a:rPr lang="de-DE" sz="1200" dirty="0">
+              <a:rPr lang="de-DE" sz="1300" dirty="0">
                 <a:solidFill>
                   <a:srgbClr val="000000"/>
                 </a:solidFill>
@@ -15221,7 +15068,7 @@
 </p:sld>
 </file>
 
-<file path=ppt/slides/slide7.xml><?xml version="1.0" encoding="utf-8"?>
+<file path=ppt/slides/slide6.xml><?xml version="1.0" encoding="utf-8"?>
 <p:sld xmlns:a="http://schemas.openxmlformats.org/drawingml/2006/main" xmlns:r="http://schemas.openxmlformats.org/officeDocument/2006/relationships" xmlns:p="http://schemas.openxmlformats.org/presentationml/2006/main">
   <p:cSld>
     <p:spTree>
@@ -15331,10 +15178,10 @@
               <a:buNone/>
             </a:pPr>
             <a:r>
-              <a:rPr lang="de"/>
+              <a:rPr lang="de" dirty="0"/>
               <a:t>Für die Programmiersprache Java gibt es mehrere installierbare Pakete:</a:t>
             </a:r>
-            <a:endParaRPr/>
+            <a:endParaRPr dirty="0"/>
           </a:p>
           <a:p>
             <a:pPr marL="457200" lvl="0" indent="-317500" algn="l" rtl="0">
@@ -15351,10 +15198,10 @@
               <a:buChar char="●"/>
             </a:pPr>
             <a:r>
-              <a:rPr lang="de"/>
+              <a:rPr lang="de" dirty="0"/>
               <a:t>JRE (Java Runtime Environment) </a:t>
             </a:r>
-            <a:endParaRPr/>
+            <a:endParaRPr dirty="0"/>
           </a:p>
           <a:p>
             <a:pPr marL="914400" lvl="0" indent="-317500" algn="l" rtl="0">
@@ -15371,10 +15218,10 @@
               <a:buChar char="-"/>
             </a:pPr>
             <a:r>
-              <a:rPr lang="de"/>
+              <a:rPr lang="de" dirty="0"/>
               <a:t>notwendig zum Ausführen von Java Programmen, enthält u.A. die JVM</a:t>
             </a:r>
-            <a:endParaRPr/>
+            <a:endParaRPr dirty="0"/>
           </a:p>
           <a:p>
             <a:pPr marL="457200" lvl="0" indent="-317500" algn="l" rtl="0">
@@ -15391,10 +15238,10 @@
               <a:buChar char="●"/>
             </a:pPr>
             <a:r>
-              <a:rPr lang="de"/>
+              <a:rPr lang="de" dirty="0"/>
               <a:t>JDK (Java Development Kit)</a:t>
             </a:r>
-            <a:endParaRPr/>
+            <a:endParaRPr dirty="0"/>
           </a:p>
           <a:p>
             <a:pPr marL="914400" lvl="0" indent="-317500" algn="l" rtl="0">
@@ -15411,10 +15258,10 @@
               <a:buChar char="-"/>
             </a:pPr>
             <a:r>
-              <a:rPr lang="de"/>
+              <a:rPr lang="de" dirty="0"/>
               <a:t>notwendig zum Entwickeln von Java Programmen, enthält u.A. den Compiler und Bibliotheken</a:t>
             </a:r>
-            <a:endParaRPr/>
+            <a:endParaRPr dirty="0"/>
           </a:p>
           <a:p>
             <a:pPr marL="0" lvl="0" indent="0" algn="l" rtl="0">
@@ -15430,7 +15277,7 @@
               <a:buSzPts val="1400"/>
               <a:buNone/>
             </a:pPr>
-            <a:endParaRPr/>
+            <a:endParaRPr dirty="0"/>
           </a:p>
           <a:p>
             <a:pPr marL="0" lvl="0" indent="0" algn="l" rtl="0">
@@ -15447,26 +15294,26 @@
               <a:buNone/>
             </a:pPr>
             <a:r>
-              <a:rPr lang="de"/>
+              <a:rPr lang="de" dirty="0"/>
               <a:t>Ihr braucht </a:t>
             </a:r>
             <a:r>
-              <a:rPr lang="de" u="sng"/>
+              <a:rPr lang="de" u="sng" dirty="0"/>
               <a:t>nur das JDK</a:t>
             </a:r>
             <a:r>
-              <a:rPr lang="de"/>
+              <a:rPr lang="de" dirty="0"/>
               <a:t>, da dieses </a:t>
             </a:r>
             <a:r>
-              <a:rPr lang="de" u="sng"/>
+              <a:rPr lang="de" u="sng" dirty="0"/>
               <a:t>das JRE bereits beinhaltet</a:t>
             </a:r>
             <a:r>
-              <a:rPr lang="de"/>
+              <a:rPr lang="de" dirty="0"/>
               <a:t>.</a:t>
             </a:r>
-            <a:endParaRPr/>
+            <a:endParaRPr dirty="0"/>
           </a:p>
         </p:txBody>
       </p:sp>
@@ -15478,7 +15325,7 @@
 </p:sld>
 </file>
 
-<file path=ppt/slides/slide8.xml><?xml version="1.0" encoding="utf-8"?>
+<file path=ppt/slides/slide7.xml><?xml version="1.0" encoding="utf-8"?>
 <p:sld xmlns:a="http://schemas.openxmlformats.org/drawingml/2006/main" xmlns:r="http://schemas.openxmlformats.org/officeDocument/2006/relationships" xmlns:p="http://schemas.openxmlformats.org/presentationml/2006/main">
   <p:cSld>
     <p:spTree>
@@ -15588,10 +15435,10 @@
               <a:buNone/>
             </a:pPr>
             <a:r>
-              <a:rPr lang="de"/>
+              <a:rPr lang="de" dirty="0"/>
               <a:t>Installationsanleitungen für verschiedene Betriebssysteme:</a:t>
             </a:r>
-            <a:endParaRPr/>
+            <a:endParaRPr dirty="0"/>
           </a:p>
           <a:p>
             <a:pPr marL="0" lvl="0" indent="0" algn="l" rtl="0">
@@ -15607,7 +15454,7 @@
               <a:buSzPts val="1400"/>
               <a:buNone/>
             </a:pPr>
-            <a:endParaRPr/>
+            <a:endParaRPr dirty="0"/>
           </a:p>
           <a:p>
             <a:pPr marL="457200" lvl="0" indent="-298450" algn="l" rtl="0">
@@ -15624,10 +15471,10 @@
               <a:buChar char="●"/>
             </a:pPr>
             <a:r>
-              <a:rPr lang="de" sz="1300"/>
+              <a:rPr lang="de" sz="1300" dirty="0"/>
               <a:t>Windows</a:t>
             </a:r>
-            <a:endParaRPr sz="1300"/>
+            <a:endParaRPr sz="1300" dirty="0"/>
           </a:p>
           <a:p>
             <a:pPr marL="914400" lvl="1" indent="-323850" algn="l" rtl="0">
@@ -15644,11 +15491,11 @@
               <a:buChar char="-"/>
             </a:pPr>
             <a:r>
-              <a:rPr lang="de" sz="1300"/>
+              <a:rPr lang="de" sz="1300" dirty="0"/>
               <a:t>Manuell: </a:t>
             </a:r>
             <a:r>
-              <a:rPr lang="de" sz="1300" u="sng">
+              <a:rPr lang="de" sz="1300" u="sng" dirty="0">
                 <a:solidFill>
                   <a:schemeClr val="accent1"/>
                 </a:solidFill>
@@ -15656,9 +15503,9 @@
               <a:t>https://learn.microsoft.com/de-de/java/openjdk/install</a:t>
             </a:r>
             <a:br>
-              <a:rPr lang="de" sz="1300"/>
+              <a:rPr lang="de" sz="1300" dirty="0"/>
             </a:br>
-            <a:endParaRPr sz="1300"/>
+            <a:endParaRPr sz="1300" dirty="0"/>
           </a:p>
           <a:p>
             <a:pPr marL="457200" lvl="0" indent="-298450" algn="l" rtl="0">
@@ -15675,10 +15522,10 @@
               <a:buChar char="●"/>
             </a:pPr>
             <a:r>
-              <a:rPr lang="de" sz="1300"/>
+              <a:rPr lang="de" sz="1300" dirty="0"/>
               <a:t>Linux (Ubuntu)</a:t>
             </a:r>
-            <a:endParaRPr sz="1300"/>
+            <a:endParaRPr sz="1300" dirty="0"/>
           </a:p>
           <a:p>
             <a:pPr marL="914400" lvl="1" indent="-323850" algn="l" rtl="0">
@@ -15695,11 +15542,11 @@
               <a:buChar char="-"/>
             </a:pPr>
             <a:r>
-              <a:rPr lang="de" sz="1300"/>
+              <a:rPr lang="de" sz="1300" dirty="0"/>
               <a:t>APT: </a:t>
             </a:r>
             <a:r>
-              <a:rPr lang="de" sz="1300" u="sng">
+              <a:rPr lang="de" sz="1300" u="sng" dirty="0">
                 <a:solidFill>
                   <a:schemeClr val="accent1"/>
                 </a:solidFill>
@@ -15707,9 +15554,9 @@
               <a:t>https://wiki.ubuntuusers.de/Java/Installation/OpenJDK/</a:t>
             </a:r>
             <a:br>
-              <a:rPr lang="de" sz="1300"/>
+              <a:rPr lang="de" sz="1300" dirty="0"/>
             </a:br>
-            <a:endParaRPr sz="1300"/>
+            <a:endParaRPr sz="1300" dirty="0"/>
           </a:p>
           <a:p>
             <a:pPr marL="457200" lvl="0" indent="-298450" algn="l" rtl="0">
@@ -15726,10 +15573,10 @@
               <a:buChar char="●"/>
             </a:pPr>
             <a:r>
-              <a:rPr lang="de" sz="1300"/>
+              <a:rPr lang="de" sz="1300" dirty="0"/>
               <a:t>MacOS</a:t>
             </a:r>
-            <a:endParaRPr sz="1300"/>
+            <a:endParaRPr sz="1300" dirty="0"/>
           </a:p>
           <a:p>
             <a:pPr marL="914400" lvl="1" indent="-323850" algn="l" rtl="0">
@@ -15746,18 +15593,18 @@
               <a:buChar char="-"/>
             </a:pPr>
             <a:r>
-              <a:rPr lang="de" sz="1300"/>
+              <a:rPr lang="de" sz="1300" dirty="0"/>
               <a:t>Brew: </a:t>
             </a:r>
             <a:r>
-              <a:rPr lang="de" sz="1300" u="sng">
+              <a:rPr lang="de" sz="1300" u="sng" dirty="0">
                 <a:solidFill>
                   <a:schemeClr val="accent1"/>
                 </a:solidFill>
               </a:rPr>
               <a:t>https://mkyong.com/java/how-to-install-java-on-mac-osx/</a:t>
             </a:r>
-            <a:endParaRPr sz="1300" u="sng">
+            <a:endParaRPr sz="1300" u="sng" dirty="0">
               <a:solidFill>
                 <a:schemeClr val="accent1"/>
               </a:solidFill>
@@ -15773,7 +15620,7 @@
 </p:sld>
 </file>
 
-<file path=ppt/slides/slide9.xml><?xml version="1.0" encoding="utf-8"?>
+<file path=ppt/slides/slide8.xml><?xml version="1.0" encoding="utf-8"?>
 <p:sld xmlns:a="http://schemas.openxmlformats.org/drawingml/2006/main" xmlns:r="http://schemas.openxmlformats.org/officeDocument/2006/relationships" xmlns:p="http://schemas.openxmlformats.org/presentationml/2006/main">
   <p:cSld>
     <p:spTree>
@@ -15833,10 +15680,10 @@
               <a:buNone/>
             </a:pPr>
             <a:r>
-              <a:rPr lang="de"/>
+              <a:rPr lang="de" dirty="0"/>
               <a:t>2.2. SSH Schlüsselpaar generieren</a:t>
             </a:r>
-            <a:endParaRPr/>
+            <a:endParaRPr dirty="0"/>
           </a:p>
           <a:p>
             <a:pPr marL="0" lvl="0" indent="0" algn="l" rtl="0">
@@ -15853,10 +15700,10 @@
               <a:buNone/>
             </a:pPr>
             <a:r>
-              <a:rPr lang="de" sz="1100"/>
+              <a:rPr lang="de" sz="1100" dirty="0"/>
               <a:t>(nicht wichtig für das Tutorium)</a:t>
             </a:r>
-            <a:endParaRPr sz="1100"/>
+            <a:endParaRPr sz="1100" dirty="0"/>
           </a:p>
         </p:txBody>
       </p:sp>
@@ -15873,7 +15720,7 @@
         <p:spPr>
           <a:xfrm>
             <a:off x="431800" y="969675"/>
-            <a:ext cx="8375700" cy="3375000"/>
+            <a:ext cx="8215400" cy="3375000"/>
           </a:xfrm>
           <a:prstGeom prst="rect">
             <a:avLst/>
@@ -15903,10 +15750,10 @@
               <a:buNone/>
             </a:pPr>
             <a:r>
-              <a:rPr lang="de"/>
+              <a:rPr lang="de" dirty="0"/>
               <a:t>Zur automatischen Authentifizierung bei der Nutzung von Git wird ein sogenanntes SSH-Schlüsselpaar benötigt. </a:t>
             </a:r>
-            <a:endParaRPr/>
+            <a:endParaRPr dirty="0"/>
           </a:p>
           <a:p>
             <a:pPr marL="0" lvl="0" indent="0" algn="l" rtl="0">
@@ -15923,10 +15770,10 @@
               <a:buNone/>
             </a:pPr>
             <a:r>
-              <a:rPr lang="de"/>
+              <a:rPr lang="de" dirty="0"/>
               <a:t>Dieses besteht aus einem öffentlichen und einem privaten Schlüssel. </a:t>
             </a:r>
-            <a:endParaRPr/>
+            <a:endParaRPr dirty="0"/>
           </a:p>
           <a:p>
             <a:pPr marL="0" lvl="0" indent="0" algn="l" rtl="0">
@@ -15943,10 +15790,10 @@
               <a:buNone/>
             </a:pPr>
             <a:r>
-              <a:rPr lang="de"/>
+              <a:rPr lang="de" dirty="0"/>
               <a:t>Den öffentlichen Schlüssel stellt man Git zur Verfügung.</a:t>
             </a:r>
-            <a:endParaRPr/>
+            <a:endParaRPr dirty="0"/>
           </a:p>
           <a:p>
             <a:pPr marL="0" lvl="0" indent="0" algn="l" rtl="0">
@@ -15962,7 +15809,7 @@
               <a:buSzPts val="1400"/>
               <a:buNone/>
             </a:pPr>
-            <a:endParaRPr/>
+            <a:endParaRPr dirty="0"/>
           </a:p>
           <a:p>
             <a:pPr marL="0" lvl="0" indent="0" algn="l" rtl="0">
@@ -15979,27 +15826,17 @@
               <a:buNone/>
             </a:pPr>
             <a:r>
-              <a:rPr lang="de"/>
+              <a:rPr lang="de" dirty="0"/>
               <a:t>Generierung auf den verschiedenen Betriebssystemen:</a:t>
             </a:r>
-            <a:endParaRPr/>
-          </a:p>
-          <a:p>
-            <a:pPr marL="457200" lvl="0" indent="-298450" algn="l" rtl="0">
-              <a:lnSpc>
-                <a:spcPct val="100000"/>
-              </a:lnSpc>
-              <a:spcBef>
-                <a:spcPts val="320"/>
-              </a:spcBef>
-              <a:spcAft>
-                <a:spcPts val="0"/>
-              </a:spcAft>
+            <a:endParaRPr dirty="0"/>
+          </a:p>
+          <a:p>
+            <a:pPr indent="-298450">
               <a:buSzPts val="1100"/>
-              <a:buChar char="●"/>
             </a:pPr>
             <a:r>
-              <a:rPr lang="de" sz="1300" u="sng">
+              <a:rPr lang="de" sz="1300" u="sng" dirty="0">
                 <a:solidFill>
                   <a:schemeClr val="hlink"/>
                 </a:solidFill>
@@ -16007,11 +15844,129 @@
               </a:rPr>
               <a:t>https://www.digitalocean.com/community/tutorials/how-to-create-ssh-keys-with-openssh-on-macos-or-linux</a:t>
             </a:r>
-            <a:endParaRPr sz="1300"/>
+            <a:endParaRPr lang="de" sz="1400" dirty="0"/>
+          </a:p>
+          <a:p>
+            <a:pPr indent="-298450">
+              <a:buSzPts val="1100"/>
+            </a:pPr>
+            <a:r>
+              <a:rPr lang="de" sz="1400" dirty="0">
+                <a:solidFill>
+                  <a:schemeClr val="tx1"/>
+                </a:solidFill>
+              </a:rPr>
+              <a:t>Auf Linux und Windows Mittlerweile Identisch mit ssh-keygen (Ab Windows 10 Vorinstalliert)</a:t>
+            </a:r>
+          </a:p>
+          <a:p>
+            <a:pPr indent="-298450">
+              <a:buSzPts val="1100"/>
+            </a:pPr>
+            <a:r>
+              <a:rPr lang="de" sz="1400" dirty="0">
+                <a:solidFill>
+                  <a:schemeClr val="tx1"/>
+                </a:solidFill>
+              </a:rPr>
+              <a:t>Es folgt einmal ein Beispiel unter Windows 11 mit Powershell, aber exakt genauso unter Linux und Mac möglich</a:t>
+            </a:r>
           </a:p>
         </p:txBody>
       </p:sp>
     </p:spTree>
+  </p:cSld>
+  <p:clrMapOvr>
+    <a:masterClrMapping/>
+  </p:clrMapOvr>
+</p:sld>
+</file>
+
+<file path=ppt/slides/slide9.xml><?xml version="1.0" encoding="utf-8"?>
+<p:sld xmlns:a="http://schemas.openxmlformats.org/drawingml/2006/main" xmlns:r="http://schemas.openxmlformats.org/officeDocument/2006/relationships" xmlns:p="http://schemas.openxmlformats.org/presentationml/2006/main">
+  <p:cSld>
+    <p:spTree>
+      <p:nvGrpSpPr>
+        <p:cNvPr id="1" name=""/>
+        <p:cNvGrpSpPr/>
+        <p:nvPr/>
+      </p:nvGrpSpPr>
+      <p:grpSpPr>
+        <a:xfrm>
+          <a:off x="0" y="0"/>
+          <a:ext cx="0" cy="0"/>
+          <a:chOff x="0" y="0"/>
+          <a:chExt cx="0" cy="0"/>
+        </a:xfrm>
+      </p:grpSpPr>
+      <p:sp>
+        <p:nvSpPr>
+          <p:cNvPr id="2" name="Titel 1">
+            <a:extLst>
+              <a:ext uri="{FF2B5EF4-FFF2-40B4-BE49-F238E27FC236}">
+                <a16:creationId xmlns:a16="http://schemas.microsoft.com/office/drawing/2014/main" id="{C0C7D7AC-AB55-4978-F105-194884F294B0}"/>
+              </a:ext>
+            </a:extLst>
+          </p:cNvPr>
+          <p:cNvSpPr>
+            <a:spLocks noGrp="1"/>
+          </p:cNvSpPr>
+          <p:nvPr>
+            <p:ph type="title"/>
+          </p:nvPr>
+        </p:nvSpPr>
+        <p:spPr/>
+        <p:txBody>
+          <a:bodyPr/>
+          <a:lstStyle/>
+          <a:p>
+            <a:r>
+              <a:rPr lang="de" dirty="0"/>
+              <a:t>2.2.1 </a:t>
+            </a:r>
+            <a:r>
+              <a:rPr lang="de-DE" dirty="0"/>
+              <a:t>SSH Schlüsselerzeugen</a:t>
+            </a:r>
+          </a:p>
+        </p:txBody>
+      </p:sp>
+      <p:pic>
+        <p:nvPicPr>
+          <p:cNvPr id="5" name="Grafik 4">
+            <a:extLst>
+              <a:ext uri="{FF2B5EF4-FFF2-40B4-BE49-F238E27FC236}">
+                <a16:creationId xmlns:a16="http://schemas.microsoft.com/office/drawing/2014/main" id="{4D8D792A-9390-3518-50DC-313AB9265551}"/>
+              </a:ext>
+            </a:extLst>
+          </p:cNvPr>
+          <p:cNvPicPr>
+            <a:picLocks noChangeAspect="1"/>
+          </p:cNvPicPr>
+          <p:nvPr/>
+        </p:nvPicPr>
+        <p:blipFill>
+          <a:blip r:embed="rId2"/>
+          <a:stretch>
+            <a:fillRect/>
+          </a:stretch>
+        </p:blipFill>
+        <p:spPr>
+          <a:xfrm>
+            <a:off x="1515706" y="770102"/>
+            <a:ext cx="6544588" cy="3724795"/>
+          </a:xfrm>
+          <a:prstGeom prst="rect">
+            <a:avLst/>
+          </a:prstGeom>
+        </p:spPr>
+      </p:pic>
+    </p:spTree>
+    <p:extLst>
+      <p:ext uri="{BB962C8B-B14F-4D97-AF65-F5344CB8AC3E}">
+        <p14:creationId xmlns:p14="http://schemas.microsoft.com/office/powerpoint/2010/main" val="116044607"/>
+      </p:ext>
+    </p:extLst>
   </p:cSld>
   <p:clrMapOvr>
     <a:masterClrMapping/>

--- a/slides/00_installation_introduction.pptx
+++ b/slides/00_installation_introduction.pptx
@@ -1924,7 +1924,7 @@
         </p:nvSpPr>
         <p:spPr>
           <a:xfrm>
-            <a:off x="381300" y="685800"/>
+            <a:off x="381000" y="685800"/>
             <a:ext cx="6096000" cy="3429000"/>
           </a:xfrm>
           <a:custGeom>
@@ -15499,8 +15499,102 @@
                 <a:solidFill>
                   <a:schemeClr val="accent1"/>
                 </a:solidFill>
+                <a:hlinkClick r:id="rId3"/>
               </a:rPr>
               <a:t>https://learn.microsoft.com/de-de/java/openjdk/install</a:t>
+            </a:r>
+            <a:endParaRPr lang="de" sz="1300" u="sng" dirty="0">
+              <a:solidFill>
+                <a:schemeClr val="accent1"/>
+              </a:solidFill>
+            </a:endParaRPr>
+          </a:p>
+          <a:p>
+            <a:pPr marL="914400" lvl="1" indent="-323850" algn="l" rtl="0">
+              <a:lnSpc>
+                <a:spcPct val="100000"/>
+              </a:lnSpc>
+              <a:spcBef>
+                <a:spcPts val="0"/>
+              </a:spcBef>
+              <a:spcAft>
+                <a:spcPts val="0"/>
+              </a:spcAft>
+              <a:buSzPts val="1500"/>
+              <a:buChar char="-"/>
+            </a:pPr>
+            <a:r>
+              <a:rPr lang="de" sz="1300" dirty="0">
+                <a:solidFill>
+                  <a:schemeClr val="tx1"/>
+                </a:solidFill>
+              </a:rPr>
+              <a:t>Winget: „</a:t>
+            </a:r>
+            <a:r>
+              <a:rPr lang="de-DE" sz="1300" dirty="0" err="1">
+                <a:solidFill>
+                  <a:schemeClr val="tx1"/>
+                </a:solidFill>
+              </a:rPr>
+              <a:t>winget</a:t>
+            </a:r>
+            <a:r>
+              <a:rPr lang="de-DE" sz="1300" dirty="0">
+                <a:solidFill>
+                  <a:schemeClr val="tx1"/>
+                </a:solidFill>
+              </a:rPr>
+              <a:t> </a:t>
+            </a:r>
+            <a:r>
+              <a:rPr lang="de-DE" sz="1300" dirty="0" err="1">
+                <a:solidFill>
+                  <a:schemeClr val="tx1"/>
+                </a:solidFill>
+              </a:rPr>
+              <a:t>install</a:t>
+            </a:r>
+            <a:r>
+              <a:rPr lang="de-DE" sz="1300" dirty="0">
+                <a:solidFill>
+                  <a:schemeClr val="tx1"/>
+                </a:solidFill>
+              </a:rPr>
+              <a:t> -e --</a:t>
+            </a:r>
+            <a:r>
+              <a:rPr lang="de-DE" sz="1300" dirty="0" err="1">
+                <a:solidFill>
+                  <a:schemeClr val="tx1"/>
+                </a:solidFill>
+              </a:rPr>
+              <a:t>id</a:t>
+            </a:r>
+            <a:r>
+              <a:rPr lang="de-DE" sz="1300" dirty="0">
+                <a:solidFill>
+                  <a:schemeClr val="tx1"/>
+                </a:solidFill>
+              </a:rPr>
+              <a:t> Oracle.JDK.17“</a:t>
+            </a:r>
+          </a:p>
+          <a:p>
+            <a:pPr lvl="2" indent="-323850">
+              <a:spcBef>
+                <a:spcPts val="0"/>
+              </a:spcBef>
+              <a:buSzPts val="1500"/>
+              <a:buChar char="-"/>
+            </a:pPr>
+            <a:r>
+              <a:rPr lang="de-DE" sz="1300" dirty="0">
+                <a:solidFill>
+                  <a:schemeClr val="tx1"/>
+                </a:solidFill>
+              </a:rPr>
+              <a:t>Mit der Zahl am Ende, die Version</a:t>
             </a:r>
             <a:br>
               <a:rPr lang="de" sz="1300" dirty="0"/>
@@ -15550,8 +15644,63 @@
                 <a:solidFill>
                   <a:schemeClr val="accent1"/>
                 </a:solidFill>
+                <a:hlinkClick r:id="rId4"/>
               </a:rPr>
               <a:t>https://wiki.ubuntuusers.de/Java/Installation/OpenJDK/</a:t>
+            </a:r>
+            <a:endParaRPr lang="de" sz="1300" u="sng" dirty="0">
+              <a:solidFill>
+                <a:schemeClr val="accent1"/>
+              </a:solidFill>
+            </a:endParaRPr>
+          </a:p>
+          <a:p>
+            <a:pPr lvl="2" indent="-323850">
+              <a:spcBef>
+                <a:spcPts val="0"/>
+              </a:spcBef>
+              <a:buSzPts val="1500"/>
+              <a:buChar char="-"/>
+            </a:pPr>
+            <a:r>
+              <a:rPr lang="de-DE" sz="1300" dirty="0" err="1"/>
+              <a:t>Z.b.</a:t>
+            </a:r>
+            <a:r>
+              <a:rPr lang="de-DE" sz="1300" dirty="0"/>
+              <a:t>: Für </a:t>
+            </a:r>
+            <a:r>
+              <a:rPr lang="de-DE" sz="1300" dirty="0" err="1"/>
+              <a:t>Ubunutu</a:t>
+            </a:r>
+            <a:r>
+              <a:rPr lang="de-DE" sz="1300" dirty="0"/>
+              <a:t> „</a:t>
+            </a:r>
+            <a:r>
+              <a:rPr lang="de-DE" sz="1300" dirty="0" err="1"/>
+              <a:t>apt</a:t>
+            </a:r>
+            <a:r>
+              <a:rPr lang="de-DE" sz="1300" dirty="0"/>
+              <a:t> </a:t>
+            </a:r>
+            <a:r>
+              <a:rPr lang="de-DE" sz="1300" dirty="0" err="1"/>
+              <a:t>install</a:t>
+            </a:r>
+            <a:r>
+              <a:rPr lang="de-DE" sz="1300" dirty="0"/>
+              <a:t> </a:t>
+            </a:r>
+            <a:r>
+              <a:rPr lang="de-DE" sz="1300" dirty="0" err="1"/>
+              <a:t>default-jdk</a:t>
+            </a:r>
+            <a:r>
+              <a:rPr lang="de-DE" sz="1300" dirty="0"/>
+              <a:t>“</a:t>
             </a:r>
             <a:br>
               <a:rPr lang="de" sz="1300" dirty="0"/>
